--- a/발표자료/BCN, Giga인터넷/네트워크기초(BCN, 기가인터넷).pptx
+++ b/발표자료/BCN, Giga인터넷/네트워크기초(BCN, 기가인터넷).pptx
@@ -2,7 +2,7 @@
 <file path=ppt/presentation.xml><?xml version="1.0" encoding="utf-8"?>
 <p:presentation xmlns:r="http://schemas.openxmlformats.org/officeDocument/2006/relationships" xmlns:c="http://schemas.openxmlformats.org/drawingml/2006/chart" xmlns:a="http://schemas.openxmlformats.org/drawingml/2006/main" xmlns:dgm="http://schemas.openxmlformats.org/drawingml/2006/diagram" xmlns:dsp="http://schemas.microsoft.com/office/drawing/2008/diagram" xmlns:p="http://schemas.openxmlformats.org/presentationml/2006/main" saveSubsetFonts="1">
   <p:sldMasterIdLst>
-    <p:sldMasterId id="2147483665" r:id="rId1"/>
+    <p:sldMasterId id="2147483662" r:id="rId1"/>
   </p:sldMasterIdLst>
   <p:notesMasterIdLst>
     <p:notesMasterId r:id="rId2"/>
@@ -20,7 +20,6 @@
     <p:sldId id="265" r:id="rId12"/>
     <p:sldId id="266" r:id="rId13"/>
     <p:sldId id="267" r:id="rId14"/>
-    <p:sldId id="268" r:id="rId15"/>
   </p:sldIdLst>
   <p:sldSz cx="12192000" cy="6858000"/>
   <p:notesSz cx="6858000" cy="9144000"/>
@@ -217,7 +216,7 @@
               <a:pPr lvl="0">
                 <a:defRPr/>
               </a:pPr>
-              <a:t>2018-05-05</a:t>
+              <a:t>2018-05-06</a:t>
             </a:fld>
             <a:endParaRPr lang="ko-KR" altLang="en-US"/>
           </a:p>
@@ -700,7 +699,7 @@
               <a:pPr lvl="0">
                 <a:defRPr/>
               </a:pPr>
-              <a:t>6</a:t>
+              <a:t>7</a:t>
             </a:fld>
             <a:endParaRPr lang="en-US" altLang="en-US"/>
           </a:p>
@@ -799,7 +798,7 @@
               <a:pPr lvl="0">
                 <a:defRPr/>
               </a:pPr>
-              <a:t>8</a:t>
+              <a:t>9</a:t>
             </a:fld>
             <a:endParaRPr lang="en-US" altLang="en-US"/>
           </a:p>
@@ -899,105 +898,6 @@
                 <a:defRPr/>
               </a:pPr>
               <a:t>10</a:t>
-            </a:fld>
-            <a:endParaRPr lang="en-US" altLang="en-US"/>
-          </a:p>
-        </p:txBody>
-      </p:sp>
-    </p:spTree>
-  </p:cSld>
-</p:notes>
-</file>
-
-<file path=ppt/notesSlides/notesSlide5.xml><?xml version="1.0" encoding="utf-8"?>
-<p:notes xmlns:r="http://schemas.openxmlformats.org/officeDocument/2006/relationships" xmlns:c="http://schemas.openxmlformats.org/drawingml/2006/chart" xmlns:a="http://schemas.openxmlformats.org/drawingml/2006/main" xmlns:dgm="http://schemas.openxmlformats.org/drawingml/2006/diagram" xmlns:dsp="http://schemas.microsoft.com/office/drawing/2008/diagram" xmlns:p="http://schemas.openxmlformats.org/presentationml/2006/main">
-  <p:cSld>
-    <p:spTree>
-      <p:nvGrpSpPr>
-        <p:cNvPr id="1" name=""/>
-        <p:cNvGrpSpPr/>
-        <p:nvPr/>
-      </p:nvGrpSpPr>
-      <p:grpSpPr>
-        <a:xfrm>
-          <a:off x="0" y="0"/>
-          <a:ext cx="0" cy="0"/>
-          <a:chOff x="0" y="0"/>
-          <a:chExt cx="0" cy="0"/>
-        </a:xfrm>
-      </p:grpSpPr>
-      <p:sp>
-        <p:nvSpPr>
-          <p:cNvPr id="2" name="슬라이드 이미지 개체 틀 3"/>
-          <p:cNvSpPr>
-            <a:spLocks noGrp="1" noRot="1" noChangeAspect="1" noTextEdit="1"/>
-          </p:cNvSpPr>
-          <p:nvPr>
-            <p:ph type="sldImg" idx="2"/>
-          </p:nvPr>
-        </p:nvSpPr>
-        <p:spPr/>
-        <p:txBody>
-          <a:bodyPr/>
-          <a:lstStyle/>
-          <a:p>
-            <a:pPr>
-              <a:defRPr/>
-            </a:pPr>
-            <a:endParaRPr lang="ko-KR" altLang="en-US"/>
-          </a:p>
-        </p:txBody>
-      </p:sp>
-      <p:sp>
-        <p:nvSpPr>
-          <p:cNvPr id="3" name="슬라이드 노트 개체 틀 4"/>
-          <p:cNvSpPr>
-            <a:spLocks noGrp="1"/>
-          </p:cNvSpPr>
-          <p:nvPr>
-            <p:ph type="body" sz="quarter" idx="3"/>
-          </p:nvPr>
-        </p:nvSpPr>
-        <p:spPr/>
-        <p:txBody>
-          <a:bodyPr/>
-          <a:lstStyle/>
-          <a:p>
-            <a:pPr>
-              <a:defRPr/>
-            </a:pPr>
-            <a:r>
-              <a:rPr lang="ko-KR" altLang="en-US"/>
-              <a:t/>
-            </a:r>
-            <a:endParaRPr lang="ko-KR" altLang="en-US"/>
-          </a:p>
-        </p:txBody>
-      </p:sp>
-      <p:sp>
-        <p:nvSpPr>
-          <p:cNvPr id="4" name="슬라이드 번호 개체 틀 6"/>
-          <p:cNvSpPr>
-            <a:spLocks noGrp="1"/>
-          </p:cNvSpPr>
-          <p:nvPr>
-            <p:ph type="sldNum" sz="quarter" idx="5"/>
-          </p:nvPr>
-        </p:nvSpPr>
-        <p:spPr/>
-        <p:txBody>
-          <a:bodyPr/>
-          <a:lstStyle/>
-          <a:p>
-            <a:pPr lvl="0">
-              <a:defRPr/>
-            </a:pPr>
-            <a:fld id="{09F4262C-968C-4EE9-8164-CE16364706B3}" type="slidenum">
-              <a:rPr lang="en-US" altLang="en-US"/>
-              <a:pPr lvl="0">
-                <a:defRPr/>
-              </a:pPr>
-              <a:t>11</a:t>
             </a:fld>
             <a:endParaRPr lang="en-US" altLang="en-US"/>
           </a:p>
@@ -5188,1002 +5088,7 @@
         <p:spPr>
           <a:xfrm>
             <a:off x="5880734" y="6440454"/>
-            <a:ext cx="468631" cy="291816"/>
-          </a:xfrm>
-          <a:prstGeom prst="rect">
-            <a:avLst/>
-          </a:prstGeom>
-          <a:noFill/>
-        </p:spPr>
-        <p:txBody>
-          <a:bodyPr wrap="none">
-            <a:spAutoFit/>
-          </a:bodyPr>
-          <a:lstStyle/>
-          <a:p>
-            <a:pPr algn="ctr">
-              <a:defRPr/>
-            </a:pPr>
-            <a:r>
-              <a:rPr lang="en-US" altLang="ko-KR" sz="1400">
-                <a:ln w="9525">
-                  <a:solidFill>
-                    <a:schemeClr val="bg1">
-                      <a:alpha val="0"/>
-                    </a:schemeClr>
-                  </a:solidFill>
-                </a:ln>
-                <a:solidFill>
-                  <a:schemeClr val="bg1"/>
-                </a:solidFill>
-                <a:latin typeface="배달의민족 주아"/>
-                <a:ea typeface="배달의민족 주아"/>
-              </a:rPr>
-              <a:t>3</a:t>
-            </a:r>
-            <a:r>
-              <a:rPr lang="ko-KR" altLang="en-US" sz="1400">
-                <a:ln w="9525">
-                  <a:solidFill>
-                    <a:schemeClr val="bg1">
-                      <a:alpha val="0"/>
-                    </a:schemeClr>
-                  </a:solidFill>
-                </a:ln>
-                <a:solidFill>
-                  <a:schemeClr val="bg1"/>
-                </a:solidFill>
-                <a:latin typeface="배달의민족 주아"/>
-                <a:ea typeface="배달의민족 주아"/>
-              </a:rPr>
-              <a:t>조</a:t>
-            </a:r>
-            <a:endParaRPr lang="ko-KR" altLang="en-US" sz="1400">
-              <a:ln w="9525">
-                <a:solidFill>
-                  <a:schemeClr val="bg1">
-                    <a:alpha val="0"/>
-                  </a:schemeClr>
-                </a:solidFill>
-              </a:ln>
-              <a:solidFill>
-                <a:schemeClr val="bg1"/>
-              </a:solidFill>
-              <a:latin typeface="배달의민족 주아"/>
-              <a:ea typeface="배달의민족 주아"/>
-            </a:endParaRPr>
-          </a:p>
-        </p:txBody>
-      </p:sp>
-      <p:sp>
-        <p:nvSpPr>
-          <p:cNvPr id="81" name="직사각형 80"/>
-          <p:cNvSpPr/>
-          <p:nvPr/>
-        </p:nvSpPr>
-        <p:spPr>
-          <a:xfrm>
-            <a:off x="3409887" y="2019362"/>
-            <a:ext cx="1569720" cy="385316"/>
-          </a:xfrm>
-          <a:prstGeom prst="rect">
-            <a:avLst/>
-          </a:prstGeom>
-          <a:solidFill>
-            <a:srgbClr val="202226"/>
-          </a:solidFill>
-          <a:ln>
-            <a:noFill/>
-          </a:ln>
-        </p:spPr>
-        <p:style>
-          <a:lnRef idx="2">
-            <a:schemeClr val="accent1">
-              <a:shade val="50000"/>
-            </a:schemeClr>
-          </a:lnRef>
-          <a:fillRef idx="1">
-            <a:schemeClr val="accent1"/>
-          </a:fillRef>
-          <a:effectRef idx="0">
-            <a:schemeClr val="accent1"/>
-          </a:effectRef>
-          <a:fontRef idx="minor">
-            <a:schemeClr val="lt1"/>
-          </a:fontRef>
-        </p:style>
-        <p:txBody>
-          <a:bodyPr anchor="ctr"/>
-          <a:lstStyle/>
-          <a:p>
-            <a:pPr algn="ctr">
-              <a:defRPr/>
-            </a:pPr>
-            <a:endParaRPr lang="ko-KR" altLang="en-US"/>
-          </a:p>
-        </p:txBody>
-      </p:sp>
-      <p:sp>
-        <p:nvSpPr>
-          <p:cNvPr id="106" name="이등변 삼각형 105"/>
-          <p:cNvSpPr/>
-          <p:nvPr/>
-        </p:nvSpPr>
-        <p:spPr>
-          <a:xfrm flipV="1">
-            <a:off x="5992607" y="5259593"/>
-            <a:ext cx="206785" cy="104657"/>
-          </a:xfrm>
-          <a:prstGeom prst="triangle">
-            <a:avLst>
-              <a:gd name="adj" fmla="val 50000"/>
-            </a:avLst>
-          </a:prstGeom>
-          <a:solidFill>
-            <a:schemeClr val="bg1"/>
-          </a:solidFill>
-          <a:ln>
-            <a:noFill/>
-          </a:ln>
-        </p:spPr>
-        <p:style>
-          <a:lnRef idx="2">
-            <a:schemeClr val="accent1">
-              <a:shade val="50000"/>
-            </a:schemeClr>
-          </a:lnRef>
-          <a:fillRef idx="1">
-            <a:schemeClr val="accent1"/>
-          </a:fillRef>
-          <a:effectRef idx="0">
-            <a:schemeClr val="accent1"/>
-          </a:effectRef>
-          <a:fontRef idx="minor">
-            <a:schemeClr val="lt1"/>
-          </a:fontRef>
-        </p:style>
-        <p:txBody>
-          <a:bodyPr anchor="ctr"/>
-          <a:lstStyle/>
-          <a:p>
-            <a:pPr algn="ctr">
-              <a:defRPr/>
-            </a:pPr>
-            <a:endParaRPr lang="ko-KR" altLang="en-US"/>
-          </a:p>
-        </p:txBody>
-      </p:sp>
-      <p:sp>
-        <p:nvSpPr>
-          <p:cNvPr id="109" name="모서리가 둥근 직사각형 108"/>
-          <p:cNvSpPr/>
-          <p:nvPr/>
-        </p:nvSpPr>
-        <p:spPr>
-          <a:xfrm>
-            <a:off x="5189007" y="5441017"/>
-            <a:ext cx="1813985" cy="394127"/>
-          </a:xfrm>
-          <a:prstGeom prst="roundRect">
-            <a:avLst>
-              <a:gd name="adj" fmla="val 50000"/>
-            </a:avLst>
-          </a:prstGeom>
-          <a:noFill/>
-          <a:ln w="25400">
-            <a:solidFill>
-              <a:srgbClr val="f3b67f"/>
-            </a:solidFill>
-          </a:ln>
-        </p:spPr>
-        <p:style>
-          <a:lnRef idx="2">
-            <a:schemeClr val="accent1">
-              <a:shade val="50000"/>
-            </a:schemeClr>
-          </a:lnRef>
-          <a:fillRef idx="1">
-            <a:schemeClr val="accent1"/>
-          </a:fillRef>
-          <a:effectRef idx="0">
-            <a:schemeClr val="accent1"/>
-          </a:effectRef>
-          <a:fontRef idx="minor">
-            <a:schemeClr val="lt1"/>
-          </a:fontRef>
-        </p:style>
-        <p:txBody>
-          <a:bodyPr anchor="ctr"/>
-          <a:lstStyle/>
-          <a:p>
-            <a:pPr algn="ctr">
-              <a:defRPr/>
-            </a:pPr>
-            <a:endParaRPr lang="ko-KR" altLang="en-US">
-              <a:solidFill>
-                <a:schemeClr val="bg1"/>
-              </a:solidFill>
-            </a:endParaRPr>
-          </a:p>
-        </p:txBody>
-      </p:sp>
-      <p:sp>
-        <p:nvSpPr>
-          <p:cNvPr id="111" name="TextBox 110"/>
-          <p:cNvSpPr txBox="1"/>
-          <p:nvPr/>
-        </p:nvSpPr>
-        <p:spPr>
-          <a:xfrm>
-            <a:off x="5766434" y="5483627"/>
-            <a:ext cx="630556" cy="296143"/>
-          </a:xfrm>
-          <a:prstGeom prst="rect">
-            <a:avLst/>
-          </a:prstGeom>
-          <a:noFill/>
-        </p:spPr>
-        <p:txBody>
-          <a:bodyPr wrap="none">
-            <a:spAutoFit/>
-          </a:bodyPr>
-          <a:lstStyle/>
-          <a:p>
-            <a:pPr algn="ctr">
-              <a:defRPr/>
-            </a:pPr>
-            <a:r>
-              <a:rPr lang="en-US" altLang="ko-KR" sz="1400">
-                <a:ln w="9525">
-                  <a:solidFill>
-                    <a:srgbClr val="f3b67f">
-                      <a:alpha val="0"/>
-                    </a:srgbClr>
-                  </a:solidFill>
-                </a:ln>
-                <a:solidFill>
-                  <a:srgbClr val="f3b67f"/>
-                </a:solidFill>
-                <a:latin typeface="배달의민족 주아"/>
-                <a:ea typeface="배달의민족 주아"/>
-              </a:rPr>
-              <a:t>FTTH</a:t>
-            </a:r>
-            <a:endParaRPr lang="en-US" altLang="ko-KR" sz="1400">
-              <a:ln w="9525">
-                <a:solidFill>
-                  <a:srgbClr val="f3b67f">
-                    <a:alpha val="0"/>
-                  </a:srgbClr>
-                </a:solidFill>
-              </a:ln>
-              <a:solidFill>
-                <a:srgbClr val="f3b67f"/>
-              </a:solidFill>
-              <a:latin typeface="배달의민족 주아"/>
-              <a:ea typeface="배달의민족 주아"/>
-            </a:endParaRPr>
-          </a:p>
-        </p:txBody>
-      </p:sp>
-      <p:sp>
-        <p:nvSpPr>
-          <p:cNvPr id="113" name="직사각형 66"/>
-          <p:cNvSpPr/>
-          <p:nvPr/>
-        </p:nvSpPr>
-        <p:spPr>
-          <a:xfrm>
-            <a:off x="2186352" y="1893459"/>
-            <a:ext cx="7819296" cy="4167887"/>
-          </a:xfrm>
-          <a:prstGeom prst="rect">
-            <a:avLst/>
-          </a:prstGeom>
-          <a:noFill/>
-          <a:ln w="41275">
-            <a:solidFill>
-              <a:schemeClr val="bg1"/>
-            </a:solidFill>
-          </a:ln>
-        </p:spPr>
-        <p:style>
-          <a:lnRef idx="2">
-            <a:schemeClr val="accent1">
-              <a:shade val="50000"/>
-            </a:schemeClr>
-          </a:lnRef>
-          <a:fillRef idx="1">
-            <a:schemeClr val="accent1"/>
-          </a:fillRef>
-          <a:effectRef idx="0">
-            <a:schemeClr val="accent1"/>
-          </a:effectRef>
-          <a:fontRef idx="minor">
-            <a:schemeClr val="lt1"/>
-          </a:fontRef>
-        </p:style>
-        <p:txBody>
-          <a:bodyPr anchor="ctr"/>
-          <a:lstStyle/>
-          <a:p>
-            <a:pPr algn="ctr">
-              <a:defRPr/>
-            </a:pPr>
-            <a:endParaRPr lang="ko-KR" altLang="en-US"/>
-          </a:p>
-        </p:txBody>
-      </p:sp>
-      <p:sp>
-        <p:nvSpPr>
-          <p:cNvPr id="115" name="이등변 삼각형 126"/>
-          <p:cNvSpPr/>
-          <p:nvPr/>
-        </p:nvSpPr>
-        <p:spPr>
-          <a:xfrm flipH="1">
-            <a:off x="9708172" y="5769182"/>
-            <a:ext cx="203200" cy="203200"/>
-          </a:xfrm>
-          <a:prstGeom prst="triangle">
-            <a:avLst>
-              <a:gd name="adj" fmla="val 0"/>
-            </a:avLst>
-          </a:prstGeom>
-          <a:solidFill>
-            <a:srgbClr val="f3b67f"/>
-          </a:solidFill>
-          <a:ln>
-            <a:noFill/>
-          </a:ln>
-        </p:spPr>
-        <p:style>
-          <a:lnRef idx="2">
-            <a:schemeClr val="accent1">
-              <a:shade val="50000"/>
-            </a:schemeClr>
-          </a:lnRef>
-          <a:fillRef idx="1">
-            <a:schemeClr val="accent1"/>
-          </a:fillRef>
-          <a:effectRef idx="0">
-            <a:schemeClr val="accent1"/>
-          </a:effectRef>
-          <a:fontRef idx="minor">
-            <a:schemeClr val="lt1"/>
-          </a:fontRef>
-        </p:style>
-        <p:txBody>
-          <a:bodyPr anchor="ctr"/>
-          <a:lstStyle/>
-          <a:p>
-            <a:pPr algn="ctr">
-              <a:defRPr/>
-            </a:pPr>
-            <a:endParaRPr lang="ko-KR" altLang="en-US"/>
-          </a:p>
-        </p:txBody>
-      </p:sp>
-      <p:sp>
-        <p:nvSpPr>
-          <p:cNvPr id="116" name="TextBox 162"/>
-          <p:cNvSpPr txBox="1"/>
-          <p:nvPr/>
-        </p:nvSpPr>
-        <p:spPr>
-          <a:xfrm>
-            <a:off x="7986658" y="6127530"/>
-            <a:ext cx="2067932" cy="276999"/>
-          </a:xfrm>
-          <a:prstGeom prst="rect">
-            <a:avLst/>
-          </a:prstGeom>
-          <a:noFill/>
-        </p:spPr>
-        <p:txBody>
-          <a:bodyPr wrap="none">
-            <a:spAutoFit/>
-          </a:bodyPr>
-          <a:lstStyle/>
-          <a:p>
-            <a:pPr lvl="0">
-              <a:defRPr/>
-            </a:pPr>
-            <a:r>
-              <a:rPr lang="ko-KR" altLang="en-US" sz="1200">
-                <a:ln w="9525">
-                  <a:solidFill>
-                    <a:schemeClr val="bg1">
-                      <a:alpha val="0"/>
-                    </a:schemeClr>
-                  </a:solidFill>
-                </a:ln>
-                <a:solidFill>
-                  <a:schemeClr val="bg1"/>
-                </a:solidFill>
-                <a:latin typeface="배달의민족 주아"/>
-                <a:ea typeface="배달의민족 주아"/>
-              </a:rPr>
-              <a:t>출처 </a:t>
-            </a:r>
-            <a:r>
-              <a:rPr lang="en-US" altLang="ko-KR" sz="1200">
-                <a:ln w="9525">
-                  <a:solidFill>
-                    <a:schemeClr val="bg1">
-                      <a:alpha val="0"/>
-                    </a:schemeClr>
-                  </a:solidFill>
-                </a:ln>
-                <a:solidFill>
-                  <a:schemeClr val="bg1"/>
-                </a:solidFill>
-                <a:latin typeface="배달의민족 주아"/>
-                <a:ea typeface="배달의민족 주아"/>
-              </a:rPr>
-              <a:t>: </a:t>
-            </a:r>
-            <a:r>
-              <a:rPr lang="ko-KR" altLang="en-US" sz="1200">
-                <a:ln w="9525">
-                  <a:solidFill>
-                    <a:schemeClr val="bg1">
-                      <a:alpha val="0"/>
-                    </a:schemeClr>
-                  </a:solidFill>
-                </a:ln>
-                <a:solidFill>
-                  <a:schemeClr val="bg1"/>
-                </a:solidFill>
-                <a:latin typeface="배달의민족 주아"/>
-                <a:ea typeface="배달의민족 주아"/>
-              </a:rPr>
-              <a:t>적어주는거 잊지말고</a:t>
-            </a:r>
-            <a:endParaRPr lang="en-US" altLang="ko-KR" sz="1200">
-              <a:ln w="9525">
-                <a:solidFill>
-                  <a:schemeClr val="bg1">
-                    <a:alpha val="0"/>
-                  </a:schemeClr>
-                </a:solidFill>
-              </a:ln>
-              <a:solidFill>
-                <a:schemeClr val="bg1"/>
-              </a:solidFill>
-              <a:latin typeface="배달의민족 주아"/>
-              <a:ea typeface="배달의민족 주아"/>
-            </a:endParaRPr>
-          </a:p>
-        </p:txBody>
-      </p:sp>
-      <p:pic>
-        <p:nvPicPr>
-          <p:cNvPr id="118" name=""/>
-          <p:cNvPicPr>
-            <a:picLocks noChangeAspect="1"/>
-          </p:cNvPicPr>
-          <p:nvPr/>
-        </p:nvPicPr>
-        <p:blipFill rotWithShape="1">
-          <a:blip r:embed="rId3"/>
-          <a:stretch>
-            <a:fillRect/>
-          </a:stretch>
-        </p:blipFill>
-        <p:spPr>
-          <a:xfrm>
-            <a:off x="2700660" y="2031153"/>
-            <a:ext cx="6790679" cy="3144943"/>
-          </a:xfrm>
-          <a:prstGeom prst="rect">
-            <a:avLst/>
-          </a:prstGeom>
-        </p:spPr>
-      </p:pic>
-    </p:spTree>
-  </p:cSld>
-  <p:clrMapOvr>
-    <a:masterClrMapping/>
-  </p:clrMapOvr>
-  <mc:AlternateContent xmlns:mc="http://schemas.openxmlformats.org/markup-compatibility/2006">
-    <mc:Choice xmlns:p14="http://schemas.microsoft.com/office/powerpoint/2010/main" Requires="p14">
-      <p:transition xmlns:mc="http://schemas.openxmlformats.org/markup-compatibility/2006" xmlns:p14="http://schemas.microsoft.com/office/powerpoint/2010/main" mc:Ignorable="p14" p14:dur="500"/>
-    </mc:Choice>
-    <mc:Fallback>
-      <p:transition/>
-    </mc:Fallback>
-  </mc:AlternateContent>
-</p:sld>
-</file>
-
-<file path=ppt/slides/slide11.xml><?xml version="1.0" encoding="utf-8"?>
-<p:sld xmlns:r="http://schemas.openxmlformats.org/officeDocument/2006/relationships" xmlns:c="http://schemas.openxmlformats.org/drawingml/2006/chart" xmlns:a="http://schemas.openxmlformats.org/drawingml/2006/main" xmlns:dgm="http://schemas.openxmlformats.org/drawingml/2006/diagram" xmlns:dsp="http://schemas.microsoft.com/office/drawing/2008/diagram" xmlns:p="http://schemas.openxmlformats.org/presentationml/2006/main">
-  <p:cSld>
-    <p:spTree>
-      <p:nvGrpSpPr>
-        <p:cNvPr id="1" name=""/>
-        <p:cNvGrpSpPr/>
-        <p:nvPr/>
-      </p:nvGrpSpPr>
-      <p:grpSpPr>
-        <a:xfrm>
-          <a:off x="0" y="0"/>
-          <a:ext cx="0" cy="0"/>
-          <a:chOff x="0" y="0"/>
-          <a:chExt cx="0" cy="0"/>
-        </a:xfrm>
-      </p:grpSpPr>
-      <p:grpSp>
-        <p:nvGrpSpPr>
-          <p:cNvPr id="3" name="그룹 2"/>
-          <p:cNvGrpSpPr/>
-          <p:nvPr/>
-        </p:nvGrpSpPr>
-        <p:grpSpPr>
-          <a:xfrm rot="0">
-            <a:off x="5885857" y="6177394"/>
-            <a:ext cx="420286" cy="150177"/>
-            <a:chOff x="5885857" y="4737577"/>
-            <a:chExt cx="420286" cy="150177"/>
-          </a:xfrm>
-        </p:grpSpPr>
-        <p:cxnSp>
-          <p:nvCxnSpPr>
-            <p:cNvPr id="16" name="직선 연결선 15"/>
-            <p:cNvCxnSpPr/>
-            <p:nvPr/>
-          </p:nvCxnSpPr>
-          <p:spPr>
-            <a:xfrm>
-              <a:off x="5885857" y="4766042"/>
-              <a:ext cx="0" cy="93249"/>
-            </a:xfrm>
-            <a:prstGeom prst="line">
-              <a:avLst/>
-            </a:prstGeom>
-            <a:ln w="28575" cap="rnd">
-              <a:solidFill>
-                <a:schemeClr val="bg1"/>
-              </a:solidFill>
-            </a:ln>
-          </p:spPr>
-          <p:style>
-            <a:lnRef idx="1">
-              <a:schemeClr val="accent1"/>
-            </a:lnRef>
-            <a:fillRef idx="0">
-              <a:schemeClr val="accent1"/>
-            </a:fillRef>
-            <a:effectRef idx="0">
-              <a:schemeClr val="accent1"/>
-            </a:effectRef>
-            <a:fontRef idx="minor">
-              <a:schemeClr val="tx1"/>
-            </a:fontRef>
-          </p:style>
-        </p:cxnSp>
-        <p:cxnSp>
-          <p:nvCxnSpPr>
-            <p:cNvPr id="17" name="직선 연결선 16"/>
-            <p:cNvCxnSpPr/>
-            <p:nvPr/>
-          </p:nvCxnSpPr>
-          <p:spPr>
-            <a:xfrm>
-              <a:off x="6096000" y="4737577"/>
-              <a:ext cx="0" cy="150177"/>
-            </a:xfrm>
-            <a:prstGeom prst="line">
-              <a:avLst/>
-            </a:prstGeom>
-            <a:ln w="28575" cap="rnd">
-              <a:solidFill>
-                <a:schemeClr val="bg1"/>
-              </a:solidFill>
-            </a:ln>
-          </p:spPr>
-          <p:style>
-            <a:lnRef idx="1">
-              <a:schemeClr val="accent1"/>
-            </a:lnRef>
-            <a:fillRef idx="0">
-              <a:schemeClr val="accent1"/>
-            </a:fillRef>
-            <a:effectRef idx="0">
-              <a:schemeClr val="accent1"/>
-            </a:effectRef>
-            <a:fontRef idx="minor">
-              <a:schemeClr val="tx1"/>
-            </a:fontRef>
-          </p:style>
-        </p:cxnSp>
-        <p:cxnSp>
-          <p:nvCxnSpPr>
-            <p:cNvPr id="18" name="직선 연결선 17"/>
-            <p:cNvCxnSpPr/>
-            <p:nvPr/>
-          </p:nvCxnSpPr>
-          <p:spPr>
-            <a:xfrm>
-              <a:off x="6306143" y="4766040"/>
-              <a:ext cx="0" cy="93249"/>
-            </a:xfrm>
-            <a:prstGeom prst="line">
-              <a:avLst/>
-            </a:prstGeom>
-            <a:ln w="28575" cap="rnd">
-              <a:solidFill>
-                <a:schemeClr val="bg1"/>
-              </a:solidFill>
-            </a:ln>
-          </p:spPr>
-          <p:style>
-            <a:lnRef idx="1">
-              <a:schemeClr val="accent1"/>
-            </a:lnRef>
-            <a:fillRef idx="0">
-              <a:schemeClr val="accent1"/>
-            </a:fillRef>
-            <a:effectRef idx="0">
-              <a:schemeClr val="accent1"/>
-            </a:effectRef>
-            <a:fontRef idx="minor">
-              <a:schemeClr val="tx1"/>
-            </a:fontRef>
-          </p:style>
-        </p:cxnSp>
-      </p:grpSp>
-      <p:sp>
-        <p:nvSpPr>
-          <p:cNvPr id="24" name="TextBox 23"/>
-          <p:cNvSpPr txBox="1"/>
-          <p:nvPr/>
-        </p:nvSpPr>
-        <p:spPr>
-          <a:xfrm>
-            <a:off x="4075224" y="919533"/>
-            <a:ext cx="4045790" cy="523220"/>
-          </a:xfrm>
-          <a:prstGeom prst="rect">
-            <a:avLst/>
-          </a:prstGeom>
-          <a:noFill/>
-        </p:spPr>
-        <p:txBody>
-          <a:bodyPr wrap="none">
-            <a:spAutoFit/>
-          </a:bodyPr>
-          <a:lstStyle/>
-          <a:p>
-            <a:pPr lvl="0">
-              <a:defRPr/>
-            </a:pPr>
-            <a:r>
-              <a:rPr lang="en-US" altLang="ko-KR" sz="2800">
-                <a:ln w="9525">
-                  <a:solidFill>
-                    <a:schemeClr val="bg1">
-                      <a:alpha val="0"/>
-                    </a:schemeClr>
-                  </a:solidFill>
-                </a:ln>
-                <a:solidFill>
-                  <a:schemeClr val="bg1"/>
-                </a:solidFill>
-                <a:latin typeface="배달의민족 주아"/>
-                <a:ea typeface="배달의민족 주아"/>
-              </a:rPr>
-              <a:t>Giga</a:t>
-            </a:r>
-            <a:r>
-              <a:rPr lang="ko-KR" altLang="en-US" sz="2800">
-                <a:ln w="9525">
-                  <a:solidFill>
-                    <a:schemeClr val="bg1">
-                      <a:alpha val="0"/>
-                    </a:schemeClr>
-                  </a:solidFill>
-                </a:ln>
-                <a:solidFill>
-                  <a:schemeClr val="bg1"/>
-                </a:solidFill>
-                <a:latin typeface="배달의민족 주아"/>
-                <a:ea typeface="배달의민족 주아"/>
-              </a:rPr>
-              <a:t> 인터넷의 주요기술</a:t>
-            </a:r>
-            <a:endParaRPr lang="ko-KR" altLang="en-US" sz="2800">
-              <a:ln w="9525">
-                <a:solidFill>
-                  <a:schemeClr val="bg1">
-                    <a:alpha val="0"/>
-                  </a:schemeClr>
-                </a:solidFill>
-              </a:ln>
-              <a:solidFill>
-                <a:schemeClr val="bg1"/>
-              </a:solidFill>
-              <a:latin typeface="배달의민족 주아"/>
-              <a:ea typeface="배달의민족 주아"/>
-            </a:endParaRPr>
-          </a:p>
-        </p:txBody>
-      </p:sp>
-      <p:grpSp>
-        <p:nvGrpSpPr>
-          <p:cNvPr id="8" name="그룹 7"/>
-          <p:cNvGrpSpPr/>
-          <p:nvPr/>
-        </p:nvGrpSpPr>
-        <p:grpSpPr>
-          <a:xfrm rot="0">
-            <a:off x="5621930" y="487835"/>
-            <a:ext cx="948139" cy="400110"/>
-            <a:chOff x="5621930" y="676811"/>
-            <a:chExt cx="948139" cy="400110"/>
-          </a:xfrm>
-        </p:grpSpPr>
-        <p:cxnSp>
-          <p:nvCxnSpPr>
-            <p:cNvPr id="12" name="직선 연결선 11"/>
-            <p:cNvCxnSpPr/>
-            <p:nvPr/>
-          </p:nvCxnSpPr>
-          <p:spPr>
-            <a:xfrm>
-              <a:off x="5774330" y="791641"/>
-              <a:ext cx="0" cy="147590"/>
-            </a:xfrm>
-            <a:prstGeom prst="line">
-              <a:avLst/>
-            </a:prstGeom>
-            <a:ln w="28575" cap="rnd">
-              <a:solidFill>
-                <a:srgbClr val="6991b1"/>
-              </a:solidFill>
-            </a:ln>
-          </p:spPr>
-          <p:style>
-            <a:lnRef idx="1">
-              <a:schemeClr val="accent1"/>
-            </a:lnRef>
-            <a:fillRef idx="0">
-              <a:schemeClr val="accent1"/>
-            </a:fillRef>
-            <a:effectRef idx="0">
-              <a:schemeClr val="accent1"/>
-            </a:effectRef>
-            <a:fontRef idx="minor">
-              <a:schemeClr val="tx1"/>
-            </a:fontRef>
-          </p:style>
-        </p:cxnSp>
-        <p:sp>
-          <p:nvSpPr>
-            <p:cNvPr id="23" name="직사각형 22"/>
-            <p:cNvSpPr/>
-            <p:nvPr/>
-          </p:nvSpPr>
-          <p:spPr>
-            <a:xfrm>
-              <a:off x="5912836" y="726584"/>
-              <a:ext cx="366326" cy="277704"/>
-            </a:xfrm>
-            <a:prstGeom prst="rect">
-              <a:avLst/>
-            </a:prstGeom>
-            <a:solidFill>
-              <a:srgbClr val="6991b1"/>
-            </a:solidFill>
-            <a:ln>
-              <a:noFill/>
-            </a:ln>
-          </p:spPr>
-          <p:style>
-            <a:lnRef idx="2">
-              <a:schemeClr val="accent1">
-                <a:shade val="50000"/>
-              </a:schemeClr>
-            </a:lnRef>
-            <a:fillRef idx="1">
-              <a:schemeClr val="accent1"/>
-            </a:fillRef>
-            <a:effectRef idx="0">
-              <a:schemeClr val="accent1"/>
-            </a:effectRef>
-            <a:fontRef idx="minor">
-              <a:schemeClr val="lt1"/>
-            </a:fontRef>
-          </p:style>
-          <p:txBody>
-            <a:bodyPr anchor="ctr"/>
-            <a:lstStyle/>
-            <a:p>
-              <a:pPr algn="ctr">
-                <a:defRPr/>
-              </a:pPr>
-              <a:endParaRPr lang="ko-KR" altLang="en-US"/>
-            </a:p>
-          </p:txBody>
-        </p:sp>
-        <p:sp>
-          <p:nvSpPr>
-            <p:cNvPr id="22" name="TextBox 21"/>
-            <p:cNvSpPr txBox="1"/>
-            <p:nvPr/>
-          </p:nvSpPr>
-          <p:spPr>
-            <a:xfrm>
-              <a:off x="5862890" y="676811"/>
-              <a:ext cx="486475" cy="400110"/>
-            </a:xfrm>
-            <a:prstGeom prst="rect">
-              <a:avLst/>
-            </a:prstGeom>
-            <a:noFill/>
-          </p:spPr>
-          <p:txBody>
-            <a:bodyPr wrap="none">
-              <a:spAutoFit/>
-            </a:bodyPr>
-            <a:lstStyle/>
-            <a:p>
-              <a:pPr lvl="0">
-                <a:defRPr/>
-              </a:pPr>
-              <a:r>
-                <a:rPr lang="en-US" altLang="ko-KR" sz="2000">
-                  <a:ln w="9525">
-                    <a:solidFill>
-                      <a:schemeClr val="accent1">
-                        <a:shade val="50000"/>
-                        <a:alpha val="0"/>
-                      </a:schemeClr>
-                    </a:solidFill>
-                  </a:ln>
-                  <a:solidFill>
-                    <a:schemeClr val="bg1"/>
-                  </a:solidFill>
-                  <a:latin typeface="배달의민족 주아"/>
-                  <a:ea typeface="배달의민족 주아"/>
-                </a:rPr>
-                <a:t>09</a:t>
-              </a:r>
-              <a:endParaRPr lang="en-US" altLang="ko-KR" sz="2000">
-                <a:ln w="9525">
-                  <a:solidFill>
-                    <a:schemeClr val="accent1">
-                      <a:shade val="50000"/>
-                      <a:alpha val="0"/>
-                    </a:schemeClr>
-                  </a:solidFill>
-                </a:ln>
-                <a:solidFill>
-                  <a:schemeClr val="bg1"/>
-                </a:solidFill>
-                <a:latin typeface="배달의민족 주아"/>
-                <a:ea typeface="배달의민족 주아"/>
-              </a:endParaRPr>
-            </a:p>
-          </p:txBody>
-        </p:sp>
-        <p:cxnSp>
-          <p:nvCxnSpPr>
-            <p:cNvPr id="28" name="직선 연결선 27"/>
-            <p:cNvCxnSpPr/>
-            <p:nvPr/>
-          </p:nvCxnSpPr>
-          <p:spPr>
-            <a:xfrm>
-              <a:off x="5621930" y="820216"/>
-              <a:ext cx="0" cy="90440"/>
-            </a:xfrm>
-            <a:prstGeom prst="line">
-              <a:avLst/>
-            </a:prstGeom>
-            <a:ln w="28575" cap="rnd">
-              <a:solidFill>
-                <a:srgbClr val="6991b1"/>
-              </a:solidFill>
-            </a:ln>
-          </p:spPr>
-          <p:style>
-            <a:lnRef idx="1">
-              <a:schemeClr val="accent1"/>
-            </a:lnRef>
-            <a:fillRef idx="0">
-              <a:schemeClr val="accent1"/>
-            </a:fillRef>
-            <a:effectRef idx="0">
-              <a:schemeClr val="accent1"/>
-            </a:effectRef>
-            <a:fontRef idx="minor">
-              <a:schemeClr val="tx1"/>
-            </a:fontRef>
-          </p:style>
-        </p:cxnSp>
-        <p:cxnSp>
-          <p:nvCxnSpPr>
-            <p:cNvPr id="29" name="직선 연결선 28"/>
-            <p:cNvCxnSpPr/>
-            <p:nvPr/>
-          </p:nvCxnSpPr>
-          <p:spPr>
-            <a:xfrm>
-              <a:off x="6417669" y="791641"/>
-              <a:ext cx="0" cy="147590"/>
-            </a:xfrm>
-            <a:prstGeom prst="line">
-              <a:avLst/>
-            </a:prstGeom>
-            <a:ln w="28575" cap="rnd">
-              <a:solidFill>
-                <a:srgbClr val="6991b1"/>
-              </a:solidFill>
-            </a:ln>
-          </p:spPr>
-          <p:style>
-            <a:lnRef idx="1">
-              <a:schemeClr val="accent1"/>
-            </a:lnRef>
-            <a:fillRef idx="0">
-              <a:schemeClr val="accent1"/>
-            </a:fillRef>
-            <a:effectRef idx="0">
-              <a:schemeClr val="accent1"/>
-            </a:effectRef>
-            <a:fontRef idx="minor">
-              <a:schemeClr val="tx1"/>
-            </a:fontRef>
-          </p:style>
-        </p:cxnSp>
-        <p:cxnSp>
-          <p:nvCxnSpPr>
-            <p:cNvPr id="30" name="직선 연결선 29"/>
-            <p:cNvCxnSpPr/>
-            <p:nvPr/>
-          </p:nvCxnSpPr>
-          <p:spPr>
-            <a:xfrm>
-              <a:off x="6570069" y="820216"/>
-              <a:ext cx="0" cy="90440"/>
-            </a:xfrm>
-            <a:prstGeom prst="line">
-              <a:avLst/>
-            </a:prstGeom>
-            <a:ln w="28575" cap="rnd">
-              <a:solidFill>
-                <a:srgbClr val="6991b1"/>
-              </a:solidFill>
-            </a:ln>
-          </p:spPr>
-          <p:style>
-            <a:lnRef idx="1">
-              <a:schemeClr val="accent1"/>
-            </a:lnRef>
-            <a:fillRef idx="0">
-              <a:schemeClr val="accent1"/>
-            </a:fillRef>
-            <a:effectRef idx="0">
-              <a:schemeClr val="accent1"/>
-            </a:effectRef>
-            <a:fontRef idx="minor">
-              <a:schemeClr val="tx1"/>
-            </a:fontRef>
-          </p:style>
-        </p:cxnSp>
-      </p:grpSp>
-      <p:sp>
-        <p:nvSpPr>
-          <p:cNvPr id="66" name="TextBox 65"/>
-          <p:cNvSpPr txBox="1"/>
-          <p:nvPr/>
-        </p:nvSpPr>
-        <p:spPr>
-          <a:xfrm>
-            <a:off x="5880734" y="6440454"/>
-            <a:ext cx="468631" cy="291816"/>
+            <a:ext cx="459105" cy="291816"/>
           </a:xfrm>
           <a:prstGeom prst="rect">
             <a:avLst/>
@@ -6692,7 +5597,7 @@
 </p:sld>
 </file>
 
-<file path=ppt/slides/slide12.xml><?xml version="1.0" encoding="utf-8"?>
+<file path=ppt/slides/slide11.xml><?xml version="1.0" encoding="utf-8"?>
 <p:sld xmlns:r="http://schemas.openxmlformats.org/officeDocument/2006/relationships" xmlns:c="http://schemas.openxmlformats.org/drawingml/2006/chart" xmlns:a="http://schemas.openxmlformats.org/drawingml/2006/main" xmlns:dgm="http://schemas.openxmlformats.org/drawingml/2006/diagram" xmlns:dsp="http://schemas.microsoft.com/office/drawing/2008/diagram" xmlns:p="http://schemas.openxmlformats.org/presentationml/2006/main">
   <p:cSld>
     <p:spTree>
@@ -7026,7 +5931,7 @@
                   <a:latin typeface="배달의민족 주아"/>
                   <a:ea typeface="배달의민족 주아"/>
                 </a:rPr>
-                <a:t>10</a:t>
+                <a:t>09</a:t>
               </a:r>
               <a:endParaRPr lang="en-US" altLang="ko-KR" sz="2000">
                 <a:ln w="9525">
@@ -7161,7 +6066,7 @@
         <p:spPr>
           <a:xfrm>
             <a:off x="5880734" y="6440454"/>
-            <a:ext cx="468631" cy="291816"/>
+            <a:ext cx="459105" cy="291816"/>
           </a:xfrm>
           <a:prstGeom prst="rect">
             <a:avLst/>
@@ -7842,7 +6747,7 @@
 </p:sld>
 </file>
 
-<file path=ppt/slides/slide13.xml><?xml version="1.0" encoding="utf-8"?>
+<file path=ppt/slides/slide12.xml><?xml version="1.0" encoding="utf-8"?>
 <p:sld xmlns:r="http://schemas.openxmlformats.org/officeDocument/2006/relationships" xmlns:c="http://schemas.openxmlformats.org/drawingml/2006/chart" xmlns:a="http://schemas.openxmlformats.org/drawingml/2006/main" xmlns:dgm="http://schemas.openxmlformats.org/drawingml/2006/diagram" xmlns:dsp="http://schemas.microsoft.com/office/drawing/2008/diagram" xmlns:p="http://schemas.openxmlformats.org/presentationml/2006/main">
   <p:cSld>
     <p:spTree>
@@ -9645,7 +8550,7 @@
         </p:nvSpPr>
         <p:spPr>
           <a:xfrm rot="5400000" flipH="1">
-            <a:off x="3264788" y="5065541"/>
+            <a:off x="4428955" y="5106676"/>
             <a:ext cx="263578" cy="329369"/>
           </a:xfrm>
           <a:prstGeom prst="triangle">
@@ -9695,7 +8600,7 @@
         </p:nvSpPr>
         <p:spPr>
           <a:xfrm rot="5400000" flipH="1">
-            <a:off x="3248057" y="4515989"/>
+            <a:off x="4412224" y="4557124"/>
             <a:ext cx="301769" cy="947008"/>
           </a:xfrm>
           <a:prstGeom prst="triangle">
@@ -9745,7 +8650,7 @@
         </p:nvSpPr>
         <p:spPr>
           <a:xfrm rot="16200000">
-            <a:off x="3011211" y="4138420"/>
+            <a:off x="4175378" y="4179555"/>
             <a:ext cx="412434" cy="1310035"/>
           </a:xfrm>
           <a:prstGeom prst="triangle">
@@ -9795,7 +8700,7 @@
         </p:nvSpPr>
         <p:spPr>
           <a:xfrm rot="16200000">
-            <a:off x="3146062" y="4815023"/>
+            <a:off x="4310229" y="4856158"/>
             <a:ext cx="194581" cy="635827"/>
           </a:xfrm>
           <a:prstGeom prst="triangle">
@@ -9845,7 +8750,7 @@
         </p:nvSpPr>
         <p:spPr>
           <a:xfrm>
-            <a:off x="2186651" y="2622078"/>
+            <a:off x="3350818" y="2663213"/>
             <a:ext cx="2061554" cy="2171359"/>
           </a:xfrm>
           <a:prstGeom prst="rect">
@@ -9893,304 +8798,8 @@
         </p:nvSpPr>
         <p:spPr>
           <a:xfrm>
-            <a:off x="2299428" y="2723971"/>
+            <a:off x="3463595" y="2765106"/>
             <a:ext cx="1836000" cy="1933884"/>
-          </a:xfrm>
-          <a:prstGeom prst="rect">
-            <a:avLst/>
-          </a:prstGeom>
-          <a:solidFill>
-            <a:schemeClr val="bg1"/>
-          </a:solidFill>
-          <a:ln>
-            <a:noFill/>
-          </a:ln>
-        </p:spPr>
-        <p:style>
-          <a:lnRef idx="2">
-            <a:schemeClr val="accent1">
-              <a:shade val="50000"/>
-            </a:schemeClr>
-          </a:lnRef>
-          <a:fillRef idx="1">
-            <a:schemeClr val="accent1"/>
-          </a:fillRef>
-          <a:effectRef idx="0">
-            <a:schemeClr val="accent1"/>
-          </a:effectRef>
-          <a:fontRef idx="minor">
-            <a:schemeClr val="lt1"/>
-          </a:fontRef>
-        </p:style>
-        <p:txBody>
-          <a:bodyPr anchor="ctr"/>
-          <a:lstStyle/>
-          <a:p>
-            <a:pPr algn="ctr">
-              <a:defRPr/>
-            </a:pPr>
-            <a:endParaRPr lang="ko-KR" altLang="en-US"/>
-          </a:p>
-        </p:txBody>
-      </p:sp>
-      <p:sp>
-        <p:nvSpPr>
-          <p:cNvPr id="49" name="이등변 삼각형 48"/>
-          <p:cNvSpPr/>
-          <p:nvPr/>
-        </p:nvSpPr>
-        <p:spPr>
-          <a:xfrm rot="5400000" flipH="1">
-            <a:off x="6153303" y="5302202"/>
-            <a:ext cx="318930" cy="398536"/>
-          </a:xfrm>
-          <a:prstGeom prst="triangle">
-            <a:avLst>
-              <a:gd name="adj" fmla="val 50000"/>
-            </a:avLst>
-          </a:prstGeom>
-          <a:solidFill>
-            <a:srgbClr val="6991b1"/>
-          </a:solidFill>
-          <a:ln>
-            <a:noFill/>
-          </a:ln>
-        </p:spPr>
-        <p:style>
-          <a:lnRef idx="2">
-            <a:schemeClr val="accent1">
-              <a:shade val="50000"/>
-            </a:schemeClr>
-          </a:lnRef>
-          <a:fillRef idx="1">
-            <a:schemeClr val="accent1"/>
-          </a:fillRef>
-          <a:effectRef idx="0">
-            <a:schemeClr val="accent1"/>
-          </a:effectRef>
-          <a:fontRef idx="minor">
-            <a:schemeClr val="lt1"/>
-          </a:fontRef>
-        </p:style>
-        <p:txBody>
-          <a:bodyPr anchor="ctr"/>
-          <a:lstStyle/>
-          <a:p>
-            <a:pPr algn="ctr">
-              <a:defRPr/>
-            </a:pPr>
-            <a:endParaRPr lang="ko-KR" altLang="en-US"/>
-          </a:p>
-        </p:txBody>
-      </p:sp>
-      <p:sp>
-        <p:nvSpPr>
-          <p:cNvPr id="50" name="이등변 삼각형 49"/>
-          <p:cNvSpPr/>
-          <p:nvPr/>
-        </p:nvSpPr>
-        <p:spPr>
-          <a:xfrm rot="5400000" flipH="1">
-            <a:off x="6133058" y="4637244"/>
-            <a:ext cx="365140" cy="1145879"/>
-          </a:xfrm>
-          <a:prstGeom prst="triangle">
-            <a:avLst>
-              <a:gd name="adj" fmla="val 50000"/>
-            </a:avLst>
-          </a:prstGeom>
-          <a:solidFill>
-            <a:srgbClr val="6991b1"/>
-          </a:solidFill>
-          <a:ln>
-            <a:noFill/>
-          </a:ln>
-        </p:spPr>
-        <p:style>
-          <a:lnRef idx="2">
-            <a:schemeClr val="accent1">
-              <a:shade val="50000"/>
-            </a:schemeClr>
-          </a:lnRef>
-          <a:fillRef idx="1">
-            <a:schemeClr val="accent1"/>
-          </a:fillRef>
-          <a:effectRef idx="0">
-            <a:schemeClr val="accent1"/>
-          </a:effectRef>
-          <a:fontRef idx="minor">
-            <a:schemeClr val="lt1"/>
-          </a:fontRef>
-        </p:style>
-        <p:txBody>
-          <a:bodyPr anchor="ctr"/>
-          <a:lstStyle/>
-          <a:p>
-            <a:pPr algn="ctr">
-              <a:defRPr/>
-            </a:pPr>
-            <a:endParaRPr lang="ko-KR" altLang="en-US"/>
-          </a:p>
-        </p:txBody>
-      </p:sp>
-      <p:sp>
-        <p:nvSpPr>
-          <p:cNvPr id="51" name="이등변 삼각형 50"/>
-          <p:cNvSpPr/>
-          <p:nvPr/>
-        </p:nvSpPr>
-        <p:spPr>
-          <a:xfrm rot="16200000">
-            <a:off x="5846474" y="4168091"/>
-            <a:ext cx="499045" cy="1585142"/>
-          </a:xfrm>
-          <a:prstGeom prst="triangle">
-            <a:avLst>
-              <a:gd name="adj" fmla="val 50000"/>
-            </a:avLst>
-          </a:prstGeom>
-          <a:solidFill>
-            <a:srgbClr val="496e8d"/>
-          </a:solidFill>
-          <a:ln>
-            <a:noFill/>
-          </a:ln>
-        </p:spPr>
-        <p:style>
-          <a:lnRef idx="2">
-            <a:schemeClr val="accent1">
-              <a:shade val="50000"/>
-            </a:schemeClr>
-          </a:lnRef>
-          <a:fillRef idx="1">
-            <a:schemeClr val="accent1"/>
-          </a:fillRef>
-          <a:effectRef idx="0">
-            <a:schemeClr val="accent1"/>
-          </a:effectRef>
-          <a:fontRef idx="minor">
-            <a:schemeClr val="lt1"/>
-          </a:fontRef>
-        </p:style>
-        <p:txBody>
-          <a:bodyPr anchor="ctr"/>
-          <a:lstStyle/>
-          <a:p>
-            <a:pPr algn="ctr">
-              <a:defRPr/>
-            </a:pPr>
-            <a:endParaRPr lang="ko-KR" altLang="en-US"/>
-          </a:p>
-        </p:txBody>
-      </p:sp>
-      <p:sp>
-        <p:nvSpPr>
-          <p:cNvPr id="52" name="이등변 삼각형 51"/>
-          <p:cNvSpPr/>
-          <p:nvPr/>
-        </p:nvSpPr>
-        <p:spPr>
-          <a:xfrm rot="16200000">
-            <a:off x="6009644" y="4999076"/>
-            <a:ext cx="235443" cy="769350"/>
-          </a:xfrm>
-          <a:prstGeom prst="triangle">
-            <a:avLst>
-              <a:gd name="adj" fmla="val 50000"/>
-            </a:avLst>
-          </a:prstGeom>
-          <a:solidFill>
-            <a:srgbClr val="496e8d"/>
-          </a:solidFill>
-          <a:ln>
-            <a:noFill/>
-          </a:ln>
-        </p:spPr>
-        <p:style>
-          <a:lnRef idx="2">
-            <a:schemeClr val="accent1">
-              <a:shade val="50000"/>
-            </a:schemeClr>
-          </a:lnRef>
-          <a:fillRef idx="1">
-            <a:schemeClr val="accent1"/>
-          </a:fillRef>
-          <a:effectRef idx="0">
-            <a:schemeClr val="accent1"/>
-          </a:effectRef>
-          <a:fontRef idx="minor">
-            <a:schemeClr val="lt1"/>
-          </a:fontRef>
-        </p:style>
-        <p:txBody>
-          <a:bodyPr anchor="ctr"/>
-          <a:lstStyle/>
-          <a:p>
-            <a:pPr algn="ctr">
-              <a:defRPr/>
-            </a:pPr>
-            <a:endParaRPr lang="ko-KR" altLang="en-US"/>
-          </a:p>
-        </p:txBody>
-      </p:sp>
-      <p:sp>
-        <p:nvSpPr>
-          <p:cNvPr id="53" name="직사각형 52"/>
-          <p:cNvSpPr/>
-          <p:nvPr/>
-        </p:nvSpPr>
-        <p:spPr>
-          <a:xfrm>
-            <a:off x="4848758" y="2333317"/>
-            <a:ext cx="2494480" cy="2627345"/>
-          </a:xfrm>
-          <a:prstGeom prst="rect">
-            <a:avLst/>
-          </a:prstGeom>
-          <a:solidFill>
-            <a:srgbClr val="6991b1"/>
-          </a:solidFill>
-          <a:ln>
-            <a:noFill/>
-          </a:ln>
-        </p:spPr>
-        <p:style>
-          <a:lnRef idx="2">
-            <a:schemeClr val="accent1">
-              <a:shade val="50000"/>
-            </a:schemeClr>
-          </a:lnRef>
-          <a:fillRef idx="1">
-            <a:schemeClr val="accent1"/>
-          </a:fillRef>
-          <a:effectRef idx="0">
-            <a:schemeClr val="accent1"/>
-          </a:effectRef>
-          <a:fontRef idx="minor">
-            <a:schemeClr val="lt1"/>
-          </a:fontRef>
-        </p:style>
-        <p:txBody>
-          <a:bodyPr anchor="ctr"/>
-          <a:lstStyle/>
-          <a:p>
-            <a:pPr algn="ctr">
-              <a:defRPr/>
-            </a:pPr>
-            <a:endParaRPr lang="ko-KR" altLang="en-US"/>
-          </a:p>
-        </p:txBody>
-      </p:sp>
-      <p:sp>
-        <p:nvSpPr>
-          <p:cNvPr id="61" name="직사각형 60"/>
-          <p:cNvSpPr/>
-          <p:nvPr/>
-        </p:nvSpPr>
-        <p:spPr>
-          <a:xfrm>
-            <a:off x="4999963" y="2456608"/>
-            <a:ext cx="2232000" cy="2340000"/>
           </a:xfrm>
           <a:prstGeom prst="rect">
             <a:avLst/>
@@ -10237,7 +8846,7 @@
         </p:nvSpPr>
         <p:spPr>
           <a:xfrm rot="5400000" flipH="1">
-            <a:off x="9021928" y="5065541"/>
+            <a:off x="7540261" y="5106676"/>
             <a:ext cx="263578" cy="329369"/>
           </a:xfrm>
           <a:prstGeom prst="triangle">
@@ -10287,7 +8896,7 @@
         </p:nvSpPr>
         <p:spPr>
           <a:xfrm rot="5400000" flipH="1">
-            <a:off x="9005197" y="4515989"/>
+            <a:off x="7745781" y="4557124"/>
             <a:ext cx="301769" cy="947008"/>
           </a:xfrm>
           <a:prstGeom prst="triangle">
@@ -10337,7 +8946,7 @@
         </p:nvSpPr>
         <p:spPr>
           <a:xfrm rot="16200000">
-            <a:off x="8768351" y="4138420"/>
+            <a:off x="7508935" y="4179555"/>
             <a:ext cx="412434" cy="1310035"/>
           </a:xfrm>
           <a:prstGeom prst="triangle">
@@ -10387,7 +8996,7 @@
         </p:nvSpPr>
         <p:spPr>
           <a:xfrm rot="16200000">
-            <a:off x="8903202" y="4815023"/>
+            <a:off x="7643786" y="4856158"/>
             <a:ext cx="194581" cy="635827"/>
           </a:xfrm>
           <a:prstGeom prst="triangle">
@@ -10437,7 +9046,7 @@
         </p:nvSpPr>
         <p:spPr>
           <a:xfrm>
-            <a:off x="7943791" y="2622078"/>
+            <a:off x="6684375" y="2663213"/>
             <a:ext cx="2061554" cy="2171359"/>
           </a:xfrm>
           <a:prstGeom prst="rect">
@@ -10485,7 +9094,7 @@
         </p:nvSpPr>
         <p:spPr>
           <a:xfrm>
-            <a:off x="8056568" y="2723971"/>
+            <a:off x="6797152" y="2765106"/>
             <a:ext cx="1836000" cy="1933884"/>
           </a:xfrm>
           <a:prstGeom prst="rect">
@@ -10603,5161 +9212,13 @@
       </p:sp>
       <p:grpSp>
         <p:nvGrpSpPr>
-          <p:cNvPr id="93" name="그룹 92"/>
-          <p:cNvGrpSpPr/>
-          <p:nvPr/>
-        </p:nvGrpSpPr>
-        <p:grpSpPr>
-          <a:xfrm rot="0">
-            <a:off x="5881460" y="2732650"/>
-            <a:ext cx="429069" cy="432970"/>
-            <a:chOff x="5881460" y="2797967"/>
-            <a:chExt cx="429069" cy="432970"/>
-          </a:xfrm>
-        </p:grpSpPr>
-        <p:sp>
-          <p:nvSpPr>
-            <p:cNvPr id="68" name="Freeform 11"/>
-            <p:cNvSpPr/>
-            <p:nvPr/>
-          </p:nvSpPr>
-          <p:spPr>
-            <a:xfrm>
-              <a:off x="5881460" y="2797967"/>
-              <a:ext cx="94074" cy="94074"/>
-            </a:xfrm>
-            <a:custGeom>
-              <a:avLst/>
-              <a:gdLst>
-                <a:gd name="T0" fmla="*/ 409 w 819"/>
-                <a:gd name="T1" fmla="*/ 0 h 820"/>
-                <a:gd name="T2" fmla="*/ 510 w 819"/>
-                <a:gd name="T3" fmla="*/ 13 h 820"/>
-                <a:gd name="T4" fmla="*/ 602 w 819"/>
-                <a:gd name="T5" fmla="*/ 49 h 820"/>
-                <a:gd name="T6" fmla="*/ 681 w 819"/>
-                <a:gd name="T7" fmla="*/ 104 h 820"/>
-                <a:gd name="T8" fmla="*/ 746 w 819"/>
-                <a:gd name="T9" fmla="*/ 176 h 820"/>
-                <a:gd name="T10" fmla="*/ 792 w 819"/>
-                <a:gd name="T11" fmla="*/ 261 h 820"/>
-                <a:gd name="T12" fmla="*/ 816 w 819"/>
-                <a:gd name="T13" fmla="*/ 359 h 820"/>
-                <a:gd name="T14" fmla="*/ 816 w 819"/>
-                <a:gd name="T15" fmla="*/ 461 h 820"/>
-                <a:gd name="T16" fmla="*/ 792 w 819"/>
-                <a:gd name="T17" fmla="*/ 558 h 820"/>
-                <a:gd name="T18" fmla="*/ 746 w 819"/>
-                <a:gd name="T19" fmla="*/ 644 h 820"/>
-                <a:gd name="T20" fmla="*/ 681 w 819"/>
-                <a:gd name="T21" fmla="*/ 716 h 820"/>
-                <a:gd name="T22" fmla="*/ 602 w 819"/>
-                <a:gd name="T23" fmla="*/ 771 h 820"/>
-                <a:gd name="T24" fmla="*/ 510 w 819"/>
-                <a:gd name="T25" fmla="*/ 807 h 820"/>
-                <a:gd name="T26" fmla="*/ 409 w 819"/>
-                <a:gd name="T27" fmla="*/ 820 h 820"/>
-                <a:gd name="T28" fmla="*/ 371 w 819"/>
-                <a:gd name="T29" fmla="*/ 808 h 820"/>
-                <a:gd name="T30" fmla="*/ 344 w 819"/>
-                <a:gd name="T31" fmla="*/ 781 h 820"/>
-                <a:gd name="T32" fmla="*/ 332 w 819"/>
-                <a:gd name="T33" fmla="*/ 743 h 820"/>
-                <a:gd name="T34" fmla="*/ 344 w 819"/>
-                <a:gd name="T35" fmla="*/ 704 h 820"/>
-                <a:gd name="T36" fmla="*/ 371 w 819"/>
-                <a:gd name="T37" fmla="*/ 676 h 820"/>
-                <a:gd name="T38" fmla="*/ 409 w 819"/>
-                <a:gd name="T39" fmla="*/ 666 h 820"/>
-                <a:gd name="T40" fmla="*/ 491 w 819"/>
-                <a:gd name="T41" fmla="*/ 653 h 820"/>
-                <a:gd name="T42" fmla="*/ 561 w 819"/>
-                <a:gd name="T43" fmla="*/ 616 h 820"/>
-                <a:gd name="T44" fmla="*/ 616 w 819"/>
-                <a:gd name="T45" fmla="*/ 561 h 820"/>
-                <a:gd name="T46" fmla="*/ 653 w 819"/>
-                <a:gd name="T47" fmla="*/ 490 h 820"/>
-                <a:gd name="T48" fmla="*/ 665 w 819"/>
-                <a:gd name="T49" fmla="*/ 409 h 820"/>
-                <a:gd name="T50" fmla="*/ 653 w 819"/>
-                <a:gd name="T51" fmla="*/ 329 h 820"/>
-                <a:gd name="T52" fmla="*/ 616 w 819"/>
-                <a:gd name="T53" fmla="*/ 259 h 820"/>
-                <a:gd name="T54" fmla="*/ 561 w 819"/>
-                <a:gd name="T55" fmla="*/ 203 h 820"/>
-                <a:gd name="T56" fmla="*/ 491 w 819"/>
-                <a:gd name="T57" fmla="*/ 167 h 820"/>
-                <a:gd name="T58" fmla="*/ 409 w 819"/>
-                <a:gd name="T59" fmla="*/ 153 h 820"/>
-                <a:gd name="T60" fmla="*/ 329 w 819"/>
-                <a:gd name="T61" fmla="*/ 167 h 820"/>
-                <a:gd name="T62" fmla="*/ 259 w 819"/>
-                <a:gd name="T63" fmla="*/ 203 h 820"/>
-                <a:gd name="T64" fmla="*/ 203 w 819"/>
-                <a:gd name="T65" fmla="*/ 259 h 820"/>
-                <a:gd name="T66" fmla="*/ 167 w 819"/>
-                <a:gd name="T67" fmla="*/ 329 h 820"/>
-                <a:gd name="T68" fmla="*/ 154 w 819"/>
-                <a:gd name="T69" fmla="*/ 409 h 820"/>
-                <a:gd name="T70" fmla="*/ 142 w 819"/>
-                <a:gd name="T71" fmla="*/ 448 h 820"/>
-                <a:gd name="T72" fmla="*/ 115 w 819"/>
-                <a:gd name="T73" fmla="*/ 476 h 820"/>
-                <a:gd name="T74" fmla="*/ 77 w 819"/>
-                <a:gd name="T75" fmla="*/ 486 h 820"/>
-                <a:gd name="T76" fmla="*/ 38 w 819"/>
-                <a:gd name="T77" fmla="*/ 476 h 820"/>
-                <a:gd name="T78" fmla="*/ 10 w 819"/>
-                <a:gd name="T79" fmla="*/ 448 h 820"/>
-                <a:gd name="T80" fmla="*/ 0 w 819"/>
-                <a:gd name="T81" fmla="*/ 409 h 820"/>
-                <a:gd name="T82" fmla="*/ 13 w 819"/>
-                <a:gd name="T83" fmla="*/ 309 h 820"/>
-                <a:gd name="T84" fmla="*/ 48 w 819"/>
-                <a:gd name="T85" fmla="*/ 217 h 820"/>
-                <a:gd name="T86" fmla="*/ 103 w 819"/>
-                <a:gd name="T87" fmla="*/ 138 h 820"/>
-                <a:gd name="T88" fmla="*/ 176 w 819"/>
-                <a:gd name="T89" fmla="*/ 74 h 820"/>
-                <a:gd name="T90" fmla="*/ 262 w 819"/>
-                <a:gd name="T91" fmla="*/ 28 h 820"/>
-                <a:gd name="T92" fmla="*/ 359 w 819"/>
-                <a:gd name="T93" fmla="*/ 4 h 820"/>
-              </a:gdLst>
-              <a:cxnLst>
-                <a:cxn ang="0">
-                  <a:pos x="T0" y="T1"/>
-                </a:cxn>
-                <a:cxn ang="0">
-                  <a:pos x="T2" y="T3"/>
-                </a:cxn>
-                <a:cxn ang="0">
-                  <a:pos x="T4" y="T5"/>
-                </a:cxn>
-                <a:cxn ang="0">
-                  <a:pos x="T6" y="T7"/>
-                </a:cxn>
-                <a:cxn ang="0">
-                  <a:pos x="T8" y="T9"/>
-                </a:cxn>
-                <a:cxn ang="0">
-                  <a:pos x="T10" y="T11"/>
-                </a:cxn>
-                <a:cxn ang="0">
-                  <a:pos x="T12" y="T13"/>
-                </a:cxn>
-                <a:cxn ang="0">
-                  <a:pos x="T14" y="T15"/>
-                </a:cxn>
-                <a:cxn ang="0">
-                  <a:pos x="T16" y="T17"/>
-                </a:cxn>
-                <a:cxn ang="0">
-                  <a:pos x="T18" y="T19"/>
-                </a:cxn>
-                <a:cxn ang="0">
-                  <a:pos x="T20" y="T21"/>
-                </a:cxn>
-                <a:cxn ang="0">
-                  <a:pos x="T22" y="T23"/>
-                </a:cxn>
-                <a:cxn ang="0">
-                  <a:pos x="T24" y="T25"/>
-                </a:cxn>
-                <a:cxn ang="0">
-                  <a:pos x="T26" y="T27"/>
-                </a:cxn>
-                <a:cxn ang="0">
-                  <a:pos x="T28" y="T29"/>
-                </a:cxn>
-                <a:cxn ang="0">
-                  <a:pos x="T30" y="T31"/>
-                </a:cxn>
-                <a:cxn ang="0">
-                  <a:pos x="T32" y="T33"/>
-                </a:cxn>
-                <a:cxn ang="0">
-                  <a:pos x="T34" y="T35"/>
-                </a:cxn>
-                <a:cxn ang="0">
-                  <a:pos x="T36" y="T37"/>
-                </a:cxn>
-                <a:cxn ang="0">
-                  <a:pos x="T38" y="T39"/>
-                </a:cxn>
-                <a:cxn ang="0">
-                  <a:pos x="T40" y="T41"/>
-                </a:cxn>
-                <a:cxn ang="0">
-                  <a:pos x="T42" y="T43"/>
-                </a:cxn>
-                <a:cxn ang="0">
-                  <a:pos x="T44" y="T45"/>
-                </a:cxn>
-                <a:cxn ang="0">
-                  <a:pos x="T46" y="T47"/>
-                </a:cxn>
-                <a:cxn ang="0">
-                  <a:pos x="T48" y="T49"/>
-                </a:cxn>
-                <a:cxn ang="0">
-                  <a:pos x="T50" y="T51"/>
-                </a:cxn>
-                <a:cxn ang="0">
-                  <a:pos x="T52" y="T53"/>
-                </a:cxn>
-                <a:cxn ang="0">
-                  <a:pos x="T54" y="T55"/>
-                </a:cxn>
-                <a:cxn ang="0">
-                  <a:pos x="T56" y="T57"/>
-                </a:cxn>
-                <a:cxn ang="0">
-                  <a:pos x="T58" y="T59"/>
-                </a:cxn>
-                <a:cxn ang="0">
-                  <a:pos x="T60" y="T61"/>
-                </a:cxn>
-                <a:cxn ang="0">
-                  <a:pos x="T62" y="T63"/>
-                </a:cxn>
-                <a:cxn ang="0">
-                  <a:pos x="T64" y="T65"/>
-                </a:cxn>
-                <a:cxn ang="0">
-                  <a:pos x="T66" y="T67"/>
-                </a:cxn>
-                <a:cxn ang="0">
-                  <a:pos x="T68" y="T69"/>
-                </a:cxn>
-                <a:cxn ang="0">
-                  <a:pos x="T70" y="T71"/>
-                </a:cxn>
-                <a:cxn ang="0">
-                  <a:pos x="T72" y="T73"/>
-                </a:cxn>
-                <a:cxn ang="0">
-                  <a:pos x="T74" y="T75"/>
-                </a:cxn>
-                <a:cxn ang="0">
-                  <a:pos x="T76" y="T77"/>
-                </a:cxn>
-                <a:cxn ang="0">
-                  <a:pos x="T78" y="T79"/>
-                </a:cxn>
-                <a:cxn ang="0">
-                  <a:pos x="T80" y="T81"/>
-                </a:cxn>
-                <a:cxn ang="0">
-                  <a:pos x="T82" y="T83"/>
-                </a:cxn>
-                <a:cxn ang="0">
-                  <a:pos x="T84" y="T85"/>
-                </a:cxn>
-                <a:cxn ang="0">
-                  <a:pos x="T86" y="T87"/>
-                </a:cxn>
-                <a:cxn ang="0">
-                  <a:pos x="T88" y="T89"/>
-                </a:cxn>
-                <a:cxn ang="0">
-                  <a:pos x="T90" y="T91"/>
-                </a:cxn>
-                <a:cxn ang="0">
-                  <a:pos x="T92" y="T93"/>
-                </a:cxn>
-              </a:cxnLst>
-              <a:rect l="0" t="0" r="r" b="b"/>
-              <a:pathLst>
-                <a:path w="819" h="820">
-                  <a:moveTo>
-                    <a:pt x="409" y="0"/>
-                  </a:moveTo>
-                  <a:lnTo>
-                    <a:pt x="409" y="0"/>
-                  </a:lnTo>
-                  <a:lnTo>
-                    <a:pt x="461" y="4"/>
-                  </a:lnTo>
-                  <a:lnTo>
-                    <a:pt x="510" y="13"/>
-                  </a:lnTo>
-                  <a:lnTo>
-                    <a:pt x="557" y="28"/>
-                  </a:lnTo>
-                  <a:lnTo>
-                    <a:pt x="602" y="49"/>
-                  </a:lnTo>
-                  <a:lnTo>
-                    <a:pt x="644" y="74"/>
-                  </a:lnTo>
-                  <a:lnTo>
-                    <a:pt x="681" y="104"/>
-                  </a:lnTo>
-                  <a:lnTo>
-                    <a:pt x="716" y="138"/>
-                  </a:lnTo>
-                  <a:lnTo>
-                    <a:pt x="746" y="176"/>
-                  </a:lnTo>
-                  <a:lnTo>
-                    <a:pt x="771" y="217"/>
-                  </a:lnTo>
-                  <a:lnTo>
-                    <a:pt x="792" y="261"/>
-                  </a:lnTo>
-                  <a:lnTo>
-                    <a:pt x="807" y="309"/>
-                  </a:lnTo>
-                  <a:lnTo>
-                    <a:pt x="816" y="359"/>
-                  </a:lnTo>
-                  <a:lnTo>
-                    <a:pt x="819" y="409"/>
-                  </a:lnTo>
-                  <a:lnTo>
-                    <a:pt x="816" y="461"/>
-                  </a:lnTo>
-                  <a:lnTo>
-                    <a:pt x="807" y="510"/>
-                  </a:lnTo>
-                  <a:lnTo>
-                    <a:pt x="792" y="558"/>
-                  </a:lnTo>
-                  <a:lnTo>
-                    <a:pt x="771" y="602"/>
-                  </a:lnTo>
-                  <a:lnTo>
-                    <a:pt x="746" y="644"/>
-                  </a:lnTo>
-                  <a:lnTo>
-                    <a:pt x="716" y="682"/>
-                  </a:lnTo>
-                  <a:lnTo>
-                    <a:pt x="681" y="716"/>
-                  </a:lnTo>
-                  <a:lnTo>
-                    <a:pt x="644" y="746"/>
-                  </a:lnTo>
-                  <a:lnTo>
-                    <a:pt x="602" y="771"/>
-                  </a:lnTo>
-                  <a:lnTo>
-                    <a:pt x="557" y="792"/>
-                  </a:lnTo>
-                  <a:lnTo>
-                    <a:pt x="510" y="807"/>
-                  </a:lnTo>
-                  <a:lnTo>
-                    <a:pt x="461" y="816"/>
-                  </a:lnTo>
-                  <a:lnTo>
-                    <a:pt x="409" y="820"/>
-                  </a:lnTo>
-                  <a:lnTo>
-                    <a:pt x="390" y="816"/>
-                  </a:lnTo>
-                  <a:lnTo>
-                    <a:pt x="371" y="808"/>
-                  </a:lnTo>
-                  <a:lnTo>
-                    <a:pt x="355" y="797"/>
-                  </a:lnTo>
-                  <a:lnTo>
-                    <a:pt x="344" y="781"/>
-                  </a:lnTo>
-                  <a:lnTo>
-                    <a:pt x="336" y="763"/>
-                  </a:lnTo>
-                  <a:lnTo>
-                    <a:pt x="332" y="743"/>
-                  </a:lnTo>
-                  <a:lnTo>
-                    <a:pt x="336" y="722"/>
-                  </a:lnTo>
-                  <a:lnTo>
-                    <a:pt x="344" y="704"/>
-                  </a:lnTo>
-                  <a:lnTo>
-                    <a:pt x="355" y="687"/>
-                  </a:lnTo>
-                  <a:lnTo>
-                    <a:pt x="371" y="676"/>
-                  </a:lnTo>
-                  <a:lnTo>
-                    <a:pt x="390" y="668"/>
-                  </a:lnTo>
-                  <a:lnTo>
-                    <a:pt x="409" y="666"/>
-                  </a:lnTo>
-                  <a:lnTo>
-                    <a:pt x="450" y="662"/>
-                  </a:lnTo>
-                  <a:lnTo>
-                    <a:pt x="491" y="653"/>
-                  </a:lnTo>
-                  <a:lnTo>
-                    <a:pt x="527" y="637"/>
-                  </a:lnTo>
-                  <a:lnTo>
-                    <a:pt x="561" y="616"/>
-                  </a:lnTo>
-                  <a:lnTo>
-                    <a:pt x="591" y="591"/>
-                  </a:lnTo>
-                  <a:lnTo>
-                    <a:pt x="616" y="561"/>
-                  </a:lnTo>
-                  <a:lnTo>
-                    <a:pt x="637" y="527"/>
-                  </a:lnTo>
-                  <a:lnTo>
-                    <a:pt x="653" y="490"/>
-                  </a:lnTo>
-                  <a:lnTo>
-                    <a:pt x="662" y="451"/>
-                  </a:lnTo>
-                  <a:lnTo>
-                    <a:pt x="665" y="409"/>
-                  </a:lnTo>
-                  <a:lnTo>
-                    <a:pt x="662" y="368"/>
-                  </a:lnTo>
-                  <a:lnTo>
-                    <a:pt x="653" y="329"/>
-                  </a:lnTo>
-                  <a:lnTo>
-                    <a:pt x="637" y="292"/>
-                  </a:lnTo>
-                  <a:lnTo>
-                    <a:pt x="616" y="259"/>
-                  </a:lnTo>
-                  <a:lnTo>
-                    <a:pt x="591" y="229"/>
-                  </a:lnTo>
-                  <a:lnTo>
-                    <a:pt x="561" y="203"/>
-                  </a:lnTo>
-                  <a:lnTo>
-                    <a:pt x="527" y="182"/>
-                  </a:lnTo>
-                  <a:lnTo>
-                    <a:pt x="491" y="167"/>
-                  </a:lnTo>
-                  <a:lnTo>
-                    <a:pt x="450" y="157"/>
-                  </a:lnTo>
-                  <a:lnTo>
-                    <a:pt x="409" y="153"/>
-                  </a:lnTo>
-                  <a:lnTo>
-                    <a:pt x="368" y="157"/>
-                  </a:lnTo>
-                  <a:lnTo>
-                    <a:pt x="329" y="167"/>
-                  </a:lnTo>
-                  <a:lnTo>
-                    <a:pt x="292" y="182"/>
-                  </a:lnTo>
-                  <a:lnTo>
-                    <a:pt x="259" y="203"/>
-                  </a:lnTo>
-                  <a:lnTo>
-                    <a:pt x="229" y="229"/>
-                  </a:lnTo>
-                  <a:lnTo>
-                    <a:pt x="203" y="259"/>
-                  </a:lnTo>
-                  <a:lnTo>
-                    <a:pt x="182" y="292"/>
-                  </a:lnTo>
-                  <a:lnTo>
-                    <a:pt x="167" y="329"/>
-                  </a:lnTo>
-                  <a:lnTo>
-                    <a:pt x="157" y="368"/>
-                  </a:lnTo>
-                  <a:lnTo>
-                    <a:pt x="154" y="409"/>
-                  </a:lnTo>
-                  <a:lnTo>
-                    <a:pt x="151" y="430"/>
-                  </a:lnTo>
-                  <a:lnTo>
-                    <a:pt x="142" y="448"/>
-                  </a:lnTo>
-                  <a:lnTo>
-                    <a:pt x="131" y="463"/>
-                  </a:lnTo>
-                  <a:lnTo>
-                    <a:pt x="115" y="476"/>
-                  </a:lnTo>
-                  <a:lnTo>
-                    <a:pt x="97" y="484"/>
-                  </a:lnTo>
-                  <a:lnTo>
-                    <a:pt x="77" y="486"/>
-                  </a:lnTo>
-                  <a:lnTo>
-                    <a:pt x="56" y="484"/>
-                  </a:lnTo>
-                  <a:lnTo>
-                    <a:pt x="38" y="476"/>
-                  </a:lnTo>
-                  <a:lnTo>
-                    <a:pt x="22" y="463"/>
-                  </a:lnTo>
-                  <a:lnTo>
-                    <a:pt x="10" y="448"/>
-                  </a:lnTo>
-                  <a:lnTo>
-                    <a:pt x="2" y="430"/>
-                  </a:lnTo>
-                  <a:lnTo>
-                    <a:pt x="0" y="409"/>
-                  </a:lnTo>
-                  <a:lnTo>
-                    <a:pt x="3" y="359"/>
-                  </a:lnTo>
-                  <a:lnTo>
-                    <a:pt x="13" y="309"/>
-                  </a:lnTo>
-                  <a:lnTo>
-                    <a:pt x="28" y="261"/>
-                  </a:lnTo>
-                  <a:lnTo>
-                    <a:pt x="48" y="217"/>
-                  </a:lnTo>
-                  <a:lnTo>
-                    <a:pt x="74" y="176"/>
-                  </a:lnTo>
-                  <a:lnTo>
-                    <a:pt x="103" y="138"/>
-                  </a:lnTo>
-                  <a:lnTo>
-                    <a:pt x="138" y="104"/>
-                  </a:lnTo>
-                  <a:lnTo>
-                    <a:pt x="176" y="74"/>
-                  </a:lnTo>
-                  <a:lnTo>
-                    <a:pt x="217" y="49"/>
-                  </a:lnTo>
-                  <a:lnTo>
-                    <a:pt x="262" y="28"/>
-                  </a:lnTo>
-                  <a:lnTo>
-                    <a:pt x="309" y="13"/>
-                  </a:lnTo>
-                  <a:lnTo>
-                    <a:pt x="359" y="4"/>
-                  </a:lnTo>
-                  <a:lnTo>
-                    <a:pt x="409" y="0"/>
-                  </a:lnTo>
-                  <a:close/>
-                </a:path>
-              </a:pathLst>
-            </a:custGeom>
-            <a:solidFill>
-              <a:srgbClr val="496e8d"/>
-            </a:solidFill>
-            <a:ln w="12700">
-              <a:solidFill>
-                <a:srgbClr val="496e8d"/>
-              </a:solidFill>
-              <a:prstDash val="solid"/>
-              <a:round/>
-            </a:ln>
-          </p:spPr>
-          <p:txBody>
-            <a:bodyPr vert="horz" wrap="square" lIns="91440" tIns="45720" rIns="91440" bIns="45720" anchor="t" anchorCtr="0">
-              <a:prstTxWarp prst="textNoShape">
-                <a:avLst/>
-              </a:prstTxWarp>
-            </a:bodyPr>
-            <a:lstStyle/>
-            <a:p>
-              <a:pPr lvl="0">
-                <a:defRPr/>
-              </a:pPr>
-              <a:endParaRPr lang="ko-KR" altLang="en-US"/>
-            </a:p>
-          </p:txBody>
-        </p:sp>
-        <p:sp>
-          <p:nvSpPr>
-            <p:cNvPr id="69" name="Freeform 12"/>
-            <p:cNvSpPr>
-              <a:spLocks noEditPoints="1"/>
-            </p:cNvSpPr>
-            <p:nvPr/>
-          </p:nvSpPr>
-          <p:spPr>
-            <a:xfrm>
-              <a:off x="6048958" y="2797967"/>
-              <a:ext cx="94074" cy="94074"/>
-            </a:xfrm>
-            <a:custGeom>
-              <a:avLst/>
-              <a:gdLst>
-                <a:gd name="T0" fmla="*/ 367 w 819"/>
-                <a:gd name="T1" fmla="*/ 157 h 820"/>
-                <a:gd name="T2" fmla="*/ 291 w 819"/>
-                <a:gd name="T3" fmla="*/ 182 h 820"/>
-                <a:gd name="T4" fmla="*/ 228 w 819"/>
-                <a:gd name="T5" fmla="*/ 229 h 820"/>
-                <a:gd name="T6" fmla="*/ 181 w 819"/>
-                <a:gd name="T7" fmla="*/ 292 h 820"/>
-                <a:gd name="T8" fmla="*/ 157 w 819"/>
-                <a:gd name="T9" fmla="*/ 368 h 820"/>
-                <a:gd name="T10" fmla="*/ 157 w 819"/>
-                <a:gd name="T11" fmla="*/ 451 h 820"/>
-                <a:gd name="T12" fmla="*/ 181 w 819"/>
-                <a:gd name="T13" fmla="*/ 527 h 820"/>
-                <a:gd name="T14" fmla="*/ 228 w 819"/>
-                <a:gd name="T15" fmla="*/ 591 h 820"/>
-                <a:gd name="T16" fmla="*/ 291 w 819"/>
-                <a:gd name="T17" fmla="*/ 637 h 820"/>
-                <a:gd name="T18" fmla="*/ 367 w 819"/>
-                <a:gd name="T19" fmla="*/ 662 h 820"/>
-                <a:gd name="T20" fmla="*/ 450 w 819"/>
-                <a:gd name="T21" fmla="*/ 662 h 820"/>
-                <a:gd name="T22" fmla="*/ 527 w 819"/>
-                <a:gd name="T23" fmla="*/ 637 h 820"/>
-                <a:gd name="T24" fmla="*/ 590 w 819"/>
-                <a:gd name="T25" fmla="*/ 591 h 820"/>
-                <a:gd name="T26" fmla="*/ 636 w 819"/>
-                <a:gd name="T27" fmla="*/ 527 h 820"/>
-                <a:gd name="T28" fmla="*/ 662 w 819"/>
-                <a:gd name="T29" fmla="*/ 451 h 820"/>
-                <a:gd name="T30" fmla="*/ 662 w 819"/>
-                <a:gd name="T31" fmla="*/ 368 h 820"/>
-                <a:gd name="T32" fmla="*/ 636 w 819"/>
-                <a:gd name="T33" fmla="*/ 292 h 820"/>
-                <a:gd name="T34" fmla="*/ 590 w 819"/>
-                <a:gd name="T35" fmla="*/ 229 h 820"/>
-                <a:gd name="T36" fmla="*/ 527 w 819"/>
-                <a:gd name="T37" fmla="*/ 182 h 820"/>
-                <a:gd name="T38" fmla="*/ 450 w 819"/>
-                <a:gd name="T39" fmla="*/ 157 h 820"/>
-                <a:gd name="T40" fmla="*/ 409 w 819"/>
-                <a:gd name="T41" fmla="*/ 0 h 820"/>
-                <a:gd name="T42" fmla="*/ 460 w 819"/>
-                <a:gd name="T43" fmla="*/ 4 h 820"/>
-                <a:gd name="T44" fmla="*/ 557 w 819"/>
-                <a:gd name="T45" fmla="*/ 28 h 820"/>
-                <a:gd name="T46" fmla="*/ 643 w 819"/>
-                <a:gd name="T47" fmla="*/ 74 h 820"/>
-                <a:gd name="T48" fmla="*/ 716 w 819"/>
-                <a:gd name="T49" fmla="*/ 138 h 820"/>
-                <a:gd name="T50" fmla="*/ 771 w 819"/>
-                <a:gd name="T51" fmla="*/ 217 h 820"/>
-                <a:gd name="T52" fmla="*/ 806 w 819"/>
-                <a:gd name="T53" fmla="*/ 309 h 820"/>
-                <a:gd name="T54" fmla="*/ 819 w 819"/>
-                <a:gd name="T55" fmla="*/ 409 h 820"/>
-                <a:gd name="T56" fmla="*/ 806 w 819"/>
-                <a:gd name="T57" fmla="*/ 510 h 820"/>
-                <a:gd name="T58" fmla="*/ 771 w 819"/>
-                <a:gd name="T59" fmla="*/ 602 h 820"/>
-                <a:gd name="T60" fmla="*/ 716 w 819"/>
-                <a:gd name="T61" fmla="*/ 682 h 820"/>
-                <a:gd name="T62" fmla="*/ 643 w 819"/>
-                <a:gd name="T63" fmla="*/ 746 h 820"/>
-                <a:gd name="T64" fmla="*/ 557 w 819"/>
-                <a:gd name="T65" fmla="*/ 792 h 820"/>
-                <a:gd name="T66" fmla="*/ 460 w 819"/>
-                <a:gd name="T67" fmla="*/ 816 h 820"/>
-                <a:gd name="T68" fmla="*/ 358 w 819"/>
-                <a:gd name="T69" fmla="*/ 816 h 820"/>
-                <a:gd name="T70" fmla="*/ 262 w 819"/>
-                <a:gd name="T71" fmla="*/ 792 h 820"/>
-                <a:gd name="T72" fmla="*/ 175 w 819"/>
-                <a:gd name="T73" fmla="*/ 746 h 820"/>
-                <a:gd name="T74" fmla="*/ 103 w 819"/>
-                <a:gd name="T75" fmla="*/ 682 h 820"/>
-                <a:gd name="T76" fmla="*/ 48 w 819"/>
-                <a:gd name="T77" fmla="*/ 602 h 820"/>
-                <a:gd name="T78" fmla="*/ 12 w 819"/>
-                <a:gd name="T79" fmla="*/ 510 h 820"/>
-                <a:gd name="T80" fmla="*/ 0 w 819"/>
-                <a:gd name="T81" fmla="*/ 409 h 820"/>
-                <a:gd name="T82" fmla="*/ 12 w 819"/>
-                <a:gd name="T83" fmla="*/ 309 h 820"/>
-                <a:gd name="T84" fmla="*/ 48 w 819"/>
-                <a:gd name="T85" fmla="*/ 217 h 820"/>
-                <a:gd name="T86" fmla="*/ 103 w 819"/>
-                <a:gd name="T87" fmla="*/ 138 h 820"/>
-                <a:gd name="T88" fmla="*/ 175 w 819"/>
-                <a:gd name="T89" fmla="*/ 74 h 820"/>
-                <a:gd name="T90" fmla="*/ 262 w 819"/>
-                <a:gd name="T91" fmla="*/ 28 h 820"/>
-                <a:gd name="T92" fmla="*/ 358 w 819"/>
-                <a:gd name="T93" fmla="*/ 4 h 820"/>
-              </a:gdLst>
-              <a:cxnLst>
-                <a:cxn ang="0">
-                  <a:pos x="T0" y="T1"/>
-                </a:cxn>
-                <a:cxn ang="0">
-                  <a:pos x="T2" y="T3"/>
-                </a:cxn>
-                <a:cxn ang="0">
-                  <a:pos x="T4" y="T5"/>
-                </a:cxn>
-                <a:cxn ang="0">
-                  <a:pos x="T6" y="T7"/>
-                </a:cxn>
-                <a:cxn ang="0">
-                  <a:pos x="T8" y="T9"/>
-                </a:cxn>
-                <a:cxn ang="0">
-                  <a:pos x="T10" y="T11"/>
-                </a:cxn>
-                <a:cxn ang="0">
-                  <a:pos x="T12" y="T13"/>
-                </a:cxn>
-                <a:cxn ang="0">
-                  <a:pos x="T14" y="T15"/>
-                </a:cxn>
-                <a:cxn ang="0">
-                  <a:pos x="T16" y="T17"/>
-                </a:cxn>
-                <a:cxn ang="0">
-                  <a:pos x="T18" y="T19"/>
-                </a:cxn>
-                <a:cxn ang="0">
-                  <a:pos x="T20" y="T21"/>
-                </a:cxn>
-                <a:cxn ang="0">
-                  <a:pos x="T22" y="T23"/>
-                </a:cxn>
-                <a:cxn ang="0">
-                  <a:pos x="T24" y="T25"/>
-                </a:cxn>
-                <a:cxn ang="0">
-                  <a:pos x="T26" y="T27"/>
-                </a:cxn>
-                <a:cxn ang="0">
-                  <a:pos x="T28" y="T29"/>
-                </a:cxn>
-                <a:cxn ang="0">
-                  <a:pos x="T30" y="T31"/>
-                </a:cxn>
-                <a:cxn ang="0">
-                  <a:pos x="T32" y="T33"/>
-                </a:cxn>
-                <a:cxn ang="0">
-                  <a:pos x="T34" y="T35"/>
-                </a:cxn>
-                <a:cxn ang="0">
-                  <a:pos x="T36" y="T37"/>
-                </a:cxn>
-                <a:cxn ang="0">
-                  <a:pos x="T38" y="T39"/>
-                </a:cxn>
-                <a:cxn ang="0">
-                  <a:pos x="T40" y="T41"/>
-                </a:cxn>
-                <a:cxn ang="0">
-                  <a:pos x="T42" y="T43"/>
-                </a:cxn>
-                <a:cxn ang="0">
-                  <a:pos x="T44" y="T45"/>
-                </a:cxn>
-                <a:cxn ang="0">
-                  <a:pos x="T46" y="T47"/>
-                </a:cxn>
-                <a:cxn ang="0">
-                  <a:pos x="T48" y="T49"/>
-                </a:cxn>
-                <a:cxn ang="0">
-                  <a:pos x="T50" y="T51"/>
-                </a:cxn>
-                <a:cxn ang="0">
-                  <a:pos x="T52" y="T53"/>
-                </a:cxn>
-                <a:cxn ang="0">
-                  <a:pos x="T54" y="T55"/>
-                </a:cxn>
-                <a:cxn ang="0">
-                  <a:pos x="T56" y="T57"/>
-                </a:cxn>
-                <a:cxn ang="0">
-                  <a:pos x="T58" y="T59"/>
-                </a:cxn>
-                <a:cxn ang="0">
-                  <a:pos x="T60" y="T61"/>
-                </a:cxn>
-                <a:cxn ang="0">
-                  <a:pos x="T62" y="T63"/>
-                </a:cxn>
-                <a:cxn ang="0">
-                  <a:pos x="T64" y="T65"/>
-                </a:cxn>
-                <a:cxn ang="0">
-                  <a:pos x="T66" y="T67"/>
-                </a:cxn>
-                <a:cxn ang="0">
-                  <a:pos x="T68" y="T69"/>
-                </a:cxn>
-                <a:cxn ang="0">
-                  <a:pos x="T70" y="T71"/>
-                </a:cxn>
-                <a:cxn ang="0">
-                  <a:pos x="T72" y="T73"/>
-                </a:cxn>
-                <a:cxn ang="0">
-                  <a:pos x="T74" y="T75"/>
-                </a:cxn>
-                <a:cxn ang="0">
-                  <a:pos x="T76" y="T77"/>
-                </a:cxn>
-                <a:cxn ang="0">
-                  <a:pos x="T78" y="T79"/>
-                </a:cxn>
-                <a:cxn ang="0">
-                  <a:pos x="T80" y="T81"/>
-                </a:cxn>
-                <a:cxn ang="0">
-                  <a:pos x="T82" y="T83"/>
-                </a:cxn>
-                <a:cxn ang="0">
-                  <a:pos x="T84" y="T85"/>
-                </a:cxn>
-                <a:cxn ang="0">
-                  <a:pos x="T86" y="T87"/>
-                </a:cxn>
-                <a:cxn ang="0">
-                  <a:pos x="T88" y="T89"/>
-                </a:cxn>
-                <a:cxn ang="0">
-                  <a:pos x="T90" y="T91"/>
-                </a:cxn>
-                <a:cxn ang="0">
-                  <a:pos x="T92" y="T93"/>
-                </a:cxn>
-              </a:cxnLst>
-              <a:rect l="0" t="0" r="r" b="b"/>
-              <a:pathLst>
-                <a:path w="819" h="820">
-                  <a:moveTo>
-                    <a:pt x="409" y="153"/>
-                  </a:moveTo>
-                  <a:lnTo>
-                    <a:pt x="367" y="157"/>
-                  </a:lnTo>
-                  <a:lnTo>
-                    <a:pt x="328" y="167"/>
-                  </a:lnTo>
-                  <a:lnTo>
-                    <a:pt x="291" y="182"/>
-                  </a:lnTo>
-                  <a:lnTo>
-                    <a:pt x="258" y="203"/>
-                  </a:lnTo>
-                  <a:lnTo>
-                    <a:pt x="228" y="229"/>
-                  </a:lnTo>
-                  <a:lnTo>
-                    <a:pt x="203" y="259"/>
-                  </a:lnTo>
-                  <a:lnTo>
-                    <a:pt x="181" y="292"/>
-                  </a:lnTo>
-                  <a:lnTo>
-                    <a:pt x="166" y="329"/>
-                  </a:lnTo>
-                  <a:lnTo>
-                    <a:pt x="157" y="368"/>
-                  </a:lnTo>
-                  <a:lnTo>
-                    <a:pt x="154" y="409"/>
-                  </a:lnTo>
-                  <a:lnTo>
-                    <a:pt x="157" y="451"/>
-                  </a:lnTo>
-                  <a:lnTo>
-                    <a:pt x="166" y="491"/>
-                  </a:lnTo>
-                  <a:lnTo>
-                    <a:pt x="181" y="527"/>
-                  </a:lnTo>
-                  <a:lnTo>
-                    <a:pt x="203" y="561"/>
-                  </a:lnTo>
-                  <a:lnTo>
-                    <a:pt x="228" y="591"/>
-                  </a:lnTo>
-                  <a:lnTo>
-                    <a:pt x="258" y="616"/>
-                  </a:lnTo>
-                  <a:lnTo>
-                    <a:pt x="291" y="637"/>
-                  </a:lnTo>
-                  <a:lnTo>
-                    <a:pt x="328" y="653"/>
-                  </a:lnTo>
-                  <a:lnTo>
-                    <a:pt x="367" y="662"/>
-                  </a:lnTo>
-                  <a:lnTo>
-                    <a:pt x="409" y="666"/>
-                  </a:lnTo>
-                  <a:lnTo>
-                    <a:pt x="450" y="662"/>
-                  </a:lnTo>
-                  <a:lnTo>
-                    <a:pt x="490" y="653"/>
-                  </a:lnTo>
-                  <a:lnTo>
-                    <a:pt x="527" y="637"/>
-                  </a:lnTo>
-                  <a:lnTo>
-                    <a:pt x="560" y="616"/>
-                  </a:lnTo>
-                  <a:lnTo>
-                    <a:pt x="590" y="591"/>
-                  </a:lnTo>
-                  <a:lnTo>
-                    <a:pt x="616" y="561"/>
-                  </a:lnTo>
-                  <a:lnTo>
-                    <a:pt x="636" y="527"/>
-                  </a:lnTo>
-                  <a:lnTo>
-                    <a:pt x="652" y="491"/>
-                  </a:lnTo>
-                  <a:lnTo>
-                    <a:pt x="662" y="451"/>
-                  </a:lnTo>
-                  <a:lnTo>
-                    <a:pt x="665" y="409"/>
-                  </a:lnTo>
-                  <a:lnTo>
-                    <a:pt x="662" y="368"/>
-                  </a:lnTo>
-                  <a:lnTo>
-                    <a:pt x="652" y="329"/>
-                  </a:lnTo>
-                  <a:lnTo>
-                    <a:pt x="636" y="292"/>
-                  </a:lnTo>
-                  <a:lnTo>
-                    <a:pt x="616" y="259"/>
-                  </a:lnTo>
-                  <a:lnTo>
-                    <a:pt x="590" y="229"/>
-                  </a:lnTo>
-                  <a:lnTo>
-                    <a:pt x="560" y="203"/>
-                  </a:lnTo>
-                  <a:lnTo>
-                    <a:pt x="527" y="182"/>
-                  </a:lnTo>
-                  <a:lnTo>
-                    <a:pt x="490" y="167"/>
-                  </a:lnTo>
-                  <a:lnTo>
-                    <a:pt x="450" y="157"/>
-                  </a:lnTo>
-                  <a:lnTo>
-                    <a:pt x="409" y="153"/>
-                  </a:lnTo>
-                  <a:close/>
-                  <a:moveTo>
-                    <a:pt x="409" y="0"/>
-                  </a:moveTo>
-                  <a:lnTo>
-                    <a:pt x="409" y="0"/>
-                  </a:lnTo>
-                  <a:lnTo>
-                    <a:pt x="460" y="4"/>
-                  </a:lnTo>
-                  <a:lnTo>
-                    <a:pt x="510" y="13"/>
-                  </a:lnTo>
-                  <a:lnTo>
-                    <a:pt x="557" y="28"/>
-                  </a:lnTo>
-                  <a:lnTo>
-                    <a:pt x="602" y="49"/>
-                  </a:lnTo>
-                  <a:lnTo>
-                    <a:pt x="643" y="74"/>
-                  </a:lnTo>
-                  <a:lnTo>
-                    <a:pt x="681" y="104"/>
-                  </a:lnTo>
-                  <a:lnTo>
-                    <a:pt x="716" y="138"/>
-                  </a:lnTo>
-                  <a:lnTo>
-                    <a:pt x="745" y="176"/>
-                  </a:lnTo>
-                  <a:lnTo>
-                    <a:pt x="771" y="217"/>
-                  </a:lnTo>
-                  <a:lnTo>
-                    <a:pt x="791" y="261"/>
-                  </a:lnTo>
-                  <a:lnTo>
-                    <a:pt x="806" y="309"/>
-                  </a:lnTo>
-                  <a:lnTo>
-                    <a:pt x="816" y="359"/>
-                  </a:lnTo>
-                  <a:lnTo>
-                    <a:pt x="819" y="409"/>
-                  </a:lnTo>
-                  <a:lnTo>
-                    <a:pt x="816" y="461"/>
-                  </a:lnTo>
-                  <a:lnTo>
-                    <a:pt x="806" y="510"/>
-                  </a:lnTo>
-                  <a:lnTo>
-                    <a:pt x="791" y="558"/>
-                  </a:lnTo>
-                  <a:lnTo>
-                    <a:pt x="771" y="602"/>
-                  </a:lnTo>
-                  <a:lnTo>
-                    <a:pt x="745" y="644"/>
-                  </a:lnTo>
-                  <a:lnTo>
-                    <a:pt x="716" y="682"/>
-                  </a:lnTo>
-                  <a:lnTo>
-                    <a:pt x="681" y="716"/>
-                  </a:lnTo>
-                  <a:lnTo>
-                    <a:pt x="643" y="746"/>
-                  </a:lnTo>
-                  <a:lnTo>
-                    <a:pt x="602" y="771"/>
-                  </a:lnTo>
-                  <a:lnTo>
-                    <a:pt x="557" y="792"/>
-                  </a:lnTo>
-                  <a:lnTo>
-                    <a:pt x="510" y="807"/>
-                  </a:lnTo>
-                  <a:lnTo>
-                    <a:pt x="460" y="816"/>
-                  </a:lnTo>
-                  <a:lnTo>
-                    <a:pt x="409" y="820"/>
-                  </a:lnTo>
-                  <a:lnTo>
-                    <a:pt x="358" y="816"/>
-                  </a:lnTo>
-                  <a:lnTo>
-                    <a:pt x="309" y="807"/>
-                  </a:lnTo>
-                  <a:lnTo>
-                    <a:pt x="262" y="792"/>
-                  </a:lnTo>
-                  <a:lnTo>
-                    <a:pt x="217" y="771"/>
-                  </a:lnTo>
-                  <a:lnTo>
-                    <a:pt x="175" y="746"/>
-                  </a:lnTo>
-                  <a:lnTo>
-                    <a:pt x="137" y="716"/>
-                  </a:lnTo>
-                  <a:lnTo>
-                    <a:pt x="103" y="682"/>
-                  </a:lnTo>
-                  <a:lnTo>
-                    <a:pt x="73" y="644"/>
-                  </a:lnTo>
-                  <a:lnTo>
-                    <a:pt x="48" y="602"/>
-                  </a:lnTo>
-                  <a:lnTo>
-                    <a:pt x="27" y="558"/>
-                  </a:lnTo>
-                  <a:lnTo>
-                    <a:pt x="12" y="510"/>
-                  </a:lnTo>
-                  <a:lnTo>
-                    <a:pt x="3" y="461"/>
-                  </a:lnTo>
-                  <a:lnTo>
-                    <a:pt x="0" y="409"/>
-                  </a:lnTo>
-                  <a:lnTo>
-                    <a:pt x="3" y="359"/>
-                  </a:lnTo>
-                  <a:lnTo>
-                    <a:pt x="12" y="309"/>
-                  </a:lnTo>
-                  <a:lnTo>
-                    <a:pt x="27" y="261"/>
-                  </a:lnTo>
-                  <a:lnTo>
-                    <a:pt x="48" y="217"/>
-                  </a:lnTo>
-                  <a:lnTo>
-                    <a:pt x="73" y="176"/>
-                  </a:lnTo>
-                  <a:lnTo>
-                    <a:pt x="103" y="138"/>
-                  </a:lnTo>
-                  <a:lnTo>
-                    <a:pt x="137" y="104"/>
-                  </a:lnTo>
-                  <a:lnTo>
-                    <a:pt x="175" y="74"/>
-                  </a:lnTo>
-                  <a:lnTo>
-                    <a:pt x="217" y="49"/>
-                  </a:lnTo>
-                  <a:lnTo>
-                    <a:pt x="262" y="28"/>
-                  </a:lnTo>
-                  <a:lnTo>
-                    <a:pt x="309" y="13"/>
-                  </a:lnTo>
-                  <a:lnTo>
-                    <a:pt x="358" y="4"/>
-                  </a:lnTo>
-                  <a:lnTo>
-                    <a:pt x="409" y="0"/>
-                  </a:lnTo>
-                  <a:close/>
-                </a:path>
-              </a:pathLst>
-            </a:custGeom>
-            <a:solidFill>
-              <a:srgbClr val="496e8d"/>
-            </a:solidFill>
-            <a:ln w="12700">
-              <a:solidFill>
-                <a:srgbClr val="496e8d"/>
-              </a:solidFill>
-              <a:prstDash val="solid"/>
-              <a:round/>
-            </a:ln>
-          </p:spPr>
-          <p:txBody>
-            <a:bodyPr vert="horz" wrap="square" lIns="91440" tIns="45720" rIns="91440" bIns="45720" anchor="t" anchorCtr="0">
-              <a:prstTxWarp prst="textNoShape">
-                <a:avLst/>
-              </a:prstTxWarp>
-            </a:bodyPr>
-            <a:lstStyle/>
-            <a:p>
-              <a:pPr lvl="0">
-                <a:defRPr/>
-              </a:pPr>
-              <a:endParaRPr lang="ko-KR" altLang="en-US"/>
-            </a:p>
-          </p:txBody>
-        </p:sp>
-        <p:sp>
-          <p:nvSpPr>
-            <p:cNvPr id="70" name="Freeform 13"/>
-            <p:cNvSpPr>
-              <a:spLocks noEditPoints="1"/>
-            </p:cNvSpPr>
-            <p:nvPr/>
-          </p:nvSpPr>
-          <p:spPr>
-            <a:xfrm>
-              <a:off x="6216684" y="2797967"/>
-              <a:ext cx="93845" cy="94074"/>
-            </a:xfrm>
-            <a:custGeom>
-              <a:avLst/>
-              <a:gdLst>
-                <a:gd name="T0" fmla="*/ 368 w 820"/>
-                <a:gd name="T1" fmla="*/ 157 h 820"/>
-                <a:gd name="T2" fmla="*/ 292 w 820"/>
-                <a:gd name="T3" fmla="*/ 182 h 820"/>
-                <a:gd name="T4" fmla="*/ 229 w 820"/>
-                <a:gd name="T5" fmla="*/ 229 h 820"/>
-                <a:gd name="T6" fmla="*/ 182 w 820"/>
-                <a:gd name="T7" fmla="*/ 292 h 820"/>
-                <a:gd name="T8" fmla="*/ 158 w 820"/>
-                <a:gd name="T9" fmla="*/ 368 h 820"/>
-                <a:gd name="T10" fmla="*/ 158 w 820"/>
-                <a:gd name="T11" fmla="*/ 451 h 820"/>
-                <a:gd name="T12" fmla="*/ 182 w 820"/>
-                <a:gd name="T13" fmla="*/ 527 h 820"/>
-                <a:gd name="T14" fmla="*/ 229 w 820"/>
-                <a:gd name="T15" fmla="*/ 591 h 820"/>
-                <a:gd name="T16" fmla="*/ 292 w 820"/>
-                <a:gd name="T17" fmla="*/ 637 h 820"/>
-                <a:gd name="T18" fmla="*/ 368 w 820"/>
-                <a:gd name="T19" fmla="*/ 662 h 820"/>
-                <a:gd name="T20" fmla="*/ 451 w 820"/>
-                <a:gd name="T21" fmla="*/ 662 h 820"/>
-                <a:gd name="T22" fmla="*/ 528 w 820"/>
-                <a:gd name="T23" fmla="*/ 637 h 820"/>
-                <a:gd name="T24" fmla="*/ 591 w 820"/>
-                <a:gd name="T25" fmla="*/ 591 h 820"/>
-                <a:gd name="T26" fmla="*/ 637 w 820"/>
-                <a:gd name="T27" fmla="*/ 527 h 820"/>
-                <a:gd name="T28" fmla="*/ 662 w 820"/>
-                <a:gd name="T29" fmla="*/ 451 h 820"/>
-                <a:gd name="T30" fmla="*/ 662 w 820"/>
-                <a:gd name="T31" fmla="*/ 368 h 820"/>
-                <a:gd name="T32" fmla="*/ 637 w 820"/>
-                <a:gd name="T33" fmla="*/ 292 h 820"/>
-                <a:gd name="T34" fmla="*/ 591 w 820"/>
-                <a:gd name="T35" fmla="*/ 229 h 820"/>
-                <a:gd name="T36" fmla="*/ 528 w 820"/>
-                <a:gd name="T37" fmla="*/ 182 h 820"/>
-                <a:gd name="T38" fmla="*/ 451 w 820"/>
-                <a:gd name="T39" fmla="*/ 157 h 820"/>
-                <a:gd name="T40" fmla="*/ 409 w 820"/>
-                <a:gd name="T41" fmla="*/ 0 h 820"/>
-                <a:gd name="T42" fmla="*/ 461 w 820"/>
-                <a:gd name="T43" fmla="*/ 4 h 820"/>
-                <a:gd name="T44" fmla="*/ 558 w 820"/>
-                <a:gd name="T45" fmla="*/ 28 h 820"/>
-                <a:gd name="T46" fmla="*/ 644 w 820"/>
-                <a:gd name="T47" fmla="*/ 74 h 820"/>
-                <a:gd name="T48" fmla="*/ 716 w 820"/>
-                <a:gd name="T49" fmla="*/ 138 h 820"/>
-                <a:gd name="T50" fmla="*/ 771 w 820"/>
-                <a:gd name="T51" fmla="*/ 217 h 820"/>
-                <a:gd name="T52" fmla="*/ 807 w 820"/>
-                <a:gd name="T53" fmla="*/ 309 h 820"/>
-                <a:gd name="T54" fmla="*/ 820 w 820"/>
-                <a:gd name="T55" fmla="*/ 409 h 820"/>
-                <a:gd name="T56" fmla="*/ 807 w 820"/>
-                <a:gd name="T57" fmla="*/ 510 h 820"/>
-                <a:gd name="T58" fmla="*/ 771 w 820"/>
-                <a:gd name="T59" fmla="*/ 602 h 820"/>
-                <a:gd name="T60" fmla="*/ 716 w 820"/>
-                <a:gd name="T61" fmla="*/ 682 h 820"/>
-                <a:gd name="T62" fmla="*/ 644 w 820"/>
-                <a:gd name="T63" fmla="*/ 746 h 820"/>
-                <a:gd name="T64" fmla="*/ 558 w 820"/>
-                <a:gd name="T65" fmla="*/ 792 h 820"/>
-                <a:gd name="T66" fmla="*/ 461 w 820"/>
-                <a:gd name="T67" fmla="*/ 816 h 820"/>
-                <a:gd name="T68" fmla="*/ 359 w 820"/>
-                <a:gd name="T69" fmla="*/ 816 h 820"/>
-                <a:gd name="T70" fmla="*/ 262 w 820"/>
-                <a:gd name="T71" fmla="*/ 792 h 820"/>
-                <a:gd name="T72" fmla="*/ 176 w 820"/>
-                <a:gd name="T73" fmla="*/ 746 h 820"/>
-                <a:gd name="T74" fmla="*/ 104 w 820"/>
-                <a:gd name="T75" fmla="*/ 682 h 820"/>
-                <a:gd name="T76" fmla="*/ 48 w 820"/>
-                <a:gd name="T77" fmla="*/ 602 h 820"/>
-                <a:gd name="T78" fmla="*/ 13 w 820"/>
-                <a:gd name="T79" fmla="*/ 510 h 820"/>
-                <a:gd name="T80" fmla="*/ 0 w 820"/>
-                <a:gd name="T81" fmla="*/ 409 h 820"/>
-                <a:gd name="T82" fmla="*/ 13 w 820"/>
-                <a:gd name="T83" fmla="*/ 309 h 820"/>
-                <a:gd name="T84" fmla="*/ 48 w 820"/>
-                <a:gd name="T85" fmla="*/ 217 h 820"/>
-                <a:gd name="T86" fmla="*/ 104 w 820"/>
-                <a:gd name="T87" fmla="*/ 138 h 820"/>
-                <a:gd name="T88" fmla="*/ 176 w 820"/>
-                <a:gd name="T89" fmla="*/ 74 h 820"/>
-                <a:gd name="T90" fmla="*/ 262 w 820"/>
-                <a:gd name="T91" fmla="*/ 28 h 820"/>
-                <a:gd name="T92" fmla="*/ 359 w 820"/>
-                <a:gd name="T93" fmla="*/ 4 h 820"/>
-              </a:gdLst>
-              <a:cxnLst>
-                <a:cxn ang="0">
-                  <a:pos x="T0" y="T1"/>
-                </a:cxn>
-                <a:cxn ang="0">
-                  <a:pos x="T2" y="T3"/>
-                </a:cxn>
-                <a:cxn ang="0">
-                  <a:pos x="T4" y="T5"/>
-                </a:cxn>
-                <a:cxn ang="0">
-                  <a:pos x="T6" y="T7"/>
-                </a:cxn>
-                <a:cxn ang="0">
-                  <a:pos x="T8" y="T9"/>
-                </a:cxn>
-                <a:cxn ang="0">
-                  <a:pos x="T10" y="T11"/>
-                </a:cxn>
-                <a:cxn ang="0">
-                  <a:pos x="T12" y="T13"/>
-                </a:cxn>
-                <a:cxn ang="0">
-                  <a:pos x="T14" y="T15"/>
-                </a:cxn>
-                <a:cxn ang="0">
-                  <a:pos x="T16" y="T17"/>
-                </a:cxn>
-                <a:cxn ang="0">
-                  <a:pos x="T18" y="T19"/>
-                </a:cxn>
-                <a:cxn ang="0">
-                  <a:pos x="T20" y="T21"/>
-                </a:cxn>
-                <a:cxn ang="0">
-                  <a:pos x="T22" y="T23"/>
-                </a:cxn>
-                <a:cxn ang="0">
-                  <a:pos x="T24" y="T25"/>
-                </a:cxn>
-                <a:cxn ang="0">
-                  <a:pos x="T26" y="T27"/>
-                </a:cxn>
-                <a:cxn ang="0">
-                  <a:pos x="T28" y="T29"/>
-                </a:cxn>
-                <a:cxn ang="0">
-                  <a:pos x="T30" y="T31"/>
-                </a:cxn>
-                <a:cxn ang="0">
-                  <a:pos x="T32" y="T33"/>
-                </a:cxn>
-                <a:cxn ang="0">
-                  <a:pos x="T34" y="T35"/>
-                </a:cxn>
-                <a:cxn ang="0">
-                  <a:pos x="T36" y="T37"/>
-                </a:cxn>
-                <a:cxn ang="0">
-                  <a:pos x="T38" y="T39"/>
-                </a:cxn>
-                <a:cxn ang="0">
-                  <a:pos x="T40" y="T41"/>
-                </a:cxn>
-                <a:cxn ang="0">
-                  <a:pos x="T42" y="T43"/>
-                </a:cxn>
-                <a:cxn ang="0">
-                  <a:pos x="T44" y="T45"/>
-                </a:cxn>
-                <a:cxn ang="0">
-                  <a:pos x="T46" y="T47"/>
-                </a:cxn>
-                <a:cxn ang="0">
-                  <a:pos x="T48" y="T49"/>
-                </a:cxn>
-                <a:cxn ang="0">
-                  <a:pos x="T50" y="T51"/>
-                </a:cxn>
-                <a:cxn ang="0">
-                  <a:pos x="T52" y="T53"/>
-                </a:cxn>
-                <a:cxn ang="0">
-                  <a:pos x="T54" y="T55"/>
-                </a:cxn>
-                <a:cxn ang="0">
-                  <a:pos x="T56" y="T57"/>
-                </a:cxn>
-                <a:cxn ang="0">
-                  <a:pos x="T58" y="T59"/>
-                </a:cxn>
-                <a:cxn ang="0">
-                  <a:pos x="T60" y="T61"/>
-                </a:cxn>
-                <a:cxn ang="0">
-                  <a:pos x="T62" y="T63"/>
-                </a:cxn>
-                <a:cxn ang="0">
-                  <a:pos x="T64" y="T65"/>
-                </a:cxn>
-                <a:cxn ang="0">
-                  <a:pos x="T66" y="T67"/>
-                </a:cxn>
-                <a:cxn ang="0">
-                  <a:pos x="T68" y="T69"/>
-                </a:cxn>
-                <a:cxn ang="0">
-                  <a:pos x="T70" y="T71"/>
-                </a:cxn>
-                <a:cxn ang="0">
-                  <a:pos x="T72" y="T73"/>
-                </a:cxn>
-                <a:cxn ang="0">
-                  <a:pos x="T74" y="T75"/>
-                </a:cxn>
-                <a:cxn ang="0">
-                  <a:pos x="T76" y="T77"/>
-                </a:cxn>
-                <a:cxn ang="0">
-                  <a:pos x="T78" y="T79"/>
-                </a:cxn>
-                <a:cxn ang="0">
-                  <a:pos x="T80" y="T81"/>
-                </a:cxn>
-                <a:cxn ang="0">
-                  <a:pos x="T82" y="T83"/>
-                </a:cxn>
-                <a:cxn ang="0">
-                  <a:pos x="T84" y="T85"/>
-                </a:cxn>
-                <a:cxn ang="0">
-                  <a:pos x="T86" y="T87"/>
-                </a:cxn>
-                <a:cxn ang="0">
-                  <a:pos x="T88" y="T89"/>
-                </a:cxn>
-                <a:cxn ang="0">
-                  <a:pos x="T90" y="T91"/>
-                </a:cxn>
-                <a:cxn ang="0">
-                  <a:pos x="T92" y="T93"/>
-                </a:cxn>
-              </a:cxnLst>
-              <a:rect l="0" t="0" r="r" b="b"/>
-              <a:pathLst>
-                <a:path w="820" h="820">
-                  <a:moveTo>
-                    <a:pt x="409" y="153"/>
-                  </a:moveTo>
-                  <a:lnTo>
-                    <a:pt x="368" y="157"/>
-                  </a:lnTo>
-                  <a:lnTo>
-                    <a:pt x="329" y="167"/>
-                  </a:lnTo>
-                  <a:lnTo>
-                    <a:pt x="292" y="182"/>
-                  </a:lnTo>
-                  <a:lnTo>
-                    <a:pt x="259" y="203"/>
-                  </a:lnTo>
-                  <a:lnTo>
-                    <a:pt x="229" y="229"/>
-                  </a:lnTo>
-                  <a:lnTo>
-                    <a:pt x="204" y="259"/>
-                  </a:lnTo>
-                  <a:lnTo>
-                    <a:pt x="182" y="292"/>
-                  </a:lnTo>
-                  <a:lnTo>
-                    <a:pt x="167" y="329"/>
-                  </a:lnTo>
-                  <a:lnTo>
-                    <a:pt x="158" y="368"/>
-                  </a:lnTo>
-                  <a:lnTo>
-                    <a:pt x="154" y="409"/>
-                  </a:lnTo>
-                  <a:lnTo>
-                    <a:pt x="158" y="451"/>
-                  </a:lnTo>
-                  <a:lnTo>
-                    <a:pt x="167" y="491"/>
-                  </a:lnTo>
-                  <a:lnTo>
-                    <a:pt x="182" y="527"/>
-                  </a:lnTo>
-                  <a:lnTo>
-                    <a:pt x="204" y="561"/>
-                  </a:lnTo>
-                  <a:lnTo>
-                    <a:pt x="229" y="591"/>
-                  </a:lnTo>
-                  <a:lnTo>
-                    <a:pt x="259" y="616"/>
-                  </a:lnTo>
-                  <a:lnTo>
-                    <a:pt x="292" y="637"/>
-                  </a:lnTo>
-                  <a:lnTo>
-                    <a:pt x="329" y="653"/>
-                  </a:lnTo>
-                  <a:lnTo>
-                    <a:pt x="368" y="662"/>
-                  </a:lnTo>
-                  <a:lnTo>
-                    <a:pt x="409" y="666"/>
-                  </a:lnTo>
-                  <a:lnTo>
-                    <a:pt x="451" y="662"/>
-                  </a:lnTo>
-                  <a:lnTo>
-                    <a:pt x="491" y="653"/>
-                  </a:lnTo>
-                  <a:lnTo>
-                    <a:pt x="528" y="637"/>
-                  </a:lnTo>
-                  <a:lnTo>
-                    <a:pt x="561" y="616"/>
-                  </a:lnTo>
-                  <a:lnTo>
-                    <a:pt x="591" y="591"/>
-                  </a:lnTo>
-                  <a:lnTo>
-                    <a:pt x="616" y="561"/>
-                  </a:lnTo>
-                  <a:lnTo>
-                    <a:pt x="637" y="527"/>
-                  </a:lnTo>
-                  <a:lnTo>
-                    <a:pt x="653" y="491"/>
-                  </a:lnTo>
-                  <a:lnTo>
-                    <a:pt x="662" y="451"/>
-                  </a:lnTo>
-                  <a:lnTo>
-                    <a:pt x="666" y="409"/>
-                  </a:lnTo>
-                  <a:lnTo>
-                    <a:pt x="662" y="368"/>
-                  </a:lnTo>
-                  <a:lnTo>
-                    <a:pt x="653" y="329"/>
-                  </a:lnTo>
-                  <a:lnTo>
-                    <a:pt x="637" y="292"/>
-                  </a:lnTo>
-                  <a:lnTo>
-                    <a:pt x="616" y="259"/>
-                  </a:lnTo>
-                  <a:lnTo>
-                    <a:pt x="591" y="229"/>
-                  </a:lnTo>
-                  <a:lnTo>
-                    <a:pt x="561" y="203"/>
-                  </a:lnTo>
-                  <a:lnTo>
-                    <a:pt x="528" y="182"/>
-                  </a:lnTo>
-                  <a:lnTo>
-                    <a:pt x="491" y="167"/>
-                  </a:lnTo>
-                  <a:lnTo>
-                    <a:pt x="451" y="157"/>
-                  </a:lnTo>
-                  <a:lnTo>
-                    <a:pt x="409" y="153"/>
-                  </a:lnTo>
-                  <a:close/>
-                  <a:moveTo>
-                    <a:pt x="409" y="0"/>
-                  </a:moveTo>
-                  <a:lnTo>
-                    <a:pt x="409" y="0"/>
-                  </a:lnTo>
-                  <a:lnTo>
-                    <a:pt x="461" y="4"/>
-                  </a:lnTo>
-                  <a:lnTo>
-                    <a:pt x="510" y="13"/>
-                  </a:lnTo>
-                  <a:lnTo>
-                    <a:pt x="558" y="28"/>
-                  </a:lnTo>
-                  <a:lnTo>
-                    <a:pt x="602" y="49"/>
-                  </a:lnTo>
-                  <a:lnTo>
-                    <a:pt x="644" y="74"/>
-                  </a:lnTo>
-                  <a:lnTo>
-                    <a:pt x="682" y="104"/>
-                  </a:lnTo>
-                  <a:lnTo>
-                    <a:pt x="716" y="138"/>
-                  </a:lnTo>
-                  <a:lnTo>
-                    <a:pt x="746" y="176"/>
-                  </a:lnTo>
-                  <a:lnTo>
-                    <a:pt x="771" y="217"/>
-                  </a:lnTo>
-                  <a:lnTo>
-                    <a:pt x="792" y="261"/>
-                  </a:lnTo>
-                  <a:lnTo>
-                    <a:pt x="807" y="309"/>
-                  </a:lnTo>
-                  <a:lnTo>
-                    <a:pt x="816" y="359"/>
-                  </a:lnTo>
-                  <a:lnTo>
-                    <a:pt x="820" y="409"/>
-                  </a:lnTo>
-                  <a:lnTo>
-                    <a:pt x="816" y="461"/>
-                  </a:lnTo>
-                  <a:lnTo>
-                    <a:pt x="807" y="510"/>
-                  </a:lnTo>
-                  <a:lnTo>
-                    <a:pt x="792" y="558"/>
-                  </a:lnTo>
-                  <a:lnTo>
-                    <a:pt x="771" y="602"/>
-                  </a:lnTo>
-                  <a:lnTo>
-                    <a:pt x="746" y="644"/>
-                  </a:lnTo>
-                  <a:lnTo>
-                    <a:pt x="716" y="682"/>
-                  </a:lnTo>
-                  <a:lnTo>
-                    <a:pt x="682" y="716"/>
-                  </a:lnTo>
-                  <a:lnTo>
-                    <a:pt x="644" y="746"/>
-                  </a:lnTo>
-                  <a:lnTo>
-                    <a:pt x="602" y="771"/>
-                  </a:lnTo>
-                  <a:lnTo>
-                    <a:pt x="558" y="792"/>
-                  </a:lnTo>
-                  <a:lnTo>
-                    <a:pt x="510" y="807"/>
-                  </a:lnTo>
-                  <a:lnTo>
-                    <a:pt x="461" y="816"/>
-                  </a:lnTo>
-                  <a:lnTo>
-                    <a:pt x="409" y="820"/>
-                  </a:lnTo>
-                  <a:lnTo>
-                    <a:pt x="359" y="816"/>
-                  </a:lnTo>
-                  <a:lnTo>
-                    <a:pt x="309" y="807"/>
-                  </a:lnTo>
-                  <a:lnTo>
-                    <a:pt x="262" y="792"/>
-                  </a:lnTo>
-                  <a:lnTo>
-                    <a:pt x="217" y="771"/>
-                  </a:lnTo>
-                  <a:lnTo>
-                    <a:pt x="176" y="746"/>
-                  </a:lnTo>
-                  <a:lnTo>
-                    <a:pt x="138" y="716"/>
-                  </a:lnTo>
-                  <a:lnTo>
-                    <a:pt x="104" y="682"/>
-                  </a:lnTo>
-                  <a:lnTo>
-                    <a:pt x="74" y="644"/>
-                  </a:lnTo>
-                  <a:lnTo>
-                    <a:pt x="48" y="602"/>
-                  </a:lnTo>
-                  <a:lnTo>
-                    <a:pt x="28" y="558"/>
-                  </a:lnTo>
-                  <a:lnTo>
-                    <a:pt x="13" y="510"/>
-                  </a:lnTo>
-                  <a:lnTo>
-                    <a:pt x="4" y="461"/>
-                  </a:lnTo>
-                  <a:lnTo>
-                    <a:pt x="0" y="409"/>
-                  </a:lnTo>
-                  <a:lnTo>
-                    <a:pt x="4" y="359"/>
-                  </a:lnTo>
-                  <a:lnTo>
-                    <a:pt x="13" y="309"/>
-                  </a:lnTo>
-                  <a:lnTo>
-                    <a:pt x="28" y="261"/>
-                  </a:lnTo>
-                  <a:lnTo>
-                    <a:pt x="48" y="217"/>
-                  </a:lnTo>
-                  <a:lnTo>
-                    <a:pt x="74" y="176"/>
-                  </a:lnTo>
-                  <a:lnTo>
-                    <a:pt x="104" y="138"/>
-                  </a:lnTo>
-                  <a:lnTo>
-                    <a:pt x="138" y="104"/>
-                  </a:lnTo>
-                  <a:lnTo>
-                    <a:pt x="176" y="74"/>
-                  </a:lnTo>
-                  <a:lnTo>
-                    <a:pt x="217" y="49"/>
-                  </a:lnTo>
-                  <a:lnTo>
-                    <a:pt x="262" y="28"/>
-                  </a:lnTo>
-                  <a:lnTo>
-                    <a:pt x="309" y="13"/>
-                  </a:lnTo>
-                  <a:lnTo>
-                    <a:pt x="359" y="4"/>
-                  </a:lnTo>
-                  <a:lnTo>
-                    <a:pt x="409" y="0"/>
-                  </a:lnTo>
-                  <a:close/>
-                </a:path>
-              </a:pathLst>
-            </a:custGeom>
-            <a:solidFill>
-              <a:srgbClr val="496e8d"/>
-            </a:solidFill>
-            <a:ln w="12700">
-              <a:solidFill>
-                <a:srgbClr val="496e8d"/>
-              </a:solidFill>
-              <a:prstDash val="solid"/>
-              <a:round/>
-            </a:ln>
-          </p:spPr>
-          <p:txBody>
-            <a:bodyPr vert="horz" wrap="square" lIns="91440" tIns="45720" rIns="91440" bIns="45720" anchor="t" anchorCtr="0">
-              <a:prstTxWarp prst="textNoShape">
-                <a:avLst/>
-              </a:prstTxWarp>
-            </a:bodyPr>
-            <a:lstStyle/>
-            <a:p>
-              <a:pPr lvl="0">
-                <a:defRPr/>
-              </a:pPr>
-              <a:endParaRPr lang="ko-KR" altLang="en-US"/>
-            </a:p>
-          </p:txBody>
-        </p:sp>
-        <p:sp>
-          <p:nvSpPr>
-            <p:cNvPr id="71" name="Freeform 14"/>
-            <p:cNvSpPr>
-              <a:spLocks noEditPoints="1"/>
-            </p:cNvSpPr>
-            <p:nvPr/>
-          </p:nvSpPr>
-          <p:spPr>
-            <a:xfrm>
-              <a:off x="5881460" y="2967530"/>
-              <a:ext cx="94074" cy="93845"/>
-            </a:xfrm>
-            <a:custGeom>
-              <a:avLst/>
-              <a:gdLst>
-                <a:gd name="T0" fmla="*/ 368 w 819"/>
-                <a:gd name="T1" fmla="*/ 156 h 818"/>
-                <a:gd name="T2" fmla="*/ 292 w 819"/>
-                <a:gd name="T3" fmla="*/ 182 h 818"/>
-                <a:gd name="T4" fmla="*/ 229 w 819"/>
-                <a:gd name="T5" fmla="*/ 229 h 818"/>
-                <a:gd name="T6" fmla="*/ 182 w 819"/>
-                <a:gd name="T7" fmla="*/ 292 h 818"/>
-                <a:gd name="T8" fmla="*/ 157 w 819"/>
-                <a:gd name="T9" fmla="*/ 368 h 818"/>
-                <a:gd name="T10" fmla="*/ 157 w 819"/>
-                <a:gd name="T11" fmla="*/ 450 h 818"/>
-                <a:gd name="T12" fmla="*/ 182 w 819"/>
-                <a:gd name="T13" fmla="*/ 526 h 818"/>
-                <a:gd name="T14" fmla="*/ 229 w 819"/>
-                <a:gd name="T15" fmla="*/ 590 h 818"/>
-                <a:gd name="T16" fmla="*/ 292 w 819"/>
-                <a:gd name="T17" fmla="*/ 637 h 818"/>
-                <a:gd name="T18" fmla="*/ 368 w 819"/>
-                <a:gd name="T19" fmla="*/ 662 h 818"/>
-                <a:gd name="T20" fmla="*/ 450 w 819"/>
-                <a:gd name="T21" fmla="*/ 662 h 818"/>
-                <a:gd name="T22" fmla="*/ 527 w 819"/>
-                <a:gd name="T23" fmla="*/ 637 h 818"/>
-                <a:gd name="T24" fmla="*/ 591 w 819"/>
-                <a:gd name="T25" fmla="*/ 590 h 818"/>
-                <a:gd name="T26" fmla="*/ 637 w 819"/>
-                <a:gd name="T27" fmla="*/ 526 h 818"/>
-                <a:gd name="T28" fmla="*/ 662 w 819"/>
-                <a:gd name="T29" fmla="*/ 450 h 818"/>
-                <a:gd name="T30" fmla="*/ 662 w 819"/>
-                <a:gd name="T31" fmla="*/ 368 h 818"/>
-                <a:gd name="T32" fmla="*/ 637 w 819"/>
-                <a:gd name="T33" fmla="*/ 292 h 818"/>
-                <a:gd name="T34" fmla="*/ 591 w 819"/>
-                <a:gd name="T35" fmla="*/ 229 h 818"/>
-                <a:gd name="T36" fmla="*/ 527 w 819"/>
-                <a:gd name="T37" fmla="*/ 182 h 818"/>
-                <a:gd name="T38" fmla="*/ 450 w 819"/>
-                <a:gd name="T39" fmla="*/ 156 h 818"/>
-                <a:gd name="T40" fmla="*/ 409 w 819"/>
-                <a:gd name="T41" fmla="*/ 0 h 818"/>
-                <a:gd name="T42" fmla="*/ 510 w 819"/>
-                <a:gd name="T43" fmla="*/ 12 h 818"/>
-                <a:gd name="T44" fmla="*/ 602 w 819"/>
-                <a:gd name="T45" fmla="*/ 47 h 818"/>
-                <a:gd name="T46" fmla="*/ 681 w 819"/>
-                <a:gd name="T47" fmla="*/ 103 h 818"/>
-                <a:gd name="T48" fmla="*/ 746 w 819"/>
-                <a:gd name="T49" fmla="*/ 175 h 818"/>
-                <a:gd name="T50" fmla="*/ 792 w 819"/>
-                <a:gd name="T51" fmla="*/ 261 h 818"/>
-                <a:gd name="T52" fmla="*/ 816 w 819"/>
-                <a:gd name="T53" fmla="*/ 357 h 818"/>
-                <a:gd name="T54" fmla="*/ 816 w 819"/>
-                <a:gd name="T55" fmla="*/ 461 h 818"/>
-                <a:gd name="T56" fmla="*/ 792 w 819"/>
-                <a:gd name="T57" fmla="*/ 557 h 818"/>
-                <a:gd name="T58" fmla="*/ 746 w 819"/>
-                <a:gd name="T59" fmla="*/ 642 h 818"/>
-                <a:gd name="T60" fmla="*/ 681 w 819"/>
-                <a:gd name="T61" fmla="*/ 715 h 818"/>
-                <a:gd name="T62" fmla="*/ 602 w 819"/>
-                <a:gd name="T63" fmla="*/ 771 h 818"/>
-                <a:gd name="T64" fmla="*/ 510 w 819"/>
-                <a:gd name="T65" fmla="*/ 806 h 818"/>
-                <a:gd name="T66" fmla="*/ 409 w 819"/>
-                <a:gd name="T67" fmla="*/ 818 h 818"/>
-                <a:gd name="T68" fmla="*/ 309 w 819"/>
-                <a:gd name="T69" fmla="*/ 806 h 818"/>
-                <a:gd name="T70" fmla="*/ 217 w 819"/>
-                <a:gd name="T71" fmla="*/ 771 h 818"/>
-                <a:gd name="T72" fmla="*/ 138 w 819"/>
-                <a:gd name="T73" fmla="*/ 715 h 818"/>
-                <a:gd name="T74" fmla="*/ 74 w 819"/>
-                <a:gd name="T75" fmla="*/ 642 h 818"/>
-                <a:gd name="T76" fmla="*/ 28 w 819"/>
-                <a:gd name="T77" fmla="*/ 557 h 818"/>
-                <a:gd name="T78" fmla="*/ 3 w 819"/>
-                <a:gd name="T79" fmla="*/ 461 h 818"/>
-                <a:gd name="T80" fmla="*/ 3 w 819"/>
-                <a:gd name="T81" fmla="*/ 357 h 818"/>
-                <a:gd name="T82" fmla="*/ 28 w 819"/>
-                <a:gd name="T83" fmla="*/ 261 h 818"/>
-                <a:gd name="T84" fmla="*/ 74 w 819"/>
-                <a:gd name="T85" fmla="*/ 175 h 818"/>
-                <a:gd name="T86" fmla="*/ 138 w 819"/>
-                <a:gd name="T87" fmla="*/ 103 h 818"/>
-                <a:gd name="T88" fmla="*/ 217 w 819"/>
-                <a:gd name="T89" fmla="*/ 47 h 818"/>
-                <a:gd name="T90" fmla="*/ 309 w 819"/>
-                <a:gd name="T91" fmla="*/ 12 h 818"/>
-                <a:gd name="T92" fmla="*/ 409 w 819"/>
-                <a:gd name="T93" fmla="*/ 0 h 818"/>
-              </a:gdLst>
-              <a:cxnLst>
-                <a:cxn ang="0">
-                  <a:pos x="T0" y="T1"/>
-                </a:cxn>
-                <a:cxn ang="0">
-                  <a:pos x="T2" y="T3"/>
-                </a:cxn>
-                <a:cxn ang="0">
-                  <a:pos x="T4" y="T5"/>
-                </a:cxn>
-                <a:cxn ang="0">
-                  <a:pos x="T6" y="T7"/>
-                </a:cxn>
-                <a:cxn ang="0">
-                  <a:pos x="T8" y="T9"/>
-                </a:cxn>
-                <a:cxn ang="0">
-                  <a:pos x="T10" y="T11"/>
-                </a:cxn>
-                <a:cxn ang="0">
-                  <a:pos x="T12" y="T13"/>
-                </a:cxn>
-                <a:cxn ang="0">
-                  <a:pos x="T14" y="T15"/>
-                </a:cxn>
-                <a:cxn ang="0">
-                  <a:pos x="T16" y="T17"/>
-                </a:cxn>
-                <a:cxn ang="0">
-                  <a:pos x="T18" y="T19"/>
-                </a:cxn>
-                <a:cxn ang="0">
-                  <a:pos x="T20" y="T21"/>
-                </a:cxn>
-                <a:cxn ang="0">
-                  <a:pos x="T22" y="T23"/>
-                </a:cxn>
-                <a:cxn ang="0">
-                  <a:pos x="T24" y="T25"/>
-                </a:cxn>
-                <a:cxn ang="0">
-                  <a:pos x="T26" y="T27"/>
-                </a:cxn>
-                <a:cxn ang="0">
-                  <a:pos x="T28" y="T29"/>
-                </a:cxn>
-                <a:cxn ang="0">
-                  <a:pos x="T30" y="T31"/>
-                </a:cxn>
-                <a:cxn ang="0">
-                  <a:pos x="T32" y="T33"/>
-                </a:cxn>
-                <a:cxn ang="0">
-                  <a:pos x="T34" y="T35"/>
-                </a:cxn>
-                <a:cxn ang="0">
-                  <a:pos x="T36" y="T37"/>
-                </a:cxn>
-                <a:cxn ang="0">
-                  <a:pos x="T38" y="T39"/>
-                </a:cxn>
-                <a:cxn ang="0">
-                  <a:pos x="T40" y="T41"/>
-                </a:cxn>
-                <a:cxn ang="0">
-                  <a:pos x="T42" y="T43"/>
-                </a:cxn>
-                <a:cxn ang="0">
-                  <a:pos x="T44" y="T45"/>
-                </a:cxn>
-                <a:cxn ang="0">
-                  <a:pos x="T46" y="T47"/>
-                </a:cxn>
-                <a:cxn ang="0">
-                  <a:pos x="T48" y="T49"/>
-                </a:cxn>
-                <a:cxn ang="0">
-                  <a:pos x="T50" y="T51"/>
-                </a:cxn>
-                <a:cxn ang="0">
-                  <a:pos x="T52" y="T53"/>
-                </a:cxn>
-                <a:cxn ang="0">
-                  <a:pos x="T54" y="T55"/>
-                </a:cxn>
-                <a:cxn ang="0">
-                  <a:pos x="T56" y="T57"/>
-                </a:cxn>
-                <a:cxn ang="0">
-                  <a:pos x="T58" y="T59"/>
-                </a:cxn>
-                <a:cxn ang="0">
-                  <a:pos x="T60" y="T61"/>
-                </a:cxn>
-                <a:cxn ang="0">
-                  <a:pos x="T62" y="T63"/>
-                </a:cxn>
-                <a:cxn ang="0">
-                  <a:pos x="T64" y="T65"/>
-                </a:cxn>
-                <a:cxn ang="0">
-                  <a:pos x="T66" y="T67"/>
-                </a:cxn>
-                <a:cxn ang="0">
-                  <a:pos x="T68" y="T69"/>
-                </a:cxn>
-                <a:cxn ang="0">
-                  <a:pos x="T70" y="T71"/>
-                </a:cxn>
-                <a:cxn ang="0">
-                  <a:pos x="T72" y="T73"/>
-                </a:cxn>
-                <a:cxn ang="0">
-                  <a:pos x="T74" y="T75"/>
-                </a:cxn>
-                <a:cxn ang="0">
-                  <a:pos x="T76" y="T77"/>
-                </a:cxn>
-                <a:cxn ang="0">
-                  <a:pos x="T78" y="T79"/>
-                </a:cxn>
-                <a:cxn ang="0">
-                  <a:pos x="T80" y="T81"/>
-                </a:cxn>
-                <a:cxn ang="0">
-                  <a:pos x="T82" y="T83"/>
-                </a:cxn>
-                <a:cxn ang="0">
-                  <a:pos x="T84" y="T85"/>
-                </a:cxn>
-                <a:cxn ang="0">
-                  <a:pos x="T86" y="T87"/>
-                </a:cxn>
-                <a:cxn ang="0">
-                  <a:pos x="T88" y="T89"/>
-                </a:cxn>
-                <a:cxn ang="0">
-                  <a:pos x="T90" y="T91"/>
-                </a:cxn>
-                <a:cxn ang="0">
-                  <a:pos x="T92" y="T93"/>
-                </a:cxn>
-              </a:cxnLst>
-              <a:rect l="0" t="0" r="r" b="b"/>
-              <a:pathLst>
-                <a:path w="819" h="818">
-                  <a:moveTo>
-                    <a:pt x="409" y="153"/>
-                  </a:moveTo>
-                  <a:lnTo>
-                    <a:pt x="368" y="156"/>
-                  </a:lnTo>
-                  <a:lnTo>
-                    <a:pt x="329" y="167"/>
-                  </a:lnTo>
-                  <a:lnTo>
-                    <a:pt x="292" y="182"/>
-                  </a:lnTo>
-                  <a:lnTo>
-                    <a:pt x="259" y="202"/>
-                  </a:lnTo>
-                  <a:lnTo>
-                    <a:pt x="229" y="229"/>
-                  </a:lnTo>
-                  <a:lnTo>
-                    <a:pt x="203" y="257"/>
-                  </a:lnTo>
-                  <a:lnTo>
-                    <a:pt x="182" y="292"/>
-                  </a:lnTo>
-                  <a:lnTo>
-                    <a:pt x="167" y="329"/>
-                  </a:lnTo>
-                  <a:lnTo>
-                    <a:pt x="157" y="368"/>
-                  </a:lnTo>
-                  <a:lnTo>
-                    <a:pt x="154" y="409"/>
-                  </a:lnTo>
-                  <a:lnTo>
-                    <a:pt x="157" y="450"/>
-                  </a:lnTo>
-                  <a:lnTo>
-                    <a:pt x="167" y="490"/>
-                  </a:lnTo>
-                  <a:lnTo>
-                    <a:pt x="182" y="526"/>
-                  </a:lnTo>
-                  <a:lnTo>
-                    <a:pt x="203" y="560"/>
-                  </a:lnTo>
-                  <a:lnTo>
-                    <a:pt x="229" y="590"/>
-                  </a:lnTo>
-                  <a:lnTo>
-                    <a:pt x="259" y="616"/>
-                  </a:lnTo>
-                  <a:lnTo>
-                    <a:pt x="292" y="637"/>
-                  </a:lnTo>
-                  <a:lnTo>
-                    <a:pt x="329" y="652"/>
-                  </a:lnTo>
-                  <a:lnTo>
-                    <a:pt x="368" y="662"/>
-                  </a:lnTo>
-                  <a:lnTo>
-                    <a:pt x="409" y="665"/>
-                  </a:lnTo>
-                  <a:lnTo>
-                    <a:pt x="450" y="662"/>
-                  </a:lnTo>
-                  <a:lnTo>
-                    <a:pt x="491" y="652"/>
-                  </a:lnTo>
-                  <a:lnTo>
-                    <a:pt x="527" y="637"/>
-                  </a:lnTo>
-                  <a:lnTo>
-                    <a:pt x="561" y="616"/>
-                  </a:lnTo>
-                  <a:lnTo>
-                    <a:pt x="591" y="590"/>
-                  </a:lnTo>
-                  <a:lnTo>
-                    <a:pt x="616" y="560"/>
-                  </a:lnTo>
-                  <a:lnTo>
-                    <a:pt x="637" y="526"/>
-                  </a:lnTo>
-                  <a:lnTo>
-                    <a:pt x="653" y="490"/>
-                  </a:lnTo>
-                  <a:lnTo>
-                    <a:pt x="662" y="450"/>
-                  </a:lnTo>
-                  <a:lnTo>
-                    <a:pt x="665" y="409"/>
-                  </a:lnTo>
-                  <a:lnTo>
-                    <a:pt x="662" y="368"/>
-                  </a:lnTo>
-                  <a:lnTo>
-                    <a:pt x="653" y="329"/>
-                  </a:lnTo>
-                  <a:lnTo>
-                    <a:pt x="637" y="292"/>
-                  </a:lnTo>
-                  <a:lnTo>
-                    <a:pt x="616" y="257"/>
-                  </a:lnTo>
-                  <a:lnTo>
-                    <a:pt x="591" y="229"/>
-                  </a:lnTo>
-                  <a:lnTo>
-                    <a:pt x="561" y="202"/>
-                  </a:lnTo>
-                  <a:lnTo>
-                    <a:pt x="527" y="182"/>
-                  </a:lnTo>
-                  <a:lnTo>
-                    <a:pt x="491" y="167"/>
-                  </a:lnTo>
-                  <a:lnTo>
-                    <a:pt x="450" y="156"/>
-                  </a:lnTo>
-                  <a:lnTo>
-                    <a:pt x="409" y="153"/>
-                  </a:lnTo>
-                  <a:close/>
-                  <a:moveTo>
-                    <a:pt x="409" y="0"/>
-                  </a:moveTo>
-                  <a:lnTo>
-                    <a:pt x="461" y="2"/>
-                  </a:lnTo>
-                  <a:lnTo>
-                    <a:pt x="510" y="12"/>
-                  </a:lnTo>
-                  <a:lnTo>
-                    <a:pt x="557" y="28"/>
-                  </a:lnTo>
-                  <a:lnTo>
-                    <a:pt x="602" y="47"/>
-                  </a:lnTo>
-                  <a:lnTo>
-                    <a:pt x="644" y="72"/>
-                  </a:lnTo>
-                  <a:lnTo>
-                    <a:pt x="681" y="103"/>
-                  </a:lnTo>
-                  <a:lnTo>
-                    <a:pt x="716" y="137"/>
-                  </a:lnTo>
-                  <a:lnTo>
-                    <a:pt x="746" y="175"/>
-                  </a:lnTo>
-                  <a:lnTo>
-                    <a:pt x="771" y="217"/>
-                  </a:lnTo>
-                  <a:lnTo>
-                    <a:pt x="792" y="261"/>
-                  </a:lnTo>
-                  <a:lnTo>
-                    <a:pt x="807" y="308"/>
-                  </a:lnTo>
-                  <a:lnTo>
-                    <a:pt x="816" y="357"/>
-                  </a:lnTo>
-                  <a:lnTo>
-                    <a:pt x="819" y="409"/>
-                  </a:lnTo>
-                  <a:lnTo>
-                    <a:pt x="816" y="461"/>
-                  </a:lnTo>
-                  <a:lnTo>
-                    <a:pt x="807" y="510"/>
-                  </a:lnTo>
-                  <a:lnTo>
-                    <a:pt x="792" y="557"/>
-                  </a:lnTo>
-                  <a:lnTo>
-                    <a:pt x="771" y="601"/>
-                  </a:lnTo>
-                  <a:lnTo>
-                    <a:pt x="746" y="642"/>
-                  </a:lnTo>
-                  <a:lnTo>
-                    <a:pt x="716" y="681"/>
-                  </a:lnTo>
-                  <a:lnTo>
-                    <a:pt x="681" y="715"/>
-                  </a:lnTo>
-                  <a:lnTo>
-                    <a:pt x="644" y="745"/>
-                  </a:lnTo>
-                  <a:lnTo>
-                    <a:pt x="602" y="771"/>
-                  </a:lnTo>
-                  <a:lnTo>
-                    <a:pt x="557" y="791"/>
-                  </a:lnTo>
-                  <a:lnTo>
-                    <a:pt x="510" y="806"/>
-                  </a:lnTo>
-                  <a:lnTo>
-                    <a:pt x="461" y="816"/>
-                  </a:lnTo>
-                  <a:lnTo>
-                    <a:pt x="409" y="818"/>
-                  </a:lnTo>
-                  <a:lnTo>
-                    <a:pt x="359" y="816"/>
-                  </a:lnTo>
-                  <a:lnTo>
-                    <a:pt x="309" y="806"/>
-                  </a:lnTo>
-                  <a:lnTo>
-                    <a:pt x="262" y="791"/>
-                  </a:lnTo>
-                  <a:lnTo>
-                    <a:pt x="217" y="771"/>
-                  </a:lnTo>
-                  <a:lnTo>
-                    <a:pt x="176" y="745"/>
-                  </a:lnTo>
-                  <a:lnTo>
-                    <a:pt x="138" y="715"/>
-                  </a:lnTo>
-                  <a:lnTo>
-                    <a:pt x="103" y="681"/>
-                  </a:lnTo>
-                  <a:lnTo>
-                    <a:pt x="74" y="642"/>
-                  </a:lnTo>
-                  <a:lnTo>
-                    <a:pt x="48" y="601"/>
-                  </a:lnTo>
-                  <a:lnTo>
-                    <a:pt x="28" y="557"/>
-                  </a:lnTo>
-                  <a:lnTo>
-                    <a:pt x="13" y="510"/>
-                  </a:lnTo>
-                  <a:lnTo>
-                    <a:pt x="3" y="461"/>
-                  </a:lnTo>
-                  <a:lnTo>
-                    <a:pt x="0" y="409"/>
-                  </a:lnTo>
-                  <a:lnTo>
-                    <a:pt x="3" y="357"/>
-                  </a:lnTo>
-                  <a:lnTo>
-                    <a:pt x="13" y="308"/>
-                  </a:lnTo>
-                  <a:lnTo>
-                    <a:pt x="28" y="261"/>
-                  </a:lnTo>
-                  <a:lnTo>
-                    <a:pt x="48" y="217"/>
-                  </a:lnTo>
-                  <a:lnTo>
-                    <a:pt x="74" y="175"/>
-                  </a:lnTo>
-                  <a:lnTo>
-                    <a:pt x="103" y="137"/>
-                  </a:lnTo>
-                  <a:lnTo>
-                    <a:pt x="138" y="103"/>
-                  </a:lnTo>
-                  <a:lnTo>
-                    <a:pt x="176" y="72"/>
-                  </a:lnTo>
-                  <a:lnTo>
-                    <a:pt x="217" y="47"/>
-                  </a:lnTo>
-                  <a:lnTo>
-                    <a:pt x="262" y="28"/>
-                  </a:lnTo>
-                  <a:lnTo>
-                    <a:pt x="309" y="12"/>
-                  </a:lnTo>
-                  <a:lnTo>
-                    <a:pt x="359" y="2"/>
-                  </a:lnTo>
-                  <a:lnTo>
-                    <a:pt x="409" y="0"/>
-                  </a:lnTo>
-                  <a:close/>
-                </a:path>
-              </a:pathLst>
-            </a:custGeom>
-            <a:solidFill>
-              <a:srgbClr val="496e8d"/>
-            </a:solidFill>
-            <a:ln w="12700">
-              <a:solidFill>
-                <a:srgbClr val="496e8d"/>
-              </a:solidFill>
-              <a:prstDash val="solid"/>
-              <a:round/>
-            </a:ln>
-          </p:spPr>
-          <p:txBody>
-            <a:bodyPr vert="horz" wrap="square" lIns="91440" tIns="45720" rIns="91440" bIns="45720" anchor="t" anchorCtr="0">
-              <a:prstTxWarp prst="textNoShape">
-                <a:avLst/>
-              </a:prstTxWarp>
-            </a:bodyPr>
-            <a:lstStyle/>
-            <a:p>
-              <a:pPr lvl="0">
-                <a:defRPr/>
-              </a:pPr>
-              <a:endParaRPr lang="ko-KR" altLang="en-US"/>
-            </a:p>
-          </p:txBody>
-        </p:sp>
-        <p:sp>
-          <p:nvSpPr>
-            <p:cNvPr id="72" name="Freeform 15"/>
-            <p:cNvSpPr/>
-            <p:nvPr/>
-          </p:nvSpPr>
-          <p:spPr>
-            <a:xfrm>
-              <a:off x="6048958" y="2967530"/>
-              <a:ext cx="94074" cy="93845"/>
-            </a:xfrm>
-            <a:custGeom>
-              <a:avLst/>
-              <a:gdLst>
-                <a:gd name="T0" fmla="*/ 429 w 819"/>
-                <a:gd name="T1" fmla="*/ 2 h 818"/>
-                <a:gd name="T2" fmla="*/ 464 w 819"/>
-                <a:gd name="T3" fmla="*/ 22 h 818"/>
-                <a:gd name="T4" fmla="*/ 483 w 819"/>
-                <a:gd name="T5" fmla="*/ 56 h 818"/>
-                <a:gd name="T6" fmla="*/ 483 w 819"/>
-                <a:gd name="T7" fmla="*/ 97 h 818"/>
-                <a:gd name="T8" fmla="*/ 464 w 819"/>
-                <a:gd name="T9" fmla="*/ 131 h 818"/>
-                <a:gd name="T10" fmla="*/ 429 w 819"/>
-                <a:gd name="T11" fmla="*/ 151 h 818"/>
-                <a:gd name="T12" fmla="*/ 367 w 819"/>
-                <a:gd name="T13" fmla="*/ 156 h 818"/>
-                <a:gd name="T14" fmla="*/ 291 w 819"/>
-                <a:gd name="T15" fmla="*/ 182 h 818"/>
-                <a:gd name="T16" fmla="*/ 228 w 819"/>
-                <a:gd name="T17" fmla="*/ 229 h 818"/>
-                <a:gd name="T18" fmla="*/ 181 w 819"/>
-                <a:gd name="T19" fmla="*/ 292 h 818"/>
-                <a:gd name="T20" fmla="*/ 157 w 819"/>
-                <a:gd name="T21" fmla="*/ 368 h 818"/>
-                <a:gd name="T22" fmla="*/ 157 w 819"/>
-                <a:gd name="T23" fmla="*/ 450 h 818"/>
-                <a:gd name="T24" fmla="*/ 181 w 819"/>
-                <a:gd name="T25" fmla="*/ 526 h 818"/>
-                <a:gd name="T26" fmla="*/ 228 w 819"/>
-                <a:gd name="T27" fmla="*/ 590 h 818"/>
-                <a:gd name="T28" fmla="*/ 291 w 819"/>
-                <a:gd name="T29" fmla="*/ 637 h 818"/>
-                <a:gd name="T30" fmla="*/ 367 w 819"/>
-                <a:gd name="T31" fmla="*/ 662 h 818"/>
-                <a:gd name="T32" fmla="*/ 450 w 819"/>
-                <a:gd name="T33" fmla="*/ 662 h 818"/>
-                <a:gd name="T34" fmla="*/ 527 w 819"/>
-                <a:gd name="T35" fmla="*/ 637 h 818"/>
-                <a:gd name="T36" fmla="*/ 590 w 819"/>
-                <a:gd name="T37" fmla="*/ 590 h 818"/>
-                <a:gd name="T38" fmla="*/ 636 w 819"/>
-                <a:gd name="T39" fmla="*/ 526 h 818"/>
-                <a:gd name="T40" fmla="*/ 662 w 819"/>
-                <a:gd name="T41" fmla="*/ 450 h 818"/>
-                <a:gd name="T42" fmla="*/ 667 w 819"/>
-                <a:gd name="T43" fmla="*/ 388 h 818"/>
-                <a:gd name="T44" fmla="*/ 688 w 819"/>
-                <a:gd name="T45" fmla="*/ 355 h 818"/>
-                <a:gd name="T46" fmla="*/ 721 w 819"/>
-                <a:gd name="T47" fmla="*/ 334 h 818"/>
-                <a:gd name="T48" fmla="*/ 763 w 819"/>
-                <a:gd name="T49" fmla="*/ 334 h 818"/>
-                <a:gd name="T50" fmla="*/ 796 w 819"/>
-                <a:gd name="T51" fmla="*/ 355 h 818"/>
-                <a:gd name="T52" fmla="*/ 816 w 819"/>
-                <a:gd name="T53" fmla="*/ 388 h 818"/>
-                <a:gd name="T54" fmla="*/ 816 w 819"/>
-                <a:gd name="T55" fmla="*/ 461 h 818"/>
-                <a:gd name="T56" fmla="*/ 791 w 819"/>
-                <a:gd name="T57" fmla="*/ 557 h 818"/>
-                <a:gd name="T58" fmla="*/ 745 w 819"/>
-                <a:gd name="T59" fmla="*/ 642 h 818"/>
-                <a:gd name="T60" fmla="*/ 681 w 819"/>
-                <a:gd name="T61" fmla="*/ 715 h 818"/>
-                <a:gd name="T62" fmla="*/ 602 w 819"/>
-                <a:gd name="T63" fmla="*/ 771 h 818"/>
-                <a:gd name="T64" fmla="*/ 510 w 819"/>
-                <a:gd name="T65" fmla="*/ 806 h 818"/>
-                <a:gd name="T66" fmla="*/ 409 w 819"/>
-                <a:gd name="T67" fmla="*/ 818 h 818"/>
-                <a:gd name="T68" fmla="*/ 309 w 819"/>
-                <a:gd name="T69" fmla="*/ 806 h 818"/>
-                <a:gd name="T70" fmla="*/ 217 w 819"/>
-                <a:gd name="T71" fmla="*/ 771 h 818"/>
-                <a:gd name="T72" fmla="*/ 137 w 819"/>
-                <a:gd name="T73" fmla="*/ 715 h 818"/>
-                <a:gd name="T74" fmla="*/ 73 w 819"/>
-                <a:gd name="T75" fmla="*/ 642 h 818"/>
-                <a:gd name="T76" fmla="*/ 27 w 819"/>
-                <a:gd name="T77" fmla="*/ 557 h 818"/>
-                <a:gd name="T78" fmla="*/ 3 w 819"/>
-                <a:gd name="T79" fmla="*/ 461 h 818"/>
-                <a:gd name="T80" fmla="*/ 3 w 819"/>
-                <a:gd name="T81" fmla="*/ 357 h 818"/>
-                <a:gd name="T82" fmla="*/ 27 w 819"/>
-                <a:gd name="T83" fmla="*/ 261 h 818"/>
-                <a:gd name="T84" fmla="*/ 73 w 819"/>
-                <a:gd name="T85" fmla="*/ 175 h 818"/>
-                <a:gd name="T86" fmla="*/ 137 w 819"/>
-                <a:gd name="T87" fmla="*/ 103 h 818"/>
-                <a:gd name="T88" fmla="*/ 217 w 819"/>
-                <a:gd name="T89" fmla="*/ 47 h 818"/>
-                <a:gd name="T90" fmla="*/ 309 w 819"/>
-                <a:gd name="T91" fmla="*/ 12 h 818"/>
-                <a:gd name="T92" fmla="*/ 409 w 819"/>
-                <a:gd name="T93" fmla="*/ 0 h 818"/>
-              </a:gdLst>
-              <a:cxnLst>
-                <a:cxn ang="0">
-                  <a:pos x="T0" y="T1"/>
-                </a:cxn>
-                <a:cxn ang="0">
-                  <a:pos x="T2" y="T3"/>
-                </a:cxn>
-                <a:cxn ang="0">
-                  <a:pos x="T4" y="T5"/>
-                </a:cxn>
-                <a:cxn ang="0">
-                  <a:pos x="T6" y="T7"/>
-                </a:cxn>
-                <a:cxn ang="0">
-                  <a:pos x="T8" y="T9"/>
-                </a:cxn>
-                <a:cxn ang="0">
-                  <a:pos x="T10" y="T11"/>
-                </a:cxn>
-                <a:cxn ang="0">
-                  <a:pos x="T12" y="T13"/>
-                </a:cxn>
-                <a:cxn ang="0">
-                  <a:pos x="T14" y="T15"/>
-                </a:cxn>
-                <a:cxn ang="0">
-                  <a:pos x="T16" y="T17"/>
-                </a:cxn>
-                <a:cxn ang="0">
-                  <a:pos x="T18" y="T19"/>
-                </a:cxn>
-                <a:cxn ang="0">
-                  <a:pos x="T20" y="T21"/>
-                </a:cxn>
-                <a:cxn ang="0">
-                  <a:pos x="T22" y="T23"/>
-                </a:cxn>
-                <a:cxn ang="0">
-                  <a:pos x="T24" y="T25"/>
-                </a:cxn>
-                <a:cxn ang="0">
-                  <a:pos x="T26" y="T27"/>
-                </a:cxn>
-                <a:cxn ang="0">
-                  <a:pos x="T28" y="T29"/>
-                </a:cxn>
-                <a:cxn ang="0">
-                  <a:pos x="T30" y="T31"/>
-                </a:cxn>
-                <a:cxn ang="0">
-                  <a:pos x="T32" y="T33"/>
-                </a:cxn>
-                <a:cxn ang="0">
-                  <a:pos x="T34" y="T35"/>
-                </a:cxn>
-                <a:cxn ang="0">
-                  <a:pos x="T36" y="T37"/>
-                </a:cxn>
-                <a:cxn ang="0">
-                  <a:pos x="T38" y="T39"/>
-                </a:cxn>
-                <a:cxn ang="0">
-                  <a:pos x="T40" y="T41"/>
-                </a:cxn>
-                <a:cxn ang="0">
-                  <a:pos x="T42" y="T43"/>
-                </a:cxn>
-                <a:cxn ang="0">
-                  <a:pos x="T44" y="T45"/>
-                </a:cxn>
-                <a:cxn ang="0">
-                  <a:pos x="T46" y="T47"/>
-                </a:cxn>
-                <a:cxn ang="0">
-                  <a:pos x="T48" y="T49"/>
-                </a:cxn>
-                <a:cxn ang="0">
-                  <a:pos x="T50" y="T51"/>
-                </a:cxn>
-                <a:cxn ang="0">
-                  <a:pos x="T52" y="T53"/>
-                </a:cxn>
-                <a:cxn ang="0">
-                  <a:pos x="T54" y="T55"/>
-                </a:cxn>
-                <a:cxn ang="0">
-                  <a:pos x="T56" y="T57"/>
-                </a:cxn>
-                <a:cxn ang="0">
-                  <a:pos x="T58" y="T59"/>
-                </a:cxn>
-                <a:cxn ang="0">
-                  <a:pos x="T60" y="T61"/>
-                </a:cxn>
-                <a:cxn ang="0">
-                  <a:pos x="T62" y="T63"/>
-                </a:cxn>
-                <a:cxn ang="0">
-                  <a:pos x="T64" y="T65"/>
-                </a:cxn>
-                <a:cxn ang="0">
-                  <a:pos x="T66" y="T67"/>
-                </a:cxn>
-                <a:cxn ang="0">
-                  <a:pos x="T68" y="T69"/>
-                </a:cxn>
-                <a:cxn ang="0">
-                  <a:pos x="T70" y="T71"/>
-                </a:cxn>
-                <a:cxn ang="0">
-                  <a:pos x="T72" y="T73"/>
-                </a:cxn>
-                <a:cxn ang="0">
-                  <a:pos x="T74" y="T75"/>
-                </a:cxn>
-                <a:cxn ang="0">
-                  <a:pos x="T76" y="T77"/>
-                </a:cxn>
-                <a:cxn ang="0">
-                  <a:pos x="T78" y="T79"/>
-                </a:cxn>
-                <a:cxn ang="0">
-                  <a:pos x="T80" y="T81"/>
-                </a:cxn>
-                <a:cxn ang="0">
-                  <a:pos x="T82" y="T83"/>
-                </a:cxn>
-                <a:cxn ang="0">
-                  <a:pos x="T84" y="T85"/>
-                </a:cxn>
-                <a:cxn ang="0">
-                  <a:pos x="T86" y="T87"/>
-                </a:cxn>
-                <a:cxn ang="0">
-                  <a:pos x="T88" y="T89"/>
-                </a:cxn>
-                <a:cxn ang="0">
-                  <a:pos x="T90" y="T91"/>
-                </a:cxn>
-                <a:cxn ang="0">
-                  <a:pos x="T92" y="T93"/>
-                </a:cxn>
-              </a:cxnLst>
-              <a:rect l="0" t="0" r="r" b="b"/>
-              <a:pathLst>
-                <a:path w="819" h="818">
-                  <a:moveTo>
-                    <a:pt x="409" y="0"/>
-                  </a:moveTo>
-                  <a:lnTo>
-                    <a:pt x="429" y="2"/>
-                  </a:lnTo>
-                  <a:lnTo>
-                    <a:pt x="448" y="10"/>
-                  </a:lnTo>
-                  <a:lnTo>
-                    <a:pt x="464" y="22"/>
-                  </a:lnTo>
-                  <a:lnTo>
-                    <a:pt x="475" y="38"/>
-                  </a:lnTo>
-                  <a:lnTo>
-                    <a:pt x="483" y="56"/>
-                  </a:lnTo>
-                  <a:lnTo>
-                    <a:pt x="486" y="76"/>
-                  </a:lnTo>
-                  <a:lnTo>
-                    <a:pt x="483" y="97"/>
-                  </a:lnTo>
-                  <a:lnTo>
-                    <a:pt x="475" y="115"/>
-                  </a:lnTo>
-                  <a:lnTo>
-                    <a:pt x="464" y="131"/>
-                  </a:lnTo>
-                  <a:lnTo>
-                    <a:pt x="448" y="143"/>
-                  </a:lnTo>
-                  <a:lnTo>
-                    <a:pt x="429" y="151"/>
-                  </a:lnTo>
-                  <a:lnTo>
-                    <a:pt x="409" y="153"/>
-                  </a:lnTo>
-                  <a:lnTo>
-                    <a:pt x="367" y="156"/>
-                  </a:lnTo>
-                  <a:lnTo>
-                    <a:pt x="328" y="167"/>
-                  </a:lnTo>
-                  <a:lnTo>
-                    <a:pt x="291" y="182"/>
-                  </a:lnTo>
-                  <a:lnTo>
-                    <a:pt x="258" y="202"/>
-                  </a:lnTo>
-                  <a:lnTo>
-                    <a:pt x="228" y="229"/>
-                  </a:lnTo>
-                  <a:lnTo>
-                    <a:pt x="203" y="257"/>
-                  </a:lnTo>
-                  <a:lnTo>
-                    <a:pt x="181" y="292"/>
-                  </a:lnTo>
-                  <a:lnTo>
-                    <a:pt x="166" y="329"/>
-                  </a:lnTo>
-                  <a:lnTo>
-                    <a:pt x="157" y="368"/>
-                  </a:lnTo>
-                  <a:lnTo>
-                    <a:pt x="154" y="409"/>
-                  </a:lnTo>
-                  <a:lnTo>
-                    <a:pt x="157" y="450"/>
-                  </a:lnTo>
-                  <a:lnTo>
-                    <a:pt x="166" y="490"/>
-                  </a:lnTo>
-                  <a:lnTo>
-                    <a:pt x="181" y="526"/>
-                  </a:lnTo>
-                  <a:lnTo>
-                    <a:pt x="203" y="560"/>
-                  </a:lnTo>
-                  <a:lnTo>
-                    <a:pt x="228" y="590"/>
-                  </a:lnTo>
-                  <a:lnTo>
-                    <a:pt x="258" y="616"/>
-                  </a:lnTo>
-                  <a:lnTo>
-                    <a:pt x="291" y="637"/>
-                  </a:lnTo>
-                  <a:lnTo>
-                    <a:pt x="328" y="652"/>
-                  </a:lnTo>
-                  <a:lnTo>
-                    <a:pt x="367" y="662"/>
-                  </a:lnTo>
-                  <a:lnTo>
-                    <a:pt x="409" y="665"/>
-                  </a:lnTo>
-                  <a:lnTo>
-                    <a:pt x="450" y="662"/>
-                  </a:lnTo>
-                  <a:lnTo>
-                    <a:pt x="490" y="652"/>
-                  </a:lnTo>
-                  <a:lnTo>
-                    <a:pt x="527" y="637"/>
-                  </a:lnTo>
-                  <a:lnTo>
-                    <a:pt x="560" y="616"/>
-                  </a:lnTo>
-                  <a:lnTo>
-                    <a:pt x="590" y="590"/>
-                  </a:lnTo>
-                  <a:lnTo>
-                    <a:pt x="616" y="560"/>
-                  </a:lnTo>
-                  <a:lnTo>
-                    <a:pt x="636" y="526"/>
-                  </a:lnTo>
-                  <a:lnTo>
-                    <a:pt x="652" y="490"/>
-                  </a:lnTo>
-                  <a:lnTo>
-                    <a:pt x="662" y="450"/>
-                  </a:lnTo>
-                  <a:lnTo>
-                    <a:pt x="665" y="409"/>
-                  </a:lnTo>
-                  <a:lnTo>
-                    <a:pt x="667" y="388"/>
-                  </a:lnTo>
-                  <a:lnTo>
-                    <a:pt x="675" y="370"/>
-                  </a:lnTo>
-                  <a:lnTo>
-                    <a:pt x="688" y="355"/>
-                  </a:lnTo>
-                  <a:lnTo>
-                    <a:pt x="703" y="342"/>
-                  </a:lnTo>
-                  <a:lnTo>
-                    <a:pt x="721" y="334"/>
-                  </a:lnTo>
-                  <a:lnTo>
-                    <a:pt x="742" y="332"/>
-                  </a:lnTo>
-                  <a:lnTo>
-                    <a:pt x="763" y="334"/>
-                  </a:lnTo>
-                  <a:lnTo>
-                    <a:pt x="781" y="342"/>
-                  </a:lnTo>
-                  <a:lnTo>
-                    <a:pt x="796" y="355"/>
-                  </a:lnTo>
-                  <a:lnTo>
-                    <a:pt x="809" y="370"/>
-                  </a:lnTo>
-                  <a:lnTo>
-                    <a:pt x="816" y="388"/>
-                  </a:lnTo>
-                  <a:lnTo>
-                    <a:pt x="819" y="409"/>
-                  </a:lnTo>
-                  <a:lnTo>
-                    <a:pt x="816" y="461"/>
-                  </a:lnTo>
-                  <a:lnTo>
-                    <a:pt x="806" y="510"/>
-                  </a:lnTo>
-                  <a:lnTo>
-                    <a:pt x="791" y="557"/>
-                  </a:lnTo>
-                  <a:lnTo>
-                    <a:pt x="771" y="601"/>
-                  </a:lnTo>
-                  <a:lnTo>
-                    <a:pt x="745" y="642"/>
-                  </a:lnTo>
-                  <a:lnTo>
-                    <a:pt x="716" y="681"/>
-                  </a:lnTo>
-                  <a:lnTo>
-                    <a:pt x="681" y="715"/>
-                  </a:lnTo>
-                  <a:lnTo>
-                    <a:pt x="643" y="745"/>
-                  </a:lnTo>
-                  <a:lnTo>
-                    <a:pt x="602" y="771"/>
-                  </a:lnTo>
-                  <a:lnTo>
-                    <a:pt x="557" y="791"/>
-                  </a:lnTo>
-                  <a:lnTo>
-                    <a:pt x="510" y="806"/>
-                  </a:lnTo>
-                  <a:lnTo>
-                    <a:pt x="460" y="816"/>
-                  </a:lnTo>
-                  <a:lnTo>
-                    <a:pt x="409" y="818"/>
-                  </a:lnTo>
-                  <a:lnTo>
-                    <a:pt x="358" y="816"/>
-                  </a:lnTo>
-                  <a:lnTo>
-                    <a:pt x="309" y="806"/>
-                  </a:lnTo>
-                  <a:lnTo>
-                    <a:pt x="262" y="791"/>
-                  </a:lnTo>
-                  <a:lnTo>
-                    <a:pt x="217" y="771"/>
-                  </a:lnTo>
-                  <a:lnTo>
-                    <a:pt x="175" y="745"/>
-                  </a:lnTo>
-                  <a:lnTo>
-                    <a:pt x="137" y="715"/>
-                  </a:lnTo>
-                  <a:lnTo>
-                    <a:pt x="103" y="681"/>
-                  </a:lnTo>
-                  <a:lnTo>
-                    <a:pt x="73" y="642"/>
-                  </a:lnTo>
-                  <a:lnTo>
-                    <a:pt x="48" y="601"/>
-                  </a:lnTo>
-                  <a:lnTo>
-                    <a:pt x="27" y="557"/>
-                  </a:lnTo>
-                  <a:lnTo>
-                    <a:pt x="12" y="510"/>
-                  </a:lnTo>
-                  <a:lnTo>
-                    <a:pt x="3" y="461"/>
-                  </a:lnTo>
-                  <a:lnTo>
-                    <a:pt x="0" y="409"/>
-                  </a:lnTo>
-                  <a:lnTo>
-                    <a:pt x="3" y="357"/>
-                  </a:lnTo>
-                  <a:lnTo>
-                    <a:pt x="12" y="308"/>
-                  </a:lnTo>
-                  <a:lnTo>
-                    <a:pt x="27" y="261"/>
-                  </a:lnTo>
-                  <a:lnTo>
-                    <a:pt x="48" y="217"/>
-                  </a:lnTo>
-                  <a:lnTo>
-                    <a:pt x="73" y="175"/>
-                  </a:lnTo>
-                  <a:lnTo>
-                    <a:pt x="103" y="137"/>
-                  </a:lnTo>
-                  <a:lnTo>
-                    <a:pt x="137" y="103"/>
-                  </a:lnTo>
-                  <a:lnTo>
-                    <a:pt x="175" y="72"/>
-                  </a:lnTo>
-                  <a:lnTo>
-                    <a:pt x="217" y="47"/>
-                  </a:lnTo>
-                  <a:lnTo>
-                    <a:pt x="262" y="28"/>
-                  </a:lnTo>
-                  <a:lnTo>
-                    <a:pt x="309" y="12"/>
-                  </a:lnTo>
-                  <a:lnTo>
-                    <a:pt x="358" y="2"/>
-                  </a:lnTo>
-                  <a:lnTo>
-                    <a:pt x="409" y="0"/>
-                  </a:lnTo>
-                  <a:close/>
-                </a:path>
-              </a:pathLst>
-            </a:custGeom>
-            <a:solidFill>
-              <a:srgbClr val="496e8d"/>
-            </a:solidFill>
-            <a:ln w="12700">
-              <a:solidFill>
-                <a:srgbClr val="496e8d"/>
-              </a:solidFill>
-              <a:prstDash val="solid"/>
-              <a:round/>
-            </a:ln>
-          </p:spPr>
-          <p:txBody>
-            <a:bodyPr vert="horz" wrap="square" lIns="91440" tIns="45720" rIns="91440" bIns="45720" anchor="t" anchorCtr="0">
-              <a:prstTxWarp prst="textNoShape">
-                <a:avLst/>
-              </a:prstTxWarp>
-            </a:bodyPr>
-            <a:lstStyle/>
-            <a:p>
-              <a:pPr lvl="0">
-                <a:defRPr/>
-              </a:pPr>
-              <a:endParaRPr lang="ko-KR" altLang="en-US"/>
-            </a:p>
-          </p:txBody>
-        </p:sp>
-        <p:sp>
-          <p:nvSpPr>
-            <p:cNvPr id="73" name="Freeform 16"/>
-            <p:cNvSpPr>
-              <a:spLocks noEditPoints="1"/>
-            </p:cNvSpPr>
-            <p:nvPr/>
-          </p:nvSpPr>
-          <p:spPr>
-            <a:xfrm>
-              <a:off x="6216684" y="2967530"/>
-              <a:ext cx="93845" cy="93845"/>
-            </a:xfrm>
-            <a:custGeom>
-              <a:avLst/>
-              <a:gdLst>
-                <a:gd name="T0" fmla="*/ 368 w 820"/>
-                <a:gd name="T1" fmla="*/ 156 h 818"/>
-                <a:gd name="T2" fmla="*/ 292 w 820"/>
-                <a:gd name="T3" fmla="*/ 182 h 818"/>
-                <a:gd name="T4" fmla="*/ 229 w 820"/>
-                <a:gd name="T5" fmla="*/ 229 h 818"/>
-                <a:gd name="T6" fmla="*/ 182 w 820"/>
-                <a:gd name="T7" fmla="*/ 292 h 818"/>
-                <a:gd name="T8" fmla="*/ 158 w 820"/>
-                <a:gd name="T9" fmla="*/ 368 h 818"/>
-                <a:gd name="T10" fmla="*/ 158 w 820"/>
-                <a:gd name="T11" fmla="*/ 450 h 818"/>
-                <a:gd name="T12" fmla="*/ 182 w 820"/>
-                <a:gd name="T13" fmla="*/ 526 h 818"/>
-                <a:gd name="T14" fmla="*/ 229 w 820"/>
-                <a:gd name="T15" fmla="*/ 590 h 818"/>
-                <a:gd name="T16" fmla="*/ 292 w 820"/>
-                <a:gd name="T17" fmla="*/ 637 h 818"/>
-                <a:gd name="T18" fmla="*/ 368 w 820"/>
-                <a:gd name="T19" fmla="*/ 662 h 818"/>
-                <a:gd name="T20" fmla="*/ 451 w 820"/>
-                <a:gd name="T21" fmla="*/ 662 h 818"/>
-                <a:gd name="T22" fmla="*/ 528 w 820"/>
-                <a:gd name="T23" fmla="*/ 637 h 818"/>
-                <a:gd name="T24" fmla="*/ 591 w 820"/>
-                <a:gd name="T25" fmla="*/ 590 h 818"/>
-                <a:gd name="T26" fmla="*/ 637 w 820"/>
-                <a:gd name="T27" fmla="*/ 526 h 818"/>
-                <a:gd name="T28" fmla="*/ 662 w 820"/>
-                <a:gd name="T29" fmla="*/ 450 h 818"/>
-                <a:gd name="T30" fmla="*/ 662 w 820"/>
-                <a:gd name="T31" fmla="*/ 368 h 818"/>
-                <a:gd name="T32" fmla="*/ 637 w 820"/>
-                <a:gd name="T33" fmla="*/ 292 h 818"/>
-                <a:gd name="T34" fmla="*/ 591 w 820"/>
-                <a:gd name="T35" fmla="*/ 229 h 818"/>
-                <a:gd name="T36" fmla="*/ 528 w 820"/>
-                <a:gd name="T37" fmla="*/ 182 h 818"/>
-                <a:gd name="T38" fmla="*/ 451 w 820"/>
-                <a:gd name="T39" fmla="*/ 156 h 818"/>
-                <a:gd name="T40" fmla="*/ 409 w 820"/>
-                <a:gd name="T41" fmla="*/ 0 h 818"/>
-                <a:gd name="T42" fmla="*/ 510 w 820"/>
-                <a:gd name="T43" fmla="*/ 12 h 818"/>
-                <a:gd name="T44" fmla="*/ 602 w 820"/>
-                <a:gd name="T45" fmla="*/ 47 h 818"/>
-                <a:gd name="T46" fmla="*/ 682 w 820"/>
-                <a:gd name="T47" fmla="*/ 103 h 818"/>
-                <a:gd name="T48" fmla="*/ 746 w 820"/>
-                <a:gd name="T49" fmla="*/ 175 h 818"/>
-                <a:gd name="T50" fmla="*/ 792 w 820"/>
-                <a:gd name="T51" fmla="*/ 261 h 818"/>
-                <a:gd name="T52" fmla="*/ 816 w 820"/>
-                <a:gd name="T53" fmla="*/ 357 h 818"/>
-                <a:gd name="T54" fmla="*/ 816 w 820"/>
-                <a:gd name="T55" fmla="*/ 461 h 818"/>
-                <a:gd name="T56" fmla="*/ 792 w 820"/>
-                <a:gd name="T57" fmla="*/ 557 h 818"/>
-                <a:gd name="T58" fmla="*/ 746 w 820"/>
-                <a:gd name="T59" fmla="*/ 642 h 818"/>
-                <a:gd name="T60" fmla="*/ 682 w 820"/>
-                <a:gd name="T61" fmla="*/ 715 h 818"/>
-                <a:gd name="T62" fmla="*/ 602 w 820"/>
-                <a:gd name="T63" fmla="*/ 771 h 818"/>
-                <a:gd name="T64" fmla="*/ 510 w 820"/>
-                <a:gd name="T65" fmla="*/ 806 h 818"/>
-                <a:gd name="T66" fmla="*/ 409 w 820"/>
-                <a:gd name="T67" fmla="*/ 818 h 818"/>
-                <a:gd name="T68" fmla="*/ 309 w 820"/>
-                <a:gd name="T69" fmla="*/ 806 h 818"/>
-                <a:gd name="T70" fmla="*/ 217 w 820"/>
-                <a:gd name="T71" fmla="*/ 771 h 818"/>
-                <a:gd name="T72" fmla="*/ 138 w 820"/>
-                <a:gd name="T73" fmla="*/ 715 h 818"/>
-                <a:gd name="T74" fmla="*/ 74 w 820"/>
-                <a:gd name="T75" fmla="*/ 642 h 818"/>
-                <a:gd name="T76" fmla="*/ 28 w 820"/>
-                <a:gd name="T77" fmla="*/ 557 h 818"/>
-                <a:gd name="T78" fmla="*/ 4 w 820"/>
-                <a:gd name="T79" fmla="*/ 461 h 818"/>
-                <a:gd name="T80" fmla="*/ 4 w 820"/>
-                <a:gd name="T81" fmla="*/ 357 h 818"/>
-                <a:gd name="T82" fmla="*/ 28 w 820"/>
-                <a:gd name="T83" fmla="*/ 261 h 818"/>
-                <a:gd name="T84" fmla="*/ 74 w 820"/>
-                <a:gd name="T85" fmla="*/ 175 h 818"/>
-                <a:gd name="T86" fmla="*/ 138 w 820"/>
-                <a:gd name="T87" fmla="*/ 103 h 818"/>
-                <a:gd name="T88" fmla="*/ 217 w 820"/>
-                <a:gd name="T89" fmla="*/ 47 h 818"/>
-                <a:gd name="T90" fmla="*/ 309 w 820"/>
-                <a:gd name="T91" fmla="*/ 12 h 818"/>
-                <a:gd name="T92" fmla="*/ 409 w 820"/>
-                <a:gd name="T93" fmla="*/ 0 h 818"/>
-              </a:gdLst>
-              <a:cxnLst>
-                <a:cxn ang="0">
-                  <a:pos x="T0" y="T1"/>
-                </a:cxn>
-                <a:cxn ang="0">
-                  <a:pos x="T2" y="T3"/>
-                </a:cxn>
-                <a:cxn ang="0">
-                  <a:pos x="T4" y="T5"/>
-                </a:cxn>
-                <a:cxn ang="0">
-                  <a:pos x="T6" y="T7"/>
-                </a:cxn>
-                <a:cxn ang="0">
-                  <a:pos x="T8" y="T9"/>
-                </a:cxn>
-                <a:cxn ang="0">
-                  <a:pos x="T10" y="T11"/>
-                </a:cxn>
-                <a:cxn ang="0">
-                  <a:pos x="T12" y="T13"/>
-                </a:cxn>
-                <a:cxn ang="0">
-                  <a:pos x="T14" y="T15"/>
-                </a:cxn>
-                <a:cxn ang="0">
-                  <a:pos x="T16" y="T17"/>
-                </a:cxn>
-                <a:cxn ang="0">
-                  <a:pos x="T18" y="T19"/>
-                </a:cxn>
-                <a:cxn ang="0">
-                  <a:pos x="T20" y="T21"/>
-                </a:cxn>
-                <a:cxn ang="0">
-                  <a:pos x="T22" y="T23"/>
-                </a:cxn>
-                <a:cxn ang="0">
-                  <a:pos x="T24" y="T25"/>
-                </a:cxn>
-                <a:cxn ang="0">
-                  <a:pos x="T26" y="T27"/>
-                </a:cxn>
-                <a:cxn ang="0">
-                  <a:pos x="T28" y="T29"/>
-                </a:cxn>
-                <a:cxn ang="0">
-                  <a:pos x="T30" y="T31"/>
-                </a:cxn>
-                <a:cxn ang="0">
-                  <a:pos x="T32" y="T33"/>
-                </a:cxn>
-                <a:cxn ang="0">
-                  <a:pos x="T34" y="T35"/>
-                </a:cxn>
-                <a:cxn ang="0">
-                  <a:pos x="T36" y="T37"/>
-                </a:cxn>
-                <a:cxn ang="0">
-                  <a:pos x="T38" y="T39"/>
-                </a:cxn>
-                <a:cxn ang="0">
-                  <a:pos x="T40" y="T41"/>
-                </a:cxn>
-                <a:cxn ang="0">
-                  <a:pos x="T42" y="T43"/>
-                </a:cxn>
-                <a:cxn ang="0">
-                  <a:pos x="T44" y="T45"/>
-                </a:cxn>
-                <a:cxn ang="0">
-                  <a:pos x="T46" y="T47"/>
-                </a:cxn>
-                <a:cxn ang="0">
-                  <a:pos x="T48" y="T49"/>
-                </a:cxn>
-                <a:cxn ang="0">
-                  <a:pos x="T50" y="T51"/>
-                </a:cxn>
-                <a:cxn ang="0">
-                  <a:pos x="T52" y="T53"/>
-                </a:cxn>
-                <a:cxn ang="0">
-                  <a:pos x="T54" y="T55"/>
-                </a:cxn>
-                <a:cxn ang="0">
-                  <a:pos x="T56" y="T57"/>
-                </a:cxn>
-                <a:cxn ang="0">
-                  <a:pos x="T58" y="T59"/>
-                </a:cxn>
-                <a:cxn ang="0">
-                  <a:pos x="T60" y="T61"/>
-                </a:cxn>
-                <a:cxn ang="0">
-                  <a:pos x="T62" y="T63"/>
-                </a:cxn>
-                <a:cxn ang="0">
-                  <a:pos x="T64" y="T65"/>
-                </a:cxn>
-                <a:cxn ang="0">
-                  <a:pos x="T66" y="T67"/>
-                </a:cxn>
-                <a:cxn ang="0">
-                  <a:pos x="T68" y="T69"/>
-                </a:cxn>
-                <a:cxn ang="0">
-                  <a:pos x="T70" y="T71"/>
-                </a:cxn>
-                <a:cxn ang="0">
-                  <a:pos x="T72" y="T73"/>
-                </a:cxn>
-                <a:cxn ang="0">
-                  <a:pos x="T74" y="T75"/>
-                </a:cxn>
-                <a:cxn ang="0">
-                  <a:pos x="T76" y="T77"/>
-                </a:cxn>
-                <a:cxn ang="0">
-                  <a:pos x="T78" y="T79"/>
-                </a:cxn>
-                <a:cxn ang="0">
-                  <a:pos x="T80" y="T81"/>
-                </a:cxn>
-                <a:cxn ang="0">
-                  <a:pos x="T82" y="T83"/>
-                </a:cxn>
-                <a:cxn ang="0">
-                  <a:pos x="T84" y="T85"/>
-                </a:cxn>
-                <a:cxn ang="0">
-                  <a:pos x="T86" y="T87"/>
-                </a:cxn>
-                <a:cxn ang="0">
-                  <a:pos x="T88" y="T89"/>
-                </a:cxn>
-                <a:cxn ang="0">
-                  <a:pos x="T90" y="T91"/>
-                </a:cxn>
-                <a:cxn ang="0">
-                  <a:pos x="T92" y="T93"/>
-                </a:cxn>
-              </a:cxnLst>
-              <a:rect l="0" t="0" r="r" b="b"/>
-              <a:pathLst>
-                <a:path w="820" h="818">
-                  <a:moveTo>
-                    <a:pt x="409" y="153"/>
-                  </a:moveTo>
-                  <a:lnTo>
-                    <a:pt x="368" y="156"/>
-                  </a:lnTo>
-                  <a:lnTo>
-                    <a:pt x="329" y="167"/>
-                  </a:lnTo>
-                  <a:lnTo>
-                    <a:pt x="292" y="182"/>
-                  </a:lnTo>
-                  <a:lnTo>
-                    <a:pt x="259" y="202"/>
-                  </a:lnTo>
-                  <a:lnTo>
-                    <a:pt x="229" y="229"/>
-                  </a:lnTo>
-                  <a:lnTo>
-                    <a:pt x="204" y="257"/>
-                  </a:lnTo>
-                  <a:lnTo>
-                    <a:pt x="182" y="292"/>
-                  </a:lnTo>
-                  <a:lnTo>
-                    <a:pt x="167" y="329"/>
-                  </a:lnTo>
-                  <a:lnTo>
-                    <a:pt x="158" y="368"/>
-                  </a:lnTo>
-                  <a:lnTo>
-                    <a:pt x="154" y="409"/>
-                  </a:lnTo>
-                  <a:lnTo>
-                    <a:pt x="158" y="450"/>
-                  </a:lnTo>
-                  <a:lnTo>
-                    <a:pt x="167" y="490"/>
-                  </a:lnTo>
-                  <a:lnTo>
-                    <a:pt x="182" y="526"/>
-                  </a:lnTo>
-                  <a:lnTo>
-                    <a:pt x="204" y="560"/>
-                  </a:lnTo>
-                  <a:lnTo>
-                    <a:pt x="229" y="590"/>
-                  </a:lnTo>
-                  <a:lnTo>
-                    <a:pt x="259" y="616"/>
-                  </a:lnTo>
-                  <a:lnTo>
-                    <a:pt x="292" y="637"/>
-                  </a:lnTo>
-                  <a:lnTo>
-                    <a:pt x="329" y="652"/>
-                  </a:lnTo>
-                  <a:lnTo>
-                    <a:pt x="368" y="662"/>
-                  </a:lnTo>
-                  <a:lnTo>
-                    <a:pt x="409" y="665"/>
-                  </a:lnTo>
-                  <a:lnTo>
-                    <a:pt x="451" y="662"/>
-                  </a:lnTo>
-                  <a:lnTo>
-                    <a:pt x="491" y="652"/>
-                  </a:lnTo>
-                  <a:lnTo>
-                    <a:pt x="528" y="637"/>
-                  </a:lnTo>
-                  <a:lnTo>
-                    <a:pt x="561" y="616"/>
-                  </a:lnTo>
-                  <a:lnTo>
-                    <a:pt x="591" y="590"/>
-                  </a:lnTo>
-                  <a:lnTo>
-                    <a:pt x="616" y="560"/>
-                  </a:lnTo>
-                  <a:lnTo>
-                    <a:pt x="637" y="526"/>
-                  </a:lnTo>
-                  <a:lnTo>
-                    <a:pt x="653" y="490"/>
-                  </a:lnTo>
-                  <a:lnTo>
-                    <a:pt x="662" y="450"/>
-                  </a:lnTo>
-                  <a:lnTo>
-                    <a:pt x="666" y="409"/>
-                  </a:lnTo>
-                  <a:lnTo>
-                    <a:pt x="662" y="368"/>
-                  </a:lnTo>
-                  <a:lnTo>
-                    <a:pt x="653" y="329"/>
-                  </a:lnTo>
-                  <a:lnTo>
-                    <a:pt x="637" y="292"/>
-                  </a:lnTo>
-                  <a:lnTo>
-                    <a:pt x="616" y="257"/>
-                  </a:lnTo>
-                  <a:lnTo>
-                    <a:pt x="591" y="229"/>
-                  </a:lnTo>
-                  <a:lnTo>
-                    <a:pt x="561" y="202"/>
-                  </a:lnTo>
-                  <a:lnTo>
-                    <a:pt x="528" y="182"/>
-                  </a:lnTo>
-                  <a:lnTo>
-                    <a:pt x="491" y="167"/>
-                  </a:lnTo>
-                  <a:lnTo>
-                    <a:pt x="451" y="156"/>
-                  </a:lnTo>
-                  <a:lnTo>
-                    <a:pt x="409" y="153"/>
-                  </a:lnTo>
-                  <a:close/>
-                  <a:moveTo>
-                    <a:pt x="409" y="0"/>
-                  </a:moveTo>
-                  <a:lnTo>
-                    <a:pt x="461" y="2"/>
-                  </a:lnTo>
-                  <a:lnTo>
-                    <a:pt x="510" y="12"/>
-                  </a:lnTo>
-                  <a:lnTo>
-                    <a:pt x="558" y="28"/>
-                  </a:lnTo>
-                  <a:lnTo>
-                    <a:pt x="602" y="47"/>
-                  </a:lnTo>
-                  <a:lnTo>
-                    <a:pt x="644" y="72"/>
-                  </a:lnTo>
-                  <a:lnTo>
-                    <a:pt x="682" y="103"/>
-                  </a:lnTo>
-                  <a:lnTo>
-                    <a:pt x="716" y="137"/>
-                  </a:lnTo>
-                  <a:lnTo>
-                    <a:pt x="746" y="175"/>
-                  </a:lnTo>
-                  <a:lnTo>
-                    <a:pt x="771" y="217"/>
-                  </a:lnTo>
-                  <a:lnTo>
-                    <a:pt x="792" y="261"/>
-                  </a:lnTo>
-                  <a:lnTo>
-                    <a:pt x="807" y="308"/>
-                  </a:lnTo>
-                  <a:lnTo>
-                    <a:pt x="816" y="357"/>
-                  </a:lnTo>
-                  <a:lnTo>
-                    <a:pt x="820" y="409"/>
-                  </a:lnTo>
-                  <a:lnTo>
-                    <a:pt x="816" y="461"/>
-                  </a:lnTo>
-                  <a:lnTo>
-                    <a:pt x="807" y="510"/>
-                  </a:lnTo>
-                  <a:lnTo>
-                    <a:pt x="792" y="557"/>
-                  </a:lnTo>
-                  <a:lnTo>
-                    <a:pt x="771" y="601"/>
-                  </a:lnTo>
-                  <a:lnTo>
-                    <a:pt x="746" y="642"/>
-                  </a:lnTo>
-                  <a:lnTo>
-                    <a:pt x="716" y="681"/>
-                  </a:lnTo>
-                  <a:lnTo>
-                    <a:pt x="682" y="715"/>
-                  </a:lnTo>
-                  <a:lnTo>
-                    <a:pt x="644" y="745"/>
-                  </a:lnTo>
-                  <a:lnTo>
-                    <a:pt x="602" y="771"/>
-                  </a:lnTo>
-                  <a:lnTo>
-                    <a:pt x="558" y="791"/>
-                  </a:lnTo>
-                  <a:lnTo>
-                    <a:pt x="510" y="806"/>
-                  </a:lnTo>
-                  <a:lnTo>
-                    <a:pt x="461" y="816"/>
-                  </a:lnTo>
-                  <a:lnTo>
-                    <a:pt x="409" y="818"/>
-                  </a:lnTo>
-                  <a:lnTo>
-                    <a:pt x="359" y="816"/>
-                  </a:lnTo>
-                  <a:lnTo>
-                    <a:pt x="309" y="806"/>
-                  </a:lnTo>
-                  <a:lnTo>
-                    <a:pt x="262" y="791"/>
-                  </a:lnTo>
-                  <a:lnTo>
-                    <a:pt x="217" y="771"/>
-                  </a:lnTo>
-                  <a:lnTo>
-                    <a:pt x="176" y="745"/>
-                  </a:lnTo>
-                  <a:lnTo>
-                    <a:pt x="138" y="715"/>
-                  </a:lnTo>
-                  <a:lnTo>
-                    <a:pt x="104" y="681"/>
-                  </a:lnTo>
-                  <a:lnTo>
-                    <a:pt x="74" y="642"/>
-                  </a:lnTo>
-                  <a:lnTo>
-                    <a:pt x="48" y="601"/>
-                  </a:lnTo>
-                  <a:lnTo>
-                    <a:pt x="28" y="557"/>
-                  </a:lnTo>
-                  <a:lnTo>
-                    <a:pt x="13" y="510"/>
-                  </a:lnTo>
-                  <a:lnTo>
-                    <a:pt x="4" y="461"/>
-                  </a:lnTo>
-                  <a:lnTo>
-                    <a:pt x="0" y="409"/>
-                  </a:lnTo>
-                  <a:lnTo>
-                    <a:pt x="4" y="357"/>
-                  </a:lnTo>
-                  <a:lnTo>
-                    <a:pt x="13" y="308"/>
-                  </a:lnTo>
-                  <a:lnTo>
-                    <a:pt x="28" y="261"/>
-                  </a:lnTo>
-                  <a:lnTo>
-                    <a:pt x="48" y="217"/>
-                  </a:lnTo>
-                  <a:lnTo>
-                    <a:pt x="74" y="175"/>
-                  </a:lnTo>
-                  <a:lnTo>
-                    <a:pt x="104" y="137"/>
-                  </a:lnTo>
-                  <a:lnTo>
-                    <a:pt x="138" y="103"/>
-                  </a:lnTo>
-                  <a:lnTo>
-                    <a:pt x="176" y="72"/>
-                  </a:lnTo>
-                  <a:lnTo>
-                    <a:pt x="217" y="47"/>
-                  </a:lnTo>
-                  <a:lnTo>
-                    <a:pt x="262" y="28"/>
-                  </a:lnTo>
-                  <a:lnTo>
-                    <a:pt x="309" y="12"/>
-                  </a:lnTo>
-                  <a:lnTo>
-                    <a:pt x="359" y="2"/>
-                  </a:lnTo>
-                  <a:lnTo>
-                    <a:pt x="409" y="0"/>
-                  </a:lnTo>
-                  <a:close/>
-                </a:path>
-              </a:pathLst>
-            </a:custGeom>
-            <a:solidFill>
-              <a:srgbClr val="496e8d"/>
-            </a:solidFill>
-            <a:ln w="12700">
-              <a:solidFill>
-                <a:srgbClr val="496e8d"/>
-              </a:solidFill>
-              <a:prstDash val="solid"/>
-              <a:round/>
-            </a:ln>
-          </p:spPr>
-          <p:txBody>
-            <a:bodyPr vert="horz" wrap="square" lIns="91440" tIns="45720" rIns="91440" bIns="45720" anchor="t" anchorCtr="0">
-              <a:prstTxWarp prst="textNoShape">
-                <a:avLst/>
-              </a:prstTxWarp>
-            </a:bodyPr>
-            <a:lstStyle/>
-            <a:p>
-              <a:pPr lvl="0">
-                <a:defRPr/>
-              </a:pPr>
-              <a:endParaRPr lang="ko-KR" altLang="en-US"/>
-            </a:p>
-          </p:txBody>
-        </p:sp>
-        <p:sp>
-          <p:nvSpPr>
-            <p:cNvPr id="74" name="Freeform 17"/>
-            <p:cNvSpPr>
-              <a:spLocks noEditPoints="1"/>
-            </p:cNvSpPr>
-            <p:nvPr/>
-          </p:nvSpPr>
-          <p:spPr>
-            <a:xfrm>
-              <a:off x="5881460" y="3136863"/>
-              <a:ext cx="94074" cy="94074"/>
-            </a:xfrm>
-            <a:custGeom>
-              <a:avLst/>
-              <a:gdLst>
-                <a:gd name="T0" fmla="*/ 368 w 819"/>
-                <a:gd name="T1" fmla="*/ 157 h 819"/>
-                <a:gd name="T2" fmla="*/ 292 w 819"/>
-                <a:gd name="T3" fmla="*/ 182 h 819"/>
-                <a:gd name="T4" fmla="*/ 229 w 819"/>
-                <a:gd name="T5" fmla="*/ 228 h 819"/>
-                <a:gd name="T6" fmla="*/ 182 w 819"/>
-                <a:gd name="T7" fmla="*/ 291 h 819"/>
-                <a:gd name="T8" fmla="*/ 157 w 819"/>
-                <a:gd name="T9" fmla="*/ 368 h 819"/>
-                <a:gd name="T10" fmla="*/ 157 w 819"/>
-                <a:gd name="T11" fmla="*/ 451 h 819"/>
-                <a:gd name="T12" fmla="*/ 182 w 819"/>
-                <a:gd name="T13" fmla="*/ 527 h 819"/>
-                <a:gd name="T14" fmla="*/ 229 w 819"/>
-                <a:gd name="T15" fmla="*/ 590 h 819"/>
-                <a:gd name="T16" fmla="*/ 292 w 819"/>
-                <a:gd name="T17" fmla="*/ 637 h 819"/>
-                <a:gd name="T18" fmla="*/ 368 w 819"/>
-                <a:gd name="T19" fmla="*/ 661 h 819"/>
-                <a:gd name="T20" fmla="*/ 450 w 819"/>
-                <a:gd name="T21" fmla="*/ 661 h 819"/>
-                <a:gd name="T22" fmla="*/ 527 w 819"/>
-                <a:gd name="T23" fmla="*/ 637 h 819"/>
-                <a:gd name="T24" fmla="*/ 591 w 819"/>
-                <a:gd name="T25" fmla="*/ 590 h 819"/>
-                <a:gd name="T26" fmla="*/ 637 w 819"/>
-                <a:gd name="T27" fmla="*/ 527 h 819"/>
-                <a:gd name="T28" fmla="*/ 662 w 819"/>
-                <a:gd name="T29" fmla="*/ 451 h 819"/>
-                <a:gd name="T30" fmla="*/ 662 w 819"/>
-                <a:gd name="T31" fmla="*/ 368 h 819"/>
-                <a:gd name="T32" fmla="*/ 637 w 819"/>
-                <a:gd name="T33" fmla="*/ 291 h 819"/>
-                <a:gd name="T34" fmla="*/ 591 w 819"/>
-                <a:gd name="T35" fmla="*/ 228 h 819"/>
-                <a:gd name="T36" fmla="*/ 527 w 819"/>
-                <a:gd name="T37" fmla="*/ 182 h 819"/>
-                <a:gd name="T38" fmla="*/ 450 w 819"/>
-                <a:gd name="T39" fmla="*/ 157 h 819"/>
-                <a:gd name="T40" fmla="*/ 409 w 819"/>
-                <a:gd name="T41" fmla="*/ 0 h 819"/>
-                <a:gd name="T42" fmla="*/ 510 w 819"/>
-                <a:gd name="T43" fmla="*/ 12 h 819"/>
-                <a:gd name="T44" fmla="*/ 602 w 819"/>
-                <a:gd name="T45" fmla="*/ 48 h 819"/>
-                <a:gd name="T46" fmla="*/ 681 w 819"/>
-                <a:gd name="T47" fmla="*/ 103 h 819"/>
-                <a:gd name="T48" fmla="*/ 746 w 819"/>
-                <a:gd name="T49" fmla="*/ 175 h 819"/>
-                <a:gd name="T50" fmla="*/ 792 w 819"/>
-                <a:gd name="T51" fmla="*/ 262 h 819"/>
-                <a:gd name="T52" fmla="*/ 816 w 819"/>
-                <a:gd name="T53" fmla="*/ 358 h 819"/>
-                <a:gd name="T54" fmla="*/ 816 w 819"/>
-                <a:gd name="T55" fmla="*/ 460 h 819"/>
-                <a:gd name="T56" fmla="*/ 792 w 819"/>
-                <a:gd name="T57" fmla="*/ 557 h 819"/>
-                <a:gd name="T58" fmla="*/ 746 w 819"/>
-                <a:gd name="T59" fmla="*/ 643 h 819"/>
-                <a:gd name="T60" fmla="*/ 681 w 819"/>
-                <a:gd name="T61" fmla="*/ 715 h 819"/>
-                <a:gd name="T62" fmla="*/ 602 w 819"/>
-                <a:gd name="T63" fmla="*/ 771 h 819"/>
-                <a:gd name="T64" fmla="*/ 510 w 819"/>
-                <a:gd name="T65" fmla="*/ 806 h 819"/>
-                <a:gd name="T66" fmla="*/ 409 w 819"/>
-                <a:gd name="T67" fmla="*/ 819 h 819"/>
-                <a:gd name="T68" fmla="*/ 309 w 819"/>
-                <a:gd name="T69" fmla="*/ 806 h 819"/>
-                <a:gd name="T70" fmla="*/ 217 w 819"/>
-                <a:gd name="T71" fmla="*/ 771 h 819"/>
-                <a:gd name="T72" fmla="*/ 138 w 819"/>
-                <a:gd name="T73" fmla="*/ 715 h 819"/>
-                <a:gd name="T74" fmla="*/ 74 w 819"/>
-                <a:gd name="T75" fmla="*/ 643 h 819"/>
-                <a:gd name="T76" fmla="*/ 28 w 819"/>
-                <a:gd name="T77" fmla="*/ 557 h 819"/>
-                <a:gd name="T78" fmla="*/ 3 w 819"/>
-                <a:gd name="T79" fmla="*/ 460 h 819"/>
-                <a:gd name="T80" fmla="*/ 3 w 819"/>
-                <a:gd name="T81" fmla="*/ 358 h 819"/>
-                <a:gd name="T82" fmla="*/ 28 w 819"/>
-                <a:gd name="T83" fmla="*/ 262 h 819"/>
-                <a:gd name="T84" fmla="*/ 74 w 819"/>
-                <a:gd name="T85" fmla="*/ 175 h 819"/>
-                <a:gd name="T86" fmla="*/ 138 w 819"/>
-                <a:gd name="T87" fmla="*/ 103 h 819"/>
-                <a:gd name="T88" fmla="*/ 217 w 819"/>
-                <a:gd name="T89" fmla="*/ 48 h 819"/>
-                <a:gd name="T90" fmla="*/ 309 w 819"/>
-                <a:gd name="T91" fmla="*/ 12 h 819"/>
-                <a:gd name="T92" fmla="*/ 409 w 819"/>
-                <a:gd name="T93" fmla="*/ 0 h 819"/>
-              </a:gdLst>
-              <a:cxnLst>
-                <a:cxn ang="0">
-                  <a:pos x="T0" y="T1"/>
-                </a:cxn>
-                <a:cxn ang="0">
-                  <a:pos x="T2" y="T3"/>
-                </a:cxn>
-                <a:cxn ang="0">
-                  <a:pos x="T4" y="T5"/>
-                </a:cxn>
-                <a:cxn ang="0">
-                  <a:pos x="T6" y="T7"/>
-                </a:cxn>
-                <a:cxn ang="0">
-                  <a:pos x="T8" y="T9"/>
-                </a:cxn>
-                <a:cxn ang="0">
-                  <a:pos x="T10" y="T11"/>
-                </a:cxn>
-                <a:cxn ang="0">
-                  <a:pos x="T12" y="T13"/>
-                </a:cxn>
-                <a:cxn ang="0">
-                  <a:pos x="T14" y="T15"/>
-                </a:cxn>
-                <a:cxn ang="0">
-                  <a:pos x="T16" y="T17"/>
-                </a:cxn>
-                <a:cxn ang="0">
-                  <a:pos x="T18" y="T19"/>
-                </a:cxn>
-                <a:cxn ang="0">
-                  <a:pos x="T20" y="T21"/>
-                </a:cxn>
-                <a:cxn ang="0">
-                  <a:pos x="T22" y="T23"/>
-                </a:cxn>
-                <a:cxn ang="0">
-                  <a:pos x="T24" y="T25"/>
-                </a:cxn>
-                <a:cxn ang="0">
-                  <a:pos x="T26" y="T27"/>
-                </a:cxn>
-                <a:cxn ang="0">
-                  <a:pos x="T28" y="T29"/>
-                </a:cxn>
-                <a:cxn ang="0">
-                  <a:pos x="T30" y="T31"/>
-                </a:cxn>
-                <a:cxn ang="0">
-                  <a:pos x="T32" y="T33"/>
-                </a:cxn>
-                <a:cxn ang="0">
-                  <a:pos x="T34" y="T35"/>
-                </a:cxn>
-                <a:cxn ang="0">
-                  <a:pos x="T36" y="T37"/>
-                </a:cxn>
-                <a:cxn ang="0">
-                  <a:pos x="T38" y="T39"/>
-                </a:cxn>
-                <a:cxn ang="0">
-                  <a:pos x="T40" y="T41"/>
-                </a:cxn>
-                <a:cxn ang="0">
-                  <a:pos x="T42" y="T43"/>
-                </a:cxn>
-                <a:cxn ang="0">
-                  <a:pos x="T44" y="T45"/>
-                </a:cxn>
-                <a:cxn ang="0">
-                  <a:pos x="T46" y="T47"/>
-                </a:cxn>
-                <a:cxn ang="0">
-                  <a:pos x="T48" y="T49"/>
-                </a:cxn>
-                <a:cxn ang="0">
-                  <a:pos x="T50" y="T51"/>
-                </a:cxn>
-                <a:cxn ang="0">
-                  <a:pos x="T52" y="T53"/>
-                </a:cxn>
-                <a:cxn ang="0">
-                  <a:pos x="T54" y="T55"/>
-                </a:cxn>
-                <a:cxn ang="0">
-                  <a:pos x="T56" y="T57"/>
-                </a:cxn>
-                <a:cxn ang="0">
-                  <a:pos x="T58" y="T59"/>
-                </a:cxn>
-                <a:cxn ang="0">
-                  <a:pos x="T60" y="T61"/>
-                </a:cxn>
-                <a:cxn ang="0">
-                  <a:pos x="T62" y="T63"/>
-                </a:cxn>
-                <a:cxn ang="0">
-                  <a:pos x="T64" y="T65"/>
-                </a:cxn>
-                <a:cxn ang="0">
-                  <a:pos x="T66" y="T67"/>
-                </a:cxn>
-                <a:cxn ang="0">
-                  <a:pos x="T68" y="T69"/>
-                </a:cxn>
-                <a:cxn ang="0">
-                  <a:pos x="T70" y="T71"/>
-                </a:cxn>
-                <a:cxn ang="0">
-                  <a:pos x="T72" y="T73"/>
-                </a:cxn>
-                <a:cxn ang="0">
-                  <a:pos x="T74" y="T75"/>
-                </a:cxn>
-                <a:cxn ang="0">
-                  <a:pos x="T76" y="T77"/>
-                </a:cxn>
-                <a:cxn ang="0">
-                  <a:pos x="T78" y="T79"/>
-                </a:cxn>
-                <a:cxn ang="0">
-                  <a:pos x="T80" y="T81"/>
-                </a:cxn>
-                <a:cxn ang="0">
-                  <a:pos x="T82" y="T83"/>
-                </a:cxn>
-                <a:cxn ang="0">
-                  <a:pos x="T84" y="T85"/>
-                </a:cxn>
-                <a:cxn ang="0">
-                  <a:pos x="T86" y="T87"/>
-                </a:cxn>
-                <a:cxn ang="0">
-                  <a:pos x="T88" y="T89"/>
-                </a:cxn>
-                <a:cxn ang="0">
-                  <a:pos x="T90" y="T91"/>
-                </a:cxn>
-                <a:cxn ang="0">
-                  <a:pos x="T92" y="T93"/>
-                </a:cxn>
-              </a:cxnLst>
-              <a:rect l="0" t="0" r="r" b="b"/>
-              <a:pathLst>
-                <a:path w="819" h="819">
-                  <a:moveTo>
-                    <a:pt x="409" y="154"/>
-                  </a:moveTo>
-                  <a:lnTo>
-                    <a:pt x="368" y="157"/>
-                  </a:lnTo>
-                  <a:lnTo>
-                    <a:pt x="329" y="166"/>
-                  </a:lnTo>
-                  <a:lnTo>
-                    <a:pt x="292" y="182"/>
-                  </a:lnTo>
-                  <a:lnTo>
-                    <a:pt x="259" y="203"/>
-                  </a:lnTo>
-                  <a:lnTo>
-                    <a:pt x="229" y="228"/>
-                  </a:lnTo>
-                  <a:lnTo>
-                    <a:pt x="203" y="258"/>
-                  </a:lnTo>
-                  <a:lnTo>
-                    <a:pt x="182" y="291"/>
-                  </a:lnTo>
-                  <a:lnTo>
-                    <a:pt x="167" y="328"/>
-                  </a:lnTo>
-                  <a:lnTo>
-                    <a:pt x="157" y="368"/>
-                  </a:lnTo>
-                  <a:lnTo>
-                    <a:pt x="154" y="410"/>
-                  </a:lnTo>
-                  <a:lnTo>
-                    <a:pt x="157" y="451"/>
-                  </a:lnTo>
-                  <a:lnTo>
-                    <a:pt x="167" y="490"/>
-                  </a:lnTo>
-                  <a:lnTo>
-                    <a:pt x="182" y="527"/>
-                  </a:lnTo>
-                  <a:lnTo>
-                    <a:pt x="203" y="560"/>
-                  </a:lnTo>
-                  <a:lnTo>
-                    <a:pt x="229" y="590"/>
-                  </a:lnTo>
-                  <a:lnTo>
-                    <a:pt x="259" y="616"/>
-                  </a:lnTo>
-                  <a:lnTo>
-                    <a:pt x="292" y="637"/>
-                  </a:lnTo>
-                  <a:lnTo>
-                    <a:pt x="329" y="652"/>
-                  </a:lnTo>
-                  <a:lnTo>
-                    <a:pt x="368" y="661"/>
-                  </a:lnTo>
-                  <a:lnTo>
-                    <a:pt x="409" y="665"/>
-                  </a:lnTo>
-                  <a:lnTo>
-                    <a:pt x="450" y="661"/>
-                  </a:lnTo>
-                  <a:lnTo>
-                    <a:pt x="491" y="652"/>
-                  </a:lnTo>
-                  <a:lnTo>
-                    <a:pt x="527" y="637"/>
-                  </a:lnTo>
-                  <a:lnTo>
-                    <a:pt x="561" y="616"/>
-                  </a:lnTo>
-                  <a:lnTo>
-                    <a:pt x="591" y="590"/>
-                  </a:lnTo>
-                  <a:lnTo>
-                    <a:pt x="616" y="560"/>
-                  </a:lnTo>
-                  <a:lnTo>
-                    <a:pt x="637" y="527"/>
-                  </a:lnTo>
-                  <a:lnTo>
-                    <a:pt x="653" y="490"/>
-                  </a:lnTo>
-                  <a:lnTo>
-                    <a:pt x="662" y="451"/>
-                  </a:lnTo>
-                  <a:lnTo>
-                    <a:pt x="665" y="410"/>
-                  </a:lnTo>
-                  <a:lnTo>
-                    <a:pt x="662" y="368"/>
-                  </a:lnTo>
-                  <a:lnTo>
-                    <a:pt x="653" y="328"/>
-                  </a:lnTo>
-                  <a:lnTo>
-                    <a:pt x="637" y="291"/>
-                  </a:lnTo>
-                  <a:lnTo>
-                    <a:pt x="616" y="258"/>
-                  </a:lnTo>
-                  <a:lnTo>
-                    <a:pt x="591" y="228"/>
-                  </a:lnTo>
-                  <a:lnTo>
-                    <a:pt x="561" y="203"/>
-                  </a:lnTo>
-                  <a:lnTo>
-                    <a:pt x="527" y="182"/>
-                  </a:lnTo>
-                  <a:lnTo>
-                    <a:pt x="491" y="166"/>
-                  </a:lnTo>
-                  <a:lnTo>
-                    <a:pt x="450" y="157"/>
-                  </a:lnTo>
-                  <a:lnTo>
-                    <a:pt x="409" y="154"/>
-                  </a:lnTo>
-                  <a:close/>
-                  <a:moveTo>
-                    <a:pt x="409" y="0"/>
-                  </a:moveTo>
-                  <a:lnTo>
-                    <a:pt x="461" y="3"/>
-                  </a:lnTo>
-                  <a:lnTo>
-                    <a:pt x="510" y="12"/>
-                  </a:lnTo>
-                  <a:lnTo>
-                    <a:pt x="557" y="27"/>
-                  </a:lnTo>
-                  <a:lnTo>
-                    <a:pt x="602" y="48"/>
-                  </a:lnTo>
-                  <a:lnTo>
-                    <a:pt x="644" y="73"/>
-                  </a:lnTo>
-                  <a:lnTo>
-                    <a:pt x="681" y="103"/>
-                  </a:lnTo>
-                  <a:lnTo>
-                    <a:pt x="716" y="138"/>
-                  </a:lnTo>
-                  <a:lnTo>
-                    <a:pt x="746" y="175"/>
-                  </a:lnTo>
-                  <a:lnTo>
-                    <a:pt x="771" y="217"/>
-                  </a:lnTo>
-                  <a:lnTo>
-                    <a:pt x="792" y="262"/>
-                  </a:lnTo>
-                  <a:lnTo>
-                    <a:pt x="807" y="309"/>
-                  </a:lnTo>
-                  <a:lnTo>
-                    <a:pt x="816" y="358"/>
-                  </a:lnTo>
-                  <a:lnTo>
-                    <a:pt x="819" y="410"/>
-                  </a:lnTo>
-                  <a:lnTo>
-                    <a:pt x="816" y="460"/>
-                  </a:lnTo>
-                  <a:lnTo>
-                    <a:pt x="807" y="510"/>
-                  </a:lnTo>
-                  <a:lnTo>
-                    <a:pt x="792" y="557"/>
-                  </a:lnTo>
-                  <a:lnTo>
-                    <a:pt x="771" y="602"/>
-                  </a:lnTo>
-                  <a:lnTo>
-                    <a:pt x="746" y="643"/>
-                  </a:lnTo>
-                  <a:lnTo>
-                    <a:pt x="716" y="681"/>
-                  </a:lnTo>
-                  <a:lnTo>
-                    <a:pt x="681" y="715"/>
-                  </a:lnTo>
-                  <a:lnTo>
-                    <a:pt x="644" y="745"/>
-                  </a:lnTo>
-                  <a:lnTo>
-                    <a:pt x="602" y="771"/>
-                  </a:lnTo>
-                  <a:lnTo>
-                    <a:pt x="557" y="791"/>
-                  </a:lnTo>
-                  <a:lnTo>
-                    <a:pt x="510" y="806"/>
-                  </a:lnTo>
-                  <a:lnTo>
-                    <a:pt x="461" y="815"/>
-                  </a:lnTo>
-                  <a:lnTo>
-                    <a:pt x="409" y="819"/>
-                  </a:lnTo>
-                  <a:lnTo>
-                    <a:pt x="359" y="815"/>
-                  </a:lnTo>
-                  <a:lnTo>
-                    <a:pt x="309" y="806"/>
-                  </a:lnTo>
-                  <a:lnTo>
-                    <a:pt x="262" y="791"/>
-                  </a:lnTo>
-                  <a:lnTo>
-                    <a:pt x="217" y="771"/>
-                  </a:lnTo>
-                  <a:lnTo>
-                    <a:pt x="176" y="745"/>
-                  </a:lnTo>
-                  <a:lnTo>
-                    <a:pt x="138" y="715"/>
-                  </a:lnTo>
-                  <a:lnTo>
-                    <a:pt x="103" y="681"/>
-                  </a:lnTo>
-                  <a:lnTo>
-                    <a:pt x="74" y="643"/>
-                  </a:lnTo>
-                  <a:lnTo>
-                    <a:pt x="48" y="602"/>
-                  </a:lnTo>
-                  <a:lnTo>
-                    <a:pt x="28" y="557"/>
-                  </a:lnTo>
-                  <a:lnTo>
-                    <a:pt x="13" y="510"/>
-                  </a:lnTo>
-                  <a:lnTo>
-                    <a:pt x="3" y="460"/>
-                  </a:lnTo>
-                  <a:lnTo>
-                    <a:pt x="0" y="410"/>
-                  </a:lnTo>
-                  <a:lnTo>
-                    <a:pt x="3" y="358"/>
-                  </a:lnTo>
-                  <a:lnTo>
-                    <a:pt x="13" y="309"/>
-                  </a:lnTo>
-                  <a:lnTo>
-                    <a:pt x="28" y="262"/>
-                  </a:lnTo>
-                  <a:lnTo>
-                    <a:pt x="48" y="217"/>
-                  </a:lnTo>
-                  <a:lnTo>
-                    <a:pt x="74" y="175"/>
-                  </a:lnTo>
-                  <a:lnTo>
-                    <a:pt x="103" y="138"/>
-                  </a:lnTo>
-                  <a:lnTo>
-                    <a:pt x="138" y="103"/>
-                  </a:lnTo>
-                  <a:lnTo>
-                    <a:pt x="176" y="73"/>
-                  </a:lnTo>
-                  <a:lnTo>
-                    <a:pt x="217" y="48"/>
-                  </a:lnTo>
-                  <a:lnTo>
-                    <a:pt x="262" y="27"/>
-                  </a:lnTo>
-                  <a:lnTo>
-                    <a:pt x="309" y="12"/>
-                  </a:lnTo>
-                  <a:lnTo>
-                    <a:pt x="359" y="3"/>
-                  </a:lnTo>
-                  <a:lnTo>
-                    <a:pt x="409" y="0"/>
-                  </a:lnTo>
-                  <a:close/>
-                </a:path>
-              </a:pathLst>
-            </a:custGeom>
-            <a:solidFill>
-              <a:srgbClr val="496e8d"/>
-            </a:solidFill>
-            <a:ln w="12700">
-              <a:solidFill>
-                <a:srgbClr val="496e8d"/>
-              </a:solidFill>
-              <a:prstDash val="solid"/>
-              <a:round/>
-            </a:ln>
-          </p:spPr>
-          <p:txBody>
-            <a:bodyPr vert="horz" wrap="square" lIns="91440" tIns="45720" rIns="91440" bIns="45720" anchor="t" anchorCtr="0">
-              <a:prstTxWarp prst="textNoShape">
-                <a:avLst/>
-              </a:prstTxWarp>
-            </a:bodyPr>
-            <a:lstStyle/>
-            <a:p>
-              <a:pPr lvl="0">
-                <a:defRPr/>
-              </a:pPr>
-              <a:endParaRPr lang="ko-KR" altLang="en-US"/>
-            </a:p>
-          </p:txBody>
-        </p:sp>
-        <p:sp>
-          <p:nvSpPr>
-            <p:cNvPr id="75" name="Freeform 18"/>
-            <p:cNvSpPr>
-              <a:spLocks noEditPoints="1"/>
-            </p:cNvSpPr>
-            <p:nvPr/>
-          </p:nvSpPr>
-          <p:spPr>
-            <a:xfrm>
-              <a:off x="6048958" y="3136863"/>
-              <a:ext cx="94074" cy="94074"/>
-            </a:xfrm>
-            <a:custGeom>
-              <a:avLst/>
-              <a:gdLst>
-                <a:gd name="T0" fmla="*/ 367 w 819"/>
-                <a:gd name="T1" fmla="*/ 157 h 819"/>
-                <a:gd name="T2" fmla="*/ 291 w 819"/>
-                <a:gd name="T3" fmla="*/ 182 h 819"/>
-                <a:gd name="T4" fmla="*/ 228 w 819"/>
-                <a:gd name="T5" fmla="*/ 228 h 819"/>
-                <a:gd name="T6" fmla="*/ 181 w 819"/>
-                <a:gd name="T7" fmla="*/ 291 h 819"/>
-                <a:gd name="T8" fmla="*/ 157 w 819"/>
-                <a:gd name="T9" fmla="*/ 368 h 819"/>
-                <a:gd name="T10" fmla="*/ 157 w 819"/>
-                <a:gd name="T11" fmla="*/ 451 h 819"/>
-                <a:gd name="T12" fmla="*/ 181 w 819"/>
-                <a:gd name="T13" fmla="*/ 527 h 819"/>
-                <a:gd name="T14" fmla="*/ 228 w 819"/>
-                <a:gd name="T15" fmla="*/ 590 h 819"/>
-                <a:gd name="T16" fmla="*/ 291 w 819"/>
-                <a:gd name="T17" fmla="*/ 637 h 819"/>
-                <a:gd name="T18" fmla="*/ 367 w 819"/>
-                <a:gd name="T19" fmla="*/ 661 h 819"/>
-                <a:gd name="T20" fmla="*/ 450 w 819"/>
-                <a:gd name="T21" fmla="*/ 661 h 819"/>
-                <a:gd name="T22" fmla="*/ 527 w 819"/>
-                <a:gd name="T23" fmla="*/ 637 h 819"/>
-                <a:gd name="T24" fmla="*/ 590 w 819"/>
-                <a:gd name="T25" fmla="*/ 590 h 819"/>
-                <a:gd name="T26" fmla="*/ 636 w 819"/>
-                <a:gd name="T27" fmla="*/ 527 h 819"/>
-                <a:gd name="T28" fmla="*/ 662 w 819"/>
-                <a:gd name="T29" fmla="*/ 451 h 819"/>
-                <a:gd name="T30" fmla="*/ 662 w 819"/>
-                <a:gd name="T31" fmla="*/ 368 h 819"/>
-                <a:gd name="T32" fmla="*/ 636 w 819"/>
-                <a:gd name="T33" fmla="*/ 291 h 819"/>
-                <a:gd name="T34" fmla="*/ 590 w 819"/>
-                <a:gd name="T35" fmla="*/ 228 h 819"/>
-                <a:gd name="T36" fmla="*/ 527 w 819"/>
-                <a:gd name="T37" fmla="*/ 182 h 819"/>
-                <a:gd name="T38" fmla="*/ 450 w 819"/>
-                <a:gd name="T39" fmla="*/ 157 h 819"/>
-                <a:gd name="T40" fmla="*/ 409 w 819"/>
-                <a:gd name="T41" fmla="*/ 0 h 819"/>
-                <a:gd name="T42" fmla="*/ 510 w 819"/>
-                <a:gd name="T43" fmla="*/ 12 h 819"/>
-                <a:gd name="T44" fmla="*/ 602 w 819"/>
-                <a:gd name="T45" fmla="*/ 48 h 819"/>
-                <a:gd name="T46" fmla="*/ 681 w 819"/>
-                <a:gd name="T47" fmla="*/ 103 h 819"/>
-                <a:gd name="T48" fmla="*/ 745 w 819"/>
-                <a:gd name="T49" fmla="*/ 175 h 819"/>
-                <a:gd name="T50" fmla="*/ 791 w 819"/>
-                <a:gd name="T51" fmla="*/ 262 h 819"/>
-                <a:gd name="T52" fmla="*/ 816 w 819"/>
-                <a:gd name="T53" fmla="*/ 358 h 819"/>
-                <a:gd name="T54" fmla="*/ 816 w 819"/>
-                <a:gd name="T55" fmla="*/ 460 h 819"/>
-                <a:gd name="T56" fmla="*/ 791 w 819"/>
-                <a:gd name="T57" fmla="*/ 557 h 819"/>
-                <a:gd name="T58" fmla="*/ 745 w 819"/>
-                <a:gd name="T59" fmla="*/ 643 h 819"/>
-                <a:gd name="T60" fmla="*/ 681 w 819"/>
-                <a:gd name="T61" fmla="*/ 715 h 819"/>
-                <a:gd name="T62" fmla="*/ 602 w 819"/>
-                <a:gd name="T63" fmla="*/ 771 h 819"/>
-                <a:gd name="T64" fmla="*/ 510 w 819"/>
-                <a:gd name="T65" fmla="*/ 806 h 819"/>
-                <a:gd name="T66" fmla="*/ 409 w 819"/>
-                <a:gd name="T67" fmla="*/ 819 h 819"/>
-                <a:gd name="T68" fmla="*/ 309 w 819"/>
-                <a:gd name="T69" fmla="*/ 806 h 819"/>
-                <a:gd name="T70" fmla="*/ 217 w 819"/>
-                <a:gd name="T71" fmla="*/ 771 h 819"/>
-                <a:gd name="T72" fmla="*/ 137 w 819"/>
-                <a:gd name="T73" fmla="*/ 715 h 819"/>
-                <a:gd name="T74" fmla="*/ 73 w 819"/>
-                <a:gd name="T75" fmla="*/ 643 h 819"/>
-                <a:gd name="T76" fmla="*/ 27 w 819"/>
-                <a:gd name="T77" fmla="*/ 557 h 819"/>
-                <a:gd name="T78" fmla="*/ 3 w 819"/>
-                <a:gd name="T79" fmla="*/ 460 h 819"/>
-                <a:gd name="T80" fmla="*/ 3 w 819"/>
-                <a:gd name="T81" fmla="*/ 358 h 819"/>
-                <a:gd name="T82" fmla="*/ 27 w 819"/>
-                <a:gd name="T83" fmla="*/ 262 h 819"/>
-                <a:gd name="T84" fmla="*/ 73 w 819"/>
-                <a:gd name="T85" fmla="*/ 175 h 819"/>
-                <a:gd name="T86" fmla="*/ 137 w 819"/>
-                <a:gd name="T87" fmla="*/ 103 h 819"/>
-                <a:gd name="T88" fmla="*/ 217 w 819"/>
-                <a:gd name="T89" fmla="*/ 48 h 819"/>
-                <a:gd name="T90" fmla="*/ 309 w 819"/>
-                <a:gd name="T91" fmla="*/ 12 h 819"/>
-                <a:gd name="T92" fmla="*/ 409 w 819"/>
-                <a:gd name="T93" fmla="*/ 0 h 819"/>
-              </a:gdLst>
-              <a:cxnLst>
-                <a:cxn ang="0">
-                  <a:pos x="T0" y="T1"/>
-                </a:cxn>
-                <a:cxn ang="0">
-                  <a:pos x="T2" y="T3"/>
-                </a:cxn>
-                <a:cxn ang="0">
-                  <a:pos x="T4" y="T5"/>
-                </a:cxn>
-                <a:cxn ang="0">
-                  <a:pos x="T6" y="T7"/>
-                </a:cxn>
-                <a:cxn ang="0">
-                  <a:pos x="T8" y="T9"/>
-                </a:cxn>
-                <a:cxn ang="0">
-                  <a:pos x="T10" y="T11"/>
-                </a:cxn>
-                <a:cxn ang="0">
-                  <a:pos x="T12" y="T13"/>
-                </a:cxn>
-                <a:cxn ang="0">
-                  <a:pos x="T14" y="T15"/>
-                </a:cxn>
-                <a:cxn ang="0">
-                  <a:pos x="T16" y="T17"/>
-                </a:cxn>
-                <a:cxn ang="0">
-                  <a:pos x="T18" y="T19"/>
-                </a:cxn>
-                <a:cxn ang="0">
-                  <a:pos x="T20" y="T21"/>
-                </a:cxn>
-                <a:cxn ang="0">
-                  <a:pos x="T22" y="T23"/>
-                </a:cxn>
-                <a:cxn ang="0">
-                  <a:pos x="T24" y="T25"/>
-                </a:cxn>
-                <a:cxn ang="0">
-                  <a:pos x="T26" y="T27"/>
-                </a:cxn>
-                <a:cxn ang="0">
-                  <a:pos x="T28" y="T29"/>
-                </a:cxn>
-                <a:cxn ang="0">
-                  <a:pos x="T30" y="T31"/>
-                </a:cxn>
-                <a:cxn ang="0">
-                  <a:pos x="T32" y="T33"/>
-                </a:cxn>
-                <a:cxn ang="0">
-                  <a:pos x="T34" y="T35"/>
-                </a:cxn>
-                <a:cxn ang="0">
-                  <a:pos x="T36" y="T37"/>
-                </a:cxn>
-                <a:cxn ang="0">
-                  <a:pos x="T38" y="T39"/>
-                </a:cxn>
-                <a:cxn ang="0">
-                  <a:pos x="T40" y="T41"/>
-                </a:cxn>
-                <a:cxn ang="0">
-                  <a:pos x="T42" y="T43"/>
-                </a:cxn>
-                <a:cxn ang="0">
-                  <a:pos x="T44" y="T45"/>
-                </a:cxn>
-                <a:cxn ang="0">
-                  <a:pos x="T46" y="T47"/>
-                </a:cxn>
-                <a:cxn ang="0">
-                  <a:pos x="T48" y="T49"/>
-                </a:cxn>
-                <a:cxn ang="0">
-                  <a:pos x="T50" y="T51"/>
-                </a:cxn>
-                <a:cxn ang="0">
-                  <a:pos x="T52" y="T53"/>
-                </a:cxn>
-                <a:cxn ang="0">
-                  <a:pos x="T54" y="T55"/>
-                </a:cxn>
-                <a:cxn ang="0">
-                  <a:pos x="T56" y="T57"/>
-                </a:cxn>
-                <a:cxn ang="0">
-                  <a:pos x="T58" y="T59"/>
-                </a:cxn>
-                <a:cxn ang="0">
-                  <a:pos x="T60" y="T61"/>
-                </a:cxn>
-                <a:cxn ang="0">
-                  <a:pos x="T62" y="T63"/>
-                </a:cxn>
-                <a:cxn ang="0">
-                  <a:pos x="T64" y="T65"/>
-                </a:cxn>
-                <a:cxn ang="0">
-                  <a:pos x="T66" y="T67"/>
-                </a:cxn>
-                <a:cxn ang="0">
-                  <a:pos x="T68" y="T69"/>
-                </a:cxn>
-                <a:cxn ang="0">
-                  <a:pos x="T70" y="T71"/>
-                </a:cxn>
-                <a:cxn ang="0">
-                  <a:pos x="T72" y="T73"/>
-                </a:cxn>
-                <a:cxn ang="0">
-                  <a:pos x="T74" y="T75"/>
-                </a:cxn>
-                <a:cxn ang="0">
-                  <a:pos x="T76" y="T77"/>
-                </a:cxn>
-                <a:cxn ang="0">
-                  <a:pos x="T78" y="T79"/>
-                </a:cxn>
-                <a:cxn ang="0">
-                  <a:pos x="T80" y="T81"/>
-                </a:cxn>
-                <a:cxn ang="0">
-                  <a:pos x="T82" y="T83"/>
-                </a:cxn>
-                <a:cxn ang="0">
-                  <a:pos x="T84" y="T85"/>
-                </a:cxn>
-                <a:cxn ang="0">
-                  <a:pos x="T86" y="T87"/>
-                </a:cxn>
-                <a:cxn ang="0">
-                  <a:pos x="T88" y="T89"/>
-                </a:cxn>
-                <a:cxn ang="0">
-                  <a:pos x="T90" y="T91"/>
-                </a:cxn>
-                <a:cxn ang="0">
-                  <a:pos x="T92" y="T93"/>
-                </a:cxn>
-              </a:cxnLst>
-              <a:rect l="0" t="0" r="r" b="b"/>
-              <a:pathLst>
-                <a:path w="819" h="819">
-                  <a:moveTo>
-                    <a:pt x="409" y="154"/>
-                  </a:moveTo>
-                  <a:lnTo>
-                    <a:pt x="367" y="157"/>
-                  </a:lnTo>
-                  <a:lnTo>
-                    <a:pt x="328" y="166"/>
-                  </a:lnTo>
-                  <a:lnTo>
-                    <a:pt x="291" y="182"/>
-                  </a:lnTo>
-                  <a:lnTo>
-                    <a:pt x="258" y="203"/>
-                  </a:lnTo>
-                  <a:lnTo>
-                    <a:pt x="228" y="228"/>
-                  </a:lnTo>
-                  <a:lnTo>
-                    <a:pt x="203" y="258"/>
-                  </a:lnTo>
-                  <a:lnTo>
-                    <a:pt x="181" y="291"/>
-                  </a:lnTo>
-                  <a:lnTo>
-                    <a:pt x="166" y="328"/>
-                  </a:lnTo>
-                  <a:lnTo>
-                    <a:pt x="157" y="368"/>
-                  </a:lnTo>
-                  <a:lnTo>
-                    <a:pt x="154" y="410"/>
-                  </a:lnTo>
-                  <a:lnTo>
-                    <a:pt x="157" y="451"/>
-                  </a:lnTo>
-                  <a:lnTo>
-                    <a:pt x="166" y="490"/>
-                  </a:lnTo>
-                  <a:lnTo>
-                    <a:pt x="181" y="527"/>
-                  </a:lnTo>
-                  <a:lnTo>
-                    <a:pt x="203" y="560"/>
-                  </a:lnTo>
-                  <a:lnTo>
-                    <a:pt x="228" y="590"/>
-                  </a:lnTo>
-                  <a:lnTo>
-                    <a:pt x="258" y="616"/>
-                  </a:lnTo>
-                  <a:lnTo>
-                    <a:pt x="291" y="637"/>
-                  </a:lnTo>
-                  <a:lnTo>
-                    <a:pt x="328" y="652"/>
-                  </a:lnTo>
-                  <a:lnTo>
-                    <a:pt x="367" y="661"/>
-                  </a:lnTo>
-                  <a:lnTo>
-                    <a:pt x="409" y="665"/>
-                  </a:lnTo>
-                  <a:lnTo>
-                    <a:pt x="450" y="661"/>
-                  </a:lnTo>
-                  <a:lnTo>
-                    <a:pt x="490" y="652"/>
-                  </a:lnTo>
-                  <a:lnTo>
-                    <a:pt x="527" y="637"/>
-                  </a:lnTo>
-                  <a:lnTo>
-                    <a:pt x="560" y="616"/>
-                  </a:lnTo>
-                  <a:lnTo>
-                    <a:pt x="590" y="590"/>
-                  </a:lnTo>
-                  <a:lnTo>
-                    <a:pt x="616" y="560"/>
-                  </a:lnTo>
-                  <a:lnTo>
-                    <a:pt x="636" y="527"/>
-                  </a:lnTo>
-                  <a:lnTo>
-                    <a:pt x="652" y="490"/>
-                  </a:lnTo>
-                  <a:lnTo>
-                    <a:pt x="662" y="451"/>
-                  </a:lnTo>
-                  <a:lnTo>
-                    <a:pt x="665" y="410"/>
-                  </a:lnTo>
-                  <a:lnTo>
-                    <a:pt x="662" y="368"/>
-                  </a:lnTo>
-                  <a:lnTo>
-                    <a:pt x="652" y="328"/>
-                  </a:lnTo>
-                  <a:lnTo>
-                    <a:pt x="636" y="291"/>
-                  </a:lnTo>
-                  <a:lnTo>
-                    <a:pt x="616" y="258"/>
-                  </a:lnTo>
-                  <a:lnTo>
-                    <a:pt x="590" y="228"/>
-                  </a:lnTo>
-                  <a:lnTo>
-                    <a:pt x="560" y="203"/>
-                  </a:lnTo>
-                  <a:lnTo>
-                    <a:pt x="527" y="182"/>
-                  </a:lnTo>
-                  <a:lnTo>
-                    <a:pt x="490" y="166"/>
-                  </a:lnTo>
-                  <a:lnTo>
-                    <a:pt x="450" y="157"/>
-                  </a:lnTo>
-                  <a:lnTo>
-                    <a:pt x="409" y="154"/>
-                  </a:lnTo>
-                  <a:close/>
-                  <a:moveTo>
-                    <a:pt x="409" y="0"/>
-                  </a:moveTo>
-                  <a:lnTo>
-                    <a:pt x="460" y="3"/>
-                  </a:lnTo>
-                  <a:lnTo>
-                    <a:pt x="510" y="12"/>
-                  </a:lnTo>
-                  <a:lnTo>
-                    <a:pt x="557" y="27"/>
-                  </a:lnTo>
-                  <a:lnTo>
-                    <a:pt x="602" y="48"/>
-                  </a:lnTo>
-                  <a:lnTo>
-                    <a:pt x="643" y="73"/>
-                  </a:lnTo>
-                  <a:lnTo>
-                    <a:pt x="681" y="103"/>
-                  </a:lnTo>
-                  <a:lnTo>
-                    <a:pt x="716" y="138"/>
-                  </a:lnTo>
-                  <a:lnTo>
-                    <a:pt x="745" y="175"/>
-                  </a:lnTo>
-                  <a:lnTo>
-                    <a:pt x="771" y="217"/>
-                  </a:lnTo>
-                  <a:lnTo>
-                    <a:pt x="791" y="262"/>
-                  </a:lnTo>
-                  <a:lnTo>
-                    <a:pt x="806" y="309"/>
-                  </a:lnTo>
-                  <a:lnTo>
-                    <a:pt x="816" y="358"/>
-                  </a:lnTo>
-                  <a:lnTo>
-                    <a:pt x="819" y="410"/>
-                  </a:lnTo>
-                  <a:lnTo>
-                    <a:pt x="816" y="460"/>
-                  </a:lnTo>
-                  <a:lnTo>
-                    <a:pt x="806" y="510"/>
-                  </a:lnTo>
-                  <a:lnTo>
-                    <a:pt x="791" y="557"/>
-                  </a:lnTo>
-                  <a:lnTo>
-                    <a:pt x="771" y="602"/>
-                  </a:lnTo>
-                  <a:lnTo>
-                    <a:pt x="745" y="643"/>
-                  </a:lnTo>
-                  <a:lnTo>
-                    <a:pt x="716" y="681"/>
-                  </a:lnTo>
-                  <a:lnTo>
-                    <a:pt x="681" y="715"/>
-                  </a:lnTo>
-                  <a:lnTo>
-                    <a:pt x="643" y="745"/>
-                  </a:lnTo>
-                  <a:lnTo>
-                    <a:pt x="602" y="771"/>
-                  </a:lnTo>
-                  <a:lnTo>
-                    <a:pt x="557" y="791"/>
-                  </a:lnTo>
-                  <a:lnTo>
-                    <a:pt x="510" y="806"/>
-                  </a:lnTo>
-                  <a:lnTo>
-                    <a:pt x="460" y="815"/>
-                  </a:lnTo>
-                  <a:lnTo>
-                    <a:pt x="409" y="819"/>
-                  </a:lnTo>
-                  <a:lnTo>
-                    <a:pt x="358" y="815"/>
-                  </a:lnTo>
-                  <a:lnTo>
-                    <a:pt x="309" y="806"/>
-                  </a:lnTo>
-                  <a:lnTo>
-                    <a:pt x="262" y="791"/>
-                  </a:lnTo>
-                  <a:lnTo>
-                    <a:pt x="217" y="771"/>
-                  </a:lnTo>
-                  <a:lnTo>
-                    <a:pt x="175" y="745"/>
-                  </a:lnTo>
-                  <a:lnTo>
-                    <a:pt x="137" y="715"/>
-                  </a:lnTo>
-                  <a:lnTo>
-                    <a:pt x="103" y="681"/>
-                  </a:lnTo>
-                  <a:lnTo>
-                    <a:pt x="73" y="643"/>
-                  </a:lnTo>
-                  <a:lnTo>
-                    <a:pt x="48" y="602"/>
-                  </a:lnTo>
-                  <a:lnTo>
-                    <a:pt x="27" y="557"/>
-                  </a:lnTo>
-                  <a:lnTo>
-                    <a:pt x="12" y="510"/>
-                  </a:lnTo>
-                  <a:lnTo>
-                    <a:pt x="3" y="460"/>
-                  </a:lnTo>
-                  <a:lnTo>
-                    <a:pt x="0" y="410"/>
-                  </a:lnTo>
-                  <a:lnTo>
-                    <a:pt x="3" y="358"/>
-                  </a:lnTo>
-                  <a:lnTo>
-                    <a:pt x="12" y="309"/>
-                  </a:lnTo>
-                  <a:lnTo>
-                    <a:pt x="27" y="262"/>
-                  </a:lnTo>
-                  <a:lnTo>
-                    <a:pt x="48" y="217"/>
-                  </a:lnTo>
-                  <a:lnTo>
-                    <a:pt x="73" y="175"/>
-                  </a:lnTo>
-                  <a:lnTo>
-                    <a:pt x="103" y="138"/>
-                  </a:lnTo>
-                  <a:lnTo>
-                    <a:pt x="137" y="103"/>
-                  </a:lnTo>
-                  <a:lnTo>
-                    <a:pt x="175" y="73"/>
-                  </a:lnTo>
-                  <a:lnTo>
-                    <a:pt x="217" y="48"/>
-                  </a:lnTo>
-                  <a:lnTo>
-                    <a:pt x="262" y="27"/>
-                  </a:lnTo>
-                  <a:lnTo>
-                    <a:pt x="309" y="12"/>
-                  </a:lnTo>
-                  <a:lnTo>
-                    <a:pt x="358" y="3"/>
-                  </a:lnTo>
-                  <a:lnTo>
-                    <a:pt x="409" y="0"/>
-                  </a:lnTo>
-                  <a:close/>
-                </a:path>
-              </a:pathLst>
-            </a:custGeom>
-            <a:solidFill>
-              <a:srgbClr val="496e8d"/>
-            </a:solidFill>
-            <a:ln w="12700">
-              <a:solidFill>
-                <a:srgbClr val="496e8d"/>
-              </a:solidFill>
-              <a:prstDash val="solid"/>
-              <a:round/>
-            </a:ln>
-          </p:spPr>
-          <p:txBody>
-            <a:bodyPr vert="horz" wrap="square" lIns="91440" tIns="45720" rIns="91440" bIns="45720" anchor="t" anchorCtr="0">
-              <a:prstTxWarp prst="textNoShape">
-                <a:avLst/>
-              </a:prstTxWarp>
-            </a:bodyPr>
-            <a:lstStyle/>
-            <a:p>
-              <a:pPr lvl="0">
-                <a:defRPr/>
-              </a:pPr>
-              <a:endParaRPr lang="ko-KR" altLang="en-US"/>
-            </a:p>
-          </p:txBody>
-        </p:sp>
-        <p:sp>
-          <p:nvSpPr>
-            <p:cNvPr id="76" name="Freeform 19"/>
-            <p:cNvSpPr>
-              <a:spLocks noEditPoints="1"/>
-            </p:cNvSpPr>
-            <p:nvPr/>
-          </p:nvSpPr>
-          <p:spPr>
-            <a:xfrm>
-              <a:off x="6216684" y="3136863"/>
-              <a:ext cx="93845" cy="94074"/>
-            </a:xfrm>
-            <a:custGeom>
-              <a:avLst/>
-              <a:gdLst>
-                <a:gd name="T0" fmla="*/ 368 w 820"/>
-                <a:gd name="T1" fmla="*/ 157 h 819"/>
-                <a:gd name="T2" fmla="*/ 292 w 820"/>
-                <a:gd name="T3" fmla="*/ 182 h 819"/>
-                <a:gd name="T4" fmla="*/ 229 w 820"/>
-                <a:gd name="T5" fmla="*/ 228 h 819"/>
-                <a:gd name="T6" fmla="*/ 182 w 820"/>
-                <a:gd name="T7" fmla="*/ 291 h 819"/>
-                <a:gd name="T8" fmla="*/ 158 w 820"/>
-                <a:gd name="T9" fmla="*/ 368 h 819"/>
-                <a:gd name="T10" fmla="*/ 158 w 820"/>
-                <a:gd name="T11" fmla="*/ 451 h 819"/>
-                <a:gd name="T12" fmla="*/ 182 w 820"/>
-                <a:gd name="T13" fmla="*/ 527 h 819"/>
-                <a:gd name="T14" fmla="*/ 229 w 820"/>
-                <a:gd name="T15" fmla="*/ 590 h 819"/>
-                <a:gd name="T16" fmla="*/ 292 w 820"/>
-                <a:gd name="T17" fmla="*/ 637 h 819"/>
-                <a:gd name="T18" fmla="*/ 368 w 820"/>
-                <a:gd name="T19" fmla="*/ 661 h 819"/>
-                <a:gd name="T20" fmla="*/ 451 w 820"/>
-                <a:gd name="T21" fmla="*/ 661 h 819"/>
-                <a:gd name="T22" fmla="*/ 528 w 820"/>
-                <a:gd name="T23" fmla="*/ 637 h 819"/>
-                <a:gd name="T24" fmla="*/ 591 w 820"/>
-                <a:gd name="T25" fmla="*/ 590 h 819"/>
-                <a:gd name="T26" fmla="*/ 637 w 820"/>
-                <a:gd name="T27" fmla="*/ 527 h 819"/>
-                <a:gd name="T28" fmla="*/ 662 w 820"/>
-                <a:gd name="T29" fmla="*/ 451 h 819"/>
-                <a:gd name="T30" fmla="*/ 662 w 820"/>
-                <a:gd name="T31" fmla="*/ 368 h 819"/>
-                <a:gd name="T32" fmla="*/ 637 w 820"/>
-                <a:gd name="T33" fmla="*/ 291 h 819"/>
-                <a:gd name="T34" fmla="*/ 591 w 820"/>
-                <a:gd name="T35" fmla="*/ 228 h 819"/>
-                <a:gd name="T36" fmla="*/ 528 w 820"/>
-                <a:gd name="T37" fmla="*/ 182 h 819"/>
-                <a:gd name="T38" fmla="*/ 451 w 820"/>
-                <a:gd name="T39" fmla="*/ 157 h 819"/>
-                <a:gd name="T40" fmla="*/ 409 w 820"/>
-                <a:gd name="T41" fmla="*/ 0 h 819"/>
-                <a:gd name="T42" fmla="*/ 510 w 820"/>
-                <a:gd name="T43" fmla="*/ 12 h 819"/>
-                <a:gd name="T44" fmla="*/ 602 w 820"/>
-                <a:gd name="T45" fmla="*/ 48 h 819"/>
-                <a:gd name="T46" fmla="*/ 682 w 820"/>
-                <a:gd name="T47" fmla="*/ 103 h 819"/>
-                <a:gd name="T48" fmla="*/ 746 w 820"/>
-                <a:gd name="T49" fmla="*/ 175 h 819"/>
-                <a:gd name="T50" fmla="*/ 792 w 820"/>
-                <a:gd name="T51" fmla="*/ 262 h 819"/>
-                <a:gd name="T52" fmla="*/ 816 w 820"/>
-                <a:gd name="T53" fmla="*/ 358 h 819"/>
-                <a:gd name="T54" fmla="*/ 816 w 820"/>
-                <a:gd name="T55" fmla="*/ 460 h 819"/>
-                <a:gd name="T56" fmla="*/ 792 w 820"/>
-                <a:gd name="T57" fmla="*/ 557 h 819"/>
-                <a:gd name="T58" fmla="*/ 746 w 820"/>
-                <a:gd name="T59" fmla="*/ 643 h 819"/>
-                <a:gd name="T60" fmla="*/ 682 w 820"/>
-                <a:gd name="T61" fmla="*/ 715 h 819"/>
-                <a:gd name="T62" fmla="*/ 602 w 820"/>
-                <a:gd name="T63" fmla="*/ 771 h 819"/>
-                <a:gd name="T64" fmla="*/ 510 w 820"/>
-                <a:gd name="T65" fmla="*/ 806 h 819"/>
-                <a:gd name="T66" fmla="*/ 409 w 820"/>
-                <a:gd name="T67" fmla="*/ 819 h 819"/>
-                <a:gd name="T68" fmla="*/ 309 w 820"/>
-                <a:gd name="T69" fmla="*/ 806 h 819"/>
-                <a:gd name="T70" fmla="*/ 217 w 820"/>
-                <a:gd name="T71" fmla="*/ 771 h 819"/>
-                <a:gd name="T72" fmla="*/ 138 w 820"/>
-                <a:gd name="T73" fmla="*/ 715 h 819"/>
-                <a:gd name="T74" fmla="*/ 74 w 820"/>
-                <a:gd name="T75" fmla="*/ 643 h 819"/>
-                <a:gd name="T76" fmla="*/ 28 w 820"/>
-                <a:gd name="T77" fmla="*/ 557 h 819"/>
-                <a:gd name="T78" fmla="*/ 4 w 820"/>
-                <a:gd name="T79" fmla="*/ 460 h 819"/>
-                <a:gd name="T80" fmla="*/ 4 w 820"/>
-                <a:gd name="T81" fmla="*/ 358 h 819"/>
-                <a:gd name="T82" fmla="*/ 28 w 820"/>
-                <a:gd name="T83" fmla="*/ 262 h 819"/>
-                <a:gd name="T84" fmla="*/ 74 w 820"/>
-                <a:gd name="T85" fmla="*/ 175 h 819"/>
-                <a:gd name="T86" fmla="*/ 138 w 820"/>
-                <a:gd name="T87" fmla="*/ 103 h 819"/>
-                <a:gd name="T88" fmla="*/ 217 w 820"/>
-                <a:gd name="T89" fmla="*/ 48 h 819"/>
-                <a:gd name="T90" fmla="*/ 309 w 820"/>
-                <a:gd name="T91" fmla="*/ 12 h 819"/>
-                <a:gd name="T92" fmla="*/ 409 w 820"/>
-                <a:gd name="T93" fmla="*/ 0 h 819"/>
-              </a:gdLst>
-              <a:cxnLst>
-                <a:cxn ang="0">
-                  <a:pos x="T0" y="T1"/>
-                </a:cxn>
-                <a:cxn ang="0">
-                  <a:pos x="T2" y="T3"/>
-                </a:cxn>
-                <a:cxn ang="0">
-                  <a:pos x="T4" y="T5"/>
-                </a:cxn>
-                <a:cxn ang="0">
-                  <a:pos x="T6" y="T7"/>
-                </a:cxn>
-                <a:cxn ang="0">
-                  <a:pos x="T8" y="T9"/>
-                </a:cxn>
-                <a:cxn ang="0">
-                  <a:pos x="T10" y="T11"/>
-                </a:cxn>
-                <a:cxn ang="0">
-                  <a:pos x="T12" y="T13"/>
-                </a:cxn>
-                <a:cxn ang="0">
-                  <a:pos x="T14" y="T15"/>
-                </a:cxn>
-                <a:cxn ang="0">
-                  <a:pos x="T16" y="T17"/>
-                </a:cxn>
-                <a:cxn ang="0">
-                  <a:pos x="T18" y="T19"/>
-                </a:cxn>
-                <a:cxn ang="0">
-                  <a:pos x="T20" y="T21"/>
-                </a:cxn>
-                <a:cxn ang="0">
-                  <a:pos x="T22" y="T23"/>
-                </a:cxn>
-                <a:cxn ang="0">
-                  <a:pos x="T24" y="T25"/>
-                </a:cxn>
-                <a:cxn ang="0">
-                  <a:pos x="T26" y="T27"/>
-                </a:cxn>
-                <a:cxn ang="0">
-                  <a:pos x="T28" y="T29"/>
-                </a:cxn>
-                <a:cxn ang="0">
-                  <a:pos x="T30" y="T31"/>
-                </a:cxn>
-                <a:cxn ang="0">
-                  <a:pos x="T32" y="T33"/>
-                </a:cxn>
-                <a:cxn ang="0">
-                  <a:pos x="T34" y="T35"/>
-                </a:cxn>
-                <a:cxn ang="0">
-                  <a:pos x="T36" y="T37"/>
-                </a:cxn>
-                <a:cxn ang="0">
-                  <a:pos x="T38" y="T39"/>
-                </a:cxn>
-                <a:cxn ang="0">
-                  <a:pos x="T40" y="T41"/>
-                </a:cxn>
-                <a:cxn ang="0">
-                  <a:pos x="T42" y="T43"/>
-                </a:cxn>
-                <a:cxn ang="0">
-                  <a:pos x="T44" y="T45"/>
-                </a:cxn>
-                <a:cxn ang="0">
-                  <a:pos x="T46" y="T47"/>
-                </a:cxn>
-                <a:cxn ang="0">
-                  <a:pos x="T48" y="T49"/>
-                </a:cxn>
-                <a:cxn ang="0">
-                  <a:pos x="T50" y="T51"/>
-                </a:cxn>
-                <a:cxn ang="0">
-                  <a:pos x="T52" y="T53"/>
-                </a:cxn>
-                <a:cxn ang="0">
-                  <a:pos x="T54" y="T55"/>
-                </a:cxn>
-                <a:cxn ang="0">
-                  <a:pos x="T56" y="T57"/>
-                </a:cxn>
-                <a:cxn ang="0">
-                  <a:pos x="T58" y="T59"/>
-                </a:cxn>
-                <a:cxn ang="0">
-                  <a:pos x="T60" y="T61"/>
-                </a:cxn>
-                <a:cxn ang="0">
-                  <a:pos x="T62" y="T63"/>
-                </a:cxn>
-                <a:cxn ang="0">
-                  <a:pos x="T64" y="T65"/>
-                </a:cxn>
-                <a:cxn ang="0">
-                  <a:pos x="T66" y="T67"/>
-                </a:cxn>
-                <a:cxn ang="0">
-                  <a:pos x="T68" y="T69"/>
-                </a:cxn>
-                <a:cxn ang="0">
-                  <a:pos x="T70" y="T71"/>
-                </a:cxn>
-                <a:cxn ang="0">
-                  <a:pos x="T72" y="T73"/>
-                </a:cxn>
-                <a:cxn ang="0">
-                  <a:pos x="T74" y="T75"/>
-                </a:cxn>
-                <a:cxn ang="0">
-                  <a:pos x="T76" y="T77"/>
-                </a:cxn>
-                <a:cxn ang="0">
-                  <a:pos x="T78" y="T79"/>
-                </a:cxn>
-                <a:cxn ang="0">
-                  <a:pos x="T80" y="T81"/>
-                </a:cxn>
-                <a:cxn ang="0">
-                  <a:pos x="T82" y="T83"/>
-                </a:cxn>
-                <a:cxn ang="0">
-                  <a:pos x="T84" y="T85"/>
-                </a:cxn>
-                <a:cxn ang="0">
-                  <a:pos x="T86" y="T87"/>
-                </a:cxn>
-                <a:cxn ang="0">
-                  <a:pos x="T88" y="T89"/>
-                </a:cxn>
-                <a:cxn ang="0">
-                  <a:pos x="T90" y="T91"/>
-                </a:cxn>
-                <a:cxn ang="0">
-                  <a:pos x="T92" y="T93"/>
-                </a:cxn>
-              </a:cxnLst>
-              <a:rect l="0" t="0" r="r" b="b"/>
-              <a:pathLst>
-                <a:path w="820" h="819">
-                  <a:moveTo>
-                    <a:pt x="409" y="154"/>
-                  </a:moveTo>
-                  <a:lnTo>
-                    <a:pt x="368" y="157"/>
-                  </a:lnTo>
-                  <a:lnTo>
-                    <a:pt x="329" y="166"/>
-                  </a:lnTo>
-                  <a:lnTo>
-                    <a:pt x="292" y="182"/>
-                  </a:lnTo>
-                  <a:lnTo>
-                    <a:pt x="259" y="203"/>
-                  </a:lnTo>
-                  <a:lnTo>
-                    <a:pt x="229" y="228"/>
-                  </a:lnTo>
-                  <a:lnTo>
-                    <a:pt x="204" y="258"/>
-                  </a:lnTo>
-                  <a:lnTo>
-                    <a:pt x="182" y="291"/>
-                  </a:lnTo>
-                  <a:lnTo>
-                    <a:pt x="167" y="328"/>
-                  </a:lnTo>
-                  <a:lnTo>
-                    <a:pt x="158" y="368"/>
-                  </a:lnTo>
-                  <a:lnTo>
-                    <a:pt x="154" y="410"/>
-                  </a:lnTo>
-                  <a:lnTo>
-                    <a:pt x="158" y="451"/>
-                  </a:lnTo>
-                  <a:lnTo>
-                    <a:pt x="167" y="490"/>
-                  </a:lnTo>
-                  <a:lnTo>
-                    <a:pt x="182" y="527"/>
-                  </a:lnTo>
-                  <a:lnTo>
-                    <a:pt x="204" y="560"/>
-                  </a:lnTo>
-                  <a:lnTo>
-                    <a:pt x="229" y="590"/>
-                  </a:lnTo>
-                  <a:lnTo>
-                    <a:pt x="259" y="616"/>
-                  </a:lnTo>
-                  <a:lnTo>
-                    <a:pt x="292" y="637"/>
-                  </a:lnTo>
-                  <a:lnTo>
-                    <a:pt x="329" y="652"/>
-                  </a:lnTo>
-                  <a:lnTo>
-                    <a:pt x="368" y="661"/>
-                  </a:lnTo>
-                  <a:lnTo>
-                    <a:pt x="409" y="665"/>
-                  </a:lnTo>
-                  <a:lnTo>
-                    <a:pt x="451" y="661"/>
-                  </a:lnTo>
-                  <a:lnTo>
-                    <a:pt x="491" y="652"/>
-                  </a:lnTo>
-                  <a:lnTo>
-                    <a:pt x="528" y="637"/>
-                  </a:lnTo>
-                  <a:lnTo>
-                    <a:pt x="561" y="616"/>
-                  </a:lnTo>
-                  <a:lnTo>
-                    <a:pt x="591" y="590"/>
-                  </a:lnTo>
-                  <a:lnTo>
-                    <a:pt x="616" y="560"/>
-                  </a:lnTo>
-                  <a:lnTo>
-                    <a:pt x="637" y="527"/>
-                  </a:lnTo>
-                  <a:lnTo>
-                    <a:pt x="653" y="490"/>
-                  </a:lnTo>
-                  <a:lnTo>
-                    <a:pt x="662" y="451"/>
-                  </a:lnTo>
-                  <a:lnTo>
-                    <a:pt x="666" y="410"/>
-                  </a:lnTo>
-                  <a:lnTo>
-                    <a:pt x="662" y="368"/>
-                  </a:lnTo>
-                  <a:lnTo>
-                    <a:pt x="653" y="328"/>
-                  </a:lnTo>
-                  <a:lnTo>
-                    <a:pt x="637" y="291"/>
-                  </a:lnTo>
-                  <a:lnTo>
-                    <a:pt x="616" y="258"/>
-                  </a:lnTo>
-                  <a:lnTo>
-                    <a:pt x="591" y="228"/>
-                  </a:lnTo>
-                  <a:lnTo>
-                    <a:pt x="561" y="203"/>
-                  </a:lnTo>
-                  <a:lnTo>
-                    <a:pt x="528" y="182"/>
-                  </a:lnTo>
-                  <a:lnTo>
-                    <a:pt x="491" y="166"/>
-                  </a:lnTo>
-                  <a:lnTo>
-                    <a:pt x="451" y="157"/>
-                  </a:lnTo>
-                  <a:lnTo>
-                    <a:pt x="409" y="154"/>
-                  </a:lnTo>
-                  <a:close/>
-                  <a:moveTo>
-                    <a:pt x="409" y="0"/>
-                  </a:moveTo>
-                  <a:lnTo>
-                    <a:pt x="461" y="3"/>
-                  </a:lnTo>
-                  <a:lnTo>
-                    <a:pt x="510" y="12"/>
-                  </a:lnTo>
-                  <a:lnTo>
-                    <a:pt x="558" y="27"/>
-                  </a:lnTo>
-                  <a:lnTo>
-                    <a:pt x="602" y="48"/>
-                  </a:lnTo>
-                  <a:lnTo>
-                    <a:pt x="644" y="73"/>
-                  </a:lnTo>
-                  <a:lnTo>
-                    <a:pt x="682" y="103"/>
-                  </a:lnTo>
-                  <a:lnTo>
-                    <a:pt x="716" y="138"/>
-                  </a:lnTo>
-                  <a:lnTo>
-                    <a:pt x="746" y="175"/>
-                  </a:lnTo>
-                  <a:lnTo>
-                    <a:pt x="771" y="217"/>
-                  </a:lnTo>
-                  <a:lnTo>
-                    <a:pt x="792" y="262"/>
-                  </a:lnTo>
-                  <a:lnTo>
-                    <a:pt x="807" y="309"/>
-                  </a:lnTo>
-                  <a:lnTo>
-                    <a:pt x="816" y="358"/>
-                  </a:lnTo>
-                  <a:lnTo>
-                    <a:pt x="820" y="410"/>
-                  </a:lnTo>
-                  <a:lnTo>
-                    <a:pt x="816" y="460"/>
-                  </a:lnTo>
-                  <a:lnTo>
-                    <a:pt x="807" y="510"/>
-                  </a:lnTo>
-                  <a:lnTo>
-                    <a:pt x="792" y="557"/>
-                  </a:lnTo>
-                  <a:lnTo>
-                    <a:pt x="771" y="602"/>
-                  </a:lnTo>
-                  <a:lnTo>
-                    <a:pt x="746" y="643"/>
-                  </a:lnTo>
-                  <a:lnTo>
-                    <a:pt x="716" y="681"/>
-                  </a:lnTo>
-                  <a:lnTo>
-                    <a:pt x="682" y="715"/>
-                  </a:lnTo>
-                  <a:lnTo>
-                    <a:pt x="644" y="745"/>
-                  </a:lnTo>
-                  <a:lnTo>
-                    <a:pt x="602" y="771"/>
-                  </a:lnTo>
-                  <a:lnTo>
-                    <a:pt x="558" y="791"/>
-                  </a:lnTo>
-                  <a:lnTo>
-                    <a:pt x="510" y="806"/>
-                  </a:lnTo>
-                  <a:lnTo>
-                    <a:pt x="461" y="815"/>
-                  </a:lnTo>
-                  <a:lnTo>
-                    <a:pt x="409" y="819"/>
-                  </a:lnTo>
-                  <a:lnTo>
-                    <a:pt x="359" y="815"/>
-                  </a:lnTo>
-                  <a:lnTo>
-                    <a:pt x="309" y="806"/>
-                  </a:lnTo>
-                  <a:lnTo>
-                    <a:pt x="262" y="791"/>
-                  </a:lnTo>
-                  <a:lnTo>
-                    <a:pt x="217" y="771"/>
-                  </a:lnTo>
-                  <a:lnTo>
-                    <a:pt x="176" y="745"/>
-                  </a:lnTo>
-                  <a:lnTo>
-                    <a:pt x="138" y="715"/>
-                  </a:lnTo>
-                  <a:lnTo>
-                    <a:pt x="104" y="681"/>
-                  </a:lnTo>
-                  <a:lnTo>
-                    <a:pt x="74" y="643"/>
-                  </a:lnTo>
-                  <a:lnTo>
-                    <a:pt x="48" y="602"/>
-                  </a:lnTo>
-                  <a:lnTo>
-                    <a:pt x="28" y="557"/>
-                  </a:lnTo>
-                  <a:lnTo>
-                    <a:pt x="13" y="510"/>
-                  </a:lnTo>
-                  <a:lnTo>
-                    <a:pt x="4" y="460"/>
-                  </a:lnTo>
-                  <a:lnTo>
-                    <a:pt x="0" y="410"/>
-                  </a:lnTo>
-                  <a:lnTo>
-                    <a:pt x="4" y="358"/>
-                  </a:lnTo>
-                  <a:lnTo>
-                    <a:pt x="13" y="309"/>
-                  </a:lnTo>
-                  <a:lnTo>
-                    <a:pt x="28" y="262"/>
-                  </a:lnTo>
-                  <a:lnTo>
-                    <a:pt x="48" y="217"/>
-                  </a:lnTo>
-                  <a:lnTo>
-                    <a:pt x="74" y="175"/>
-                  </a:lnTo>
-                  <a:lnTo>
-                    <a:pt x="104" y="138"/>
-                  </a:lnTo>
-                  <a:lnTo>
-                    <a:pt x="138" y="103"/>
-                  </a:lnTo>
-                  <a:lnTo>
-                    <a:pt x="176" y="73"/>
-                  </a:lnTo>
-                  <a:lnTo>
-                    <a:pt x="217" y="48"/>
-                  </a:lnTo>
-                  <a:lnTo>
-                    <a:pt x="262" y="27"/>
-                  </a:lnTo>
-                  <a:lnTo>
-                    <a:pt x="309" y="12"/>
-                  </a:lnTo>
-                  <a:lnTo>
-                    <a:pt x="359" y="3"/>
-                  </a:lnTo>
-                  <a:lnTo>
-                    <a:pt x="409" y="0"/>
-                  </a:lnTo>
-                  <a:close/>
-                </a:path>
-              </a:pathLst>
-            </a:custGeom>
-            <a:solidFill>
-              <a:srgbClr val="496e8d"/>
-            </a:solidFill>
-            <a:ln w="12700">
-              <a:solidFill>
-                <a:srgbClr val="496e8d"/>
-              </a:solidFill>
-              <a:prstDash val="solid"/>
-              <a:round/>
-            </a:ln>
-          </p:spPr>
-          <p:txBody>
-            <a:bodyPr vert="horz" wrap="square" lIns="91440" tIns="45720" rIns="91440" bIns="45720" anchor="t" anchorCtr="0">
-              <a:prstTxWarp prst="textNoShape">
-                <a:avLst/>
-              </a:prstTxWarp>
-            </a:bodyPr>
-            <a:lstStyle/>
-            <a:p>
-              <a:pPr lvl="0">
-                <a:defRPr/>
-              </a:pPr>
-              <a:endParaRPr lang="ko-KR" altLang="en-US"/>
-            </a:p>
-          </p:txBody>
-        </p:sp>
-      </p:grpSp>
-      <p:grpSp>
-        <p:nvGrpSpPr>
           <p:cNvPr id="98" name="그룹 97"/>
           <p:cNvGrpSpPr/>
           <p:nvPr/>
         </p:nvGrpSpPr>
         <p:grpSpPr>
           <a:xfrm rot="0">
-            <a:off x="8850952" y="3004526"/>
+            <a:off x="7591536" y="3045661"/>
             <a:ext cx="247230" cy="383339"/>
             <a:chOff x="8848665" y="3069843"/>
             <a:chExt cx="247230" cy="383339"/>
@@ -17841,7 +11302,7 @@
         </p:nvSpPr>
         <p:spPr>
           <a:xfrm>
-            <a:off x="3048824" y="3051018"/>
+            <a:off x="4212991" y="3092153"/>
             <a:ext cx="337205" cy="336847"/>
           </a:xfrm>
           <a:custGeom>
@@ -18307,7 +11768,7 @@
         </p:nvSpPr>
         <p:spPr>
           <a:xfrm>
-            <a:off x="3097736" y="3122243"/>
+            <a:off x="4261903" y="3163378"/>
             <a:ext cx="52660" cy="52660"/>
           </a:xfrm>
           <a:custGeom>
@@ -18793,7 +12254,7 @@
         </p:nvSpPr>
         <p:spPr>
           <a:xfrm>
-            <a:off x="3164142" y="3141701"/>
+            <a:off x="4328309" y="3182836"/>
             <a:ext cx="173868" cy="13745"/>
           </a:xfrm>
           <a:custGeom>
@@ -19065,7 +12526,7 @@
         </p:nvSpPr>
         <p:spPr>
           <a:xfrm>
-            <a:off x="3097736" y="3193111"/>
+            <a:off x="4261903" y="3234246"/>
             <a:ext cx="52660" cy="52660"/>
           </a:xfrm>
           <a:custGeom>
@@ -19572,7 +13033,7 @@
         </p:nvSpPr>
         <p:spPr>
           <a:xfrm>
-            <a:off x="3164142" y="3212569"/>
+            <a:off x="4328309" y="3253704"/>
             <a:ext cx="173868" cy="13745"/>
           </a:xfrm>
           <a:custGeom>
@@ -19846,7 +13307,7 @@
         </p:nvSpPr>
         <p:spPr>
           <a:xfrm>
-            <a:off x="3097736" y="3263979"/>
+            <a:off x="4261903" y="3305114"/>
             <a:ext cx="52660" cy="52660"/>
           </a:xfrm>
           <a:custGeom>
@@ -20332,7 +13793,7 @@
         </p:nvSpPr>
         <p:spPr>
           <a:xfrm>
-            <a:off x="3164142" y="3283437"/>
+            <a:off x="4328309" y="3324572"/>
             <a:ext cx="173868" cy="13567"/>
           </a:xfrm>
           <a:custGeom>
@@ -20604,8 +14065,8 @@
         </p:nvSpPr>
         <p:spPr>
           <a:xfrm>
-            <a:off x="2651760" y="3553868"/>
-            <a:ext cx="1154430" cy="292327"/>
+            <a:off x="3815927" y="3595003"/>
+            <a:ext cx="1154430" cy="298817"/>
           </a:xfrm>
           <a:prstGeom prst="rect">
             <a:avLst/>
@@ -20689,8 +14150,8 @@
         </p:nvSpPr>
         <p:spPr>
           <a:xfrm>
-            <a:off x="8376285" y="3553868"/>
-            <a:ext cx="1154430" cy="292327"/>
+            <a:off x="7116869" y="3595003"/>
+            <a:ext cx="1154430" cy="298817"/>
           </a:xfrm>
           <a:prstGeom prst="rect">
             <a:avLst/>
@@ -20762,98 +14223,13 @@
       </p:sp>
       <p:sp>
         <p:nvSpPr>
-          <p:cNvPr id="97" name="TextBox 96"/>
-          <p:cNvSpPr txBox="1"/>
-          <p:nvPr/>
-        </p:nvSpPr>
-        <p:spPr>
-          <a:xfrm>
-            <a:off x="5375910" y="3332519"/>
-            <a:ext cx="1430655" cy="361276"/>
-          </a:xfrm>
-          <a:prstGeom prst="rect">
-            <a:avLst/>
-          </a:prstGeom>
-          <a:noFill/>
-        </p:spPr>
-        <p:txBody>
-          <a:bodyPr wrap="none">
-            <a:spAutoFit/>
-          </a:bodyPr>
-          <a:lstStyle/>
-          <a:p>
-            <a:pPr algn="ctr">
-              <a:defRPr/>
-            </a:pPr>
-            <a:r>
-              <a:rPr lang="en-US" altLang="ko-KR">
-                <a:ln w="9525">
-                  <a:solidFill>
-                    <a:schemeClr val="bg1">
-                      <a:alpha val="0"/>
-                    </a:schemeClr>
-                  </a:solidFill>
-                </a:ln>
-                <a:solidFill>
-                  <a:schemeClr val="tx1">
-                    <a:lumMod val="75000"/>
-                    <a:lumOff val="25000"/>
-                  </a:schemeClr>
-                </a:solidFill>
-                <a:latin typeface="배달의민족 주아"/>
-                <a:ea typeface="배달의민족 주아"/>
-              </a:rPr>
-              <a:t>BCN</a:t>
-            </a:r>
-            <a:r>
-              <a:rPr lang="ko-KR" altLang="en-US">
-                <a:ln w="9525">
-                  <a:solidFill>
-                    <a:schemeClr val="bg1">
-                      <a:alpha val="0"/>
-                    </a:schemeClr>
-                  </a:solidFill>
-                </a:ln>
-                <a:solidFill>
-                  <a:schemeClr val="tx1">
-                    <a:lumMod val="75000"/>
-                    <a:lumOff val="25000"/>
-                  </a:schemeClr>
-                </a:solidFill>
-                <a:latin typeface="배달의민족 주아"/>
-                <a:ea typeface="배달의민족 주아"/>
-              </a:rPr>
-              <a:t>의 한계</a:t>
-            </a:r>
-            <a:endParaRPr lang="ko-KR" altLang="en-US">
-              <a:ln w="9525">
-                <a:solidFill>
-                  <a:schemeClr val="bg1">
-                    <a:alpha val="0"/>
-                  </a:schemeClr>
-                </a:solidFill>
-              </a:ln>
-              <a:solidFill>
-                <a:schemeClr val="tx1">
-                  <a:lumMod val="75000"/>
-                  <a:lumOff val="25000"/>
-                </a:schemeClr>
-              </a:solidFill>
-              <a:latin typeface="배달의민족 주아"/>
-              <a:ea typeface="배달의민족 주아"/>
-            </a:endParaRPr>
-          </a:p>
-        </p:txBody>
-      </p:sp>
-      <p:sp>
-        <p:nvSpPr>
           <p:cNvPr id="99" name="TextBox 98"/>
           <p:cNvSpPr txBox="1"/>
           <p:nvPr/>
         </p:nvSpPr>
         <p:spPr>
           <a:xfrm>
-            <a:off x="2213610" y="4109726"/>
+            <a:off x="3377777" y="4150861"/>
             <a:ext cx="2021205" cy="641344"/>
           </a:xfrm>
           <a:prstGeom prst="rect">
@@ -20982,7 +14358,7 @@
         </p:nvSpPr>
         <p:spPr>
           <a:xfrm flipH="1" flipV="1">
-            <a:off x="3131264" y="3952083"/>
+            <a:off x="4295431" y="3993218"/>
             <a:ext cx="167018" cy="76200"/>
           </a:xfrm>
           <a:prstGeom prst="triangle">
@@ -21032,7 +14408,7 @@
         </p:nvSpPr>
         <p:spPr>
           <a:xfrm flipH="1" flipV="1">
-            <a:off x="8891058" y="3952083"/>
+            <a:off x="7631642" y="3993218"/>
             <a:ext cx="167018" cy="76200"/>
           </a:xfrm>
           <a:prstGeom prst="triangle">
@@ -21082,8 +14458,8 @@
         </p:nvSpPr>
         <p:spPr>
           <a:xfrm>
-            <a:off x="7947660" y="4119251"/>
-            <a:ext cx="2116456" cy="450844"/>
+            <a:off x="6688244" y="4160386"/>
+            <a:ext cx="2116457" cy="450844"/>
           </a:xfrm>
           <a:prstGeom prst="rect">
             <a:avLst/>
@@ -21091,7 +14467,7 @@
           <a:noFill/>
         </p:spPr>
         <p:txBody>
-          <a:bodyPr wrap="none">
+          <a:bodyPr wrap="square">
             <a:spAutoFit/>
           </a:bodyPr>
           <a:lstStyle/>
@@ -21178,163 +14554,6 @@
               <a:latin typeface="배달의민족 주아"/>
               <a:ea typeface="배달의민족 주아"/>
             </a:endParaRPr>
-          </a:p>
-        </p:txBody>
-      </p:sp>
-      <p:sp>
-        <p:nvSpPr>
-          <p:cNvPr id="103" name="TextBox 102"/>
-          <p:cNvSpPr txBox="1"/>
-          <p:nvPr/>
-        </p:nvSpPr>
-        <p:spPr>
-          <a:xfrm>
-            <a:off x="4842510" y="3967389"/>
-            <a:ext cx="2497455" cy="523220"/>
-          </a:xfrm>
-          <a:prstGeom prst="rect">
-            <a:avLst/>
-          </a:prstGeom>
-          <a:noFill/>
-        </p:spPr>
-        <p:txBody>
-          <a:bodyPr wrap="none">
-            <a:spAutoFit/>
-          </a:bodyPr>
-          <a:lstStyle/>
-          <a:p>
-            <a:pPr algn="ctr">
-              <a:defRPr/>
-            </a:pPr>
-            <a:r>
-              <a:rPr lang="ko-KR" altLang="en-US" sz="1400">
-                <a:ln w="9525">
-                  <a:solidFill>
-                    <a:schemeClr val="bg1">
-                      <a:alpha val="0"/>
-                    </a:schemeClr>
-                  </a:solidFill>
-                </a:ln>
-                <a:solidFill>
-                  <a:schemeClr val="tx1">
-                    <a:lumMod val="75000"/>
-                    <a:lumOff val="25000"/>
-                  </a:schemeClr>
-                </a:solidFill>
-                <a:latin typeface="배달의민족 주아"/>
-                <a:ea typeface="배달의민족 주아"/>
-              </a:rPr>
-              <a:t>강조된 컨텐츠에 대한 설명을</a:t>
-            </a:r>
-            <a:endParaRPr lang="ko-KR" altLang="en-US" sz="1400">
-              <a:ln w="9525">
-                <a:solidFill>
-                  <a:schemeClr val="bg1">
-                    <a:alpha val="0"/>
-                  </a:schemeClr>
-                </a:solidFill>
-              </a:ln>
-              <a:solidFill>
-                <a:schemeClr val="tx1">
-                  <a:lumMod val="75000"/>
-                  <a:lumOff val="25000"/>
-                </a:schemeClr>
-              </a:solidFill>
-              <a:latin typeface="배달의민족 주아"/>
-              <a:ea typeface="배달의민족 주아"/>
-            </a:endParaRPr>
-          </a:p>
-          <a:p>
-            <a:pPr algn="ctr">
-              <a:defRPr/>
-            </a:pPr>
-            <a:r>
-              <a:rPr lang="ko-KR" altLang="en-US" sz="1400">
-                <a:ln w="9525">
-                  <a:solidFill>
-                    <a:schemeClr val="bg1">
-                      <a:alpha val="0"/>
-                    </a:schemeClr>
-                  </a:solidFill>
-                </a:ln>
-                <a:solidFill>
-                  <a:schemeClr val="tx1">
-                    <a:lumMod val="75000"/>
-                    <a:lumOff val="25000"/>
-                  </a:schemeClr>
-                </a:solidFill>
-                <a:latin typeface="배달의민족 주아"/>
-                <a:ea typeface="배달의민족 주아"/>
-              </a:rPr>
-              <a:t>적어주면 좋을듯합니다 허허</a:t>
-            </a:r>
-            <a:endParaRPr lang="en-US" altLang="ko-KR" sz="1400">
-              <a:ln w="9525">
-                <a:solidFill>
-                  <a:schemeClr val="bg1">
-                    <a:alpha val="0"/>
-                  </a:schemeClr>
-                </a:solidFill>
-              </a:ln>
-              <a:solidFill>
-                <a:schemeClr val="tx1">
-                  <a:lumMod val="75000"/>
-                  <a:lumOff val="25000"/>
-                </a:schemeClr>
-              </a:solidFill>
-              <a:latin typeface="배달의민족 주아"/>
-              <a:ea typeface="배달의민족 주아"/>
-            </a:endParaRPr>
-          </a:p>
-        </p:txBody>
-      </p:sp>
-      <p:sp>
-        <p:nvSpPr>
-          <p:cNvPr id="104" name="이등변 삼각형 103"/>
-          <p:cNvSpPr/>
-          <p:nvPr/>
-        </p:nvSpPr>
-        <p:spPr>
-          <a:xfrm flipH="1" flipV="1">
-            <a:off x="6013848" y="3802180"/>
-            <a:ext cx="183720" cy="83820"/>
-          </a:xfrm>
-          <a:prstGeom prst="triangle">
-            <a:avLst>
-              <a:gd name="adj" fmla="val 50000"/>
-            </a:avLst>
-          </a:prstGeom>
-          <a:solidFill>
-            <a:srgbClr val="496e8d"/>
-          </a:solidFill>
-          <a:ln>
-            <a:noFill/>
-          </a:ln>
-        </p:spPr>
-        <p:style>
-          <a:lnRef idx="2">
-            <a:schemeClr val="accent1">
-              <a:shade val="50000"/>
-            </a:schemeClr>
-          </a:lnRef>
-          <a:fillRef idx="1">
-            <a:schemeClr val="accent1"/>
-          </a:fillRef>
-          <a:effectRef idx="0">
-            <a:schemeClr val="accent1"/>
-          </a:effectRef>
-          <a:fontRef idx="minor">
-            <a:schemeClr val="lt1"/>
-          </a:fontRef>
-        </p:style>
-        <p:txBody>
-          <a:bodyPr anchor="ctr"/>
-          <a:lstStyle/>
-          <a:p>
-            <a:pPr algn="ctr">
-              <a:defRPr/>
-            </a:pPr>
-            <a:endParaRPr lang="ko-KR" altLang="en-US"/>
           </a:p>
         </p:txBody>
       </p:sp>
@@ -22037,30 +15256,6 @@
           </a:p>
         </p:txBody>
       </p:sp>
-      <p:pic>
-        <p:nvPicPr>
-          <p:cNvPr id="115" name=""/>
-          <p:cNvPicPr>
-            <a:picLocks noChangeAspect="1"/>
-          </p:cNvPicPr>
-          <p:nvPr/>
-        </p:nvPicPr>
-        <p:blipFill rotWithShape="1">
-          <a:blip r:embed="rId2"/>
-          <a:stretch>
-            <a:fillRect/>
-          </a:stretch>
-        </p:blipFill>
-        <p:spPr>
-          <a:xfrm>
-            <a:off x="3137949" y="2101557"/>
-            <a:ext cx="5916101" cy="3213684"/>
-          </a:xfrm>
-          <a:prstGeom prst="rect">
-            <a:avLst/>
-          </a:prstGeom>
-        </p:spPr>
-      </p:pic>
       <p:sp>
         <p:nvSpPr>
           <p:cNvPr id="116" name="이등변 삼각형 126"/>
@@ -22252,6 +15447,30 @@
           </a:p>
         </p:txBody>
       </p:sp>
+      <p:pic>
+        <p:nvPicPr>
+          <p:cNvPr id="120" name=""/>
+          <p:cNvPicPr>
+            <a:picLocks noChangeAspect="1"/>
+          </p:cNvPicPr>
+          <p:nvPr/>
+        </p:nvPicPr>
+        <p:blipFill rotWithShape="1">
+          <a:blip r:embed="rId2"/>
+          <a:stretch>
+            <a:fillRect/>
+          </a:stretch>
+        </p:blipFill>
+        <p:spPr>
+          <a:xfrm>
+            <a:off x="3123211" y="2051940"/>
+            <a:ext cx="5945576" cy="3311751"/>
+          </a:xfrm>
+          <a:prstGeom prst="rect">
+            <a:avLst/>
+          </a:prstGeom>
+        </p:spPr>
+      </p:pic>
     </p:spTree>
   </p:cSld>
   <p:clrMapOvr>
@@ -23518,1087 +16737,6 @@
         </p:nvSpPr>
         <p:spPr>
           <a:xfrm>
-            <a:off x="4857371" y="937718"/>
-            <a:ext cx="2477257" cy="523220"/>
-          </a:xfrm>
-          <a:prstGeom prst="rect">
-            <a:avLst/>
-          </a:prstGeom>
-          <a:noFill/>
-        </p:spPr>
-        <p:txBody>
-          <a:bodyPr wrap="none">
-            <a:spAutoFit/>
-          </a:bodyPr>
-          <a:lstStyle/>
-          <a:p>
-            <a:pPr lvl="0">
-              <a:defRPr/>
-            </a:pPr>
-            <a:r>
-              <a:rPr lang="en-US" altLang="ko-KR" sz="2800">
-                <a:ln w="9525">
-                  <a:solidFill>
-                    <a:schemeClr val="bg1">
-                      <a:alpha val="0"/>
-                    </a:schemeClr>
-                  </a:solidFill>
-                </a:ln>
-                <a:solidFill>
-                  <a:schemeClr val="bg1"/>
-                </a:solidFill>
-                <a:latin typeface="배달의민족 주아"/>
-                <a:ea typeface="배달의민족 주아"/>
-              </a:rPr>
-              <a:t>BCN</a:t>
-            </a:r>
-            <a:r>
-              <a:rPr lang="ko-KR" altLang="en-US" sz="2800">
-                <a:ln w="9525">
-                  <a:solidFill>
-                    <a:schemeClr val="bg1">
-                      <a:alpha val="0"/>
-                    </a:schemeClr>
-                  </a:solidFill>
-                </a:ln>
-                <a:solidFill>
-                  <a:schemeClr val="bg1"/>
-                </a:solidFill>
-                <a:latin typeface="배달의민족 주아"/>
-                <a:ea typeface="배달의민족 주아"/>
-              </a:rPr>
-              <a:t>의 한계점</a:t>
-            </a:r>
-            <a:endParaRPr lang="ko-KR" altLang="en-US" sz="2800">
-              <a:ln w="9525">
-                <a:solidFill>
-                  <a:schemeClr val="bg1">
-                    <a:alpha val="0"/>
-                  </a:schemeClr>
-                </a:solidFill>
-              </a:ln>
-              <a:solidFill>
-                <a:schemeClr val="bg1"/>
-              </a:solidFill>
-              <a:latin typeface="배달의민족 주아"/>
-              <a:ea typeface="배달의민족 주아"/>
-            </a:endParaRPr>
-          </a:p>
-        </p:txBody>
-      </p:sp>
-      <p:grpSp>
-        <p:nvGrpSpPr>
-          <p:cNvPr id="8" name="그룹 7"/>
-          <p:cNvGrpSpPr/>
-          <p:nvPr/>
-        </p:nvGrpSpPr>
-        <p:grpSpPr>
-          <a:xfrm rot="0">
-            <a:off x="5621930" y="487835"/>
-            <a:ext cx="948139" cy="400110"/>
-            <a:chOff x="5621930" y="676811"/>
-            <a:chExt cx="948139" cy="400110"/>
-          </a:xfrm>
-        </p:grpSpPr>
-        <p:cxnSp>
-          <p:nvCxnSpPr>
-            <p:cNvPr id="12" name="직선 연결선 11"/>
-            <p:cNvCxnSpPr/>
-            <p:nvPr/>
-          </p:nvCxnSpPr>
-          <p:spPr>
-            <a:xfrm>
-              <a:off x="5774330" y="791641"/>
-              <a:ext cx="0" cy="147590"/>
-            </a:xfrm>
-            <a:prstGeom prst="line">
-              <a:avLst/>
-            </a:prstGeom>
-            <a:ln w="28575" cap="rnd">
-              <a:solidFill>
-                <a:srgbClr val="6991b1"/>
-              </a:solidFill>
-            </a:ln>
-          </p:spPr>
-          <p:style>
-            <a:lnRef idx="1">
-              <a:schemeClr val="accent1"/>
-            </a:lnRef>
-            <a:fillRef idx="0">
-              <a:schemeClr val="accent1"/>
-            </a:fillRef>
-            <a:effectRef idx="0">
-              <a:schemeClr val="accent1"/>
-            </a:effectRef>
-            <a:fontRef idx="minor">
-              <a:schemeClr val="tx1"/>
-            </a:fontRef>
-          </p:style>
-        </p:cxnSp>
-        <p:sp>
-          <p:nvSpPr>
-            <p:cNvPr id="23" name="직사각형 22"/>
-            <p:cNvSpPr/>
-            <p:nvPr/>
-          </p:nvSpPr>
-          <p:spPr>
-            <a:xfrm>
-              <a:off x="5912836" y="726584"/>
-              <a:ext cx="366326" cy="277704"/>
-            </a:xfrm>
-            <a:prstGeom prst="rect">
-              <a:avLst/>
-            </a:prstGeom>
-            <a:solidFill>
-              <a:srgbClr val="6991b1"/>
-            </a:solidFill>
-            <a:ln>
-              <a:noFill/>
-            </a:ln>
-          </p:spPr>
-          <p:style>
-            <a:lnRef idx="2">
-              <a:schemeClr val="accent1">
-                <a:shade val="50000"/>
-              </a:schemeClr>
-            </a:lnRef>
-            <a:fillRef idx="1">
-              <a:schemeClr val="accent1"/>
-            </a:fillRef>
-            <a:effectRef idx="0">
-              <a:schemeClr val="accent1"/>
-            </a:effectRef>
-            <a:fontRef idx="minor">
-              <a:schemeClr val="lt1"/>
-            </a:fontRef>
-          </p:style>
-          <p:txBody>
-            <a:bodyPr anchor="ctr"/>
-            <a:lstStyle/>
-            <a:p>
-              <a:pPr algn="ctr">
-                <a:defRPr/>
-              </a:pPr>
-              <a:endParaRPr lang="ko-KR" altLang="en-US"/>
-            </a:p>
-          </p:txBody>
-        </p:sp>
-        <p:sp>
-          <p:nvSpPr>
-            <p:cNvPr id="22" name="TextBox 21"/>
-            <p:cNvSpPr txBox="1"/>
-            <p:nvPr/>
-          </p:nvSpPr>
-          <p:spPr>
-            <a:xfrm>
-              <a:off x="5862890" y="676811"/>
-              <a:ext cx="486475" cy="400110"/>
-            </a:xfrm>
-            <a:prstGeom prst="rect">
-              <a:avLst/>
-            </a:prstGeom>
-            <a:noFill/>
-          </p:spPr>
-          <p:txBody>
-            <a:bodyPr wrap="none">
-              <a:spAutoFit/>
-            </a:bodyPr>
-            <a:lstStyle/>
-            <a:p>
-              <a:pPr lvl="0">
-                <a:defRPr/>
-              </a:pPr>
-              <a:r>
-                <a:rPr lang="en-US" altLang="ko-KR" sz="2000">
-                  <a:ln w="9525">
-                    <a:solidFill>
-                      <a:schemeClr val="accent1">
-                        <a:shade val="50000"/>
-                        <a:alpha val="0"/>
-                      </a:schemeClr>
-                    </a:solidFill>
-                  </a:ln>
-                  <a:solidFill>
-                    <a:schemeClr val="bg1"/>
-                  </a:solidFill>
-                  <a:latin typeface="배달의민족 주아"/>
-                  <a:ea typeface="배달의민족 주아"/>
-                </a:rPr>
-                <a:t>04</a:t>
-              </a:r>
-              <a:endParaRPr lang="en-US" altLang="ko-KR" sz="2000">
-                <a:ln w="9525">
-                  <a:solidFill>
-                    <a:schemeClr val="accent1">
-                      <a:shade val="50000"/>
-                      <a:alpha val="0"/>
-                    </a:schemeClr>
-                  </a:solidFill>
-                </a:ln>
-                <a:solidFill>
-                  <a:schemeClr val="bg1"/>
-                </a:solidFill>
-                <a:latin typeface="배달의민족 주아"/>
-                <a:ea typeface="배달의민족 주아"/>
-              </a:endParaRPr>
-            </a:p>
-          </p:txBody>
-        </p:sp>
-        <p:cxnSp>
-          <p:nvCxnSpPr>
-            <p:cNvPr id="28" name="직선 연결선 27"/>
-            <p:cNvCxnSpPr/>
-            <p:nvPr/>
-          </p:nvCxnSpPr>
-          <p:spPr>
-            <a:xfrm>
-              <a:off x="5621930" y="820216"/>
-              <a:ext cx="0" cy="90440"/>
-            </a:xfrm>
-            <a:prstGeom prst="line">
-              <a:avLst/>
-            </a:prstGeom>
-            <a:ln w="28575" cap="rnd">
-              <a:solidFill>
-                <a:srgbClr val="6991b1"/>
-              </a:solidFill>
-            </a:ln>
-          </p:spPr>
-          <p:style>
-            <a:lnRef idx="1">
-              <a:schemeClr val="accent1"/>
-            </a:lnRef>
-            <a:fillRef idx="0">
-              <a:schemeClr val="accent1"/>
-            </a:fillRef>
-            <a:effectRef idx="0">
-              <a:schemeClr val="accent1"/>
-            </a:effectRef>
-            <a:fontRef idx="minor">
-              <a:schemeClr val="tx1"/>
-            </a:fontRef>
-          </p:style>
-        </p:cxnSp>
-        <p:cxnSp>
-          <p:nvCxnSpPr>
-            <p:cNvPr id="29" name="직선 연결선 28"/>
-            <p:cNvCxnSpPr/>
-            <p:nvPr/>
-          </p:nvCxnSpPr>
-          <p:spPr>
-            <a:xfrm>
-              <a:off x="6417669" y="791641"/>
-              <a:ext cx="0" cy="147590"/>
-            </a:xfrm>
-            <a:prstGeom prst="line">
-              <a:avLst/>
-            </a:prstGeom>
-            <a:ln w="28575" cap="rnd">
-              <a:solidFill>
-                <a:srgbClr val="6991b1"/>
-              </a:solidFill>
-            </a:ln>
-          </p:spPr>
-          <p:style>
-            <a:lnRef idx="1">
-              <a:schemeClr val="accent1"/>
-            </a:lnRef>
-            <a:fillRef idx="0">
-              <a:schemeClr val="accent1"/>
-            </a:fillRef>
-            <a:effectRef idx="0">
-              <a:schemeClr val="accent1"/>
-            </a:effectRef>
-            <a:fontRef idx="minor">
-              <a:schemeClr val="tx1"/>
-            </a:fontRef>
-          </p:style>
-        </p:cxnSp>
-        <p:cxnSp>
-          <p:nvCxnSpPr>
-            <p:cNvPr id="30" name="직선 연결선 29"/>
-            <p:cNvCxnSpPr/>
-            <p:nvPr/>
-          </p:nvCxnSpPr>
-          <p:spPr>
-            <a:xfrm>
-              <a:off x="6570069" y="820216"/>
-              <a:ext cx="0" cy="90440"/>
-            </a:xfrm>
-            <a:prstGeom prst="line">
-              <a:avLst/>
-            </a:prstGeom>
-            <a:ln w="28575" cap="rnd">
-              <a:solidFill>
-                <a:srgbClr val="6991b1"/>
-              </a:solidFill>
-            </a:ln>
-          </p:spPr>
-          <p:style>
-            <a:lnRef idx="1">
-              <a:schemeClr val="accent1"/>
-            </a:lnRef>
-            <a:fillRef idx="0">
-              <a:schemeClr val="accent1"/>
-            </a:fillRef>
-            <a:effectRef idx="0">
-              <a:schemeClr val="accent1"/>
-            </a:effectRef>
-            <a:fontRef idx="minor">
-              <a:schemeClr val="tx1"/>
-            </a:fontRef>
-          </p:style>
-        </p:cxnSp>
-      </p:grpSp>
-      <p:sp>
-        <p:nvSpPr>
-          <p:cNvPr id="31" name="TextBox 30"/>
-          <p:cNvSpPr txBox="1"/>
-          <p:nvPr/>
-        </p:nvSpPr>
-        <p:spPr>
-          <a:xfrm>
-            <a:off x="4375785" y="1510711"/>
-            <a:ext cx="3392805" cy="369332"/>
-          </a:xfrm>
-          <a:prstGeom prst="rect">
-            <a:avLst/>
-          </a:prstGeom>
-          <a:noFill/>
-        </p:spPr>
-        <p:txBody>
-          <a:bodyPr wrap="none">
-            <a:spAutoFit/>
-          </a:bodyPr>
-          <a:lstStyle/>
-          <a:p>
-            <a:pPr algn="ctr">
-              <a:defRPr/>
-            </a:pPr>
-            <a:r>
-              <a:rPr lang="ko-KR" altLang="en-US">
-                <a:ln w="9525">
-                  <a:solidFill>
-                    <a:schemeClr val="bg1">
-                      <a:alpha val="0"/>
-                    </a:schemeClr>
-                  </a:solidFill>
-                </a:ln>
-                <a:solidFill>
-                  <a:schemeClr val="bg1"/>
-                </a:solidFill>
-                <a:latin typeface="배달의민족 주아"/>
-                <a:ea typeface="배달의민족 주아"/>
-              </a:rPr>
-              <a:t>한계점이</a:t>
-            </a:r>
-            <a:r>
-              <a:rPr lang="en-US" altLang="ko-KR">
-                <a:ln w="9525">
-                  <a:solidFill>
-                    <a:schemeClr val="bg1">
-                      <a:alpha val="0"/>
-                    </a:schemeClr>
-                  </a:solidFill>
-                </a:ln>
-                <a:solidFill>
-                  <a:schemeClr val="bg1"/>
-                </a:solidFill>
-                <a:latin typeface="배달의민족 주아"/>
-                <a:ea typeface="배달의민족 주아"/>
-              </a:rPr>
-              <a:t> </a:t>
-            </a:r>
-            <a:r>
-              <a:rPr lang="ko-KR" altLang="en-US">
-                <a:ln w="9525">
-                  <a:solidFill>
-                    <a:schemeClr val="bg1">
-                      <a:alpha val="0"/>
-                    </a:schemeClr>
-                  </a:solidFill>
-                </a:ln>
-                <a:solidFill>
-                  <a:schemeClr val="bg1"/>
-                </a:solidFill>
-                <a:latin typeface="배달의민족 주아"/>
-                <a:ea typeface="배달의민족 주아"/>
-              </a:rPr>
-              <a:t>짧으면 여기에 적을거</a:t>
-            </a:r>
-            <a:endParaRPr lang="ko-KR" altLang="en-US">
-              <a:ln w="9525">
-                <a:solidFill>
-                  <a:schemeClr val="bg1">
-                    <a:alpha val="0"/>
-                  </a:schemeClr>
-                </a:solidFill>
-              </a:ln>
-              <a:solidFill>
-                <a:schemeClr val="bg1"/>
-              </a:solidFill>
-              <a:latin typeface="배달의민족 주아"/>
-              <a:ea typeface="배달의민족 주아"/>
-            </a:endParaRPr>
-          </a:p>
-        </p:txBody>
-      </p:sp>
-      <p:sp>
-        <p:nvSpPr>
-          <p:cNvPr id="66" name="TextBox 65"/>
-          <p:cNvSpPr txBox="1"/>
-          <p:nvPr/>
-        </p:nvSpPr>
-        <p:spPr>
-          <a:xfrm>
-            <a:off x="5880734" y="6440454"/>
-            <a:ext cx="468631" cy="291816"/>
-          </a:xfrm>
-          <a:prstGeom prst="rect">
-            <a:avLst/>
-          </a:prstGeom>
-          <a:noFill/>
-        </p:spPr>
-        <p:txBody>
-          <a:bodyPr wrap="none">
-            <a:spAutoFit/>
-          </a:bodyPr>
-          <a:lstStyle/>
-          <a:p>
-            <a:pPr algn="ctr">
-              <a:defRPr/>
-            </a:pPr>
-            <a:r>
-              <a:rPr lang="en-US" altLang="ko-KR" sz="1400">
-                <a:ln w="9525">
-                  <a:solidFill>
-                    <a:schemeClr val="bg1">
-                      <a:alpha val="0"/>
-                    </a:schemeClr>
-                  </a:solidFill>
-                </a:ln>
-                <a:solidFill>
-                  <a:schemeClr val="bg1"/>
-                </a:solidFill>
-                <a:latin typeface="배달의민족 주아"/>
-                <a:ea typeface="배달의민족 주아"/>
-              </a:rPr>
-              <a:t>3</a:t>
-            </a:r>
-            <a:r>
-              <a:rPr lang="ko-KR" altLang="en-US" sz="1400">
-                <a:ln w="9525">
-                  <a:solidFill>
-                    <a:schemeClr val="bg1">
-                      <a:alpha val="0"/>
-                    </a:schemeClr>
-                  </a:solidFill>
-                </a:ln>
-                <a:solidFill>
-                  <a:schemeClr val="bg1"/>
-                </a:solidFill>
-                <a:latin typeface="배달의민족 주아"/>
-                <a:ea typeface="배달의민족 주아"/>
-              </a:rPr>
-              <a:t>조</a:t>
-            </a:r>
-            <a:endParaRPr lang="ko-KR" altLang="en-US" sz="1400">
-              <a:ln w="9525">
-                <a:solidFill>
-                  <a:schemeClr val="bg1">
-                    <a:alpha val="0"/>
-                  </a:schemeClr>
-                </a:solidFill>
-              </a:ln>
-              <a:solidFill>
-                <a:schemeClr val="bg1"/>
-              </a:solidFill>
-              <a:latin typeface="배달의민족 주아"/>
-              <a:ea typeface="배달의민족 주아"/>
-            </a:endParaRPr>
-          </a:p>
-        </p:txBody>
-      </p:sp>
-      <p:sp>
-        <p:nvSpPr>
-          <p:cNvPr id="81" name="직사각형 80"/>
-          <p:cNvSpPr/>
-          <p:nvPr/>
-        </p:nvSpPr>
-        <p:spPr>
-          <a:xfrm>
-            <a:off x="3409887" y="2019362"/>
-            <a:ext cx="1569720" cy="385316"/>
-          </a:xfrm>
-          <a:prstGeom prst="rect">
-            <a:avLst/>
-          </a:prstGeom>
-          <a:solidFill>
-            <a:srgbClr val="202226"/>
-          </a:solidFill>
-          <a:ln>
-            <a:noFill/>
-          </a:ln>
-        </p:spPr>
-        <p:style>
-          <a:lnRef idx="2">
-            <a:schemeClr val="accent1">
-              <a:shade val="50000"/>
-            </a:schemeClr>
-          </a:lnRef>
-          <a:fillRef idx="1">
-            <a:schemeClr val="accent1"/>
-          </a:fillRef>
-          <a:effectRef idx="0">
-            <a:schemeClr val="accent1"/>
-          </a:effectRef>
-          <a:fontRef idx="minor">
-            <a:schemeClr val="lt1"/>
-          </a:fontRef>
-        </p:style>
-        <p:txBody>
-          <a:bodyPr anchor="ctr"/>
-          <a:lstStyle/>
-          <a:p>
-            <a:pPr algn="ctr">
-              <a:defRPr/>
-            </a:pPr>
-            <a:endParaRPr lang="ko-KR" altLang="en-US"/>
-          </a:p>
-        </p:txBody>
-      </p:sp>
-      <p:sp>
-        <p:nvSpPr>
-          <p:cNvPr id="106" name="이등변 삼각형 105"/>
-          <p:cNvSpPr/>
-          <p:nvPr/>
-        </p:nvSpPr>
-        <p:spPr>
-          <a:xfrm flipV="1">
-            <a:off x="5992607" y="4969995"/>
-            <a:ext cx="206785" cy="104657"/>
-          </a:xfrm>
-          <a:prstGeom prst="triangle">
-            <a:avLst>
-              <a:gd name="adj" fmla="val 50000"/>
-            </a:avLst>
-          </a:prstGeom>
-          <a:solidFill>
-            <a:schemeClr val="bg1"/>
-          </a:solidFill>
-          <a:ln>
-            <a:noFill/>
-          </a:ln>
-        </p:spPr>
-        <p:style>
-          <a:lnRef idx="2">
-            <a:schemeClr val="accent1">
-              <a:shade val="50000"/>
-            </a:schemeClr>
-          </a:lnRef>
-          <a:fillRef idx="1">
-            <a:schemeClr val="accent1"/>
-          </a:fillRef>
-          <a:effectRef idx="0">
-            <a:schemeClr val="accent1"/>
-          </a:effectRef>
-          <a:fontRef idx="minor">
-            <a:schemeClr val="lt1"/>
-          </a:fontRef>
-        </p:style>
-        <p:txBody>
-          <a:bodyPr anchor="ctr"/>
-          <a:lstStyle/>
-          <a:p>
-            <a:pPr algn="ctr">
-              <a:defRPr/>
-            </a:pPr>
-            <a:endParaRPr lang="ko-KR" altLang="en-US"/>
-          </a:p>
-        </p:txBody>
-      </p:sp>
-      <p:sp>
-        <p:nvSpPr>
-          <p:cNvPr id="109" name="모서리가 둥근 직사각형 108"/>
-          <p:cNvSpPr/>
-          <p:nvPr/>
-        </p:nvSpPr>
-        <p:spPr>
-          <a:xfrm>
-            <a:off x="5189007" y="5441017"/>
-            <a:ext cx="1813985" cy="394127"/>
-          </a:xfrm>
-          <a:prstGeom prst="roundRect">
-            <a:avLst>
-              <a:gd name="adj" fmla="val 50000"/>
-            </a:avLst>
-          </a:prstGeom>
-          <a:noFill/>
-          <a:ln w="25400">
-            <a:solidFill>
-              <a:srgbClr val="f3b67f"/>
-            </a:solidFill>
-          </a:ln>
-        </p:spPr>
-        <p:style>
-          <a:lnRef idx="2">
-            <a:schemeClr val="accent1">
-              <a:shade val="50000"/>
-            </a:schemeClr>
-          </a:lnRef>
-          <a:fillRef idx="1">
-            <a:schemeClr val="accent1"/>
-          </a:fillRef>
-          <a:effectRef idx="0">
-            <a:schemeClr val="accent1"/>
-          </a:effectRef>
-          <a:fontRef idx="minor">
-            <a:schemeClr val="lt1"/>
-          </a:fontRef>
-        </p:style>
-        <p:txBody>
-          <a:bodyPr anchor="ctr"/>
-          <a:lstStyle/>
-          <a:p>
-            <a:pPr algn="ctr">
-              <a:defRPr/>
-            </a:pPr>
-            <a:endParaRPr lang="ko-KR" altLang="en-US">
-              <a:solidFill>
-                <a:schemeClr val="bg1"/>
-              </a:solidFill>
-            </a:endParaRPr>
-          </a:p>
-        </p:txBody>
-      </p:sp>
-      <p:sp>
-        <p:nvSpPr>
-          <p:cNvPr id="111" name="TextBox 110"/>
-          <p:cNvSpPr txBox="1"/>
-          <p:nvPr/>
-        </p:nvSpPr>
-        <p:spPr>
-          <a:xfrm>
-            <a:off x="5509260" y="5483627"/>
-            <a:ext cx="1154430" cy="296143"/>
-          </a:xfrm>
-          <a:prstGeom prst="rect">
-            <a:avLst/>
-          </a:prstGeom>
-          <a:noFill/>
-        </p:spPr>
-        <p:txBody>
-          <a:bodyPr wrap="none">
-            <a:spAutoFit/>
-          </a:bodyPr>
-          <a:lstStyle/>
-          <a:p>
-            <a:pPr algn="ctr">
-              <a:defRPr/>
-            </a:pPr>
-            <a:r>
-              <a:rPr lang="en-US" altLang="ko-KR" sz="1400">
-                <a:ln w="9525">
-                  <a:solidFill>
-                    <a:srgbClr val="f3b67f">
-                      <a:alpha val="0"/>
-                    </a:srgbClr>
-                  </a:solidFill>
-                </a:ln>
-                <a:solidFill>
-                  <a:srgbClr val="f3b67f"/>
-                </a:solidFill>
-                <a:latin typeface="배달의민족 주아"/>
-                <a:ea typeface="배달의민족 주아"/>
-              </a:rPr>
-              <a:t>BCN </a:t>
-            </a:r>
-            <a:r>
-              <a:rPr lang="ko-KR" altLang="en-US" sz="1400">
-                <a:ln w="9525">
-                  <a:solidFill>
-                    <a:srgbClr val="f3b67f">
-                      <a:alpha val="0"/>
-                    </a:srgbClr>
-                  </a:solidFill>
-                </a:ln>
-                <a:solidFill>
-                  <a:srgbClr val="f3b67f"/>
-                </a:solidFill>
-                <a:latin typeface="배달의민족 주아"/>
-                <a:ea typeface="배달의민족 주아"/>
-              </a:rPr>
-              <a:t>한계점</a:t>
-            </a:r>
-            <a:endParaRPr lang="ko-KR" altLang="en-US" sz="1400">
-              <a:ln w="9525">
-                <a:solidFill>
-                  <a:srgbClr val="f3b67f">
-                    <a:alpha val="0"/>
-                  </a:srgbClr>
-                </a:solidFill>
-              </a:ln>
-              <a:solidFill>
-                <a:srgbClr val="f3b67f"/>
-              </a:solidFill>
-              <a:latin typeface="배달의민족 주아"/>
-              <a:ea typeface="배달의민족 주아"/>
-            </a:endParaRPr>
-          </a:p>
-        </p:txBody>
-      </p:sp>
-      <p:sp>
-        <p:nvSpPr>
-          <p:cNvPr id="113" name="직사각형 66"/>
-          <p:cNvSpPr/>
-          <p:nvPr/>
-        </p:nvSpPr>
-        <p:spPr>
-          <a:xfrm>
-            <a:off x="2186352" y="1893459"/>
-            <a:ext cx="7819296" cy="4167887"/>
-          </a:xfrm>
-          <a:prstGeom prst="rect">
-            <a:avLst/>
-          </a:prstGeom>
-          <a:noFill/>
-          <a:ln w="41275">
-            <a:solidFill>
-              <a:schemeClr val="bg1"/>
-            </a:solidFill>
-          </a:ln>
-        </p:spPr>
-        <p:style>
-          <a:lnRef idx="2">
-            <a:schemeClr val="accent1">
-              <a:shade val="50000"/>
-            </a:schemeClr>
-          </a:lnRef>
-          <a:fillRef idx="1">
-            <a:schemeClr val="accent1"/>
-          </a:fillRef>
-          <a:effectRef idx="0">
-            <a:schemeClr val="accent1"/>
-          </a:effectRef>
-          <a:fontRef idx="minor">
-            <a:schemeClr val="lt1"/>
-          </a:fontRef>
-        </p:style>
-        <p:txBody>
-          <a:bodyPr anchor="ctr"/>
-          <a:lstStyle/>
-          <a:p>
-            <a:pPr algn="ctr">
-              <a:defRPr/>
-            </a:pPr>
-            <a:endParaRPr lang="ko-KR" altLang="en-US"/>
-          </a:p>
-        </p:txBody>
-      </p:sp>
-      <p:sp>
-        <p:nvSpPr>
-          <p:cNvPr id="115" name="이등변 삼각형 126"/>
-          <p:cNvSpPr/>
-          <p:nvPr/>
-        </p:nvSpPr>
-        <p:spPr>
-          <a:xfrm flipH="1">
-            <a:off x="9708172" y="5769182"/>
-            <a:ext cx="203200" cy="203200"/>
-          </a:xfrm>
-          <a:prstGeom prst="triangle">
-            <a:avLst>
-              <a:gd name="adj" fmla="val 0"/>
-            </a:avLst>
-          </a:prstGeom>
-          <a:solidFill>
-            <a:srgbClr val="f3b67f"/>
-          </a:solidFill>
-          <a:ln>
-            <a:noFill/>
-          </a:ln>
-        </p:spPr>
-        <p:style>
-          <a:lnRef idx="2">
-            <a:schemeClr val="accent1">
-              <a:shade val="50000"/>
-            </a:schemeClr>
-          </a:lnRef>
-          <a:fillRef idx="1">
-            <a:schemeClr val="accent1"/>
-          </a:fillRef>
-          <a:effectRef idx="0">
-            <a:schemeClr val="accent1"/>
-          </a:effectRef>
-          <a:fontRef idx="minor">
-            <a:schemeClr val="lt1"/>
-          </a:fontRef>
-        </p:style>
-        <p:txBody>
-          <a:bodyPr anchor="ctr"/>
-          <a:lstStyle/>
-          <a:p>
-            <a:pPr algn="ctr">
-              <a:defRPr/>
-            </a:pPr>
-            <a:endParaRPr lang="ko-KR" altLang="en-US"/>
-          </a:p>
-        </p:txBody>
-      </p:sp>
-      <p:sp>
-        <p:nvSpPr>
-          <p:cNvPr id="116" name="TextBox 162"/>
-          <p:cNvSpPr txBox="1"/>
-          <p:nvPr/>
-        </p:nvSpPr>
-        <p:spPr>
-          <a:xfrm>
-            <a:off x="7986658" y="6127530"/>
-            <a:ext cx="2067932" cy="276999"/>
-          </a:xfrm>
-          <a:prstGeom prst="rect">
-            <a:avLst/>
-          </a:prstGeom>
-          <a:noFill/>
-        </p:spPr>
-        <p:txBody>
-          <a:bodyPr wrap="none">
-            <a:spAutoFit/>
-          </a:bodyPr>
-          <a:lstStyle/>
-          <a:p>
-            <a:pPr lvl="0">
-              <a:defRPr/>
-            </a:pPr>
-            <a:r>
-              <a:rPr lang="ko-KR" altLang="en-US" sz="1200">
-                <a:ln w="9525">
-                  <a:solidFill>
-                    <a:schemeClr val="bg1">
-                      <a:alpha val="0"/>
-                    </a:schemeClr>
-                  </a:solidFill>
-                </a:ln>
-                <a:solidFill>
-                  <a:schemeClr val="bg1"/>
-                </a:solidFill>
-                <a:latin typeface="배달의민족 주아"/>
-                <a:ea typeface="배달의민족 주아"/>
-              </a:rPr>
-              <a:t>출처 </a:t>
-            </a:r>
-            <a:r>
-              <a:rPr lang="en-US" altLang="ko-KR" sz="1200">
-                <a:ln w="9525">
-                  <a:solidFill>
-                    <a:schemeClr val="bg1">
-                      <a:alpha val="0"/>
-                    </a:schemeClr>
-                  </a:solidFill>
-                </a:ln>
-                <a:solidFill>
-                  <a:schemeClr val="bg1"/>
-                </a:solidFill>
-                <a:latin typeface="배달의민족 주아"/>
-                <a:ea typeface="배달의민족 주아"/>
-              </a:rPr>
-              <a:t>: </a:t>
-            </a:r>
-            <a:r>
-              <a:rPr lang="ko-KR" altLang="en-US" sz="1200">
-                <a:ln w="9525">
-                  <a:solidFill>
-                    <a:schemeClr val="bg1">
-                      <a:alpha val="0"/>
-                    </a:schemeClr>
-                  </a:solidFill>
-                </a:ln>
-                <a:solidFill>
-                  <a:schemeClr val="bg1"/>
-                </a:solidFill>
-                <a:latin typeface="배달의민족 주아"/>
-                <a:ea typeface="배달의민족 주아"/>
-              </a:rPr>
-              <a:t>적어주는거 잊지말고</a:t>
-            </a:r>
-            <a:endParaRPr lang="en-US" altLang="ko-KR" sz="1200">
-              <a:ln w="9525">
-                <a:solidFill>
-                  <a:schemeClr val="bg1">
-                    <a:alpha val="0"/>
-                  </a:schemeClr>
-                </a:solidFill>
-              </a:ln>
-              <a:solidFill>
-                <a:schemeClr val="bg1"/>
-              </a:solidFill>
-              <a:latin typeface="배달의민족 주아"/>
-              <a:ea typeface="배달의민족 주아"/>
-            </a:endParaRPr>
-          </a:p>
-        </p:txBody>
-      </p:sp>
-    </p:spTree>
-  </p:cSld>
-  <p:clrMapOvr>
-    <a:masterClrMapping/>
-  </p:clrMapOvr>
-  <mc:AlternateContent xmlns:mc="http://schemas.openxmlformats.org/markup-compatibility/2006">
-    <mc:Choice xmlns:p14="http://schemas.microsoft.com/office/powerpoint/2010/main" Requires="p14">
-      <p:transition xmlns:mc="http://schemas.openxmlformats.org/markup-compatibility/2006" xmlns:p14="http://schemas.microsoft.com/office/powerpoint/2010/main" mc:Ignorable="p14" p14:dur="500"/>
-    </mc:Choice>
-    <mc:Fallback>
-      <p:transition/>
-    </mc:Fallback>
-  </mc:AlternateContent>
-</p:sld>
-</file>
-
-<file path=ppt/slides/slide7.xml><?xml version="1.0" encoding="utf-8"?>
-<p:sld xmlns:r="http://schemas.openxmlformats.org/officeDocument/2006/relationships" xmlns:c="http://schemas.openxmlformats.org/drawingml/2006/chart" xmlns:a="http://schemas.openxmlformats.org/drawingml/2006/main" xmlns:dgm="http://schemas.openxmlformats.org/drawingml/2006/diagram" xmlns:dsp="http://schemas.microsoft.com/office/drawing/2008/diagram" xmlns:p="http://schemas.openxmlformats.org/presentationml/2006/main">
-  <p:cSld>
-    <p:spTree>
-      <p:nvGrpSpPr>
-        <p:cNvPr id="1" name=""/>
-        <p:cNvGrpSpPr/>
-        <p:nvPr/>
-      </p:nvGrpSpPr>
-      <p:grpSpPr>
-        <a:xfrm>
-          <a:off x="0" y="0"/>
-          <a:ext cx="0" cy="0"/>
-          <a:chOff x="0" y="0"/>
-          <a:chExt cx="0" cy="0"/>
-        </a:xfrm>
-      </p:grpSpPr>
-      <p:grpSp>
-        <p:nvGrpSpPr>
-          <p:cNvPr id="3" name="그룹 2"/>
-          <p:cNvGrpSpPr/>
-          <p:nvPr/>
-        </p:nvGrpSpPr>
-        <p:grpSpPr>
-          <a:xfrm rot="0">
-            <a:off x="5885857" y="6177394"/>
-            <a:ext cx="420286" cy="150177"/>
-            <a:chOff x="5885857" y="4737577"/>
-            <a:chExt cx="420286" cy="150177"/>
-          </a:xfrm>
-        </p:grpSpPr>
-        <p:cxnSp>
-          <p:nvCxnSpPr>
-            <p:cNvPr id="16" name="직선 연결선 15"/>
-            <p:cNvCxnSpPr/>
-            <p:nvPr/>
-          </p:nvCxnSpPr>
-          <p:spPr>
-            <a:xfrm>
-              <a:off x="5885857" y="4766042"/>
-              <a:ext cx="0" cy="93249"/>
-            </a:xfrm>
-            <a:prstGeom prst="line">
-              <a:avLst/>
-            </a:prstGeom>
-            <a:ln w="28575" cap="rnd">
-              <a:solidFill>
-                <a:schemeClr val="bg1"/>
-              </a:solidFill>
-            </a:ln>
-          </p:spPr>
-          <p:style>
-            <a:lnRef idx="1">
-              <a:schemeClr val="accent1"/>
-            </a:lnRef>
-            <a:fillRef idx="0">
-              <a:schemeClr val="accent1"/>
-            </a:fillRef>
-            <a:effectRef idx="0">
-              <a:schemeClr val="accent1"/>
-            </a:effectRef>
-            <a:fontRef idx="minor">
-              <a:schemeClr val="tx1"/>
-            </a:fontRef>
-          </p:style>
-        </p:cxnSp>
-        <p:cxnSp>
-          <p:nvCxnSpPr>
-            <p:cNvPr id="17" name="직선 연결선 16"/>
-            <p:cNvCxnSpPr/>
-            <p:nvPr/>
-          </p:nvCxnSpPr>
-          <p:spPr>
-            <a:xfrm>
-              <a:off x="6096000" y="4737577"/>
-              <a:ext cx="0" cy="150177"/>
-            </a:xfrm>
-            <a:prstGeom prst="line">
-              <a:avLst/>
-            </a:prstGeom>
-            <a:ln w="28575" cap="rnd">
-              <a:solidFill>
-                <a:schemeClr val="bg1"/>
-              </a:solidFill>
-            </a:ln>
-          </p:spPr>
-          <p:style>
-            <a:lnRef idx="1">
-              <a:schemeClr val="accent1"/>
-            </a:lnRef>
-            <a:fillRef idx="0">
-              <a:schemeClr val="accent1"/>
-            </a:fillRef>
-            <a:effectRef idx="0">
-              <a:schemeClr val="accent1"/>
-            </a:effectRef>
-            <a:fontRef idx="minor">
-              <a:schemeClr val="tx1"/>
-            </a:fontRef>
-          </p:style>
-        </p:cxnSp>
-        <p:cxnSp>
-          <p:nvCxnSpPr>
-            <p:cNvPr id="18" name="직선 연결선 17"/>
-            <p:cNvCxnSpPr/>
-            <p:nvPr/>
-          </p:nvCxnSpPr>
-          <p:spPr>
-            <a:xfrm>
-              <a:off x="6306143" y="4766040"/>
-              <a:ext cx="0" cy="93249"/>
-            </a:xfrm>
-            <a:prstGeom prst="line">
-              <a:avLst/>
-            </a:prstGeom>
-            <a:ln w="28575" cap="rnd">
-              <a:solidFill>
-                <a:schemeClr val="bg1"/>
-              </a:solidFill>
-            </a:ln>
-          </p:spPr>
-          <p:style>
-            <a:lnRef idx="1">
-              <a:schemeClr val="accent1"/>
-            </a:lnRef>
-            <a:fillRef idx="0">
-              <a:schemeClr val="accent1"/>
-            </a:fillRef>
-            <a:effectRef idx="0">
-              <a:schemeClr val="accent1"/>
-            </a:effectRef>
-            <a:fontRef idx="minor">
-              <a:schemeClr val="tx1"/>
-            </a:fontRef>
-          </p:style>
-        </p:cxnSp>
-      </p:grpSp>
-      <p:sp>
-        <p:nvSpPr>
-          <p:cNvPr id="24" name="TextBox 23"/>
-          <p:cNvSpPr txBox="1"/>
-          <p:nvPr/>
-        </p:nvSpPr>
-        <p:spPr>
-          <a:xfrm>
             <a:off x="4882374" y="994868"/>
             <a:ext cx="2429016" cy="574852"/>
           </a:xfrm>
@@ -24805,7 +16943,7 @@
                   <a:latin typeface="배달의민족 주아"/>
                   <a:ea typeface="배달의민족 주아"/>
                 </a:rPr>
-                <a:t>05</a:t>
+                <a:t>04</a:t>
               </a:r>
               <a:endParaRPr lang="en-US" altLang="ko-KR" sz="2000">
                 <a:ln w="9525">
@@ -36042,8 +28180,8 @@
         </p:nvSpPr>
         <p:spPr>
           <a:xfrm>
-            <a:off x="8332989" y="3429000"/>
-            <a:ext cx="1283451" cy="512445"/>
+            <a:off x="8332988" y="3429000"/>
+            <a:ext cx="1283452" cy="512445"/>
           </a:xfrm>
           <a:prstGeom prst="rect">
             <a:avLst/>
@@ -36843,7 +28981,7 @@
 </p:sld>
 </file>
 
-<file path=ppt/slides/slide8.xml><?xml version="1.0" encoding="utf-8"?>
+<file path=ppt/slides/slide7.xml><?xml version="1.0" encoding="utf-8"?>
 <p:sld xmlns:r="http://schemas.openxmlformats.org/officeDocument/2006/relationships" xmlns:c="http://schemas.openxmlformats.org/drawingml/2006/chart" xmlns:a="http://schemas.openxmlformats.org/drawingml/2006/main" xmlns:dgm="http://schemas.openxmlformats.org/drawingml/2006/diagram" xmlns:dsp="http://schemas.microsoft.com/office/drawing/2008/diagram" xmlns:p="http://schemas.openxmlformats.org/presentationml/2006/main">
   <p:cSld>
     <p:spTree>
@@ -37194,7 +29332,7 @@
                   <a:latin typeface="배달의민족 주아"/>
                   <a:ea typeface="배달의민족 주아"/>
                 </a:rPr>
-                <a:t>06</a:t>
+                <a:t>05</a:t>
               </a:r>
               <a:endParaRPr lang="en-US" altLang="ko-KR" sz="2000">
                 <a:ln w="9525">
@@ -37329,7 +29467,7 @@
         <p:spPr>
           <a:xfrm>
             <a:off x="5880734" y="6440454"/>
-            <a:ext cx="468631" cy="291816"/>
+            <a:ext cx="459105" cy="291816"/>
           </a:xfrm>
           <a:prstGeom prst="rect">
             <a:avLst/>
@@ -37855,7 +29993,7 @@
 </p:sld>
 </file>
 
-<file path=ppt/slides/slide9.xml><?xml version="1.0" encoding="utf-8"?>
+<file path=ppt/slides/slide8.xml><?xml version="1.0" encoding="utf-8"?>
 <p:sld xmlns:r="http://schemas.openxmlformats.org/officeDocument/2006/relationships" xmlns:c="http://schemas.openxmlformats.org/drawingml/2006/chart" xmlns:a="http://schemas.openxmlformats.org/drawingml/2006/main" xmlns:dgm="http://schemas.openxmlformats.org/drawingml/2006/diagram" xmlns:dsp="http://schemas.microsoft.com/office/drawing/2008/diagram" xmlns:p="http://schemas.openxmlformats.org/presentationml/2006/main">
   <p:cSld>
     <p:spTree>
@@ -38130,7 +30268,7 @@
                   <a:latin typeface="배달의민족 주아"/>
                   <a:ea typeface="배달의민족 주아"/>
                 </a:rPr>
-                <a:t>07</a:t>
+                <a:t>06</a:t>
               </a:r>
               <a:endParaRPr lang="en-US" altLang="ko-KR" sz="2000">
                 <a:ln w="9525">
@@ -38265,7 +30403,7 @@
         <p:spPr>
           <a:xfrm>
             <a:off x="5880734" y="6440454"/>
-            <a:ext cx="459105" cy="291816"/>
+            <a:ext cx="459106" cy="291816"/>
           </a:xfrm>
           <a:prstGeom prst="rect">
             <a:avLst/>
@@ -39103,6 +31241,1001 @@
 </p:sld>
 </file>
 
+<file path=ppt/slides/slide9.xml><?xml version="1.0" encoding="utf-8"?>
+<p:sld xmlns:r="http://schemas.openxmlformats.org/officeDocument/2006/relationships" xmlns:c="http://schemas.openxmlformats.org/drawingml/2006/chart" xmlns:a="http://schemas.openxmlformats.org/drawingml/2006/main" xmlns:dgm="http://schemas.openxmlformats.org/drawingml/2006/diagram" xmlns:dsp="http://schemas.microsoft.com/office/drawing/2008/diagram" xmlns:p="http://schemas.openxmlformats.org/presentationml/2006/main">
+  <p:cSld>
+    <p:spTree>
+      <p:nvGrpSpPr>
+        <p:cNvPr id="1" name=""/>
+        <p:cNvGrpSpPr/>
+        <p:nvPr/>
+      </p:nvGrpSpPr>
+      <p:grpSpPr>
+        <a:xfrm>
+          <a:off x="0" y="0"/>
+          <a:ext cx="0" cy="0"/>
+          <a:chOff x="0" y="0"/>
+          <a:chExt cx="0" cy="0"/>
+        </a:xfrm>
+      </p:grpSpPr>
+      <p:grpSp>
+        <p:nvGrpSpPr>
+          <p:cNvPr id="3" name="그룹 2"/>
+          <p:cNvGrpSpPr/>
+          <p:nvPr/>
+        </p:nvGrpSpPr>
+        <p:grpSpPr>
+          <a:xfrm rot="0">
+            <a:off x="5885857" y="6177394"/>
+            <a:ext cx="420286" cy="150177"/>
+            <a:chOff x="5885857" y="4737577"/>
+            <a:chExt cx="420286" cy="150177"/>
+          </a:xfrm>
+        </p:grpSpPr>
+        <p:cxnSp>
+          <p:nvCxnSpPr>
+            <p:cNvPr id="16" name="직선 연결선 15"/>
+            <p:cNvCxnSpPr/>
+            <p:nvPr/>
+          </p:nvCxnSpPr>
+          <p:spPr>
+            <a:xfrm>
+              <a:off x="5885857" y="4766042"/>
+              <a:ext cx="0" cy="93249"/>
+            </a:xfrm>
+            <a:prstGeom prst="line">
+              <a:avLst/>
+            </a:prstGeom>
+            <a:ln w="28575" cap="rnd">
+              <a:solidFill>
+                <a:schemeClr val="bg1"/>
+              </a:solidFill>
+            </a:ln>
+          </p:spPr>
+          <p:style>
+            <a:lnRef idx="1">
+              <a:schemeClr val="accent1"/>
+            </a:lnRef>
+            <a:fillRef idx="0">
+              <a:schemeClr val="accent1"/>
+            </a:fillRef>
+            <a:effectRef idx="0">
+              <a:schemeClr val="accent1"/>
+            </a:effectRef>
+            <a:fontRef idx="minor">
+              <a:schemeClr val="tx1"/>
+            </a:fontRef>
+          </p:style>
+        </p:cxnSp>
+        <p:cxnSp>
+          <p:nvCxnSpPr>
+            <p:cNvPr id="17" name="직선 연결선 16"/>
+            <p:cNvCxnSpPr/>
+            <p:nvPr/>
+          </p:nvCxnSpPr>
+          <p:spPr>
+            <a:xfrm>
+              <a:off x="6096000" y="4737577"/>
+              <a:ext cx="0" cy="150177"/>
+            </a:xfrm>
+            <a:prstGeom prst="line">
+              <a:avLst/>
+            </a:prstGeom>
+            <a:ln w="28575" cap="rnd">
+              <a:solidFill>
+                <a:schemeClr val="bg1"/>
+              </a:solidFill>
+            </a:ln>
+          </p:spPr>
+          <p:style>
+            <a:lnRef idx="1">
+              <a:schemeClr val="accent1"/>
+            </a:lnRef>
+            <a:fillRef idx="0">
+              <a:schemeClr val="accent1"/>
+            </a:fillRef>
+            <a:effectRef idx="0">
+              <a:schemeClr val="accent1"/>
+            </a:effectRef>
+            <a:fontRef idx="minor">
+              <a:schemeClr val="tx1"/>
+            </a:fontRef>
+          </p:style>
+        </p:cxnSp>
+        <p:cxnSp>
+          <p:nvCxnSpPr>
+            <p:cNvPr id="18" name="직선 연결선 17"/>
+            <p:cNvCxnSpPr/>
+            <p:nvPr/>
+          </p:nvCxnSpPr>
+          <p:spPr>
+            <a:xfrm>
+              <a:off x="6306143" y="4766040"/>
+              <a:ext cx="0" cy="93249"/>
+            </a:xfrm>
+            <a:prstGeom prst="line">
+              <a:avLst/>
+            </a:prstGeom>
+            <a:ln w="28575" cap="rnd">
+              <a:solidFill>
+                <a:schemeClr val="bg1"/>
+              </a:solidFill>
+            </a:ln>
+          </p:spPr>
+          <p:style>
+            <a:lnRef idx="1">
+              <a:schemeClr val="accent1"/>
+            </a:lnRef>
+            <a:fillRef idx="0">
+              <a:schemeClr val="accent1"/>
+            </a:fillRef>
+            <a:effectRef idx="0">
+              <a:schemeClr val="accent1"/>
+            </a:effectRef>
+            <a:fontRef idx="minor">
+              <a:schemeClr val="tx1"/>
+            </a:fontRef>
+          </p:style>
+        </p:cxnSp>
+      </p:grpSp>
+      <p:sp>
+        <p:nvSpPr>
+          <p:cNvPr id="24" name="TextBox 23"/>
+          <p:cNvSpPr txBox="1"/>
+          <p:nvPr/>
+        </p:nvSpPr>
+        <p:spPr>
+          <a:xfrm>
+            <a:off x="4075224" y="919533"/>
+            <a:ext cx="4045790" cy="523220"/>
+          </a:xfrm>
+          <a:prstGeom prst="rect">
+            <a:avLst/>
+          </a:prstGeom>
+          <a:noFill/>
+        </p:spPr>
+        <p:txBody>
+          <a:bodyPr wrap="none">
+            <a:spAutoFit/>
+          </a:bodyPr>
+          <a:lstStyle/>
+          <a:p>
+            <a:pPr lvl="0">
+              <a:defRPr/>
+            </a:pPr>
+            <a:r>
+              <a:rPr lang="en-US" altLang="ko-KR" sz="2800">
+                <a:ln w="9525">
+                  <a:solidFill>
+                    <a:schemeClr val="bg1">
+                      <a:alpha val="0"/>
+                    </a:schemeClr>
+                  </a:solidFill>
+                </a:ln>
+                <a:solidFill>
+                  <a:schemeClr val="bg1"/>
+                </a:solidFill>
+                <a:latin typeface="배달의민족 주아"/>
+                <a:ea typeface="배달의민족 주아"/>
+              </a:rPr>
+              <a:t>Giga</a:t>
+            </a:r>
+            <a:r>
+              <a:rPr lang="ko-KR" altLang="en-US" sz="2800">
+                <a:ln w="9525">
+                  <a:solidFill>
+                    <a:schemeClr val="bg1">
+                      <a:alpha val="0"/>
+                    </a:schemeClr>
+                  </a:solidFill>
+                </a:ln>
+                <a:solidFill>
+                  <a:schemeClr val="bg1"/>
+                </a:solidFill>
+                <a:latin typeface="배달의민족 주아"/>
+                <a:ea typeface="배달의민족 주아"/>
+              </a:rPr>
+              <a:t> 인터넷의 주요기술</a:t>
+            </a:r>
+            <a:endParaRPr lang="ko-KR" altLang="en-US" sz="2800">
+              <a:ln w="9525">
+                <a:solidFill>
+                  <a:schemeClr val="bg1">
+                    <a:alpha val="0"/>
+                  </a:schemeClr>
+                </a:solidFill>
+              </a:ln>
+              <a:solidFill>
+                <a:schemeClr val="bg1"/>
+              </a:solidFill>
+              <a:latin typeface="배달의민족 주아"/>
+              <a:ea typeface="배달의민족 주아"/>
+            </a:endParaRPr>
+          </a:p>
+        </p:txBody>
+      </p:sp>
+      <p:grpSp>
+        <p:nvGrpSpPr>
+          <p:cNvPr id="8" name="그룹 7"/>
+          <p:cNvGrpSpPr/>
+          <p:nvPr/>
+        </p:nvGrpSpPr>
+        <p:grpSpPr>
+          <a:xfrm rot="0">
+            <a:off x="5621930" y="487835"/>
+            <a:ext cx="948139" cy="400110"/>
+            <a:chOff x="5621930" y="676811"/>
+            <a:chExt cx="948139" cy="400110"/>
+          </a:xfrm>
+        </p:grpSpPr>
+        <p:cxnSp>
+          <p:nvCxnSpPr>
+            <p:cNvPr id="12" name="직선 연결선 11"/>
+            <p:cNvCxnSpPr/>
+            <p:nvPr/>
+          </p:nvCxnSpPr>
+          <p:spPr>
+            <a:xfrm>
+              <a:off x="5774330" y="791641"/>
+              <a:ext cx="0" cy="147590"/>
+            </a:xfrm>
+            <a:prstGeom prst="line">
+              <a:avLst/>
+            </a:prstGeom>
+            <a:ln w="28575" cap="rnd">
+              <a:solidFill>
+                <a:srgbClr val="6991b1"/>
+              </a:solidFill>
+            </a:ln>
+          </p:spPr>
+          <p:style>
+            <a:lnRef idx="1">
+              <a:schemeClr val="accent1"/>
+            </a:lnRef>
+            <a:fillRef idx="0">
+              <a:schemeClr val="accent1"/>
+            </a:fillRef>
+            <a:effectRef idx="0">
+              <a:schemeClr val="accent1"/>
+            </a:effectRef>
+            <a:fontRef idx="minor">
+              <a:schemeClr val="tx1"/>
+            </a:fontRef>
+          </p:style>
+        </p:cxnSp>
+        <p:sp>
+          <p:nvSpPr>
+            <p:cNvPr id="23" name="직사각형 22"/>
+            <p:cNvSpPr/>
+            <p:nvPr/>
+          </p:nvSpPr>
+          <p:spPr>
+            <a:xfrm>
+              <a:off x="5912836" y="726584"/>
+              <a:ext cx="366326" cy="277704"/>
+            </a:xfrm>
+            <a:prstGeom prst="rect">
+              <a:avLst/>
+            </a:prstGeom>
+            <a:solidFill>
+              <a:srgbClr val="6991b1"/>
+            </a:solidFill>
+            <a:ln>
+              <a:noFill/>
+            </a:ln>
+          </p:spPr>
+          <p:style>
+            <a:lnRef idx="2">
+              <a:schemeClr val="accent1">
+                <a:shade val="50000"/>
+              </a:schemeClr>
+            </a:lnRef>
+            <a:fillRef idx="1">
+              <a:schemeClr val="accent1"/>
+            </a:fillRef>
+            <a:effectRef idx="0">
+              <a:schemeClr val="accent1"/>
+            </a:effectRef>
+            <a:fontRef idx="minor">
+              <a:schemeClr val="lt1"/>
+            </a:fontRef>
+          </p:style>
+          <p:txBody>
+            <a:bodyPr anchor="ctr"/>
+            <a:lstStyle/>
+            <a:p>
+              <a:pPr algn="ctr">
+                <a:defRPr/>
+              </a:pPr>
+              <a:endParaRPr lang="ko-KR" altLang="en-US"/>
+            </a:p>
+          </p:txBody>
+        </p:sp>
+        <p:sp>
+          <p:nvSpPr>
+            <p:cNvPr id="22" name="TextBox 21"/>
+            <p:cNvSpPr txBox="1"/>
+            <p:nvPr/>
+          </p:nvSpPr>
+          <p:spPr>
+            <a:xfrm>
+              <a:off x="5862890" y="676811"/>
+              <a:ext cx="486475" cy="400110"/>
+            </a:xfrm>
+            <a:prstGeom prst="rect">
+              <a:avLst/>
+            </a:prstGeom>
+            <a:noFill/>
+          </p:spPr>
+          <p:txBody>
+            <a:bodyPr wrap="none">
+              <a:spAutoFit/>
+            </a:bodyPr>
+            <a:lstStyle/>
+            <a:p>
+              <a:pPr lvl="0">
+                <a:defRPr/>
+              </a:pPr>
+              <a:r>
+                <a:rPr lang="en-US" altLang="ko-KR" sz="2000">
+                  <a:ln w="9525">
+                    <a:solidFill>
+                      <a:schemeClr val="accent1">
+                        <a:shade val="50000"/>
+                        <a:alpha val="0"/>
+                      </a:schemeClr>
+                    </a:solidFill>
+                  </a:ln>
+                  <a:solidFill>
+                    <a:schemeClr val="bg1"/>
+                  </a:solidFill>
+                  <a:latin typeface="배달의민족 주아"/>
+                  <a:ea typeface="배달의민족 주아"/>
+                </a:rPr>
+                <a:t>07</a:t>
+              </a:r>
+              <a:endParaRPr lang="en-US" altLang="ko-KR" sz="2000">
+                <a:ln w="9525">
+                  <a:solidFill>
+                    <a:schemeClr val="accent1">
+                      <a:shade val="50000"/>
+                      <a:alpha val="0"/>
+                    </a:schemeClr>
+                  </a:solidFill>
+                </a:ln>
+                <a:solidFill>
+                  <a:schemeClr val="bg1"/>
+                </a:solidFill>
+                <a:latin typeface="배달의민족 주아"/>
+                <a:ea typeface="배달의민족 주아"/>
+              </a:endParaRPr>
+            </a:p>
+          </p:txBody>
+        </p:sp>
+        <p:cxnSp>
+          <p:nvCxnSpPr>
+            <p:cNvPr id="28" name="직선 연결선 27"/>
+            <p:cNvCxnSpPr/>
+            <p:nvPr/>
+          </p:nvCxnSpPr>
+          <p:spPr>
+            <a:xfrm>
+              <a:off x="5621930" y="820216"/>
+              <a:ext cx="0" cy="90440"/>
+            </a:xfrm>
+            <a:prstGeom prst="line">
+              <a:avLst/>
+            </a:prstGeom>
+            <a:ln w="28575" cap="rnd">
+              <a:solidFill>
+                <a:srgbClr val="6991b1"/>
+              </a:solidFill>
+            </a:ln>
+          </p:spPr>
+          <p:style>
+            <a:lnRef idx="1">
+              <a:schemeClr val="accent1"/>
+            </a:lnRef>
+            <a:fillRef idx="0">
+              <a:schemeClr val="accent1"/>
+            </a:fillRef>
+            <a:effectRef idx="0">
+              <a:schemeClr val="accent1"/>
+            </a:effectRef>
+            <a:fontRef idx="minor">
+              <a:schemeClr val="tx1"/>
+            </a:fontRef>
+          </p:style>
+        </p:cxnSp>
+        <p:cxnSp>
+          <p:nvCxnSpPr>
+            <p:cNvPr id="29" name="직선 연결선 28"/>
+            <p:cNvCxnSpPr/>
+            <p:nvPr/>
+          </p:nvCxnSpPr>
+          <p:spPr>
+            <a:xfrm>
+              <a:off x="6417669" y="791641"/>
+              <a:ext cx="0" cy="147590"/>
+            </a:xfrm>
+            <a:prstGeom prst="line">
+              <a:avLst/>
+            </a:prstGeom>
+            <a:ln w="28575" cap="rnd">
+              <a:solidFill>
+                <a:srgbClr val="6991b1"/>
+              </a:solidFill>
+            </a:ln>
+          </p:spPr>
+          <p:style>
+            <a:lnRef idx="1">
+              <a:schemeClr val="accent1"/>
+            </a:lnRef>
+            <a:fillRef idx="0">
+              <a:schemeClr val="accent1"/>
+            </a:fillRef>
+            <a:effectRef idx="0">
+              <a:schemeClr val="accent1"/>
+            </a:effectRef>
+            <a:fontRef idx="minor">
+              <a:schemeClr val="tx1"/>
+            </a:fontRef>
+          </p:style>
+        </p:cxnSp>
+        <p:cxnSp>
+          <p:nvCxnSpPr>
+            <p:cNvPr id="30" name="직선 연결선 29"/>
+            <p:cNvCxnSpPr/>
+            <p:nvPr/>
+          </p:nvCxnSpPr>
+          <p:spPr>
+            <a:xfrm>
+              <a:off x="6570069" y="820216"/>
+              <a:ext cx="0" cy="90440"/>
+            </a:xfrm>
+            <a:prstGeom prst="line">
+              <a:avLst/>
+            </a:prstGeom>
+            <a:ln w="28575" cap="rnd">
+              <a:solidFill>
+                <a:srgbClr val="6991b1"/>
+              </a:solidFill>
+            </a:ln>
+          </p:spPr>
+          <p:style>
+            <a:lnRef idx="1">
+              <a:schemeClr val="accent1"/>
+            </a:lnRef>
+            <a:fillRef idx="0">
+              <a:schemeClr val="accent1"/>
+            </a:fillRef>
+            <a:effectRef idx="0">
+              <a:schemeClr val="accent1"/>
+            </a:effectRef>
+            <a:fontRef idx="minor">
+              <a:schemeClr val="tx1"/>
+            </a:fontRef>
+          </p:style>
+        </p:cxnSp>
+      </p:grpSp>
+      <p:sp>
+        <p:nvSpPr>
+          <p:cNvPr id="66" name="TextBox 65"/>
+          <p:cNvSpPr txBox="1"/>
+          <p:nvPr/>
+        </p:nvSpPr>
+        <p:spPr>
+          <a:xfrm>
+            <a:off x="5880734" y="6440454"/>
+            <a:ext cx="459105" cy="291816"/>
+          </a:xfrm>
+          <a:prstGeom prst="rect">
+            <a:avLst/>
+          </a:prstGeom>
+          <a:noFill/>
+        </p:spPr>
+        <p:txBody>
+          <a:bodyPr wrap="none">
+            <a:spAutoFit/>
+          </a:bodyPr>
+          <a:lstStyle/>
+          <a:p>
+            <a:pPr algn="ctr">
+              <a:defRPr/>
+            </a:pPr>
+            <a:r>
+              <a:rPr lang="en-US" altLang="ko-KR" sz="1400">
+                <a:ln w="9525">
+                  <a:solidFill>
+                    <a:schemeClr val="bg1">
+                      <a:alpha val="0"/>
+                    </a:schemeClr>
+                  </a:solidFill>
+                </a:ln>
+                <a:solidFill>
+                  <a:schemeClr val="bg1"/>
+                </a:solidFill>
+                <a:latin typeface="배달의민족 주아"/>
+                <a:ea typeface="배달의민족 주아"/>
+              </a:rPr>
+              <a:t>3</a:t>
+            </a:r>
+            <a:r>
+              <a:rPr lang="ko-KR" altLang="en-US" sz="1400">
+                <a:ln w="9525">
+                  <a:solidFill>
+                    <a:schemeClr val="bg1">
+                      <a:alpha val="0"/>
+                    </a:schemeClr>
+                  </a:solidFill>
+                </a:ln>
+                <a:solidFill>
+                  <a:schemeClr val="bg1"/>
+                </a:solidFill>
+                <a:latin typeface="배달의민족 주아"/>
+                <a:ea typeface="배달의민족 주아"/>
+              </a:rPr>
+              <a:t>조</a:t>
+            </a:r>
+            <a:endParaRPr lang="ko-KR" altLang="en-US" sz="1400">
+              <a:ln w="9525">
+                <a:solidFill>
+                  <a:schemeClr val="bg1">
+                    <a:alpha val="0"/>
+                  </a:schemeClr>
+                </a:solidFill>
+              </a:ln>
+              <a:solidFill>
+                <a:schemeClr val="bg1"/>
+              </a:solidFill>
+              <a:latin typeface="배달의민족 주아"/>
+              <a:ea typeface="배달의민족 주아"/>
+            </a:endParaRPr>
+          </a:p>
+        </p:txBody>
+      </p:sp>
+      <p:sp>
+        <p:nvSpPr>
+          <p:cNvPr id="81" name="직사각형 80"/>
+          <p:cNvSpPr/>
+          <p:nvPr/>
+        </p:nvSpPr>
+        <p:spPr>
+          <a:xfrm>
+            <a:off x="3409887" y="2019362"/>
+            <a:ext cx="1569720" cy="385316"/>
+          </a:xfrm>
+          <a:prstGeom prst="rect">
+            <a:avLst/>
+          </a:prstGeom>
+          <a:solidFill>
+            <a:srgbClr val="202226"/>
+          </a:solidFill>
+          <a:ln>
+            <a:noFill/>
+          </a:ln>
+        </p:spPr>
+        <p:style>
+          <a:lnRef idx="2">
+            <a:schemeClr val="accent1">
+              <a:shade val="50000"/>
+            </a:schemeClr>
+          </a:lnRef>
+          <a:fillRef idx="1">
+            <a:schemeClr val="accent1"/>
+          </a:fillRef>
+          <a:effectRef idx="0">
+            <a:schemeClr val="accent1"/>
+          </a:effectRef>
+          <a:fontRef idx="minor">
+            <a:schemeClr val="lt1"/>
+          </a:fontRef>
+        </p:style>
+        <p:txBody>
+          <a:bodyPr anchor="ctr"/>
+          <a:lstStyle/>
+          <a:p>
+            <a:pPr algn="ctr">
+              <a:defRPr/>
+            </a:pPr>
+            <a:endParaRPr lang="ko-KR" altLang="en-US"/>
+          </a:p>
+        </p:txBody>
+      </p:sp>
+      <p:sp>
+        <p:nvSpPr>
+          <p:cNvPr id="106" name="이등변 삼각형 105"/>
+          <p:cNvSpPr/>
+          <p:nvPr/>
+        </p:nvSpPr>
+        <p:spPr>
+          <a:xfrm flipV="1">
+            <a:off x="5992607" y="5259593"/>
+            <a:ext cx="206785" cy="104657"/>
+          </a:xfrm>
+          <a:prstGeom prst="triangle">
+            <a:avLst>
+              <a:gd name="adj" fmla="val 50000"/>
+            </a:avLst>
+          </a:prstGeom>
+          <a:solidFill>
+            <a:schemeClr val="bg1"/>
+          </a:solidFill>
+          <a:ln>
+            <a:noFill/>
+          </a:ln>
+        </p:spPr>
+        <p:style>
+          <a:lnRef idx="2">
+            <a:schemeClr val="accent1">
+              <a:shade val="50000"/>
+            </a:schemeClr>
+          </a:lnRef>
+          <a:fillRef idx="1">
+            <a:schemeClr val="accent1"/>
+          </a:fillRef>
+          <a:effectRef idx="0">
+            <a:schemeClr val="accent1"/>
+          </a:effectRef>
+          <a:fontRef idx="minor">
+            <a:schemeClr val="lt1"/>
+          </a:fontRef>
+        </p:style>
+        <p:txBody>
+          <a:bodyPr anchor="ctr"/>
+          <a:lstStyle/>
+          <a:p>
+            <a:pPr algn="ctr">
+              <a:defRPr/>
+            </a:pPr>
+            <a:endParaRPr lang="ko-KR" altLang="en-US"/>
+          </a:p>
+        </p:txBody>
+      </p:sp>
+      <p:sp>
+        <p:nvSpPr>
+          <p:cNvPr id="109" name="모서리가 둥근 직사각형 108"/>
+          <p:cNvSpPr/>
+          <p:nvPr/>
+        </p:nvSpPr>
+        <p:spPr>
+          <a:xfrm>
+            <a:off x="5189007" y="5441017"/>
+            <a:ext cx="1813985" cy="394127"/>
+          </a:xfrm>
+          <a:prstGeom prst="roundRect">
+            <a:avLst>
+              <a:gd name="adj" fmla="val 50000"/>
+            </a:avLst>
+          </a:prstGeom>
+          <a:noFill/>
+          <a:ln w="25400">
+            <a:solidFill>
+              <a:srgbClr val="f3b67f"/>
+            </a:solidFill>
+          </a:ln>
+        </p:spPr>
+        <p:style>
+          <a:lnRef idx="2">
+            <a:schemeClr val="accent1">
+              <a:shade val="50000"/>
+            </a:schemeClr>
+          </a:lnRef>
+          <a:fillRef idx="1">
+            <a:schemeClr val="accent1"/>
+          </a:fillRef>
+          <a:effectRef idx="0">
+            <a:schemeClr val="accent1"/>
+          </a:effectRef>
+          <a:fontRef idx="minor">
+            <a:schemeClr val="lt1"/>
+          </a:fontRef>
+        </p:style>
+        <p:txBody>
+          <a:bodyPr anchor="ctr"/>
+          <a:lstStyle/>
+          <a:p>
+            <a:pPr algn="ctr">
+              <a:defRPr/>
+            </a:pPr>
+            <a:endParaRPr lang="ko-KR" altLang="en-US">
+              <a:solidFill>
+                <a:schemeClr val="bg1"/>
+              </a:solidFill>
+            </a:endParaRPr>
+          </a:p>
+        </p:txBody>
+      </p:sp>
+      <p:sp>
+        <p:nvSpPr>
+          <p:cNvPr id="111" name="TextBox 110"/>
+          <p:cNvSpPr txBox="1"/>
+          <p:nvPr/>
+        </p:nvSpPr>
+        <p:spPr>
+          <a:xfrm>
+            <a:off x="5766434" y="5483627"/>
+            <a:ext cx="621031" cy="296143"/>
+          </a:xfrm>
+          <a:prstGeom prst="rect">
+            <a:avLst/>
+          </a:prstGeom>
+          <a:noFill/>
+        </p:spPr>
+        <p:txBody>
+          <a:bodyPr wrap="none">
+            <a:spAutoFit/>
+          </a:bodyPr>
+          <a:lstStyle/>
+          <a:p>
+            <a:pPr algn="ctr">
+              <a:defRPr/>
+            </a:pPr>
+            <a:r>
+              <a:rPr lang="en-US" altLang="ko-KR" sz="1400">
+                <a:ln w="9525">
+                  <a:solidFill>
+                    <a:srgbClr val="f3b67f">
+                      <a:alpha val="0"/>
+                    </a:srgbClr>
+                  </a:solidFill>
+                </a:ln>
+                <a:solidFill>
+                  <a:srgbClr val="f3b67f"/>
+                </a:solidFill>
+                <a:latin typeface="배달의민족 주아"/>
+                <a:ea typeface="배달의민족 주아"/>
+              </a:rPr>
+              <a:t>FTTH</a:t>
+            </a:r>
+            <a:endParaRPr lang="en-US" altLang="ko-KR" sz="1400">
+              <a:ln w="9525">
+                <a:solidFill>
+                  <a:srgbClr val="f3b67f">
+                    <a:alpha val="0"/>
+                  </a:srgbClr>
+                </a:solidFill>
+              </a:ln>
+              <a:solidFill>
+                <a:srgbClr val="f3b67f"/>
+              </a:solidFill>
+              <a:latin typeface="배달의민족 주아"/>
+              <a:ea typeface="배달의민족 주아"/>
+            </a:endParaRPr>
+          </a:p>
+        </p:txBody>
+      </p:sp>
+      <p:sp>
+        <p:nvSpPr>
+          <p:cNvPr id="113" name="직사각형 66"/>
+          <p:cNvSpPr/>
+          <p:nvPr/>
+        </p:nvSpPr>
+        <p:spPr>
+          <a:xfrm>
+            <a:off x="2186352" y="1893459"/>
+            <a:ext cx="7819296" cy="4167887"/>
+          </a:xfrm>
+          <a:prstGeom prst="rect">
+            <a:avLst/>
+          </a:prstGeom>
+          <a:noFill/>
+          <a:ln w="41275">
+            <a:solidFill>
+              <a:schemeClr val="bg1"/>
+            </a:solidFill>
+          </a:ln>
+        </p:spPr>
+        <p:style>
+          <a:lnRef idx="2">
+            <a:schemeClr val="accent1">
+              <a:shade val="50000"/>
+            </a:schemeClr>
+          </a:lnRef>
+          <a:fillRef idx="1">
+            <a:schemeClr val="accent1"/>
+          </a:fillRef>
+          <a:effectRef idx="0">
+            <a:schemeClr val="accent1"/>
+          </a:effectRef>
+          <a:fontRef idx="minor">
+            <a:schemeClr val="lt1"/>
+          </a:fontRef>
+        </p:style>
+        <p:txBody>
+          <a:bodyPr anchor="ctr"/>
+          <a:lstStyle/>
+          <a:p>
+            <a:pPr algn="ctr">
+              <a:defRPr/>
+            </a:pPr>
+            <a:endParaRPr lang="ko-KR" altLang="en-US"/>
+          </a:p>
+        </p:txBody>
+      </p:sp>
+      <p:sp>
+        <p:nvSpPr>
+          <p:cNvPr id="115" name="이등변 삼각형 126"/>
+          <p:cNvSpPr/>
+          <p:nvPr/>
+        </p:nvSpPr>
+        <p:spPr>
+          <a:xfrm flipH="1">
+            <a:off x="9708172" y="5769182"/>
+            <a:ext cx="203200" cy="203200"/>
+          </a:xfrm>
+          <a:prstGeom prst="triangle">
+            <a:avLst>
+              <a:gd name="adj" fmla="val 0"/>
+            </a:avLst>
+          </a:prstGeom>
+          <a:solidFill>
+            <a:srgbClr val="f3b67f"/>
+          </a:solidFill>
+          <a:ln>
+            <a:noFill/>
+          </a:ln>
+        </p:spPr>
+        <p:style>
+          <a:lnRef idx="2">
+            <a:schemeClr val="accent1">
+              <a:shade val="50000"/>
+            </a:schemeClr>
+          </a:lnRef>
+          <a:fillRef idx="1">
+            <a:schemeClr val="accent1"/>
+          </a:fillRef>
+          <a:effectRef idx="0">
+            <a:schemeClr val="accent1"/>
+          </a:effectRef>
+          <a:fontRef idx="minor">
+            <a:schemeClr val="lt1"/>
+          </a:fontRef>
+        </p:style>
+        <p:txBody>
+          <a:bodyPr anchor="ctr"/>
+          <a:lstStyle/>
+          <a:p>
+            <a:pPr algn="ctr">
+              <a:defRPr/>
+            </a:pPr>
+            <a:endParaRPr lang="ko-KR" altLang="en-US"/>
+          </a:p>
+        </p:txBody>
+      </p:sp>
+      <p:sp>
+        <p:nvSpPr>
+          <p:cNvPr id="116" name="TextBox 162"/>
+          <p:cNvSpPr txBox="1"/>
+          <p:nvPr/>
+        </p:nvSpPr>
+        <p:spPr>
+          <a:xfrm>
+            <a:off x="7986658" y="6127530"/>
+            <a:ext cx="2067932" cy="276999"/>
+          </a:xfrm>
+          <a:prstGeom prst="rect">
+            <a:avLst/>
+          </a:prstGeom>
+          <a:noFill/>
+        </p:spPr>
+        <p:txBody>
+          <a:bodyPr wrap="none">
+            <a:spAutoFit/>
+          </a:bodyPr>
+          <a:lstStyle/>
+          <a:p>
+            <a:pPr lvl="0">
+              <a:defRPr/>
+            </a:pPr>
+            <a:r>
+              <a:rPr lang="ko-KR" altLang="en-US" sz="1200">
+                <a:ln w="9525">
+                  <a:solidFill>
+                    <a:schemeClr val="bg1">
+                      <a:alpha val="0"/>
+                    </a:schemeClr>
+                  </a:solidFill>
+                </a:ln>
+                <a:solidFill>
+                  <a:schemeClr val="bg1"/>
+                </a:solidFill>
+                <a:latin typeface="배달의민족 주아"/>
+                <a:ea typeface="배달의민족 주아"/>
+              </a:rPr>
+              <a:t>출처 </a:t>
+            </a:r>
+            <a:r>
+              <a:rPr lang="en-US" altLang="ko-KR" sz="1200">
+                <a:ln w="9525">
+                  <a:solidFill>
+                    <a:schemeClr val="bg1">
+                      <a:alpha val="0"/>
+                    </a:schemeClr>
+                  </a:solidFill>
+                </a:ln>
+                <a:solidFill>
+                  <a:schemeClr val="bg1"/>
+                </a:solidFill>
+                <a:latin typeface="배달의민족 주아"/>
+                <a:ea typeface="배달의민족 주아"/>
+              </a:rPr>
+              <a:t>: </a:t>
+            </a:r>
+            <a:r>
+              <a:rPr lang="ko-KR" altLang="en-US" sz="1200">
+                <a:ln w="9525">
+                  <a:solidFill>
+                    <a:schemeClr val="bg1">
+                      <a:alpha val="0"/>
+                    </a:schemeClr>
+                  </a:solidFill>
+                </a:ln>
+                <a:solidFill>
+                  <a:schemeClr val="bg1"/>
+                </a:solidFill>
+                <a:latin typeface="배달의민족 주아"/>
+                <a:ea typeface="배달의민족 주아"/>
+              </a:rPr>
+              <a:t>적어주는거 잊지말고</a:t>
+            </a:r>
+            <a:endParaRPr lang="en-US" altLang="ko-KR" sz="1200">
+              <a:ln w="9525">
+                <a:solidFill>
+                  <a:schemeClr val="bg1">
+                    <a:alpha val="0"/>
+                  </a:schemeClr>
+                </a:solidFill>
+              </a:ln>
+              <a:solidFill>
+                <a:schemeClr val="bg1"/>
+              </a:solidFill>
+              <a:latin typeface="배달의민족 주아"/>
+              <a:ea typeface="배달의민족 주아"/>
+            </a:endParaRPr>
+          </a:p>
+        </p:txBody>
+      </p:sp>
+      <p:pic>
+        <p:nvPicPr>
+          <p:cNvPr id="118" name=""/>
+          <p:cNvPicPr>
+            <a:picLocks noChangeAspect="1"/>
+          </p:cNvPicPr>
+          <p:nvPr/>
+        </p:nvPicPr>
+        <p:blipFill rotWithShape="1">
+          <a:blip r:embed="rId3"/>
+          <a:stretch>
+            <a:fillRect/>
+          </a:stretch>
+        </p:blipFill>
+        <p:spPr>
+          <a:xfrm>
+            <a:off x="2700660" y="2031153"/>
+            <a:ext cx="6790679" cy="3144943"/>
+          </a:xfrm>
+          <a:prstGeom prst="rect">
+            <a:avLst/>
+          </a:prstGeom>
+        </p:spPr>
+      </p:pic>
+    </p:spTree>
+  </p:cSld>
+  <p:clrMapOvr>
+    <a:masterClrMapping/>
+  </p:clrMapOvr>
+  <mc:AlternateContent xmlns:mc="http://schemas.openxmlformats.org/markup-compatibility/2006">
+    <mc:Choice xmlns:p14="http://schemas.microsoft.com/office/powerpoint/2010/main" Requires="p14">
+      <p:transition xmlns:mc="http://schemas.openxmlformats.org/markup-compatibility/2006" xmlns:p14="http://schemas.microsoft.com/office/powerpoint/2010/main" mc:Ignorable="p14" p14:dur="500"/>
+    </mc:Choice>
+    <mc:Fallback>
+      <p:transition/>
+    </mc:Fallback>
+  </mc:AlternateContent>
+</p:sld>
+</file>
+
 <file path=ppt/theme/theme1.xml><?xml version="1.0" encoding="utf-8"?>
 <a:theme xmlns:r="http://schemas.openxmlformats.org/officeDocument/2006/relationships" xmlns:c="http://schemas.openxmlformats.org/drawingml/2006/chart" xmlns:dgm="http://schemas.openxmlformats.org/drawingml/2006/diagram" xmlns:dsp="http://schemas.microsoft.com/office/drawing/2008/diagram" xmlns:a="http://schemas.openxmlformats.org/drawingml/2006/main" xmlns:pic="http://schemas.openxmlformats.org/drawingml/2006/picture" xmlns:wp="http://schemas.openxmlformats.org/drawingml/2006/wordprocessingDrawing" xmlns:xdr="http://schemas.openxmlformats.org/drawingml/2006/spreadsheetDrawing" name="Office 테마">
   <a:themeElements>

--- a/발표자료/BCN, Giga인터넷/네트워크기초(BCN, 기가인터넷).pptx
+++ b/발표자료/BCN, Giga인터넷/네트워크기초(BCN, 기가인터넷).pptx
@@ -1,25 +1,26 @@
 
 <file path=ppt/presentation.xml><?xml version="1.0" encoding="utf-8"?>
-<p:presentation xmlns:r="http://schemas.openxmlformats.org/officeDocument/2006/relationships" xmlns:c="http://schemas.openxmlformats.org/drawingml/2006/chart" xmlns:a="http://schemas.openxmlformats.org/drawingml/2006/main" xmlns:dgm="http://schemas.openxmlformats.org/drawingml/2006/diagram" xmlns:dsp="http://schemas.microsoft.com/office/drawing/2008/diagram" xmlns:p="http://schemas.openxmlformats.org/presentationml/2006/main" saveSubsetFonts="1">
+<p:presentation xmlns:r="http://schemas.openxmlformats.org/officeDocument/2006/relationships" xmlns:c="http://schemas.openxmlformats.org/drawingml/2006/chart" xmlns:a="http://schemas.openxmlformats.org/drawingml/2006/main" xmlns:dgm="http://schemas.openxmlformats.org/drawingml/2006/diagram" xmlns:dsp="http://schemas.microsoft.com/office/drawing/2008/diagram" xmlns:p="http://schemas.openxmlformats.org/presentationml/2006/main" xmlns:p14="http://schemas.microsoft.com/office/powerpoint/2010/main" saveSubsetFonts="1">
   <p:sldMasterIdLst>
-    <p:sldMasterId id="2147483662" r:id="rId1"/>
+    <p:sldMasterId id="2147483674" r:id="rId13"/>
   </p:sldMasterIdLst>
   <p:notesMasterIdLst>
-    <p:notesMasterId r:id="rId2"/>
+    <p:notesMasterId r:id="rId15"/>
   </p:notesMasterIdLst>
   <p:sldIdLst>
-    <p:sldId id="256" r:id="rId3"/>
-    <p:sldId id="257" r:id="rId4"/>
-    <p:sldId id="258" r:id="rId5"/>
-    <p:sldId id="259" r:id="rId6"/>
-    <p:sldId id="260" r:id="rId7"/>
-    <p:sldId id="261" r:id="rId8"/>
-    <p:sldId id="262" r:id="rId9"/>
-    <p:sldId id="263" r:id="rId10"/>
-    <p:sldId id="264" r:id="rId11"/>
-    <p:sldId id="265" r:id="rId12"/>
-    <p:sldId id="266" r:id="rId13"/>
-    <p:sldId id="267" r:id="rId14"/>
+    <p:sldId id="256" r:id="rId17"/>
+    <p:sldId id="257" r:id="rId18"/>
+    <p:sldId id="258" r:id="rId19"/>
+    <p:sldId id="259" r:id="rId20"/>
+    <p:sldId id="260" r:id="rId21"/>
+    <p:sldId id="261" r:id="rId22"/>
+    <p:sldId id="262" r:id="rId23"/>
+    <p:sldId id="263" r:id="rId24"/>
+    <p:sldId id="264" r:id="rId25"/>
+    <p:sldId id="265" r:id="rId26"/>
+    <p:sldId id="266" r:id="rId27"/>
+    <p:sldId id="268" r:id="rId28"/>
+    <p:sldId id="267" r:id="rId29"/>
   </p:sldIdLst>
   <p:sldSz cx="12192000" cy="6858000"/>
   <p:notesSz cx="6858000" cy="9144000"/>
@@ -118,6 +119,27 @@
       </a:defRPr>
     </a:lvl9pPr>
   </p:defaultTextStyle>
+  <p:extLst>
+    <p:ext uri="{EFAFB233-063F-42B5-8137-9DF3F51BA10A}">
+      <p15:sldGuideLst xmlns:p15="http://schemas.microsoft.com/office/powerpoint/2012/main">
+        <p15:guide id="0" orient="horz" pos="2153" userDrawn="1">
+          <p15:clr>
+            <a:srgbClr val="A4A3A4"/>
+          </p15:clr>
+        </p15:guide>
+        <p15:guide id="1" orient="horz" pos="1219" userDrawn="1">
+          <p15:clr>
+            <a:srgbClr val="A4A3A4"/>
+          </p15:clr>
+        </p15:guide>
+        <p15:guide id="2" pos="3838" userDrawn="1">
+          <p15:clr>
+            <a:srgbClr val="A4A3A4"/>
+          </p15:clr>
+        </p15:guide>
+      </p15:sldGuideLst>
+    </p:ext>
+  </p:extLst>
 </p:presentation>
 </file>
 
@@ -512,7 +534,106 @@
 </p:notesMaster>
 </file>
 
-<file path=ppt/notesSlides/notesSlide1.xml><?xml version="1.0" encoding="utf-8"?>
+<file path=ppt/notesSlides/notesSlide10.xml><?xml version="1.0" encoding="utf-8"?>
+<p:notes xmlns:r="http://schemas.openxmlformats.org/officeDocument/2006/relationships" xmlns:c="http://schemas.openxmlformats.org/drawingml/2006/chart" xmlns:a="http://schemas.openxmlformats.org/drawingml/2006/main" xmlns:dgm="http://schemas.openxmlformats.org/drawingml/2006/diagram" xmlns:dsp="http://schemas.microsoft.com/office/drawing/2008/diagram" xmlns:p="http://schemas.openxmlformats.org/presentationml/2006/main">
+  <p:cSld>
+    <p:spTree>
+      <p:nvGrpSpPr>
+        <p:cNvPr id="1" name=""/>
+        <p:cNvGrpSpPr/>
+        <p:nvPr/>
+      </p:nvGrpSpPr>
+      <p:grpSpPr>
+        <a:xfrm>
+          <a:off x="0" y="0"/>
+          <a:ext cx="0" cy="0"/>
+          <a:chOff x="0" y="0"/>
+          <a:chExt cx="0" cy="0"/>
+        </a:xfrm>
+      </p:grpSpPr>
+      <p:sp>
+        <p:nvSpPr>
+          <p:cNvPr id="2" name="슬라이드 이미지 개체 틀 3"/>
+          <p:cNvSpPr>
+            <a:spLocks noGrp="1" noRot="1" noChangeAspect="1" noTextEdit="1"/>
+          </p:cNvSpPr>
+          <p:nvPr>
+            <p:ph type="sldImg" idx="2"/>
+          </p:nvPr>
+        </p:nvSpPr>
+        <p:spPr/>
+        <p:txBody>
+          <a:bodyPr/>
+          <a:lstStyle/>
+          <a:p>
+            <a:pPr>
+              <a:defRPr/>
+            </a:pPr>
+            <a:endParaRPr lang="ko-KR" altLang="en-US"/>
+          </a:p>
+        </p:txBody>
+      </p:sp>
+      <p:sp>
+        <p:nvSpPr>
+          <p:cNvPr id="3" name="슬라이드 노트 개체 틀 4"/>
+          <p:cNvSpPr>
+            <a:spLocks noGrp="1"/>
+          </p:cNvSpPr>
+          <p:nvPr>
+            <p:ph type="body" sz="quarter" idx="3"/>
+          </p:nvPr>
+        </p:nvSpPr>
+        <p:spPr/>
+        <p:txBody>
+          <a:bodyPr/>
+          <a:lstStyle/>
+          <a:p>
+            <a:pPr>
+              <a:defRPr/>
+            </a:pPr>
+            <a:r>
+              <a:rPr lang="ko-KR" altLang="en-US"/>
+              <a:t/>
+            </a:r>
+            <a:endParaRPr lang="ko-KR" altLang="en-US"/>
+          </a:p>
+        </p:txBody>
+      </p:sp>
+      <p:sp>
+        <p:nvSpPr>
+          <p:cNvPr id="4" name="슬라이드 번호 개체 틀 6"/>
+          <p:cNvSpPr>
+            <a:spLocks noGrp="1"/>
+          </p:cNvSpPr>
+          <p:nvPr>
+            <p:ph type="sldNum" sz="quarter" idx="5"/>
+          </p:nvPr>
+        </p:nvSpPr>
+        <p:spPr/>
+        <p:txBody>
+          <a:bodyPr/>
+          <a:lstStyle/>
+          <a:p>
+            <a:pPr lvl="0">
+              <a:defRPr/>
+            </a:pPr>
+            <a:fld id="{09F4262C-968C-4EE9-8164-CE16364706B3}" type="slidenum">
+              <a:rPr lang="en-US" altLang="en-US"/>
+              <a:pPr lvl="0">
+                <a:defRPr/>
+              </a:pPr>
+              <a:t>10</a:t>
+            </a:fld>
+            <a:endParaRPr lang="en-US" altLang="en-US"/>
+          </a:p>
+        </p:txBody>
+      </p:sp>
+    </p:spTree>
+  </p:cSld>
+</p:notes>
+</file>
+
+<file path=ppt/notesSlides/notesSlide5.xml><?xml version="1.0" encoding="utf-8"?>
 <p:notes xmlns:r="http://schemas.openxmlformats.org/officeDocument/2006/relationships" xmlns:c="http://schemas.openxmlformats.org/drawingml/2006/chart" xmlns:a="http://schemas.openxmlformats.org/drawingml/2006/main" xmlns:dgm="http://schemas.openxmlformats.org/drawingml/2006/diagram" xmlns:dsp="http://schemas.microsoft.com/office/drawing/2008/diagram" xmlns:p="http://schemas.openxmlformats.org/presentationml/2006/main">
   <p:cSld>
     <p:spTree>
@@ -611,7 +732,7 @@
 </p:notes>
 </file>
 
-<file path=ppt/notesSlides/notesSlide2.xml><?xml version="1.0" encoding="utf-8"?>
+<file path=ppt/notesSlides/notesSlide7.xml><?xml version="1.0" encoding="utf-8"?>
 <p:notes xmlns:r="http://schemas.openxmlformats.org/officeDocument/2006/relationships" xmlns:c="http://schemas.openxmlformats.org/drawingml/2006/chart" xmlns:a="http://schemas.openxmlformats.org/drawingml/2006/main" xmlns:dgm="http://schemas.openxmlformats.org/drawingml/2006/diagram" xmlns:dsp="http://schemas.microsoft.com/office/drawing/2008/diagram" xmlns:p="http://schemas.openxmlformats.org/presentationml/2006/main">
   <p:cSld>
     <p:spTree>
@@ -710,7 +831,7 @@
 </p:notes>
 </file>
 
-<file path=ppt/notesSlides/notesSlide3.xml><?xml version="1.0" encoding="utf-8"?>
+<file path=ppt/notesSlides/notesSlide9.xml><?xml version="1.0" encoding="utf-8"?>
 <p:notes xmlns:r="http://schemas.openxmlformats.org/officeDocument/2006/relationships" xmlns:c="http://schemas.openxmlformats.org/drawingml/2006/chart" xmlns:a="http://schemas.openxmlformats.org/drawingml/2006/main" xmlns:dgm="http://schemas.openxmlformats.org/drawingml/2006/diagram" xmlns:dsp="http://schemas.microsoft.com/office/drawing/2008/diagram" xmlns:p="http://schemas.openxmlformats.org/presentationml/2006/main">
   <p:cSld>
     <p:spTree>
@@ -799,105 +920,6 @@
                 <a:defRPr/>
               </a:pPr>
               <a:t>9</a:t>
-            </a:fld>
-            <a:endParaRPr lang="en-US" altLang="en-US"/>
-          </a:p>
-        </p:txBody>
-      </p:sp>
-    </p:spTree>
-  </p:cSld>
-</p:notes>
-</file>
-
-<file path=ppt/notesSlides/notesSlide4.xml><?xml version="1.0" encoding="utf-8"?>
-<p:notes xmlns:r="http://schemas.openxmlformats.org/officeDocument/2006/relationships" xmlns:c="http://schemas.openxmlformats.org/drawingml/2006/chart" xmlns:a="http://schemas.openxmlformats.org/drawingml/2006/main" xmlns:dgm="http://schemas.openxmlformats.org/drawingml/2006/diagram" xmlns:dsp="http://schemas.microsoft.com/office/drawing/2008/diagram" xmlns:p="http://schemas.openxmlformats.org/presentationml/2006/main">
-  <p:cSld>
-    <p:spTree>
-      <p:nvGrpSpPr>
-        <p:cNvPr id="1" name=""/>
-        <p:cNvGrpSpPr/>
-        <p:nvPr/>
-      </p:nvGrpSpPr>
-      <p:grpSpPr>
-        <a:xfrm>
-          <a:off x="0" y="0"/>
-          <a:ext cx="0" cy="0"/>
-          <a:chOff x="0" y="0"/>
-          <a:chExt cx="0" cy="0"/>
-        </a:xfrm>
-      </p:grpSpPr>
-      <p:sp>
-        <p:nvSpPr>
-          <p:cNvPr id="2" name="슬라이드 이미지 개체 틀 3"/>
-          <p:cNvSpPr>
-            <a:spLocks noGrp="1" noRot="1" noChangeAspect="1" noTextEdit="1"/>
-          </p:cNvSpPr>
-          <p:nvPr>
-            <p:ph type="sldImg" idx="2"/>
-          </p:nvPr>
-        </p:nvSpPr>
-        <p:spPr/>
-        <p:txBody>
-          <a:bodyPr/>
-          <a:lstStyle/>
-          <a:p>
-            <a:pPr>
-              <a:defRPr/>
-            </a:pPr>
-            <a:endParaRPr lang="ko-KR" altLang="en-US"/>
-          </a:p>
-        </p:txBody>
-      </p:sp>
-      <p:sp>
-        <p:nvSpPr>
-          <p:cNvPr id="3" name="슬라이드 노트 개체 틀 4"/>
-          <p:cNvSpPr>
-            <a:spLocks noGrp="1"/>
-          </p:cNvSpPr>
-          <p:nvPr>
-            <p:ph type="body" sz="quarter" idx="3"/>
-          </p:nvPr>
-        </p:nvSpPr>
-        <p:spPr/>
-        <p:txBody>
-          <a:bodyPr/>
-          <a:lstStyle/>
-          <a:p>
-            <a:pPr>
-              <a:defRPr/>
-            </a:pPr>
-            <a:r>
-              <a:rPr lang="ko-KR" altLang="en-US"/>
-              <a:t/>
-            </a:r>
-            <a:endParaRPr lang="ko-KR" altLang="en-US"/>
-          </a:p>
-        </p:txBody>
-      </p:sp>
-      <p:sp>
-        <p:nvSpPr>
-          <p:cNvPr id="4" name="슬라이드 번호 개체 틀 6"/>
-          <p:cNvSpPr>
-            <a:spLocks noGrp="1"/>
-          </p:cNvSpPr>
-          <p:nvPr>
-            <p:ph type="sldNum" sz="quarter" idx="5"/>
-          </p:nvPr>
-        </p:nvSpPr>
-        <p:spPr/>
-        <p:txBody>
-          <a:bodyPr/>
-          <a:lstStyle/>
-          <a:p>
-            <a:pPr lvl="0">
-              <a:defRPr/>
-            </a:pPr>
-            <a:fld id="{09F4262C-968C-4EE9-8164-CE16364706B3}" type="slidenum">
-              <a:rPr lang="en-US" altLang="en-US"/>
-              <a:pPr lvl="0">
-                <a:defRPr/>
-              </a:pPr>
-              <a:t>10</a:t>
             </a:fld>
             <a:endParaRPr lang="en-US" altLang="en-US"/>
           </a:p>
@@ -3731,7 +3753,7 @@
 </file>
 
 <file path=ppt/slides/slide1.xml><?xml version="1.0" encoding="utf-8"?>
-<p:sld xmlns:r="http://schemas.openxmlformats.org/officeDocument/2006/relationships" xmlns:c="http://schemas.openxmlformats.org/drawingml/2006/chart" xmlns:a="http://schemas.openxmlformats.org/drawingml/2006/main" xmlns:dgm="http://schemas.openxmlformats.org/drawingml/2006/diagram" xmlns:dsp="http://schemas.microsoft.com/office/drawing/2008/diagram" xmlns:p="http://schemas.openxmlformats.org/presentationml/2006/main">
+<p:sld xmlns:r="http://schemas.openxmlformats.org/officeDocument/2006/relationships" xmlns:c="http://schemas.openxmlformats.org/drawingml/2006/chart" xmlns:a="http://schemas.openxmlformats.org/drawingml/2006/main" xmlns:dgm="http://schemas.openxmlformats.org/drawingml/2006/diagram" xmlns:dsp="http://schemas.microsoft.com/office/drawing/2008/diagram" xmlns:p="http://schemas.openxmlformats.org/presentationml/2006/main" xmlns:p14="http://schemas.microsoft.com/office/powerpoint/2010/main">
   <p:cSld>
     <p:spTree>
       <p:nvGrpSpPr>
@@ -3755,8 +3777,8 @@
         </p:nvSpPr>
         <p:spPr>
           <a:xfrm>
-            <a:off x="2377483" y="2808394"/>
-            <a:ext cx="7606895" cy="465789"/>
+            <a:off x="2377440" y="2808605"/>
+            <a:ext cx="7606665" cy="466090"/>
           </a:xfrm>
           <a:prstGeom prst="rect">
             <a:avLst/>
@@ -3803,8 +3825,8 @@
         </p:nvSpPr>
         <p:spPr>
           <a:xfrm>
-            <a:off x="2307669" y="2679490"/>
-            <a:ext cx="7755257" cy="623780"/>
+            <a:off x="2307590" y="2679700"/>
+            <a:ext cx="7755255" cy="623570"/>
           </a:xfrm>
           <a:prstGeom prst="rect">
             <a:avLst/>
@@ -3947,8 +3969,8 @@
         </p:nvSpPr>
         <p:spPr>
           <a:xfrm>
-            <a:off x="5956934" y="2446580"/>
-            <a:ext cx="278131" cy="294715"/>
+            <a:off x="5848985" y="2446655"/>
+            <a:ext cx="493395" cy="294640"/>
           </a:xfrm>
           <a:prstGeom prst="rect">
             <a:avLst/>
@@ -3990,8 +4012,8 @@
         </p:nvSpPr>
         <p:spPr>
           <a:xfrm>
-            <a:off x="5604457" y="3429000"/>
-            <a:ext cx="983086" cy="338554"/>
+            <a:off x="5604510" y="3429000"/>
+            <a:ext cx="1122045" cy="338455"/>
           </a:xfrm>
           <a:prstGeom prst="rect">
             <a:avLst/>
@@ -4087,8 +4109,8 @@
         </p:nvSpPr>
         <p:spPr>
           <a:xfrm>
-            <a:off x="5199697" y="4048873"/>
-            <a:ext cx="1792605" cy="940322"/>
+            <a:off x="5199380" y="4048760"/>
+            <a:ext cx="1792605" cy="940435"/>
           </a:xfrm>
           <a:prstGeom prst="rect">
             <a:avLst/>
@@ -4334,8 +4356,8 @@
         </p:nvSpPr>
         <p:spPr>
           <a:xfrm flipV="1">
-            <a:off x="6000432" y="3858374"/>
-            <a:ext cx="194310" cy="81282"/>
+            <a:off x="6000115" y="3858260"/>
+            <a:ext cx="194310" cy="81280"/>
           </a:xfrm>
           <a:prstGeom prst="triangle">
             <a:avLst>
@@ -4384,8 +4406,8 @@
         </p:nvCxnSpPr>
         <p:spPr>
           <a:xfrm>
-            <a:off x="5887444" y="2019490"/>
-            <a:ext cx="0" cy="102574"/>
+            <a:off x="5887720" y="2019300"/>
+            <a:ext cx="0" cy="102870"/>
           </a:xfrm>
           <a:prstGeom prst="line">
             <a:avLst/>
@@ -4419,8 +4441,8 @@
         </p:nvCxnSpPr>
         <p:spPr>
           <a:xfrm>
-            <a:off x="6097587" y="1995688"/>
-            <a:ext cx="0" cy="150177"/>
+            <a:off x="6097270" y="1995805"/>
+            <a:ext cx="0" cy="149860"/>
           </a:xfrm>
           <a:prstGeom prst="line">
             <a:avLst/>
@@ -4454,8 +4476,8 @@
         </p:nvCxnSpPr>
         <p:spPr>
           <a:xfrm>
-            <a:off x="6307730" y="2019488"/>
-            <a:ext cx="0" cy="102574"/>
+            <a:off x="6307455" y="2019300"/>
+            <a:ext cx="0" cy="102870"/>
           </a:xfrm>
           <a:prstGeom prst="line">
             <a:avLst/>
@@ -4489,8 +4511,8 @@
         </p:nvCxnSpPr>
         <p:spPr>
           <a:xfrm>
-            <a:off x="5915935" y="5116963"/>
-            <a:ext cx="0" cy="93249"/>
+            <a:off x="5915660" y="5116830"/>
+            <a:ext cx="0" cy="93345"/>
           </a:xfrm>
           <a:prstGeom prst="line">
             <a:avLst/>
@@ -4524,8 +4546,8 @@
         </p:nvCxnSpPr>
         <p:spPr>
           <a:xfrm>
-            <a:off x="6096000" y="5064988"/>
-            <a:ext cx="0" cy="150177"/>
+            <a:off x="6096000" y="5064760"/>
+            <a:ext cx="0" cy="149860"/>
           </a:xfrm>
           <a:prstGeom prst="line">
             <a:avLst/>
@@ -4559,8 +4581,8 @@
         </p:nvCxnSpPr>
         <p:spPr>
           <a:xfrm>
-            <a:off x="6256357" y="5120418"/>
-            <a:ext cx="0" cy="93249"/>
+            <a:off x="6256655" y="5120640"/>
+            <a:ext cx="0" cy="93345"/>
           </a:xfrm>
           <a:prstGeom prst="line">
             <a:avLst/>
@@ -4593,17 +4615,24 @@
   </p:clrMapOvr>
   <mc:AlternateContent xmlns:mc="http://schemas.openxmlformats.org/markup-compatibility/2006">
     <mc:Choice xmlns:p14="http://schemas.microsoft.com/office/powerpoint/2010/main" Requires="p14">
-      <p:transition xmlns:mc="http://schemas.openxmlformats.org/markup-compatibility/2006" xmlns:p14="http://schemas.microsoft.com/office/powerpoint/2010/main" mc:Ignorable="p14" p14:dur="500"/>
+      <p:transition spd="slow" p14:dur="500"/>
     </mc:Choice>
     <mc:Fallback>
-      <p:transition/>
+      <p:transition spd="slow"/>
     </mc:Fallback>
   </mc:AlternateContent>
+  <p:timing>
+    <p:tnLst>
+      <p:par>
+        <p:cTn id="1" dur="indefinite" restart="never" nodeType="tmRoot"/>
+      </p:par>
+    </p:tnLst>
+  </p:timing>
 </p:sld>
 </file>
 
 <file path=ppt/slides/slide10.xml><?xml version="1.0" encoding="utf-8"?>
-<p:sld xmlns:r="http://schemas.openxmlformats.org/officeDocument/2006/relationships" xmlns:c="http://schemas.openxmlformats.org/drawingml/2006/chart" xmlns:a="http://schemas.openxmlformats.org/drawingml/2006/main" xmlns:dgm="http://schemas.openxmlformats.org/drawingml/2006/diagram" xmlns:dsp="http://schemas.microsoft.com/office/drawing/2008/diagram" xmlns:p="http://schemas.openxmlformats.org/presentationml/2006/main">
+<p:sld xmlns:r="http://schemas.openxmlformats.org/officeDocument/2006/relationships" xmlns:c="http://schemas.openxmlformats.org/drawingml/2006/chart" xmlns:a="http://schemas.openxmlformats.org/drawingml/2006/main" xmlns:dgm="http://schemas.openxmlformats.org/drawingml/2006/diagram" xmlns:dsp="http://schemas.microsoft.com/office/drawing/2008/diagram" xmlns:p="http://schemas.openxmlformats.org/presentationml/2006/main" xmlns:p14="http://schemas.microsoft.com/office/powerpoint/2010/main">
   <p:cSld>
     <p:spTree>
       <p:nvGrpSpPr>
@@ -4627,10 +4656,10 @@
         </p:nvGrpSpPr>
         <p:grpSpPr>
           <a:xfrm rot="0">
-            <a:off x="5885857" y="6177394"/>
-            <a:ext cx="420286" cy="150177"/>
-            <a:chOff x="5885857" y="4737577"/>
-            <a:chExt cx="420286" cy="150177"/>
+            <a:off x="5885815" y="6177280"/>
+            <a:ext cx="420370" cy="149860"/>
+            <a:chOff x="5885815" y="6177280"/>
+            <a:chExt cx="420370" cy="149860"/>
           </a:xfrm>
         </p:grpSpPr>
         <p:cxnSp>
@@ -4641,8 +4670,8 @@
           </p:nvCxnSpPr>
           <p:spPr>
             <a:xfrm>
-              <a:off x="5885857" y="4766042"/>
-              <a:ext cx="0" cy="93249"/>
+              <a:off x="5885815" y="6205855"/>
+              <a:ext cx="0" cy="93345"/>
             </a:xfrm>
             <a:prstGeom prst="line">
               <a:avLst/>
@@ -4676,8 +4705,8 @@
           </p:nvCxnSpPr>
           <p:spPr>
             <a:xfrm>
-              <a:off x="6096000" y="4737577"/>
-              <a:ext cx="0" cy="150177"/>
+              <a:off x="6096000" y="6177280"/>
+              <a:ext cx="0" cy="149860"/>
             </a:xfrm>
             <a:prstGeom prst="line">
               <a:avLst/>
@@ -4711,8 +4740,8 @@
           </p:nvCxnSpPr>
           <p:spPr>
             <a:xfrm>
-              <a:off x="6306143" y="4766040"/>
-              <a:ext cx="0" cy="93249"/>
+              <a:off x="6306185" y="6205855"/>
+              <a:ext cx="0" cy="93345"/>
             </a:xfrm>
             <a:prstGeom prst="line">
               <a:avLst/>
@@ -4747,8 +4776,8 @@
         </p:nvSpPr>
         <p:spPr>
           <a:xfrm>
-            <a:off x="4075224" y="919533"/>
-            <a:ext cx="4045790" cy="523220"/>
+            <a:off x="4075430" y="919480"/>
+            <a:ext cx="4093845" cy="523240"/>
           </a:xfrm>
           <a:prstGeom prst="rect">
             <a:avLst/>
@@ -4823,10 +4852,10 @@
         </p:nvGrpSpPr>
         <p:grpSpPr>
           <a:xfrm rot="0">
-            <a:off x="5621930" y="487835"/>
-            <a:ext cx="948139" cy="400110"/>
-            <a:chOff x="5621930" y="676811"/>
-            <a:chExt cx="948139" cy="400110"/>
+            <a:off x="5621655" y="487680"/>
+            <a:ext cx="948055" cy="400050"/>
+            <a:chOff x="5621655" y="487680"/>
+            <a:chExt cx="948055" cy="400050"/>
           </a:xfrm>
         </p:grpSpPr>
         <p:cxnSp>
@@ -4837,8 +4866,8 @@
           </p:nvCxnSpPr>
           <p:spPr>
             <a:xfrm>
-              <a:off x="5774330" y="791641"/>
-              <a:ext cx="0" cy="147590"/>
+              <a:off x="5774055" y="602615"/>
+              <a:ext cx="0" cy="147320"/>
             </a:xfrm>
             <a:prstGeom prst="line">
               <a:avLst/>
@@ -4872,8 +4901,8 @@
           </p:nvSpPr>
           <p:spPr>
             <a:xfrm>
-              <a:off x="5912836" y="726584"/>
-              <a:ext cx="366326" cy="277704"/>
+              <a:off x="5913120" y="537845"/>
+              <a:ext cx="366395" cy="277495"/>
             </a:xfrm>
             <a:prstGeom prst="rect">
               <a:avLst/>
@@ -4920,8 +4949,8 @@
           </p:nvSpPr>
           <p:spPr>
             <a:xfrm>
-              <a:off x="5862890" y="676811"/>
-              <a:ext cx="486475" cy="400110"/>
+              <a:off x="5862955" y="487680"/>
+              <a:ext cx="436245" cy="400050"/>
             </a:xfrm>
             <a:prstGeom prst="rect">
               <a:avLst/>
@@ -4981,8 +5010,8 @@
           </p:nvCxnSpPr>
           <p:spPr>
             <a:xfrm>
-              <a:off x="5621930" y="820216"/>
-              <a:ext cx="0" cy="90440"/>
+              <a:off x="5621655" y="631190"/>
+              <a:ext cx="0" cy="90170"/>
             </a:xfrm>
             <a:prstGeom prst="line">
               <a:avLst/>
@@ -5016,8 +5045,8 @@
           </p:nvCxnSpPr>
           <p:spPr>
             <a:xfrm>
-              <a:off x="6417669" y="791641"/>
-              <a:ext cx="0" cy="147590"/>
+              <a:off x="6417945" y="602615"/>
+              <a:ext cx="0" cy="147320"/>
             </a:xfrm>
             <a:prstGeom prst="line">
               <a:avLst/>
@@ -5051,8 +5080,8 @@
           </p:nvCxnSpPr>
           <p:spPr>
             <a:xfrm>
-              <a:off x="6570069" y="820216"/>
-              <a:ext cx="0" cy="90440"/>
+              <a:off x="6570345" y="631190"/>
+              <a:ext cx="0" cy="90170"/>
             </a:xfrm>
             <a:prstGeom prst="line">
               <a:avLst/>
@@ -5087,8 +5116,8 @@
         </p:nvSpPr>
         <p:spPr>
           <a:xfrm>
-            <a:off x="5880734" y="6440454"/>
-            <a:ext cx="459105" cy="291816"/>
+            <a:off x="5884545" y="6440170"/>
+            <a:ext cx="448945" cy="292100"/>
           </a:xfrm>
           <a:prstGeom prst="rect">
             <a:avLst/>
@@ -5163,8 +5192,8 @@
         </p:nvSpPr>
         <p:spPr>
           <a:xfrm>
-            <a:off x="3409887" y="2019362"/>
-            <a:ext cx="1569720" cy="385316"/>
+            <a:off x="3409950" y="2019300"/>
+            <a:ext cx="1569720" cy="385445"/>
           </a:xfrm>
           <a:prstGeom prst="rect">
             <a:avLst/>
@@ -5211,8 +5240,8 @@
         </p:nvSpPr>
         <p:spPr>
           <a:xfrm flipV="1">
-            <a:off x="5992607" y="5259593"/>
-            <a:ext cx="206785" cy="104657"/>
+            <a:off x="5992495" y="5259705"/>
+            <a:ext cx="207010" cy="104775"/>
           </a:xfrm>
           <a:prstGeom prst="triangle">
             <a:avLst>
@@ -5261,8 +5290,8 @@
         </p:nvSpPr>
         <p:spPr>
           <a:xfrm>
-            <a:off x="5189007" y="5441017"/>
-            <a:ext cx="1813985" cy="394127"/>
+            <a:off x="5189220" y="5441315"/>
+            <a:ext cx="1814195" cy="394335"/>
           </a:xfrm>
           <a:prstGeom prst="roundRect">
             <a:avLst>
@@ -5315,8 +5344,8 @@
         </p:nvSpPr>
         <p:spPr>
           <a:xfrm>
-            <a:off x="5795010" y="5483627"/>
-            <a:ext cx="554355" cy="296143"/>
+            <a:off x="5846445" y="5483860"/>
+            <a:ext cx="448945" cy="295910"/>
           </a:xfrm>
           <a:prstGeom prst="rect">
             <a:avLst/>
@@ -5374,8 +5403,8 @@
         </p:nvSpPr>
         <p:spPr>
           <a:xfrm>
-            <a:off x="2186352" y="1893459"/>
-            <a:ext cx="7819296" cy="4167887"/>
+            <a:off x="2186305" y="1893570"/>
+            <a:ext cx="7819390" cy="4168140"/>
           </a:xfrm>
           <a:prstGeom prst="rect">
             <a:avLst/>
@@ -5422,7 +5451,7 @@
         </p:nvSpPr>
         <p:spPr>
           <a:xfrm flipH="1">
-            <a:off x="9708172" y="5769182"/>
+            <a:off x="9707880" y="5768975"/>
             <a:ext cx="203200" cy="203200"/>
           </a:xfrm>
           <a:prstGeom prst="triangle">
@@ -5467,99 +5496,77 @@
       <p:sp>
         <p:nvSpPr>
           <p:cNvPr id="116" name="TextBox 162"/>
-          <p:cNvSpPr txBox="1"/>
+          <p:cNvSpPr txBox="1">
+            <a:spLocks/>
+          </p:cNvSpPr>
           <p:nvPr/>
         </p:nvSpPr>
         <p:spPr>
-          <a:xfrm>
-            <a:off x="7986658" y="6127530"/>
-            <a:ext cx="2067932" cy="276999"/>
+          <a:xfrm rot="0">
+            <a:off x="6456045" y="6127750"/>
+            <a:ext cx="3929380" cy="245745"/>
           </a:xfrm>
-          <a:prstGeom prst="rect">
-            <a:avLst/>
-          </a:prstGeom>
+          <a:prstGeom prst="rect"/>
           <a:noFill/>
         </p:spPr>
         <p:txBody>
-          <a:bodyPr wrap="none">
+          <a:bodyPr wrap="none" lIns="91440" tIns="45720" rIns="91440" bIns="45720" numCol="1" vert="horz" anchor="t">
             <a:spAutoFit/>
           </a:bodyPr>
           <a:lstStyle/>
           <a:p>
-            <a:pPr lvl="0">
-              <a:defRPr/>
+            <a:pPr marL="0" indent="0" algn="l" fontAlgn="auto" defTabSz="914400" eaLnBrk="0">
+              <a:lnSpc>
+                <a:spcPct val="100000"/>
+              </a:lnSpc>
+              <a:spcBef>
+                <a:spcPts val="0"/>
+              </a:spcBef>
+              <a:spcAft>
+                <a:spcPts val="0"/>
+              </a:spcAft>
+              <a:buFontTx/>
+              <a:buNone/>
             </a:pPr>
             <a:r>
-              <a:rPr lang="ko-KR" altLang="en-US" sz="1200">
-                <a:ln w="9525">
+              <a:rPr lang="en-US" altLang="ko-KR" sz="1000" cap="none" dirty="0" smtClean="0" b="0" strike="noStrike">
+                <a:ln w="9525" cap="flat" cmpd="sng">
                   <a:solidFill>
                     <a:schemeClr val="bg1">
                       <a:alpha val="0"/>
                     </a:schemeClr>
                   </a:solidFill>
+                  <a:prstDash val="solid"/>
                 </a:ln>
                 <a:solidFill>
                   <a:schemeClr val="bg1"/>
                 </a:solidFill>
-                <a:latin typeface="배달의민족 주아"/>
-                <a:ea typeface="배달의민족 주아"/>
+                <a:latin typeface="배달의민족 주아" charset="0"/>
+                <a:ea typeface="배달의민족 주아" charset="0"/>
               </a:rPr>
-              <a:t>출처 </a:t>
+              <a:t>출처 : https://www.finder.com.au/nbn-technology-comparison </a:t>
             </a:r>
-            <a:r>
-              <a:rPr lang="en-US" altLang="ko-KR" sz="1200">
-                <a:ln w="9525">
-                  <a:solidFill>
-                    <a:schemeClr val="bg1">
-                      <a:alpha val="0"/>
-                    </a:schemeClr>
-                  </a:solidFill>
-                </a:ln>
-                <a:solidFill>
-                  <a:schemeClr val="bg1"/>
-                </a:solidFill>
-                <a:latin typeface="배달의민족 주아"/>
-                <a:ea typeface="배달의민족 주아"/>
-              </a:rPr>
-              <a:t>: </a:t>
-            </a:r>
-            <a:r>
-              <a:rPr lang="ko-KR" altLang="en-US" sz="1200">
-                <a:ln w="9525">
-                  <a:solidFill>
-                    <a:schemeClr val="bg1">
-                      <a:alpha val="0"/>
-                    </a:schemeClr>
-                  </a:solidFill>
-                </a:ln>
-                <a:solidFill>
-                  <a:schemeClr val="bg1"/>
-                </a:solidFill>
-                <a:latin typeface="배달의민족 주아"/>
-                <a:ea typeface="배달의민족 주아"/>
-              </a:rPr>
-              <a:t>적어주는거 잊지말고</a:t>
-            </a:r>
-            <a:endParaRPr lang="en-US" altLang="ko-KR" sz="1200">
-              <a:ln w="9525">
+            <a:endParaRPr lang="ko-KR" altLang="en-US" sz="1000" cap="none" dirty="0" smtClean="0" b="0" strike="noStrike">
+              <a:ln w="9525" cap="flat" cmpd="sng">
                 <a:solidFill>
                   <a:schemeClr val="bg1">
                     <a:alpha val="0"/>
                   </a:schemeClr>
                 </a:solidFill>
+                <a:prstDash val="solid"/>
               </a:ln>
               <a:solidFill>
                 <a:schemeClr val="bg1"/>
               </a:solidFill>
-              <a:latin typeface="배달의민족 주아"/>
-              <a:ea typeface="배달의민족 주아"/>
+              <a:latin typeface="배달의민족 주아" charset="0"/>
+              <a:ea typeface="배달의민족 주아" charset="0"/>
             </a:endParaRPr>
           </a:p>
         </p:txBody>
       </p:sp>
       <p:pic>
         <p:nvPicPr>
-          <p:cNvPr id="120" name=""/>
+          <p:cNvPr id="120" name="그림 119"/>
           <p:cNvPicPr>
             <a:picLocks noChangeAspect="1"/>
           </p:cNvPicPr>
@@ -5573,8 +5580,8 @@
         </p:blipFill>
         <p:spPr>
           <a:xfrm>
-            <a:off x="3252893" y="2008702"/>
-            <a:ext cx="5686213" cy="3176283"/>
+            <a:off x="3253105" y="2008505"/>
+            <a:ext cx="5686425" cy="3176270"/>
           </a:xfrm>
           <a:prstGeom prst="rect">
             <a:avLst/>
@@ -5588,17 +5595,24 @@
   </p:clrMapOvr>
   <mc:AlternateContent xmlns:mc="http://schemas.openxmlformats.org/markup-compatibility/2006">
     <mc:Choice xmlns:p14="http://schemas.microsoft.com/office/powerpoint/2010/main" Requires="p14">
-      <p:transition xmlns:mc="http://schemas.openxmlformats.org/markup-compatibility/2006" xmlns:p14="http://schemas.microsoft.com/office/powerpoint/2010/main" mc:Ignorable="p14" p14:dur="500"/>
+      <p:transition spd="slow" p14:dur="500"/>
     </mc:Choice>
     <mc:Fallback>
-      <p:transition/>
+      <p:transition spd="slow"/>
     </mc:Fallback>
   </mc:AlternateContent>
+  <p:timing>
+    <p:tnLst>
+      <p:par>
+        <p:cTn id="1" dur="indefinite" restart="never" nodeType="tmRoot"/>
+      </p:par>
+    </p:tnLst>
+  </p:timing>
 </p:sld>
 </file>
 
 <file path=ppt/slides/slide11.xml><?xml version="1.0" encoding="utf-8"?>
-<p:sld xmlns:r="http://schemas.openxmlformats.org/officeDocument/2006/relationships" xmlns:c="http://schemas.openxmlformats.org/drawingml/2006/chart" xmlns:a="http://schemas.openxmlformats.org/drawingml/2006/main" xmlns:dgm="http://schemas.openxmlformats.org/drawingml/2006/diagram" xmlns:dsp="http://schemas.microsoft.com/office/drawing/2008/diagram" xmlns:p="http://schemas.openxmlformats.org/presentationml/2006/main">
+<p:sld xmlns:r="http://schemas.openxmlformats.org/officeDocument/2006/relationships" xmlns:c="http://schemas.openxmlformats.org/drawingml/2006/chart" xmlns:a="http://schemas.openxmlformats.org/drawingml/2006/main" xmlns:dgm="http://schemas.openxmlformats.org/drawingml/2006/diagram" xmlns:dsp="http://schemas.microsoft.com/office/drawing/2008/diagram" xmlns:p="http://schemas.openxmlformats.org/presentationml/2006/main" xmlns:p14="http://schemas.microsoft.com/office/powerpoint/2010/main">
   <p:cSld>
     <p:spTree>
       <p:nvGrpSpPr>
@@ -5622,10 +5636,10 @@
         </p:nvGrpSpPr>
         <p:grpSpPr>
           <a:xfrm rot="0">
-            <a:off x="5885857" y="6177394"/>
-            <a:ext cx="420286" cy="150177"/>
-            <a:chOff x="5885857" y="4737577"/>
-            <a:chExt cx="420286" cy="150177"/>
+            <a:off x="5885815" y="6177280"/>
+            <a:ext cx="420370" cy="149860"/>
+            <a:chOff x="5885815" y="6177280"/>
+            <a:chExt cx="420370" cy="149860"/>
           </a:xfrm>
         </p:grpSpPr>
         <p:cxnSp>
@@ -5636,8 +5650,8 @@
           </p:nvCxnSpPr>
           <p:spPr>
             <a:xfrm>
-              <a:off x="5885857" y="4766042"/>
-              <a:ext cx="0" cy="93249"/>
+              <a:off x="5885815" y="6205855"/>
+              <a:ext cx="0" cy="93345"/>
             </a:xfrm>
             <a:prstGeom prst="line">
               <a:avLst/>
@@ -5671,8 +5685,8 @@
           </p:nvCxnSpPr>
           <p:spPr>
             <a:xfrm>
-              <a:off x="6096000" y="4737577"/>
-              <a:ext cx="0" cy="150177"/>
+              <a:off x="6096000" y="6177280"/>
+              <a:ext cx="0" cy="149860"/>
             </a:xfrm>
             <a:prstGeom prst="line">
               <a:avLst/>
@@ -5706,8 +5720,8 @@
           </p:nvCxnSpPr>
           <p:spPr>
             <a:xfrm>
-              <a:off x="6306143" y="4766040"/>
-              <a:ext cx="0" cy="93249"/>
+              <a:off x="6306185" y="6205855"/>
+              <a:ext cx="0" cy="93345"/>
             </a:xfrm>
             <a:prstGeom prst="line">
               <a:avLst/>
@@ -5742,8 +5756,8 @@
         </p:nvSpPr>
         <p:spPr>
           <a:xfrm>
-            <a:off x="5232865" y="928192"/>
-            <a:ext cx="1726269" cy="523220"/>
+            <a:off x="5233035" y="928370"/>
+            <a:ext cx="1782445" cy="523240"/>
           </a:xfrm>
           <a:prstGeom prst="rect">
             <a:avLst/>
@@ -5801,10 +5815,10 @@
         </p:nvGrpSpPr>
         <p:grpSpPr>
           <a:xfrm rot="0">
-            <a:off x="5621930" y="487835"/>
-            <a:ext cx="948139" cy="400110"/>
-            <a:chOff x="5621930" y="676811"/>
-            <a:chExt cx="948139" cy="400110"/>
+            <a:off x="5621655" y="487680"/>
+            <a:ext cx="948055" cy="400050"/>
+            <a:chOff x="5621655" y="487680"/>
+            <a:chExt cx="948055" cy="400050"/>
           </a:xfrm>
         </p:grpSpPr>
         <p:cxnSp>
@@ -5815,8 +5829,8 @@
           </p:nvCxnSpPr>
           <p:spPr>
             <a:xfrm>
-              <a:off x="5774330" y="791641"/>
-              <a:ext cx="0" cy="147590"/>
+              <a:off x="5774055" y="602615"/>
+              <a:ext cx="0" cy="147320"/>
             </a:xfrm>
             <a:prstGeom prst="line">
               <a:avLst/>
@@ -5850,8 +5864,8 @@
           </p:nvSpPr>
           <p:spPr>
             <a:xfrm>
-              <a:off x="5912836" y="726584"/>
-              <a:ext cx="366326" cy="277704"/>
+              <a:off x="5913120" y="537845"/>
+              <a:ext cx="366395" cy="277495"/>
             </a:xfrm>
             <a:prstGeom prst="rect">
               <a:avLst/>
@@ -5898,8 +5912,8 @@
           </p:nvSpPr>
           <p:spPr>
             <a:xfrm>
-              <a:off x="5862890" y="676811"/>
-              <a:ext cx="486475" cy="400110"/>
+              <a:off x="5862955" y="487680"/>
+              <a:ext cx="436245" cy="400050"/>
             </a:xfrm>
             <a:prstGeom prst="rect">
               <a:avLst/>
@@ -5959,8 +5973,8 @@
           </p:nvCxnSpPr>
           <p:spPr>
             <a:xfrm>
-              <a:off x="5621930" y="820216"/>
-              <a:ext cx="0" cy="90440"/>
+              <a:off x="5621655" y="631190"/>
+              <a:ext cx="0" cy="90170"/>
             </a:xfrm>
             <a:prstGeom prst="line">
               <a:avLst/>
@@ -5994,8 +6008,8 @@
           </p:nvCxnSpPr>
           <p:spPr>
             <a:xfrm>
-              <a:off x="6417669" y="791641"/>
-              <a:ext cx="0" cy="147590"/>
+              <a:off x="6417945" y="602615"/>
+              <a:ext cx="0" cy="147320"/>
             </a:xfrm>
             <a:prstGeom prst="line">
               <a:avLst/>
@@ -6029,8 +6043,8 @@
           </p:nvCxnSpPr>
           <p:spPr>
             <a:xfrm>
-              <a:off x="6570069" y="820216"/>
-              <a:ext cx="0" cy="90440"/>
+              <a:off x="6570345" y="631190"/>
+              <a:ext cx="0" cy="90170"/>
             </a:xfrm>
             <a:prstGeom prst="line">
               <a:avLst/>
@@ -6065,8 +6079,8 @@
         </p:nvSpPr>
         <p:spPr>
           <a:xfrm>
-            <a:off x="5880734" y="6440454"/>
-            <a:ext cx="459105" cy="291816"/>
+            <a:off x="5884545" y="6440170"/>
+            <a:ext cx="448945" cy="292100"/>
           </a:xfrm>
           <a:prstGeom prst="rect">
             <a:avLst/>
@@ -6141,8 +6155,8 @@
         </p:nvSpPr>
         <p:spPr>
           <a:xfrm flipV="1">
-            <a:off x="2602895" y="4440156"/>
-            <a:ext cx="1079489" cy="109160"/>
+            <a:off x="2602865" y="4439920"/>
+            <a:ext cx="1079500" cy="109220"/>
           </a:xfrm>
           <a:prstGeom prst="rect">
             <a:avLst/>
@@ -6189,8 +6203,8 @@
         </p:nvSpPr>
         <p:spPr>
           <a:xfrm flipV="1">
-            <a:off x="3027751" y="4539224"/>
-            <a:ext cx="229776" cy="148823"/>
+            <a:off x="3027680" y="4538980"/>
+            <a:ext cx="229870" cy="148590"/>
           </a:xfrm>
           <a:prstGeom prst="triangle">
             <a:avLst>
@@ -6239,8 +6253,8 @@
         </p:nvSpPr>
         <p:spPr>
           <a:xfrm>
-            <a:off x="2922790" y="4785786"/>
-            <a:ext cx="449580" cy="369332"/>
+            <a:off x="2941320" y="4785995"/>
+            <a:ext cx="410845" cy="369570"/>
           </a:xfrm>
           <a:prstGeom prst="rect">
             <a:avLst/>
@@ -6291,8 +6305,8 @@
         </p:nvSpPr>
         <p:spPr>
           <a:xfrm>
-            <a:off x="1251585" y="5242151"/>
-            <a:ext cx="3678555" cy="518569"/>
+            <a:off x="1131570" y="5241925"/>
+            <a:ext cx="3916045" cy="518795"/>
           </a:xfrm>
           <a:prstGeom prst="rect">
             <a:avLst/>
@@ -6386,8 +6400,8 @@
         </p:nvSpPr>
         <p:spPr>
           <a:xfrm>
-            <a:off x="8505781" y="4394264"/>
-            <a:ext cx="1079489" cy="109160"/>
+            <a:off x="8505825" y="4394200"/>
+            <a:ext cx="1079500" cy="109220"/>
           </a:xfrm>
           <a:prstGeom prst="rect">
             <a:avLst/>
@@ -6434,8 +6448,8 @@
         </p:nvSpPr>
         <p:spPr>
           <a:xfrm flipV="1">
-            <a:off x="8930637" y="4493327"/>
-            <a:ext cx="229776" cy="148823"/>
+            <a:off x="8930640" y="4493260"/>
+            <a:ext cx="229870" cy="148590"/>
           </a:xfrm>
           <a:prstGeom prst="triangle">
             <a:avLst>
@@ -6484,8 +6498,8 @@
         </p:nvSpPr>
         <p:spPr>
           <a:xfrm>
-            <a:off x="8857763" y="4713917"/>
-            <a:ext cx="444352" cy="369332"/>
+            <a:off x="8873490" y="4713605"/>
+            <a:ext cx="410845" cy="369570"/>
           </a:xfrm>
           <a:prstGeom prst="rect">
             <a:avLst/>
@@ -6536,8 +6550,8 @@
         </p:nvSpPr>
         <p:spPr>
           <a:xfrm>
-            <a:off x="7803053" y="5181539"/>
-            <a:ext cx="2495722" cy="514237"/>
+            <a:off x="7802880" y="5181600"/>
+            <a:ext cx="2495550" cy="514350"/>
           </a:xfrm>
           <a:prstGeom prst="rect">
             <a:avLst/>
@@ -6595,7 +6609,7 @@
         </p:nvSpPr>
         <p:spPr>
           <a:xfrm flipH="1">
-            <a:off x="11541443" y="5703372"/>
+            <a:off x="11541760" y="5703570"/>
             <a:ext cx="203200" cy="203200"/>
           </a:xfrm>
           <a:prstGeom prst="triangle">
@@ -6645,7 +6659,7 @@
         </p:nvSpPr>
         <p:spPr>
           <a:xfrm flipV="1">
-            <a:off x="446300" y="1406343"/>
+            <a:off x="446405" y="1406525"/>
             <a:ext cx="203200" cy="203200"/>
           </a:xfrm>
           <a:prstGeom prst="triangle">
@@ -6689,7 +6703,7 @@
       </p:sp>
       <p:pic>
         <p:nvPicPr>
-          <p:cNvPr id="114" name=""/>
+          <p:cNvPr id="114" name="그림 113"/>
           <p:cNvPicPr/>
           <p:nvPr/>
         </p:nvPicPr>
@@ -6701,8 +6715,8 @@
         </p:blipFill>
         <p:spPr>
           <a:xfrm>
-            <a:off x="950100" y="1604550"/>
-            <a:ext cx="4680000" cy="2520000"/>
+            <a:off x="949960" y="1604645"/>
+            <a:ext cx="4679950" cy="2520315"/>
           </a:xfrm>
           <a:prstGeom prst="rect">
             <a:avLst/>
@@ -6711,7 +6725,7 @@
       </p:pic>
       <p:pic>
         <p:nvPicPr>
-          <p:cNvPr id="115" name=""/>
+          <p:cNvPr id="115" name="그림 114"/>
           <p:cNvPicPr/>
           <p:nvPr/>
         </p:nvPicPr>
@@ -6723,14 +6737,85 @@
         </p:blipFill>
         <p:spPr>
           <a:xfrm>
-            <a:off x="6505575" y="1620225"/>
-            <a:ext cx="4680000" cy="2520000"/>
+            <a:off x="6505575" y="1620520"/>
+            <a:ext cx="4679950" cy="2520315"/>
           </a:xfrm>
           <a:prstGeom prst="rect">
             <a:avLst/>
           </a:prstGeom>
         </p:spPr>
       </p:pic>
+      <p:sp>
+        <p:nvSpPr>
+          <p:cNvPr id="116" name="TextBox 115"/>
+          <p:cNvSpPr txBox="1">
+            <a:spLocks/>
+          </p:cNvSpPr>
+          <p:nvPr/>
+        </p:nvSpPr>
+        <p:spPr>
+          <a:xfrm rot="0">
+            <a:off x="8695690" y="6080760"/>
+            <a:ext cx="3040380" cy="245745"/>
+          </a:xfrm>
+          <a:prstGeom prst="rect"/>
+          <a:noFill/>
+        </p:spPr>
+        <p:txBody>
+          <a:bodyPr wrap="none" lIns="91440" tIns="45720" rIns="91440" bIns="45720" vert="horz" anchor="t">
+            <a:spAutoFit/>
+          </a:bodyPr>
+          <a:lstStyle/>
+          <a:p>
+            <a:pPr marL="0" indent="0" algn="l" fontAlgn="auto" defTabSz="914400" eaLnBrk="0">
+              <a:lnSpc>
+                <a:spcPct val="100000"/>
+              </a:lnSpc>
+              <a:spcBef>
+                <a:spcPts val="0"/>
+              </a:spcBef>
+              <a:spcAft>
+                <a:spcPts val="0"/>
+              </a:spcAft>
+              <a:buFontTx/>
+              <a:buNone/>
+            </a:pPr>
+            <a:r>
+              <a:rPr lang="en-US" altLang="ko-KR" sz="1000" cap="none" dirty="0" smtClean="0" b="0" strike="noStrike">
+                <a:ln w="9525" cap="flat" cmpd="sng">
+                  <a:solidFill>
+                    <a:schemeClr val="bg1">
+                      <a:alpha val="0"/>
+                    </a:schemeClr>
+                  </a:solidFill>
+                  <a:prstDash val="solid"/>
+                </a:ln>
+                <a:solidFill>
+                  <a:schemeClr val="bg1"/>
+                </a:solidFill>
+                <a:latin typeface="배달의민족 주아" charset="0"/>
+                <a:ea typeface="배달의민족 주아" charset="0"/>
+              </a:rPr>
+              <a:t>출처 : http://innovationlab.co.kr/project/KT/</a:t>
+            </a:r>
+            <a:endParaRPr lang="ko-KR" altLang="en-US" sz="1000" cap="none" dirty="0" smtClean="0" b="0" strike="noStrike">
+              <a:ln w="9525" cap="flat" cmpd="sng">
+                <a:solidFill>
+                  <a:schemeClr val="bg1">
+                    <a:alpha val="0"/>
+                  </a:schemeClr>
+                </a:solidFill>
+                <a:prstDash val="solid"/>
+              </a:ln>
+              <a:solidFill>
+                <a:schemeClr val="bg1"/>
+              </a:solidFill>
+              <a:latin typeface="배달의민족 주아" charset="0"/>
+              <a:ea typeface="배달의민족 주아" charset="0"/>
+            </a:endParaRPr>
+          </a:p>
+        </p:txBody>
+      </p:sp>
     </p:spTree>
   </p:cSld>
   <p:clrMapOvr>
@@ -6738,17 +6823,1363 @@
   </p:clrMapOvr>
   <mc:AlternateContent xmlns:mc="http://schemas.openxmlformats.org/markup-compatibility/2006">
     <mc:Choice xmlns:p14="http://schemas.microsoft.com/office/powerpoint/2010/main" Requires="p14">
-      <p:transition xmlns:mc="http://schemas.openxmlformats.org/markup-compatibility/2006" xmlns:p14="http://schemas.microsoft.com/office/powerpoint/2010/main" mc:Ignorable="p14" p14:dur="500"/>
+      <p:transition spd="slow" p14:dur="500"/>
     </mc:Choice>
     <mc:Fallback>
-      <p:transition/>
+      <p:transition spd="slow"/>
     </mc:Fallback>
   </mc:AlternateContent>
+  <p:timing>
+    <p:tnLst>
+      <p:par>
+        <p:cTn id="1" dur="indefinite" restart="never" nodeType="tmRoot"/>
+      </p:par>
+    </p:tnLst>
+  </p:timing>
 </p:sld>
 </file>
 
 <file path=ppt/slides/slide12.xml><?xml version="1.0" encoding="utf-8"?>
-<p:sld xmlns:r="http://schemas.openxmlformats.org/officeDocument/2006/relationships" xmlns:c="http://schemas.openxmlformats.org/drawingml/2006/chart" xmlns:a="http://schemas.openxmlformats.org/drawingml/2006/main" xmlns:dgm="http://schemas.openxmlformats.org/drawingml/2006/diagram" xmlns:dsp="http://schemas.microsoft.com/office/drawing/2008/diagram" xmlns:p="http://schemas.openxmlformats.org/presentationml/2006/main">
+<p:sld xmlns:a="http://schemas.openxmlformats.org/drawingml/2006/main" xmlns:r="http://schemas.openxmlformats.org/officeDocument/2006/relationships" xmlns:p="http://schemas.openxmlformats.org/presentationml/2006/main" xmlns:p14="http://schemas.microsoft.com/office/powerpoint/2010/main">
+  <p:cSld>
+    <p:spTree>
+      <p:nvGrpSpPr>
+        <p:cNvPr id="1" name=""/>
+        <p:cNvGrpSpPr/>
+        <p:nvPr/>
+      </p:nvGrpSpPr>
+      <p:grpSpPr>
+        <a:xfrm>
+          <a:off x="0" y="0"/>
+          <a:ext cx="0" cy="0"/>
+          <a:chOff x="0" y="0"/>
+          <a:chExt cx="0" cy="0"/>
+        </a:xfrm>
+      </p:grpSpPr>
+      <p:grpSp>
+        <p:nvGrpSpPr>
+          <p:cNvPr id="3" name="그룹 2"/>
+          <p:cNvGrpSpPr/>
+          <p:nvPr/>
+        </p:nvGrpSpPr>
+        <p:grpSpPr>
+          <a:xfrm rot="0">
+            <a:off x="5885815" y="6177280"/>
+            <a:ext cx="421005" cy="150495"/>
+            <a:chOff x="5885815" y="6177280"/>
+            <a:chExt cx="421005" cy="150495"/>
+          </a:xfrm>
+        </p:grpSpPr>
+        <p:cxnSp>
+          <p:nvCxnSpPr>
+            <p:cNvPr id="16" name="직선 연결선 15"/>
+            <p:cNvCxnSpPr/>
+            <p:nvPr/>
+          </p:nvCxnSpPr>
+          <p:spPr>
+            <a:xfrm rot="0">
+              <a:off x="5885815" y="6205855"/>
+              <a:ext cx="635" cy="93980"/>
+            </a:xfrm>
+            <a:prstGeom prst="line"/>
+            <a:ln w="28575" cap="rnd" cmpd="sng">
+              <a:solidFill>
+                <a:schemeClr val="bg1">
+                  <a:alpha val="100000"/>
+                </a:schemeClr>
+              </a:solidFill>
+              <a:prstDash val="solid"/>
+            </a:ln>
+          </p:spPr>
+          <p:style>
+            <a:lnRef idx="1">
+              <a:schemeClr val="accent1"/>
+            </a:lnRef>
+            <a:fillRef idx="0">
+              <a:schemeClr val="accent1"/>
+            </a:fillRef>
+            <a:effectRef idx="0">
+              <a:schemeClr val="accent1"/>
+            </a:effectRef>
+            <a:fontRef idx="minor">
+              <a:schemeClr val="tx1"/>
+            </a:fontRef>
+          </p:style>
+        </p:cxnSp>
+        <p:cxnSp>
+          <p:nvCxnSpPr>
+            <p:cNvPr id="17" name="직선 연결선 16"/>
+            <p:cNvCxnSpPr/>
+            <p:nvPr/>
+          </p:nvCxnSpPr>
+          <p:spPr>
+            <a:xfrm rot="0">
+              <a:off x="6096000" y="6177280"/>
+              <a:ext cx="635" cy="150495"/>
+            </a:xfrm>
+            <a:prstGeom prst="line"/>
+            <a:ln w="28575" cap="rnd" cmpd="sng">
+              <a:solidFill>
+                <a:schemeClr val="bg1">
+                  <a:alpha val="100000"/>
+                </a:schemeClr>
+              </a:solidFill>
+              <a:prstDash val="solid"/>
+            </a:ln>
+          </p:spPr>
+          <p:style>
+            <a:lnRef idx="1">
+              <a:schemeClr val="accent1"/>
+            </a:lnRef>
+            <a:fillRef idx="0">
+              <a:schemeClr val="accent1"/>
+            </a:fillRef>
+            <a:effectRef idx="0">
+              <a:schemeClr val="accent1"/>
+            </a:effectRef>
+            <a:fontRef idx="minor">
+              <a:schemeClr val="tx1"/>
+            </a:fontRef>
+          </p:style>
+        </p:cxnSp>
+        <p:cxnSp>
+          <p:nvCxnSpPr>
+            <p:cNvPr id="18" name="직선 연결선 17"/>
+            <p:cNvCxnSpPr/>
+            <p:nvPr/>
+          </p:nvCxnSpPr>
+          <p:spPr>
+            <a:xfrm rot="0">
+              <a:off x="6306185" y="6205855"/>
+              <a:ext cx="635" cy="93980"/>
+            </a:xfrm>
+            <a:prstGeom prst="line"/>
+            <a:ln w="28575" cap="rnd" cmpd="sng">
+              <a:solidFill>
+                <a:schemeClr val="bg1">
+                  <a:alpha val="100000"/>
+                </a:schemeClr>
+              </a:solidFill>
+              <a:prstDash val="solid"/>
+            </a:ln>
+          </p:spPr>
+          <p:style>
+            <a:lnRef idx="1">
+              <a:schemeClr val="accent1"/>
+            </a:lnRef>
+            <a:fillRef idx="0">
+              <a:schemeClr val="accent1"/>
+            </a:fillRef>
+            <a:effectRef idx="0">
+              <a:schemeClr val="accent1"/>
+            </a:effectRef>
+            <a:fontRef idx="minor">
+              <a:schemeClr val="tx1"/>
+            </a:fontRef>
+          </p:style>
+        </p:cxnSp>
+      </p:grpSp>
+      <p:sp>
+        <p:nvSpPr>
+          <p:cNvPr id="24" name="TextBox 23"/>
+          <p:cNvSpPr txBox="1">
+            <a:spLocks/>
+          </p:cNvSpPr>
+          <p:nvPr/>
+        </p:nvSpPr>
+        <p:spPr>
+          <a:xfrm rot="0">
+            <a:off x="4850765" y="993775"/>
+            <a:ext cx="2493645" cy="522605"/>
+          </a:xfrm>
+          <a:prstGeom prst="rect"/>
+          <a:noFill/>
+        </p:spPr>
+        <p:txBody>
+          <a:bodyPr wrap="none" lIns="91440" tIns="45720" rIns="91440" bIns="45720" vert="horz" anchor="t">
+            <a:spAutoFit/>
+          </a:bodyPr>
+          <a:lstStyle/>
+          <a:p>
+            <a:pPr marL="0" indent="0" algn="l" fontAlgn="auto" defTabSz="914400" eaLnBrk="0">
+              <a:lnSpc>
+                <a:spcPct val="100000"/>
+              </a:lnSpc>
+              <a:spcBef>
+                <a:spcPts val="0"/>
+              </a:spcBef>
+              <a:spcAft>
+                <a:spcPts val="0"/>
+              </a:spcAft>
+              <a:buFontTx/>
+              <a:buNone/>
+            </a:pPr>
+            <a:r>
+              <a:rPr lang="en-US" altLang="ko-KR" sz="2800" cap="none" dirty="0" smtClean="0" b="0" strike="noStrike">
+                <a:ln w="9525" cap="flat" cmpd="sng">
+                  <a:solidFill>
+                    <a:schemeClr val="bg1">
+                      <a:alpha val="0"/>
+                    </a:schemeClr>
+                  </a:solidFill>
+                  <a:prstDash val="solid"/>
+                </a:ln>
+                <a:solidFill>
+                  <a:schemeClr val="bg1"/>
+                </a:solidFill>
+                <a:latin typeface="배달의민족 주아" charset="0"/>
+                <a:ea typeface="배달의민족 주아" charset="0"/>
+              </a:rPr>
+              <a:t>예상되는 수요</a:t>
+            </a:r>
+            <a:endParaRPr lang="ko-KR" altLang="en-US" sz="2800" cap="none" dirty="0" smtClean="0" b="0" strike="noStrike">
+              <a:ln w="9525" cap="flat" cmpd="sng">
+                <a:solidFill>
+                  <a:schemeClr val="bg1">
+                    <a:alpha val="0"/>
+                  </a:schemeClr>
+                </a:solidFill>
+                <a:prstDash val="solid"/>
+              </a:ln>
+              <a:solidFill>
+                <a:schemeClr val="bg1"/>
+              </a:solidFill>
+              <a:latin typeface="배달의민족 주아" charset="0"/>
+              <a:ea typeface="배달의민족 주아" charset="0"/>
+            </a:endParaRPr>
+          </a:p>
+        </p:txBody>
+      </p:sp>
+      <p:grpSp>
+        <p:nvGrpSpPr>
+          <p:cNvPr id="8" name="그룹 7"/>
+          <p:cNvGrpSpPr/>
+          <p:nvPr/>
+        </p:nvGrpSpPr>
+        <p:grpSpPr>
+          <a:xfrm rot="0">
+            <a:off x="5621655" y="487680"/>
+            <a:ext cx="948690" cy="400685"/>
+            <a:chOff x="5621655" y="487680"/>
+            <a:chExt cx="948690" cy="400685"/>
+          </a:xfrm>
+        </p:grpSpPr>
+        <p:cxnSp>
+          <p:nvCxnSpPr>
+            <p:cNvPr id="12" name="직선 연결선 11"/>
+            <p:cNvCxnSpPr/>
+            <p:nvPr/>
+          </p:nvCxnSpPr>
+          <p:spPr>
+            <a:xfrm rot="0">
+              <a:off x="5774055" y="602615"/>
+              <a:ext cx="635" cy="147955"/>
+            </a:xfrm>
+            <a:prstGeom prst="line"/>
+            <a:ln w="28575" cap="rnd" cmpd="sng">
+              <a:solidFill>
+                <a:srgbClr val="6991B1">
+                  <a:alpha val="100000"/>
+                </a:srgbClr>
+              </a:solidFill>
+              <a:prstDash val="solid"/>
+            </a:ln>
+          </p:spPr>
+          <p:style>
+            <a:lnRef idx="1">
+              <a:schemeClr val="accent1"/>
+            </a:lnRef>
+            <a:fillRef idx="0">
+              <a:schemeClr val="accent1"/>
+            </a:fillRef>
+            <a:effectRef idx="0">
+              <a:schemeClr val="accent1"/>
+            </a:effectRef>
+            <a:fontRef idx="minor">
+              <a:schemeClr val="tx1"/>
+            </a:fontRef>
+          </p:style>
+        </p:cxnSp>
+        <p:sp>
+          <p:nvSpPr>
+            <p:cNvPr id="23" name="직사각형 22"/>
+            <p:cNvSpPr>
+              <a:spLocks/>
+            </p:cNvSpPr>
+            <p:nvPr/>
+          </p:nvSpPr>
+          <p:spPr>
+            <a:xfrm rot="0">
+              <a:off x="5913120" y="537845"/>
+              <a:ext cx="367030" cy="278130"/>
+            </a:xfrm>
+            <a:prstGeom prst="rect"/>
+            <a:solidFill>
+              <a:srgbClr val="6991B1"/>
+            </a:solidFill>
+            <a:ln w="0">
+              <a:noFill/>
+              <a:prstDash/>
+            </a:ln>
+          </p:spPr>
+          <p:style>
+            <a:lnRef idx="2">
+              <a:schemeClr val="accent1">
+                <a:shade val="50000"/>
+              </a:schemeClr>
+            </a:lnRef>
+            <a:fillRef idx="1">
+              <a:schemeClr val="accent1"/>
+            </a:fillRef>
+            <a:effectRef idx="0">
+              <a:schemeClr val="accent1"/>
+            </a:effectRef>
+            <a:fontRef idx="minor">
+              <a:schemeClr val="lt1"/>
+            </a:fontRef>
+          </p:style>
+          <p:txBody>
+            <a:bodyPr wrap="square" lIns="91440" tIns="45720" rIns="91440" bIns="45720" vert="horz" anchor="ctr">
+              <a:noAutofit/>
+            </a:bodyPr>
+            <a:lstStyle/>
+            <a:p>
+              <a:pPr marL="0" indent="0" algn="ctr" fontAlgn="auto" defTabSz="914400" eaLnBrk="0">
+                <a:lnSpc>
+                  <a:spcPct val="100000"/>
+                </a:lnSpc>
+                <a:spcBef>
+                  <a:spcPts val="0"/>
+                </a:spcBef>
+                <a:spcAft>
+                  <a:spcPts val="0"/>
+                </a:spcAft>
+                <a:buFontTx/>
+                <a:buNone/>
+              </a:pPr>
+              <a:endParaRPr lang="ko-KR" altLang="en-US" sz="1800" cap="none" dirty="0" smtClean="0" b="0" strike="noStrike">
+                <a:latin typeface="맑은 고딕" charset="0"/>
+                <a:ea typeface="맑은 고딕" charset="0"/>
+              </a:endParaRPr>
+            </a:p>
+          </p:txBody>
+        </p:sp>
+        <p:sp>
+          <p:nvSpPr>
+            <p:cNvPr id="22" name="TextBox 21"/>
+            <p:cNvSpPr txBox="1">
+              <a:spLocks/>
+            </p:cNvSpPr>
+            <p:nvPr/>
+          </p:nvSpPr>
+          <p:spPr>
+            <a:xfrm rot="0">
+              <a:off x="5862955" y="487680"/>
+              <a:ext cx="436245" cy="399415"/>
+            </a:xfrm>
+            <a:prstGeom prst="rect"/>
+            <a:noFill/>
+          </p:spPr>
+          <p:txBody>
+            <a:bodyPr wrap="none" lIns="91440" tIns="45720" rIns="91440" bIns="45720" vert="horz" anchor="t">
+              <a:spAutoFit/>
+            </a:bodyPr>
+            <a:lstStyle/>
+            <a:p>
+              <a:pPr marL="0" indent="0" algn="l" fontAlgn="auto" defTabSz="914400" eaLnBrk="0">
+                <a:lnSpc>
+                  <a:spcPct val="100000"/>
+                </a:lnSpc>
+                <a:spcBef>
+                  <a:spcPts val="0"/>
+                </a:spcBef>
+                <a:spcAft>
+                  <a:spcPts val="0"/>
+                </a:spcAft>
+                <a:buFontTx/>
+                <a:buNone/>
+              </a:pPr>
+              <a:r>
+                <a:rPr lang="en-US" altLang="ko-KR" sz="2000" cap="none" dirty="0" smtClean="0" b="0" strike="noStrike">
+                  <a:ln w="9525" cap="flat" cmpd="sng">
+                    <a:solidFill>
+                      <a:schemeClr val="accent1">
+                        <a:shade val="50000"/>
+                        <a:alpha val="0"/>
+                      </a:schemeClr>
+                    </a:solidFill>
+                    <a:prstDash val="solid"/>
+                  </a:ln>
+                  <a:solidFill>
+                    <a:schemeClr val="bg1"/>
+                  </a:solidFill>
+                  <a:latin typeface="배달의민족 주아" charset="0"/>
+                  <a:ea typeface="배달의민족 주아" charset="0"/>
+                </a:rPr>
+                <a:t>10</a:t>
+              </a:r>
+              <a:endParaRPr lang="ko-KR" altLang="en-US" sz="2000" cap="none" dirty="0" smtClean="0" b="0" strike="noStrike">
+                <a:ln w="9525" cap="flat" cmpd="sng">
+                  <a:solidFill>
+                    <a:schemeClr val="accent1">
+                      <a:shade val="50000"/>
+                      <a:alpha val="0"/>
+                    </a:schemeClr>
+                  </a:solidFill>
+                  <a:prstDash val="solid"/>
+                </a:ln>
+                <a:solidFill>
+                  <a:schemeClr val="bg1"/>
+                </a:solidFill>
+                <a:latin typeface="배달의민족 주아" charset="0"/>
+                <a:ea typeface="배달의민족 주아" charset="0"/>
+              </a:endParaRPr>
+            </a:p>
+          </p:txBody>
+        </p:sp>
+        <p:cxnSp>
+          <p:nvCxnSpPr>
+            <p:cNvPr id="28" name="직선 연결선 27"/>
+            <p:cNvCxnSpPr/>
+            <p:nvPr/>
+          </p:nvCxnSpPr>
+          <p:spPr>
+            <a:xfrm rot="0">
+              <a:off x="5621655" y="631190"/>
+              <a:ext cx="635" cy="90805"/>
+            </a:xfrm>
+            <a:prstGeom prst="line"/>
+            <a:ln w="28575" cap="rnd" cmpd="sng">
+              <a:solidFill>
+                <a:srgbClr val="6991B1">
+                  <a:alpha val="100000"/>
+                </a:srgbClr>
+              </a:solidFill>
+              <a:prstDash val="solid"/>
+            </a:ln>
+          </p:spPr>
+          <p:style>
+            <a:lnRef idx="1">
+              <a:schemeClr val="accent1"/>
+            </a:lnRef>
+            <a:fillRef idx="0">
+              <a:schemeClr val="accent1"/>
+            </a:fillRef>
+            <a:effectRef idx="0">
+              <a:schemeClr val="accent1"/>
+            </a:effectRef>
+            <a:fontRef idx="minor">
+              <a:schemeClr val="tx1"/>
+            </a:fontRef>
+          </p:style>
+        </p:cxnSp>
+        <p:cxnSp>
+          <p:nvCxnSpPr>
+            <p:cNvPr id="29" name="직선 연결선 28"/>
+            <p:cNvCxnSpPr/>
+            <p:nvPr/>
+          </p:nvCxnSpPr>
+          <p:spPr>
+            <a:xfrm rot="0">
+              <a:off x="6417945" y="602615"/>
+              <a:ext cx="635" cy="147955"/>
+            </a:xfrm>
+            <a:prstGeom prst="line"/>
+            <a:ln w="28575" cap="rnd" cmpd="sng">
+              <a:solidFill>
+                <a:srgbClr val="6991B1">
+                  <a:alpha val="100000"/>
+                </a:srgbClr>
+              </a:solidFill>
+              <a:prstDash val="solid"/>
+            </a:ln>
+          </p:spPr>
+          <p:style>
+            <a:lnRef idx="1">
+              <a:schemeClr val="accent1"/>
+            </a:lnRef>
+            <a:fillRef idx="0">
+              <a:schemeClr val="accent1"/>
+            </a:fillRef>
+            <a:effectRef idx="0">
+              <a:schemeClr val="accent1"/>
+            </a:effectRef>
+            <a:fontRef idx="minor">
+              <a:schemeClr val="tx1"/>
+            </a:fontRef>
+          </p:style>
+        </p:cxnSp>
+        <p:cxnSp>
+          <p:nvCxnSpPr>
+            <p:cNvPr id="30" name="직선 연결선 29"/>
+            <p:cNvCxnSpPr/>
+            <p:nvPr/>
+          </p:nvCxnSpPr>
+          <p:spPr>
+            <a:xfrm rot="0">
+              <a:off x="6570345" y="631190"/>
+              <a:ext cx="635" cy="90805"/>
+            </a:xfrm>
+            <a:prstGeom prst="line"/>
+            <a:ln w="28575" cap="rnd" cmpd="sng">
+              <a:solidFill>
+                <a:srgbClr val="6991B1">
+                  <a:alpha val="100000"/>
+                </a:srgbClr>
+              </a:solidFill>
+              <a:prstDash val="solid"/>
+            </a:ln>
+          </p:spPr>
+          <p:style>
+            <a:lnRef idx="1">
+              <a:schemeClr val="accent1"/>
+            </a:lnRef>
+            <a:fillRef idx="0">
+              <a:schemeClr val="accent1"/>
+            </a:fillRef>
+            <a:effectRef idx="0">
+              <a:schemeClr val="accent1"/>
+            </a:effectRef>
+            <a:fontRef idx="minor">
+              <a:schemeClr val="tx1"/>
+            </a:fontRef>
+          </p:style>
+        </p:cxnSp>
+      </p:grpSp>
+      <p:sp>
+        <p:nvSpPr>
+          <p:cNvPr id="66" name="TextBox 65"/>
+          <p:cNvSpPr txBox="1">
+            <a:spLocks/>
+          </p:cNvSpPr>
+          <p:nvPr/>
+        </p:nvSpPr>
+        <p:spPr>
+          <a:xfrm rot="0">
+            <a:off x="5884545" y="6440170"/>
+            <a:ext cx="448945" cy="292735"/>
+          </a:xfrm>
+          <a:prstGeom prst="rect"/>
+          <a:noFill/>
+        </p:spPr>
+        <p:txBody>
+          <a:bodyPr wrap="none" lIns="91440" tIns="45720" rIns="91440" bIns="45720" vert="horz" anchor="t">
+            <a:spAutoFit/>
+          </a:bodyPr>
+          <a:lstStyle/>
+          <a:p>
+            <a:pPr marL="0" indent="0" algn="ctr" fontAlgn="auto" defTabSz="914400" eaLnBrk="0">
+              <a:lnSpc>
+                <a:spcPct val="100000"/>
+              </a:lnSpc>
+              <a:spcBef>
+                <a:spcPts val="0"/>
+              </a:spcBef>
+              <a:spcAft>
+                <a:spcPts val="0"/>
+              </a:spcAft>
+              <a:buFontTx/>
+              <a:buNone/>
+            </a:pPr>
+            <a:r>
+              <a:rPr lang="en-US" altLang="ko-KR" sz="1400" cap="none" dirty="0" smtClean="0" b="0" strike="noStrike">
+                <a:ln w="9525" cap="flat" cmpd="sng">
+                  <a:solidFill>
+                    <a:schemeClr val="bg1">
+                      <a:alpha val="0"/>
+                    </a:schemeClr>
+                  </a:solidFill>
+                  <a:prstDash val="solid"/>
+                </a:ln>
+                <a:solidFill>
+                  <a:schemeClr val="bg1"/>
+                </a:solidFill>
+                <a:latin typeface="배달의민족 주아" charset="0"/>
+                <a:ea typeface="배달의민족 주아" charset="0"/>
+              </a:rPr>
+              <a:t>3조</a:t>
+            </a:r>
+            <a:endParaRPr lang="ko-KR" altLang="en-US" sz="1400" cap="none" dirty="0" smtClean="0" b="0" strike="noStrike">
+              <a:ln w="9525" cap="flat" cmpd="sng">
+                <a:solidFill>
+                  <a:schemeClr val="bg1">
+                    <a:alpha val="0"/>
+                  </a:schemeClr>
+                </a:solidFill>
+                <a:prstDash val="solid"/>
+              </a:ln>
+              <a:solidFill>
+                <a:schemeClr val="bg1"/>
+              </a:solidFill>
+              <a:latin typeface="배달의민족 주아" charset="0"/>
+              <a:ea typeface="배달의민족 주아" charset="0"/>
+            </a:endParaRPr>
+          </a:p>
+        </p:txBody>
+      </p:sp>
+      <p:sp>
+        <p:nvSpPr>
+          <p:cNvPr id="10" name="직사각형 9"/>
+          <p:cNvSpPr>
+            <a:spLocks/>
+          </p:cNvSpPr>
+          <p:nvPr/>
+        </p:nvSpPr>
+        <p:spPr>
+          <a:xfrm rot="0" flipV="1">
+            <a:off x="3293110" y="4756785"/>
+            <a:ext cx="1080135" cy="109855"/>
+          </a:xfrm>
+          <a:prstGeom prst="rect"/>
+          <a:solidFill>
+            <a:srgbClr val="F3B67F"/>
+          </a:solidFill>
+          <a:ln w="0">
+            <a:noFill/>
+            <a:prstDash/>
+          </a:ln>
+        </p:spPr>
+        <p:style>
+          <a:lnRef idx="2">
+            <a:schemeClr val="accent1">
+              <a:shade val="50000"/>
+            </a:schemeClr>
+          </a:lnRef>
+          <a:fillRef idx="1">
+            <a:schemeClr val="accent1"/>
+          </a:fillRef>
+          <a:effectRef idx="0">
+            <a:schemeClr val="accent1"/>
+          </a:effectRef>
+          <a:fontRef idx="minor">
+            <a:schemeClr val="lt1"/>
+          </a:fontRef>
+        </p:style>
+        <p:txBody>
+          <a:bodyPr wrap="square" lIns="91440" tIns="45720" rIns="91440" bIns="45720" vert="horz" anchor="ctr">
+            <a:noAutofit/>
+          </a:bodyPr>
+          <a:lstStyle/>
+          <a:p>
+            <a:pPr marL="0" indent="0" algn="ctr" fontAlgn="auto" defTabSz="914400" eaLnBrk="0">
+              <a:lnSpc>
+                <a:spcPct val="100000"/>
+              </a:lnSpc>
+              <a:spcBef>
+                <a:spcPts val="0"/>
+              </a:spcBef>
+              <a:spcAft>
+                <a:spcPts val="0"/>
+              </a:spcAft>
+              <a:buFontTx/>
+              <a:buNone/>
+            </a:pPr>
+            <a:endParaRPr lang="ko-KR" altLang="en-US" sz="1800" cap="none" dirty="0" smtClean="0" b="0" strike="noStrike">
+              <a:latin typeface="맑은 고딕" charset="0"/>
+              <a:ea typeface="맑은 고딕" charset="0"/>
+            </a:endParaRPr>
+          </a:p>
+        </p:txBody>
+      </p:sp>
+      <p:sp>
+        <p:nvSpPr>
+          <p:cNvPr id="13" name="이등변 삼각형 12"/>
+          <p:cNvSpPr>
+            <a:spLocks/>
+          </p:cNvSpPr>
+          <p:nvPr/>
+        </p:nvSpPr>
+        <p:spPr>
+          <a:xfrm rot="0" flipV="1">
+            <a:off x="3717925" y="4855845"/>
+            <a:ext cx="230505" cy="149225"/>
+          </a:xfrm>
+          <a:prstGeom prst="triangle">
+            <a:avLst>
+              <a:gd name="adj" fmla="val 50000"/>
+            </a:avLst>
+          </a:prstGeom>
+          <a:solidFill>
+            <a:srgbClr val="F3B67F"/>
+          </a:solidFill>
+          <a:ln w="0">
+            <a:noFill/>
+            <a:prstDash/>
+          </a:ln>
+        </p:spPr>
+        <p:style>
+          <a:lnRef idx="2">
+            <a:schemeClr val="accent1">
+              <a:shade val="50000"/>
+            </a:schemeClr>
+          </a:lnRef>
+          <a:fillRef idx="1">
+            <a:schemeClr val="accent1"/>
+          </a:fillRef>
+          <a:effectRef idx="0">
+            <a:schemeClr val="accent1"/>
+          </a:effectRef>
+          <a:fontRef idx="minor">
+            <a:schemeClr val="lt1"/>
+          </a:fontRef>
+        </p:style>
+        <p:txBody>
+          <a:bodyPr wrap="square" lIns="91440" tIns="45720" rIns="91440" bIns="45720" vert="horz" anchor="ctr">
+            <a:noAutofit/>
+          </a:bodyPr>
+          <a:lstStyle/>
+          <a:p>
+            <a:pPr marL="0" indent="0" algn="ctr" fontAlgn="auto" defTabSz="914400" eaLnBrk="0">
+              <a:lnSpc>
+                <a:spcPct val="100000"/>
+              </a:lnSpc>
+              <a:spcBef>
+                <a:spcPts val="0"/>
+              </a:spcBef>
+              <a:spcAft>
+                <a:spcPts val="0"/>
+              </a:spcAft>
+              <a:buFontTx/>
+              <a:buNone/>
+            </a:pPr>
+            <a:endParaRPr lang="ko-KR" altLang="en-US" sz="1800" cap="none" dirty="0" smtClean="0" b="0" strike="noStrike">
+              <a:latin typeface="맑은 고딕" charset="0"/>
+              <a:ea typeface="맑은 고딕" charset="0"/>
+            </a:endParaRPr>
+          </a:p>
+        </p:txBody>
+      </p:sp>
+      <p:sp>
+        <p:nvSpPr>
+          <p:cNvPr id="95" name="TextBox 94"/>
+          <p:cNvSpPr txBox="1">
+            <a:spLocks/>
+          </p:cNvSpPr>
+          <p:nvPr/>
+        </p:nvSpPr>
+        <p:spPr>
+          <a:xfrm rot="0">
+            <a:off x="2826385" y="5112385"/>
+            <a:ext cx="2028190" cy="368935"/>
+          </a:xfrm>
+          <a:prstGeom prst="rect"/>
+          <a:noFill/>
+        </p:spPr>
+        <p:txBody>
+          <a:bodyPr wrap="square" lIns="91440" tIns="45720" rIns="91440" bIns="45720" vert="horz" anchor="t">
+            <a:spAutoFit/>
+          </a:bodyPr>
+          <a:lstStyle/>
+          <a:p>
+            <a:pPr marL="0" indent="0" algn="ctr" fontAlgn="auto" defTabSz="914400" eaLnBrk="0">
+              <a:lnSpc>
+                <a:spcPct val="100000"/>
+              </a:lnSpc>
+              <a:spcBef>
+                <a:spcPts val="0"/>
+              </a:spcBef>
+              <a:spcAft>
+                <a:spcPts val="0"/>
+              </a:spcAft>
+              <a:buFontTx/>
+              <a:buNone/>
+            </a:pPr>
+            <a:r>
+              <a:rPr lang="en-US" altLang="ko-KR" sz="1800" cap="none" dirty="0" smtClean="0" b="0" strike="noStrike">
+                <a:ln w="9525" cap="flat" cmpd="sng">
+                  <a:solidFill>
+                    <a:schemeClr val="bg1">
+                      <a:alpha val="0"/>
+                    </a:schemeClr>
+                  </a:solidFill>
+                  <a:prstDash val="solid"/>
+                </a:ln>
+                <a:solidFill>
+                  <a:schemeClr val="bg1"/>
+                </a:solidFill>
+                <a:latin typeface="배달의민족 주아" charset="0"/>
+                <a:ea typeface="배달의민족 주아" charset="0"/>
+              </a:rPr>
+              <a:t>VR을 이용한 게임</a:t>
+            </a:r>
+            <a:endParaRPr lang="ko-KR" altLang="en-US" sz="1800" cap="none" dirty="0" smtClean="0" b="0" strike="noStrike">
+              <a:ln w="9525" cap="flat" cmpd="sng">
+                <a:solidFill>
+                  <a:schemeClr val="bg1">
+                    <a:alpha val="0"/>
+                  </a:schemeClr>
+                </a:solidFill>
+                <a:prstDash val="solid"/>
+              </a:ln>
+              <a:solidFill>
+                <a:schemeClr val="bg1"/>
+              </a:solidFill>
+              <a:latin typeface="배달의민족 주아" charset="0"/>
+              <a:ea typeface="배달의민족 주아" charset="0"/>
+            </a:endParaRPr>
+          </a:p>
+        </p:txBody>
+      </p:sp>
+      <p:sp>
+        <p:nvSpPr>
+          <p:cNvPr id="51" name="직사각형 50"/>
+          <p:cNvSpPr>
+            <a:spLocks/>
+          </p:cNvSpPr>
+          <p:nvPr/>
+        </p:nvSpPr>
+        <p:spPr>
+          <a:xfrm rot="0">
+            <a:off x="8048625" y="4730115"/>
+            <a:ext cx="1080135" cy="109855"/>
+          </a:xfrm>
+          <a:prstGeom prst="rect"/>
+          <a:solidFill>
+            <a:srgbClr val="ED903B"/>
+          </a:solidFill>
+          <a:ln w="0">
+            <a:noFill/>
+            <a:prstDash/>
+          </a:ln>
+        </p:spPr>
+        <p:style>
+          <a:lnRef idx="2">
+            <a:schemeClr val="accent1">
+              <a:shade val="50000"/>
+            </a:schemeClr>
+          </a:lnRef>
+          <a:fillRef idx="1">
+            <a:schemeClr val="accent1"/>
+          </a:fillRef>
+          <a:effectRef idx="0">
+            <a:schemeClr val="accent1"/>
+          </a:effectRef>
+          <a:fontRef idx="minor">
+            <a:schemeClr val="lt1"/>
+          </a:fontRef>
+        </p:style>
+        <p:txBody>
+          <a:bodyPr wrap="square" lIns="91440" tIns="45720" rIns="91440" bIns="45720" vert="horz" anchor="ctr">
+            <a:noAutofit/>
+          </a:bodyPr>
+          <a:lstStyle/>
+          <a:p>
+            <a:pPr marL="0" indent="0" algn="ctr" fontAlgn="auto" defTabSz="914400" eaLnBrk="0">
+              <a:lnSpc>
+                <a:spcPct val="100000"/>
+              </a:lnSpc>
+              <a:spcBef>
+                <a:spcPts val="0"/>
+              </a:spcBef>
+              <a:spcAft>
+                <a:spcPts val="0"/>
+              </a:spcAft>
+              <a:buFontTx/>
+              <a:buNone/>
+            </a:pPr>
+            <a:endParaRPr lang="ko-KR" altLang="en-US" sz="1800" cap="none" dirty="0" smtClean="0" b="0" strike="noStrike">
+              <a:latin typeface="맑은 고딕" charset="0"/>
+              <a:ea typeface="맑은 고딕" charset="0"/>
+            </a:endParaRPr>
+          </a:p>
+        </p:txBody>
+      </p:sp>
+      <p:sp>
+        <p:nvSpPr>
+          <p:cNvPr id="57" name="이등변 삼각형 56"/>
+          <p:cNvSpPr>
+            <a:spLocks/>
+          </p:cNvSpPr>
+          <p:nvPr/>
+        </p:nvSpPr>
+        <p:spPr>
+          <a:xfrm rot="0" flipV="1">
+            <a:off x="8473440" y="4829175"/>
+            <a:ext cx="230505" cy="149225"/>
+          </a:xfrm>
+          <a:prstGeom prst="triangle">
+            <a:avLst>
+              <a:gd name="adj" fmla="val 50000"/>
+            </a:avLst>
+          </a:prstGeom>
+          <a:solidFill>
+            <a:srgbClr val="ED903B"/>
+          </a:solidFill>
+          <a:ln w="0">
+            <a:noFill/>
+            <a:prstDash/>
+          </a:ln>
+        </p:spPr>
+        <p:style>
+          <a:lnRef idx="2">
+            <a:schemeClr val="accent1">
+              <a:shade val="50000"/>
+            </a:schemeClr>
+          </a:lnRef>
+          <a:fillRef idx="1">
+            <a:schemeClr val="accent1"/>
+          </a:fillRef>
+          <a:effectRef idx="0">
+            <a:schemeClr val="accent1"/>
+          </a:effectRef>
+          <a:fontRef idx="minor">
+            <a:schemeClr val="lt1"/>
+          </a:fontRef>
+        </p:style>
+        <p:txBody>
+          <a:bodyPr wrap="square" lIns="91440" tIns="45720" rIns="91440" bIns="45720" vert="horz" anchor="ctr">
+            <a:noAutofit/>
+          </a:bodyPr>
+          <a:lstStyle/>
+          <a:p>
+            <a:pPr marL="0" indent="0" algn="ctr" fontAlgn="auto" defTabSz="914400" eaLnBrk="0">
+              <a:lnSpc>
+                <a:spcPct val="100000"/>
+              </a:lnSpc>
+              <a:spcBef>
+                <a:spcPts val="0"/>
+              </a:spcBef>
+              <a:spcAft>
+                <a:spcPts val="0"/>
+              </a:spcAft>
+              <a:buFontTx/>
+              <a:buNone/>
+            </a:pPr>
+            <a:endParaRPr lang="ko-KR" altLang="en-US" sz="1800" cap="none" dirty="0" smtClean="0" b="0" strike="noStrike">
+              <a:latin typeface="맑은 고딕" charset="0"/>
+              <a:ea typeface="맑은 고딕" charset="0"/>
+            </a:endParaRPr>
+          </a:p>
+        </p:txBody>
+      </p:sp>
+      <p:sp>
+        <p:nvSpPr>
+          <p:cNvPr id="96" name="TextBox 95"/>
+          <p:cNvSpPr txBox="1">
+            <a:spLocks/>
+          </p:cNvSpPr>
+          <p:nvPr/>
+        </p:nvSpPr>
+        <p:spPr>
+          <a:xfrm rot="0">
+            <a:off x="6988810" y="5049520"/>
+            <a:ext cx="3154045" cy="368935"/>
+          </a:xfrm>
+          <a:prstGeom prst="rect"/>
+          <a:noFill/>
+        </p:spPr>
+        <p:txBody>
+          <a:bodyPr wrap="none" lIns="91440" tIns="45720" rIns="91440" bIns="45720" vert="horz" anchor="t">
+            <a:spAutoFit/>
+          </a:bodyPr>
+          <a:lstStyle/>
+          <a:p>
+            <a:pPr marL="0" indent="0" algn="ctr" fontAlgn="auto" defTabSz="914400" eaLnBrk="0">
+              <a:lnSpc>
+                <a:spcPct val="100000"/>
+              </a:lnSpc>
+              <a:spcBef>
+                <a:spcPts val="0"/>
+              </a:spcBef>
+              <a:spcAft>
+                <a:spcPts val="0"/>
+              </a:spcAft>
+              <a:buFontTx/>
+              <a:buNone/>
+            </a:pPr>
+            <a:r>
+              <a:rPr lang="en-US" altLang="ko-KR" sz="1800" cap="none" dirty="0" smtClean="0" b="0" strike="noStrike">
+                <a:ln w="9525" cap="flat" cmpd="sng">
+                  <a:solidFill>
+                    <a:schemeClr val="bg1">
+                      <a:alpha val="0"/>
+                    </a:schemeClr>
+                  </a:solidFill>
+                  <a:prstDash val="solid"/>
+                </a:ln>
+                <a:solidFill>
+                  <a:schemeClr val="bg1"/>
+                </a:solidFill>
+                <a:latin typeface="배달의민족 주아" charset="0"/>
+                <a:ea typeface="배달의민족 주아" charset="0"/>
+              </a:rPr>
+              <a:t>홀로그램을 이용한 화상통화</a:t>
+            </a:r>
+            <a:endParaRPr lang="ko-KR" altLang="en-US" sz="1800" cap="none" dirty="0" smtClean="0" b="0" strike="noStrike">
+              <a:ln w="9525" cap="flat" cmpd="sng">
+                <a:solidFill>
+                  <a:schemeClr val="bg1">
+                    <a:alpha val="0"/>
+                  </a:schemeClr>
+                </a:solidFill>
+                <a:prstDash val="solid"/>
+              </a:ln>
+              <a:solidFill>
+                <a:schemeClr val="bg1"/>
+              </a:solidFill>
+              <a:latin typeface="배달의민족 주아" charset="0"/>
+              <a:ea typeface="배달의민족 주아" charset="0"/>
+            </a:endParaRPr>
+          </a:p>
+        </p:txBody>
+      </p:sp>
+      <p:sp>
+        <p:nvSpPr>
+          <p:cNvPr id="112" name="이등변 삼각형 111"/>
+          <p:cNvSpPr>
+            <a:spLocks/>
+          </p:cNvSpPr>
+          <p:nvPr/>
+        </p:nvSpPr>
+        <p:spPr>
+          <a:xfrm rot="0" flipH="1">
+            <a:off x="11541760" y="5703570"/>
+            <a:ext cx="203835" cy="203835"/>
+          </a:xfrm>
+          <a:prstGeom prst="triangle">
+            <a:avLst>
+              <a:gd name="adj" fmla="val 0"/>
+            </a:avLst>
+          </a:prstGeom>
+          <a:solidFill>
+            <a:srgbClr val="F3B67F"/>
+          </a:solidFill>
+          <a:ln w="0">
+            <a:noFill/>
+            <a:prstDash/>
+          </a:ln>
+        </p:spPr>
+        <p:style>
+          <a:lnRef idx="2">
+            <a:schemeClr val="accent1">
+              <a:shade val="50000"/>
+            </a:schemeClr>
+          </a:lnRef>
+          <a:fillRef idx="1">
+            <a:schemeClr val="accent1"/>
+          </a:fillRef>
+          <a:effectRef idx="0">
+            <a:schemeClr val="accent1"/>
+          </a:effectRef>
+          <a:fontRef idx="minor">
+            <a:schemeClr val="lt1"/>
+          </a:fontRef>
+        </p:style>
+        <p:txBody>
+          <a:bodyPr wrap="square" lIns="91440" tIns="45720" rIns="91440" bIns="45720" vert="horz" anchor="ctr">
+            <a:noAutofit/>
+          </a:bodyPr>
+          <a:lstStyle/>
+          <a:p>
+            <a:pPr marL="0" indent="0" algn="ctr" fontAlgn="auto" defTabSz="914400" eaLnBrk="0">
+              <a:lnSpc>
+                <a:spcPct val="100000"/>
+              </a:lnSpc>
+              <a:spcBef>
+                <a:spcPts val="0"/>
+              </a:spcBef>
+              <a:spcAft>
+                <a:spcPts val="0"/>
+              </a:spcAft>
+              <a:buFontTx/>
+              <a:buNone/>
+            </a:pPr>
+            <a:endParaRPr lang="ko-KR" altLang="en-US" sz="1800" cap="none" dirty="0" smtClean="0" b="0" strike="noStrike">
+              <a:latin typeface="맑은 고딕" charset="0"/>
+              <a:ea typeface="맑은 고딕" charset="0"/>
+            </a:endParaRPr>
+          </a:p>
+        </p:txBody>
+      </p:sp>
+      <p:sp>
+        <p:nvSpPr>
+          <p:cNvPr id="113" name="이등변 삼각형 112"/>
+          <p:cNvSpPr>
+            <a:spLocks/>
+          </p:cNvSpPr>
+          <p:nvPr/>
+        </p:nvSpPr>
+        <p:spPr>
+          <a:xfrm rot="0" flipV="1">
+            <a:off x="446405" y="1406525"/>
+            <a:ext cx="203835" cy="203835"/>
+          </a:xfrm>
+          <a:prstGeom prst="triangle">
+            <a:avLst>
+              <a:gd name="adj" fmla="val 0"/>
+            </a:avLst>
+          </a:prstGeom>
+          <a:solidFill>
+            <a:srgbClr val="F3B67F"/>
+          </a:solidFill>
+          <a:ln w="0">
+            <a:noFill/>
+            <a:prstDash/>
+          </a:ln>
+        </p:spPr>
+        <p:style>
+          <a:lnRef idx="2">
+            <a:schemeClr val="accent1">
+              <a:shade val="50000"/>
+            </a:schemeClr>
+          </a:lnRef>
+          <a:fillRef idx="1">
+            <a:schemeClr val="accent1"/>
+          </a:fillRef>
+          <a:effectRef idx="0">
+            <a:schemeClr val="accent1"/>
+          </a:effectRef>
+          <a:fontRef idx="minor">
+            <a:schemeClr val="lt1"/>
+          </a:fontRef>
+        </p:style>
+        <p:txBody>
+          <a:bodyPr wrap="square" lIns="91440" tIns="45720" rIns="91440" bIns="45720" vert="horz" anchor="ctr">
+            <a:noAutofit/>
+          </a:bodyPr>
+          <a:lstStyle/>
+          <a:p>
+            <a:pPr marL="0" indent="0" algn="ctr" fontAlgn="auto" defTabSz="914400" eaLnBrk="0">
+              <a:lnSpc>
+                <a:spcPct val="100000"/>
+              </a:lnSpc>
+              <a:spcBef>
+                <a:spcPts val="0"/>
+              </a:spcBef>
+              <a:spcAft>
+                <a:spcPts val="0"/>
+              </a:spcAft>
+              <a:buFontTx/>
+              <a:buNone/>
+            </a:pPr>
+            <a:endParaRPr lang="ko-KR" altLang="en-US" sz="1800" cap="none" dirty="0" smtClean="0" b="0" strike="noStrike">
+              <a:latin typeface="맑은 고딕" charset="0"/>
+              <a:ea typeface="맑은 고딕" charset="0"/>
+            </a:endParaRPr>
+          </a:p>
+        </p:txBody>
+      </p:sp>
+      <p:pic>
+        <p:nvPicPr>
+          <p:cNvPr id="116" name="그림 115"/>
+          <p:cNvPicPr>
+            <a:picLocks noChangeAspect="1"/>
+          </p:cNvPicPr>
+          <p:nvPr/>
+        </p:nvPicPr>
+        <p:blipFill rotWithShape="1">
+          <a:blip r:embed="rId2">
+            <a:extLst>
+              <a:ext uri="{28A0092B-C50C-407E-A947-70E740481C1C}">
+                <a14:useLocalDpi xmlns:a14="http://schemas.microsoft.com/office/drawing/2010/main" val="0"/>
+              </a:ext>
+            </a:extLst>
+          </a:blip>
+          <a:stretch>
+            <a:fillRect/>
+          </a:stretch>
+        </p:blipFill>
+        <p:spPr>
+          <a:xfrm rot="0">
+            <a:off x="2985770" y="2146935"/>
+            <a:ext cx="1699895" cy="2416175"/>
+          </a:xfrm>
+          <a:prstGeom prst="rect"/>
+          <a:noFill/>
+        </p:spPr>
+      </p:pic>
+      <p:pic>
+        <p:nvPicPr>
+          <p:cNvPr id="117" name="그림 116"/>
+          <p:cNvPicPr>
+            <a:picLocks noChangeAspect="1"/>
+          </p:cNvPicPr>
+          <p:nvPr/>
+        </p:nvPicPr>
+        <p:blipFill rotWithShape="1">
+          <a:blip r:embed="rId3">
+            <a:extLst>
+              <a:ext uri="{28A0092B-C50C-407E-A947-70E740481C1C}">
+                <a14:useLocalDpi xmlns:a14="http://schemas.microsoft.com/office/drawing/2010/main" val="0"/>
+              </a:ext>
+            </a:extLst>
+          </a:blip>
+          <a:stretch>
+            <a:fillRect/>
+          </a:stretch>
+        </p:blipFill>
+        <p:spPr>
+          <a:xfrm rot="0">
+            <a:off x="6783070" y="2099310"/>
+            <a:ext cx="3611880" cy="2407920"/>
+          </a:xfrm>
+          <a:prstGeom prst="rect"/>
+          <a:noFill/>
+        </p:spPr>
+      </p:pic>
+      <p:sp>
+        <p:nvSpPr>
+          <p:cNvPr id="118" name="TextBox 117"/>
+          <p:cNvSpPr txBox="1">
+            <a:spLocks/>
+          </p:cNvSpPr>
+          <p:nvPr/>
+        </p:nvSpPr>
+        <p:spPr>
+          <a:xfrm rot="0">
+            <a:off x="7491730" y="6052820"/>
+            <a:ext cx="4246880" cy="399415"/>
+          </a:xfrm>
+          <a:prstGeom prst="rect"/>
+          <a:noFill/>
+        </p:spPr>
+        <p:txBody>
+          <a:bodyPr wrap="none" lIns="91440" tIns="45720" rIns="91440" bIns="45720" vert="horz" anchor="t">
+            <a:spAutoFit/>
+          </a:bodyPr>
+          <a:lstStyle/>
+          <a:p>
+            <a:pPr marL="0" indent="0" algn="l" fontAlgn="auto" defTabSz="914400" eaLnBrk="0">
+              <a:lnSpc>
+                <a:spcPct val="100000"/>
+              </a:lnSpc>
+              <a:spcBef>
+                <a:spcPts val="0"/>
+              </a:spcBef>
+              <a:spcAft>
+                <a:spcPts val="0"/>
+              </a:spcAft>
+              <a:buFontTx/>
+              <a:buNone/>
+            </a:pPr>
+            <a:r>
+              <a:rPr lang="en-US" altLang="ko-KR" sz="1000" cap="none" dirty="0" smtClean="0" b="0" strike="noStrike">
+                <a:ln w="9525" cap="flat" cmpd="sng">
+                  <a:solidFill>
+                    <a:schemeClr val="bg1">
+                      <a:alpha val="0"/>
+                    </a:schemeClr>
+                  </a:solidFill>
+                  <a:prstDash val="solid"/>
+                </a:ln>
+                <a:solidFill>
+                  <a:schemeClr val="bg1"/>
+                </a:solidFill>
+                <a:latin typeface="배달의민족 주아" charset="0"/>
+                <a:ea typeface="배달의민족 주아" charset="0"/>
+              </a:rPr>
+              <a:t>출처 : </a:t>
+            </a:r>
+            <a:r>
+              <a:rPr lang="en-US" altLang="ko-KR" sz="1000" cap="none" dirty="0" smtClean="0" b="0" strike="noStrike">
+                <a:ln w="9525" cap="flat" cmpd="sng">
+                  <a:solidFill>
+                    <a:schemeClr val="bg1">
+                      <a:alpha val="0"/>
+                    </a:schemeClr>
+                  </a:solidFill>
+                  <a:prstDash val="solid"/>
+                </a:ln>
+                <a:solidFill>
+                  <a:schemeClr val="bg1"/>
+                </a:solidFill>
+                <a:latin typeface="배달의민족 주아" charset="0"/>
+                <a:ea typeface="배달의민족 주아" charset="0"/>
+                <a:hlinkClick r:id="rId4"/>
+              </a:rPr>
+              <a:t>https://movie.naver.com/movie/bi/mi/basic.nhn?code=136898</a:t>
+            </a:r>
+            <a:endParaRPr lang="ko-KR" altLang="en-US" sz="1000" cap="none" dirty="0" smtClean="0" b="0" strike="noStrike">
+              <a:ln w="9525" cap="flat" cmpd="sng">
+                <a:solidFill>
+                  <a:schemeClr val="bg1">
+                    <a:alpha val="0"/>
+                  </a:schemeClr>
+                </a:solidFill>
+                <a:prstDash val="solid"/>
+              </a:ln>
+              <a:solidFill>
+                <a:schemeClr val="bg1"/>
+              </a:solidFill>
+              <a:latin typeface="배달의민족 주아" charset="0"/>
+              <a:ea typeface="배달의민족 주아" charset="0"/>
+            </a:endParaRPr>
+          </a:p>
+          <a:p>
+            <a:pPr marL="0" indent="0" algn="l" fontAlgn="auto" defTabSz="914400" eaLnBrk="0">
+              <a:lnSpc>
+                <a:spcPct val="100000"/>
+              </a:lnSpc>
+              <a:spcBef>
+                <a:spcPts val="0"/>
+              </a:spcBef>
+              <a:spcAft>
+                <a:spcPts val="0"/>
+              </a:spcAft>
+              <a:buFontTx/>
+              <a:buNone/>
+            </a:pPr>
+            <a:r>
+              <a:rPr lang="en-US" altLang="ko-KR" sz="1000" cap="none" dirty="0" smtClean="0" b="0" strike="noStrike">
+                <a:ln w="9525" cap="flat" cmpd="sng">
+                  <a:solidFill>
+                    <a:schemeClr val="bg1">
+                      <a:alpha val="0"/>
+                    </a:schemeClr>
+                  </a:solidFill>
+                  <a:prstDash val="solid"/>
+                </a:ln>
+                <a:solidFill>
+                  <a:schemeClr val="bg1"/>
+                </a:solidFill>
+                <a:latin typeface="배달의민족 주아" charset="0"/>
+                <a:ea typeface="배달의민족 주아" charset="0"/>
+              </a:rPr>
+              <a:t>출처 : http://www.newspim.com/news/view/20160814000011</a:t>
+            </a:r>
+            <a:endParaRPr lang="ko-KR" altLang="en-US" sz="1000" cap="none" dirty="0" smtClean="0" b="0" strike="noStrike">
+              <a:ln w="9525" cap="flat" cmpd="sng">
+                <a:solidFill>
+                  <a:schemeClr val="bg1">
+                    <a:alpha val="0"/>
+                  </a:schemeClr>
+                </a:solidFill>
+                <a:prstDash val="solid"/>
+              </a:ln>
+              <a:solidFill>
+                <a:schemeClr val="bg1"/>
+              </a:solidFill>
+              <a:latin typeface="배달의민족 주아" charset="0"/>
+              <a:ea typeface="배달의민족 주아" charset="0"/>
+            </a:endParaRPr>
+          </a:p>
+        </p:txBody>
+      </p:sp>
+    </p:spTree>
+  </p:cSld>
+  <p:clrMapOvr>
+    <a:masterClrMapping/>
+  </p:clrMapOvr>
+  <mc:AlternateContent xmlns:mc="http://schemas.openxmlformats.org/markup-compatibility/2006">
+    <mc:Choice xmlns:p14="http://schemas.microsoft.com/office/powerpoint/2010/main" Requires="p14">
+      <p:transition spd="slow" p14:dur="500"/>
+    </mc:Choice>
+    <mc:Fallback>
+      <p:transition spd="slow"/>
+    </mc:Fallback>
+  </mc:AlternateContent>
+  <p:timing>
+    <p:tnLst>
+      <p:par>
+        <p:cTn id="1" dur="indefinite" restart="never" nodeType="tmRoot"/>
+      </p:par>
+    </p:tnLst>
+  </p:timing>
+</p:sld>
+</file>
+
+<file path=ppt/slides/slide13.xml><?xml version="1.0" encoding="utf-8"?>
+<p:sld xmlns:r="http://schemas.openxmlformats.org/officeDocument/2006/relationships" xmlns:c="http://schemas.openxmlformats.org/drawingml/2006/chart" xmlns:a="http://schemas.openxmlformats.org/drawingml/2006/main" xmlns:dgm="http://schemas.openxmlformats.org/drawingml/2006/diagram" xmlns:dsp="http://schemas.microsoft.com/office/drawing/2008/diagram" xmlns:p="http://schemas.openxmlformats.org/presentationml/2006/main" xmlns:p14="http://schemas.microsoft.com/office/powerpoint/2010/main">
   <p:cSld>
     <p:spTree>
       <p:nvGrpSpPr>
@@ -6772,8 +8203,8 @@
         </p:nvCxnSpPr>
         <p:spPr>
           <a:xfrm>
-            <a:off x="5887444" y="2537650"/>
-            <a:ext cx="0" cy="102574"/>
+            <a:off x="5887720" y="2537460"/>
+            <a:ext cx="0" cy="102870"/>
           </a:xfrm>
           <a:prstGeom prst="line">
             <a:avLst/>
@@ -6807,8 +8238,8 @@
         </p:nvCxnSpPr>
         <p:spPr>
           <a:xfrm>
-            <a:off x="6097587" y="2513848"/>
-            <a:ext cx="0" cy="150177"/>
+            <a:off x="6097270" y="2513965"/>
+            <a:ext cx="0" cy="149860"/>
           </a:xfrm>
           <a:prstGeom prst="line">
             <a:avLst/>
@@ -6842,8 +8273,8 @@
         </p:nvCxnSpPr>
         <p:spPr>
           <a:xfrm>
-            <a:off x="6307730" y="2537648"/>
-            <a:ext cx="0" cy="102574"/>
+            <a:off x="6307455" y="2537460"/>
+            <a:ext cx="0" cy="102870"/>
           </a:xfrm>
           <a:prstGeom prst="line">
             <a:avLst/>
@@ -6877,8 +8308,8 @@
         </p:nvCxnSpPr>
         <p:spPr>
           <a:xfrm>
-            <a:off x="5885857" y="4133582"/>
-            <a:ext cx="0" cy="93249"/>
+            <a:off x="5885815" y="4133850"/>
+            <a:ext cx="0" cy="93345"/>
           </a:xfrm>
           <a:prstGeom prst="line">
             <a:avLst/>
@@ -6912,8 +8343,8 @@
         </p:nvCxnSpPr>
         <p:spPr>
           <a:xfrm>
-            <a:off x="6096000" y="4105117"/>
-            <a:ext cx="0" cy="150177"/>
+            <a:off x="6096000" y="4105275"/>
+            <a:ext cx="0" cy="149860"/>
           </a:xfrm>
           <a:prstGeom prst="line">
             <a:avLst/>
@@ -6947,8 +8378,8 @@
         </p:nvCxnSpPr>
         <p:spPr>
           <a:xfrm>
-            <a:off x="6306143" y="4133580"/>
-            <a:ext cx="0" cy="93249"/>
+            <a:off x="6306185" y="4133850"/>
+            <a:ext cx="0" cy="93345"/>
           </a:xfrm>
           <a:prstGeom prst="line">
             <a:avLst/>
@@ -6982,8 +8413,8 @@
         </p:nvSpPr>
         <p:spPr>
           <a:xfrm>
-            <a:off x="4675389" y="3326554"/>
-            <a:ext cx="2844396" cy="465789"/>
+            <a:off x="4675505" y="3326765"/>
+            <a:ext cx="2844165" cy="466090"/>
           </a:xfrm>
           <a:prstGeom prst="rect">
             <a:avLst/>
@@ -7030,8 +8461,8 @@
         </p:nvSpPr>
         <p:spPr>
           <a:xfrm>
-            <a:off x="4832985" y="3257182"/>
-            <a:ext cx="2478405" cy="636638"/>
+            <a:off x="4837430" y="3256915"/>
+            <a:ext cx="2468245" cy="636905"/>
           </a:xfrm>
           <a:prstGeom prst="rect">
             <a:avLst/>
@@ -7089,8 +8520,8 @@
         </p:nvSpPr>
         <p:spPr>
           <a:xfrm>
-            <a:off x="4232910" y="2849050"/>
-            <a:ext cx="3716655" cy="444695"/>
+            <a:off x="4170680" y="2849245"/>
+            <a:ext cx="3839845" cy="444500"/>
           </a:xfrm>
           <a:prstGeom prst="rect">
             <a:avLst/>
@@ -7186,10 +8617,10 @@
         </p:nvGrpSpPr>
         <p:grpSpPr>
           <a:xfrm rot="293649">
-            <a:off x="7508648" y="3054280"/>
-            <a:ext cx="283224" cy="260668"/>
-            <a:chOff x="7481885" y="3068907"/>
-            <a:chExt cx="283224" cy="260668"/>
+            <a:off x="7508875" y="3054350"/>
+            <a:ext cx="283210" cy="260985"/>
+            <a:chOff x="7508875" y="3054350"/>
+            <a:chExt cx="283210" cy="260985"/>
           </a:xfrm>
         </p:grpSpPr>
         <p:sp>
@@ -7200,8 +8631,8 @@
           </p:nvSpPr>
           <p:spPr>
             <a:xfrm rot="20834484">
-              <a:off x="7643081" y="3217916"/>
-              <a:ext cx="122028" cy="111659"/>
+              <a:off x="7672070" y="3204210"/>
+              <a:ext cx="119380" cy="111125"/>
             </a:xfrm>
             <a:prstGeom prst="roundRect">
               <a:avLst>
@@ -7252,8 +8683,8 @@
           </p:nvSpPr>
           <p:spPr>
             <a:xfrm rot="20563034">
-              <a:off x="7643661" y="3068907"/>
-              <a:ext cx="90530" cy="90530"/>
+              <a:off x="7672705" y="3049270"/>
+              <a:ext cx="90170" cy="91440"/>
             </a:xfrm>
             <a:prstGeom prst="roundRect">
               <a:avLst>
@@ -7304,8 +8735,8 @@
           </p:nvSpPr>
           <p:spPr>
             <a:xfrm rot="15018753">
-              <a:off x="7481885" y="3090965"/>
-              <a:ext cx="100819" cy="100819"/>
+              <a:off x="7508875" y="3076575"/>
+              <a:ext cx="100965" cy="100965"/>
             </a:xfrm>
             <a:prstGeom prst="roundRect">
               <a:avLst>
@@ -7357,10 +8788,10 @@
         </p:nvGrpSpPr>
         <p:grpSpPr>
           <a:xfrm rot="0" flipH="1">
-            <a:off x="4639496" y="2746971"/>
-            <a:ext cx="221824" cy="204158"/>
-            <a:chOff x="7481885" y="3068907"/>
-            <a:chExt cx="283224" cy="260668"/>
+            <a:off x="4639310" y="2747010"/>
+            <a:ext cx="221615" cy="204470"/>
+            <a:chOff x="4639310" y="2747010"/>
+            <a:chExt cx="221615" cy="204470"/>
           </a:xfrm>
         </p:grpSpPr>
         <p:sp>
@@ -7371,8 +8802,8 @@
           </p:nvSpPr>
           <p:spPr>
             <a:xfrm rot="20834484">
-              <a:off x="7643081" y="3217916"/>
-              <a:ext cx="122028" cy="111659"/>
+              <a:off x="4765675" y="2863850"/>
+              <a:ext cx="95250" cy="87630"/>
             </a:xfrm>
             <a:prstGeom prst="roundRect">
               <a:avLst>
@@ -7423,8 +8854,8 @@
           </p:nvSpPr>
           <p:spPr>
             <a:xfrm rot="20563034">
-              <a:off x="7643661" y="3068907"/>
-              <a:ext cx="90530" cy="90530"/>
+              <a:off x="4766310" y="2747010"/>
+              <a:ext cx="71120" cy="71120"/>
             </a:xfrm>
             <a:prstGeom prst="roundRect">
               <a:avLst>
@@ -7475,8 +8906,8 @@
           </p:nvSpPr>
           <p:spPr>
             <a:xfrm rot="15018753">
-              <a:off x="7481885" y="3090965"/>
-              <a:ext cx="100819" cy="100819"/>
+              <a:off x="4639310" y="2764155"/>
+              <a:ext cx="78740" cy="78740"/>
             </a:xfrm>
             <a:prstGeom prst="roundRect">
               <a:avLst>
@@ -7527,17 +8958,24 @@
   </p:clrMapOvr>
   <mc:AlternateContent xmlns:mc="http://schemas.openxmlformats.org/markup-compatibility/2006">
     <mc:Choice xmlns:p14="http://schemas.microsoft.com/office/powerpoint/2010/main" Requires="p14">
-      <p:transition xmlns:mc="http://schemas.openxmlformats.org/markup-compatibility/2006" xmlns:p14="http://schemas.microsoft.com/office/powerpoint/2010/main" mc:Ignorable="p14" p14:dur="500"/>
+      <p:transition spd="slow" p14:dur="500"/>
     </mc:Choice>
     <mc:Fallback>
-      <p:transition/>
+      <p:transition spd="slow"/>
     </mc:Fallback>
   </mc:AlternateContent>
+  <p:timing>
+    <p:tnLst>
+      <p:par>
+        <p:cTn id="1" dur="indefinite" restart="never" nodeType="tmRoot"/>
+      </p:par>
+    </p:tnLst>
+  </p:timing>
 </p:sld>
 </file>
 
 <file path=ppt/slides/slide2.xml><?xml version="1.0" encoding="utf-8"?>
-<p:sld xmlns:r="http://schemas.openxmlformats.org/officeDocument/2006/relationships" xmlns:c="http://schemas.openxmlformats.org/drawingml/2006/chart" xmlns:a="http://schemas.openxmlformats.org/drawingml/2006/main" xmlns:dgm="http://schemas.openxmlformats.org/drawingml/2006/diagram" xmlns:dsp="http://schemas.microsoft.com/office/drawing/2008/diagram" xmlns:p="http://schemas.openxmlformats.org/presentationml/2006/main">
+<p:sld xmlns:r="http://schemas.openxmlformats.org/officeDocument/2006/relationships" xmlns:c="http://schemas.openxmlformats.org/drawingml/2006/chart" xmlns:a="http://schemas.openxmlformats.org/drawingml/2006/main" xmlns:dgm="http://schemas.openxmlformats.org/drawingml/2006/diagram" xmlns:dsp="http://schemas.microsoft.com/office/drawing/2008/diagram" xmlns:p="http://schemas.openxmlformats.org/presentationml/2006/main" xmlns:p14="http://schemas.microsoft.com/office/powerpoint/2010/main">
   <p:cSld>
     <p:spTree>
       <p:nvGrpSpPr>
@@ -7561,8 +8999,8 @@
         </p:nvSpPr>
         <p:spPr>
           <a:xfrm>
-            <a:off x="8395334" y="1701626"/>
-            <a:ext cx="1440180" cy="572944"/>
+            <a:off x="8439785" y="1701800"/>
+            <a:ext cx="1350645" cy="572770"/>
           </a:xfrm>
           <a:prstGeom prst="rect">
             <a:avLst/>
@@ -7630,8 +9068,8 @@
         </p:nvSpPr>
         <p:spPr>
           <a:xfrm>
-            <a:off x="8699643" y="2728911"/>
-            <a:ext cx="983471" cy="338554"/>
+            <a:off x="8699500" y="2728595"/>
+            <a:ext cx="893445" cy="338455"/>
           </a:xfrm>
           <a:prstGeom prst="rect">
             <a:avLst/>
@@ -7689,8 +9127,8 @@
         </p:nvSpPr>
         <p:spPr>
           <a:xfrm>
-            <a:off x="8699643" y="3422146"/>
-            <a:ext cx="1678797" cy="338554"/>
+            <a:off x="8699500" y="3422015"/>
+            <a:ext cx="1706245" cy="338455"/>
           </a:xfrm>
           <a:prstGeom prst="rect">
             <a:avLst/>
@@ -7765,8 +9203,8 @@
         </p:nvSpPr>
         <p:spPr>
           <a:xfrm>
-            <a:off x="8699643" y="4115381"/>
-            <a:ext cx="1440672" cy="338554"/>
+            <a:off x="8699500" y="4115435"/>
+            <a:ext cx="1503045" cy="338455"/>
           </a:xfrm>
           <a:prstGeom prst="rect">
             <a:avLst/>
@@ -7841,8 +9279,8 @@
         </p:nvSpPr>
         <p:spPr>
           <a:xfrm>
-            <a:off x="8699643" y="4808615"/>
-            <a:ext cx="1840721" cy="338554"/>
+            <a:off x="8699500" y="4808855"/>
+            <a:ext cx="1910080" cy="338455"/>
           </a:xfrm>
           <a:prstGeom prst="rect">
             <a:avLst/>
@@ -7850,61 +9288,56 @@
           <a:noFill/>
         </p:spPr>
         <p:txBody>
-          <a:bodyPr wrap="none">
+          <a:bodyPr wrap="none" lIns="91440" tIns="45720" rIns="91440" bIns="45720" numCol="1" vert="horz" anchor="t">
             <a:spAutoFit/>
           </a:bodyPr>
           <a:lstStyle/>
           <a:p>
-            <a:pPr lvl="0">
-              <a:defRPr/>
+            <a:pPr marL="0" indent="0" algn="l" fontAlgn="auto" defTabSz="914400" eaLnBrk="0">
+              <a:lnSpc>
+                <a:spcPct val="100000"/>
+              </a:lnSpc>
+              <a:spcBef>
+                <a:spcPts val="0"/>
+              </a:spcBef>
+              <a:spcAft>
+                <a:spcPts val="0"/>
+              </a:spcAft>
+              <a:buFontTx/>
+              <a:buNone/>
             </a:pPr>
             <a:r>
-              <a:rPr lang="en-US" altLang="ko-KR" sz="1600">
-                <a:ln w="9525">
+              <a:rPr lang="en-US" altLang="ko-KR" sz="1600" cap="none" dirty="0" smtClean="0" b="0" strike="noStrike">
+                <a:ln w="9525" cap="flat" cmpd="sng">
                   <a:solidFill>
                     <a:schemeClr val="bg1">
                       <a:alpha val="0"/>
                     </a:schemeClr>
                   </a:solidFill>
+                  <a:prstDash val="solid"/>
                 </a:ln>
                 <a:solidFill>
                   <a:schemeClr val="bg1"/>
                 </a:solidFill>
-                <a:latin typeface="배달의민족 주아"/>
-                <a:ea typeface="배달의민족 주아"/>
+                <a:latin typeface="배달의민족 주아" charset="0"/>
+                <a:ea typeface="배달의민족 주아" charset="0"/>
               </a:rPr>
-              <a:t>04. </a:t>
+              <a:t>04. 예상되는 수요</a:t>
             </a:r>
-            <a:r>
-              <a:rPr lang="ko-KR" altLang="en-US" sz="1600">
-                <a:ln w="9525">
-                  <a:solidFill>
-                    <a:schemeClr val="bg1">
-                      <a:alpha val="0"/>
-                    </a:schemeClr>
-                  </a:solidFill>
-                </a:ln>
-                <a:solidFill>
-                  <a:schemeClr val="bg1"/>
-                </a:solidFill>
-                <a:latin typeface="배달의민족 주아"/>
-                <a:ea typeface="배달의민족 주아"/>
-              </a:rPr>
-              <a:t>예측되는 수요</a:t>
-            </a:r>
-            <a:endParaRPr lang="ko-KR" altLang="en-US" sz="1600">
-              <a:ln w="9525">
+            <a:endParaRPr lang="ko-KR" altLang="en-US" sz="1600" cap="none" dirty="0" smtClean="0" b="0" strike="noStrike">
+              <a:ln w="9525" cap="flat" cmpd="sng">
                 <a:solidFill>
                   <a:schemeClr val="bg1">
                     <a:alpha val="0"/>
                   </a:schemeClr>
                 </a:solidFill>
+                <a:prstDash val="solid"/>
               </a:ln>
               <a:solidFill>
                 <a:schemeClr val="bg1"/>
               </a:solidFill>
-              <a:latin typeface="배달의민족 주아"/>
-              <a:ea typeface="배달의민족 주아"/>
+              <a:latin typeface="배달의민족 주아" charset="0"/>
+              <a:ea typeface="배달의민족 주아" charset="0"/>
             </a:endParaRPr>
           </a:p>
         </p:txBody>
@@ -7917,10 +9350,10 @@
         </p:nvGrpSpPr>
         <p:grpSpPr>
           <a:xfrm rot="0">
-            <a:off x="8235375" y="1957363"/>
-            <a:ext cx="80632" cy="4900637"/>
-            <a:chOff x="8291359" y="1957363"/>
-            <a:chExt cx="80632" cy="4900637"/>
+            <a:off x="8235315" y="1957070"/>
+            <a:ext cx="80645" cy="4900930"/>
+            <a:chOff x="8235315" y="1957070"/>
+            <a:chExt cx="80645" cy="4900930"/>
           </a:xfrm>
         </p:grpSpPr>
         <p:sp>
@@ -7931,8 +9364,8 @@
           </p:nvSpPr>
           <p:spPr>
             <a:xfrm>
-              <a:off x="8291359" y="1957363"/>
-              <a:ext cx="80632" cy="73302"/>
+              <a:off x="8235315" y="1957070"/>
+              <a:ext cx="80645" cy="73025"/>
             </a:xfrm>
             <a:prstGeom prst="ellipse">
               <a:avLst/>
@@ -7979,8 +9412,8 @@
           </p:nvCxnSpPr>
           <p:spPr>
             <a:xfrm>
-              <a:off x="8331675" y="2030665"/>
-              <a:ext cx="0" cy="4827335"/>
+              <a:off x="8275955" y="2030730"/>
+              <a:ext cx="0" cy="4827270"/>
             </a:xfrm>
             <a:prstGeom prst="line">
               <a:avLst/>
@@ -8014,17 +9447,24 @@
   </p:clrMapOvr>
   <mc:AlternateContent xmlns:mc="http://schemas.openxmlformats.org/markup-compatibility/2006">
     <mc:Choice xmlns:p14="http://schemas.microsoft.com/office/powerpoint/2010/main" Requires="p14">
-      <p:transition xmlns:mc="http://schemas.openxmlformats.org/markup-compatibility/2006" xmlns:p14="http://schemas.microsoft.com/office/powerpoint/2010/main" mc:Ignorable="p14" p14:dur="500"/>
+      <p:transition spd="slow" p14:dur="500"/>
     </mc:Choice>
     <mc:Fallback>
-      <p:transition/>
+      <p:transition spd="slow"/>
     </mc:Fallback>
   </mc:AlternateContent>
+  <p:timing>
+    <p:tnLst>
+      <p:par>
+        <p:cTn id="1" dur="indefinite" restart="never" nodeType="tmRoot"/>
+      </p:par>
+    </p:tnLst>
+  </p:timing>
 </p:sld>
 </file>
 
 <file path=ppt/slides/slide3.xml><?xml version="1.0" encoding="utf-8"?>
-<p:sld xmlns:r="http://schemas.openxmlformats.org/officeDocument/2006/relationships" xmlns:c="http://schemas.openxmlformats.org/drawingml/2006/chart" xmlns:a="http://schemas.openxmlformats.org/drawingml/2006/main" xmlns:dgm="http://schemas.openxmlformats.org/drawingml/2006/diagram" xmlns:dsp="http://schemas.microsoft.com/office/drawing/2008/diagram" xmlns:p="http://schemas.openxmlformats.org/presentationml/2006/main">
+<p:sld xmlns:r="http://schemas.openxmlformats.org/officeDocument/2006/relationships" xmlns:c="http://schemas.openxmlformats.org/drawingml/2006/chart" xmlns:a="http://schemas.openxmlformats.org/drawingml/2006/main" xmlns:dgm="http://schemas.openxmlformats.org/drawingml/2006/diagram" xmlns:dsp="http://schemas.microsoft.com/office/drawing/2008/diagram" xmlns:p="http://schemas.openxmlformats.org/presentationml/2006/main" xmlns:p14="http://schemas.microsoft.com/office/powerpoint/2010/main">
   <p:cSld>
     <p:spTree>
       <p:nvGrpSpPr>
@@ -8048,10 +9488,10 @@
         </p:nvGrpSpPr>
         <p:grpSpPr>
           <a:xfrm rot="0">
-            <a:off x="5885857" y="6177394"/>
-            <a:ext cx="420286" cy="150177"/>
-            <a:chOff x="5885857" y="4737577"/>
-            <a:chExt cx="420286" cy="150177"/>
+            <a:off x="5885815" y="6177280"/>
+            <a:ext cx="420370" cy="149860"/>
+            <a:chOff x="5885815" y="6177280"/>
+            <a:chExt cx="420370" cy="149860"/>
           </a:xfrm>
         </p:grpSpPr>
         <p:cxnSp>
@@ -8062,8 +9502,8 @@
           </p:nvCxnSpPr>
           <p:spPr>
             <a:xfrm>
-              <a:off x="5885857" y="4766042"/>
-              <a:ext cx="0" cy="93249"/>
+              <a:off x="5885815" y="6205855"/>
+              <a:ext cx="0" cy="93345"/>
             </a:xfrm>
             <a:prstGeom prst="line">
               <a:avLst/>
@@ -8097,8 +9537,8 @@
           </p:nvCxnSpPr>
           <p:spPr>
             <a:xfrm>
-              <a:off x="6096000" y="4737577"/>
-              <a:ext cx="0" cy="150177"/>
+              <a:off x="6096000" y="6177280"/>
+              <a:ext cx="0" cy="149860"/>
             </a:xfrm>
             <a:prstGeom prst="line">
               <a:avLst/>
@@ -8132,8 +9572,8 @@
           </p:nvCxnSpPr>
           <p:spPr>
             <a:xfrm>
-              <a:off x="6306143" y="4766040"/>
-              <a:ext cx="0" cy="93249"/>
+              <a:off x="6306185" y="6205855"/>
+              <a:ext cx="0" cy="93345"/>
             </a:xfrm>
             <a:prstGeom prst="line">
               <a:avLst/>
@@ -8168,8 +9608,8 @@
         </p:nvSpPr>
         <p:spPr>
           <a:xfrm>
-            <a:off x="5449643" y="937718"/>
-            <a:ext cx="1309297" cy="574852"/>
+            <a:off x="5449570" y="937895"/>
+            <a:ext cx="1198245" cy="574675"/>
           </a:xfrm>
           <a:prstGeom prst="rect">
             <a:avLst/>
@@ -8227,10 +9667,10 @@
         </p:nvGrpSpPr>
         <p:grpSpPr>
           <a:xfrm rot="0">
-            <a:off x="5621930" y="487835"/>
-            <a:ext cx="948139" cy="400110"/>
-            <a:chOff x="5621930" y="676811"/>
-            <a:chExt cx="948139" cy="400110"/>
+            <a:off x="5621655" y="487680"/>
+            <a:ext cx="948055" cy="400050"/>
+            <a:chOff x="5621655" y="487680"/>
+            <a:chExt cx="948055" cy="400050"/>
           </a:xfrm>
         </p:grpSpPr>
         <p:cxnSp>
@@ -8241,8 +9681,8 @@
           </p:nvCxnSpPr>
           <p:spPr>
             <a:xfrm>
-              <a:off x="5774330" y="791641"/>
-              <a:ext cx="0" cy="147590"/>
+              <a:off x="5774055" y="602615"/>
+              <a:ext cx="0" cy="147320"/>
             </a:xfrm>
             <a:prstGeom prst="line">
               <a:avLst/>
@@ -8276,8 +9716,8 @@
           </p:nvSpPr>
           <p:spPr>
             <a:xfrm>
-              <a:off x="5912836" y="726584"/>
-              <a:ext cx="366326" cy="277704"/>
+              <a:off x="5913120" y="537845"/>
+              <a:ext cx="366395" cy="277495"/>
             </a:xfrm>
             <a:prstGeom prst="rect">
               <a:avLst/>
@@ -8324,8 +9764,8 @@
           </p:nvSpPr>
           <p:spPr>
             <a:xfrm>
-              <a:off x="5872221" y="676811"/>
-              <a:ext cx="486669" cy="400110"/>
+              <a:off x="5872480" y="487680"/>
+              <a:ext cx="436245" cy="400050"/>
             </a:xfrm>
             <a:prstGeom prst="rect">
               <a:avLst/>
@@ -8385,8 +9825,8 @@
           </p:nvCxnSpPr>
           <p:spPr>
             <a:xfrm>
-              <a:off x="5621930" y="820216"/>
-              <a:ext cx="0" cy="90440"/>
+              <a:off x="5621655" y="631190"/>
+              <a:ext cx="0" cy="90170"/>
             </a:xfrm>
             <a:prstGeom prst="line">
               <a:avLst/>
@@ -8420,8 +9860,8 @@
           </p:nvCxnSpPr>
           <p:spPr>
             <a:xfrm>
-              <a:off x="6417669" y="791641"/>
-              <a:ext cx="0" cy="147590"/>
+              <a:off x="6417945" y="602615"/>
+              <a:ext cx="0" cy="147320"/>
             </a:xfrm>
             <a:prstGeom prst="line">
               <a:avLst/>
@@ -8455,8 +9895,8 @@
           </p:nvCxnSpPr>
           <p:spPr>
             <a:xfrm>
-              <a:off x="6570069" y="820216"/>
-              <a:ext cx="0" cy="90440"/>
+              <a:off x="6570345" y="631190"/>
+              <a:ext cx="0" cy="90170"/>
             </a:xfrm>
             <a:prstGeom prst="line">
               <a:avLst/>
@@ -8491,8 +9931,8 @@
         </p:nvSpPr>
         <p:spPr>
           <a:xfrm>
-            <a:off x="4080510" y="1510711"/>
-            <a:ext cx="3964304" cy="369332"/>
+            <a:off x="4199255" y="1510665"/>
+            <a:ext cx="3725545" cy="369570"/>
           </a:xfrm>
           <a:prstGeom prst="rect">
             <a:avLst/>
@@ -8550,8 +9990,8 @@
         </p:nvSpPr>
         <p:spPr>
           <a:xfrm rot="5400000" flipH="1">
-            <a:off x="4428955" y="5106676"/>
-            <a:ext cx="263578" cy="329369"/>
+            <a:off x="4429125" y="5106670"/>
+            <a:ext cx="263525" cy="329565"/>
           </a:xfrm>
           <a:prstGeom prst="triangle">
             <a:avLst>
@@ -8600,8 +10040,8 @@
         </p:nvSpPr>
         <p:spPr>
           <a:xfrm rot="5400000" flipH="1">
-            <a:off x="4412224" y="4557124"/>
-            <a:ext cx="301769" cy="947008"/>
+            <a:off x="4411980" y="4557395"/>
+            <a:ext cx="301625" cy="946785"/>
           </a:xfrm>
           <a:prstGeom prst="triangle">
             <a:avLst>
@@ -8650,8 +10090,8 @@
         </p:nvSpPr>
         <p:spPr>
           <a:xfrm rot="16200000">
-            <a:off x="4175378" y="4179555"/>
-            <a:ext cx="412434" cy="1310035"/>
+            <a:off x="4175125" y="4179570"/>
+            <a:ext cx="412750" cy="1310005"/>
           </a:xfrm>
           <a:prstGeom prst="triangle">
             <a:avLst>
@@ -8700,8 +10140,8 @@
         </p:nvSpPr>
         <p:spPr>
           <a:xfrm rot="16200000">
-            <a:off x="4310229" y="4856158"/>
-            <a:ext cx="194581" cy="635827"/>
+            <a:off x="4310380" y="4855845"/>
+            <a:ext cx="194310" cy="635635"/>
           </a:xfrm>
           <a:prstGeom prst="triangle">
             <a:avLst>
@@ -8750,8 +10190,8 @@
         </p:nvSpPr>
         <p:spPr>
           <a:xfrm>
-            <a:off x="3350818" y="2663213"/>
-            <a:ext cx="2061554" cy="2171359"/>
+            <a:off x="3350895" y="2663190"/>
+            <a:ext cx="2061845" cy="2171065"/>
           </a:xfrm>
           <a:prstGeom prst="rect">
             <a:avLst/>
@@ -8798,8 +10238,8 @@
         </p:nvSpPr>
         <p:spPr>
           <a:xfrm>
-            <a:off x="3463595" y="2765106"/>
-            <a:ext cx="1836000" cy="1933884"/>
+            <a:off x="3463290" y="2764790"/>
+            <a:ext cx="1835785" cy="1933575"/>
           </a:xfrm>
           <a:prstGeom prst="rect">
             <a:avLst/>
@@ -8846,8 +10286,8 @@
         </p:nvSpPr>
         <p:spPr>
           <a:xfrm rot="5400000" flipH="1">
-            <a:off x="7540261" y="5106676"/>
-            <a:ext cx="263578" cy="329369"/>
+            <a:off x="7539990" y="5106670"/>
+            <a:ext cx="263525" cy="329565"/>
           </a:xfrm>
           <a:prstGeom prst="triangle">
             <a:avLst>
@@ -8896,8 +10336,8 @@
         </p:nvSpPr>
         <p:spPr>
           <a:xfrm rot="5400000" flipH="1">
-            <a:off x="7745781" y="4557124"/>
-            <a:ext cx="301769" cy="947008"/>
+            <a:off x="7745730" y="4557395"/>
+            <a:ext cx="301625" cy="946785"/>
           </a:xfrm>
           <a:prstGeom prst="triangle">
             <a:avLst>
@@ -8946,8 +10386,8 @@
         </p:nvSpPr>
         <p:spPr>
           <a:xfrm rot="16200000">
-            <a:off x="7508935" y="4179555"/>
-            <a:ext cx="412434" cy="1310035"/>
+            <a:off x="7508875" y="4179570"/>
+            <a:ext cx="412750" cy="1310005"/>
           </a:xfrm>
           <a:prstGeom prst="triangle">
             <a:avLst>
@@ -8996,8 +10436,8 @@
         </p:nvSpPr>
         <p:spPr>
           <a:xfrm rot="16200000">
-            <a:off x="7643786" y="4856158"/>
-            <a:ext cx="194581" cy="635827"/>
+            <a:off x="7643495" y="4855845"/>
+            <a:ext cx="194310" cy="635635"/>
           </a:xfrm>
           <a:prstGeom prst="triangle">
             <a:avLst>
@@ -9046,8 +10486,8 @@
         </p:nvSpPr>
         <p:spPr>
           <a:xfrm>
-            <a:off x="6684375" y="2663213"/>
-            <a:ext cx="2061554" cy="2171359"/>
+            <a:off x="6684645" y="2663190"/>
+            <a:ext cx="2061845" cy="2171065"/>
           </a:xfrm>
           <a:prstGeom prst="rect">
             <a:avLst/>
@@ -9094,8 +10534,8 @@
         </p:nvSpPr>
         <p:spPr>
           <a:xfrm>
-            <a:off x="6797152" y="2765106"/>
-            <a:ext cx="1836000" cy="1933884"/>
+            <a:off x="6797040" y="2764790"/>
+            <a:ext cx="1835785" cy="1933575"/>
           </a:xfrm>
           <a:prstGeom prst="rect">
             <a:avLst/>
@@ -9142,8 +10582,8 @@
         </p:nvSpPr>
         <p:spPr>
           <a:xfrm>
-            <a:off x="5866447" y="6469028"/>
-            <a:ext cx="463867" cy="291817"/>
+            <a:off x="5873115" y="6468745"/>
+            <a:ext cx="448945" cy="292100"/>
           </a:xfrm>
           <a:prstGeom prst="rect">
             <a:avLst/>
@@ -9218,10 +10658,10 @@
         </p:nvGrpSpPr>
         <p:grpSpPr>
           <a:xfrm rot="0">
-            <a:off x="7591536" y="3045661"/>
-            <a:ext cx="247230" cy="383339"/>
-            <a:chOff x="8848665" y="3069843"/>
-            <a:chExt cx="247230" cy="383339"/>
+            <a:off x="7591425" y="3045460"/>
+            <a:ext cx="247015" cy="383540"/>
+            <a:chOff x="7591425" y="3045460"/>
+            <a:chExt cx="247015" cy="383540"/>
           </a:xfrm>
         </p:grpSpPr>
         <p:sp>
@@ -9234,8 +10674,8 @@
           </p:nvSpPr>
           <p:spPr>
             <a:xfrm>
-              <a:off x="8985383" y="3342873"/>
-              <a:ext cx="110512" cy="110309"/>
+              <a:off x="7727950" y="3318510"/>
+              <a:ext cx="110490" cy="110490"/>
             </a:xfrm>
             <a:custGeom>
               <a:avLst/>
@@ -9876,8 +11316,8 @@
           </p:nvSpPr>
           <p:spPr>
             <a:xfrm>
-              <a:off x="8941097" y="3069843"/>
-              <a:ext cx="154798" cy="142407"/>
+              <a:off x="7684135" y="3045460"/>
+              <a:ext cx="154940" cy="142240"/>
             </a:xfrm>
             <a:custGeom>
               <a:avLst/>
@@ -10595,8 +12035,8 @@
           </p:nvSpPr>
           <p:spPr>
             <a:xfrm>
-              <a:off x="8848665" y="3206358"/>
-              <a:ext cx="139562" cy="156221"/>
+              <a:off x="7591425" y="3181985"/>
+              <a:ext cx="139700" cy="156210"/>
             </a:xfrm>
             <a:custGeom>
               <a:avLst/>
@@ -11302,8 +12742,8 @@
         </p:nvSpPr>
         <p:spPr>
           <a:xfrm>
-            <a:off x="4212991" y="3092153"/>
-            <a:ext cx="337205" cy="336847"/>
+            <a:off x="4213225" y="3092450"/>
+            <a:ext cx="337185" cy="336550"/>
           </a:xfrm>
           <a:custGeom>
             <a:avLst/>
@@ -11768,8 +13208,8 @@
         </p:nvSpPr>
         <p:spPr>
           <a:xfrm>
-            <a:off x="4261903" y="3163378"/>
-            <a:ext cx="52660" cy="52660"/>
+            <a:off x="4262120" y="3163570"/>
+            <a:ext cx="52705" cy="52705"/>
           </a:xfrm>
           <a:custGeom>
             <a:avLst/>
@@ -12254,8 +13694,8 @@
         </p:nvSpPr>
         <p:spPr>
           <a:xfrm>
-            <a:off x="4328309" y="3182836"/>
-            <a:ext cx="173868" cy="13745"/>
+            <a:off x="4328160" y="3182620"/>
+            <a:ext cx="173990" cy="13970"/>
           </a:xfrm>
           <a:custGeom>
             <a:avLst/>
@@ -12526,8 +13966,8 @@
         </p:nvSpPr>
         <p:spPr>
           <a:xfrm>
-            <a:off x="4261903" y="3234246"/>
-            <a:ext cx="52660" cy="52660"/>
+            <a:off x="4262120" y="3234055"/>
+            <a:ext cx="52705" cy="52705"/>
           </a:xfrm>
           <a:custGeom>
             <a:avLst/>
@@ -13033,8 +14473,8 @@
         </p:nvSpPr>
         <p:spPr>
           <a:xfrm>
-            <a:off x="4328309" y="3253704"/>
-            <a:ext cx="173868" cy="13745"/>
+            <a:off x="4328160" y="3253740"/>
+            <a:ext cx="173990" cy="13970"/>
           </a:xfrm>
           <a:custGeom>
             <a:avLst/>
@@ -13307,8 +14747,8 @@
         </p:nvSpPr>
         <p:spPr>
           <a:xfrm>
-            <a:off x="4261903" y="3305114"/>
-            <a:ext cx="52660" cy="52660"/>
+            <a:off x="4262120" y="3305175"/>
+            <a:ext cx="52705" cy="52705"/>
           </a:xfrm>
           <a:custGeom>
             <a:avLst/>
@@ -13793,8 +15233,8 @@
         </p:nvSpPr>
         <p:spPr>
           <a:xfrm>
-            <a:off x="4328309" y="3324572"/>
-            <a:ext cx="173868" cy="13567"/>
+            <a:off x="4328160" y="3324860"/>
+            <a:ext cx="173990" cy="13335"/>
           </a:xfrm>
           <a:custGeom>
             <a:avLst/>
@@ -14065,8 +15505,8 @@
         </p:nvSpPr>
         <p:spPr>
           <a:xfrm>
-            <a:off x="3815927" y="3595003"/>
-            <a:ext cx="1154430" cy="298817"/>
+            <a:off x="3856990" y="3594735"/>
+            <a:ext cx="1071245" cy="299085"/>
           </a:xfrm>
           <a:prstGeom prst="rect">
             <a:avLst/>
@@ -14150,8 +15590,8 @@
         </p:nvSpPr>
         <p:spPr>
           <a:xfrm>
-            <a:off x="7116869" y="3595003"/>
-            <a:ext cx="1154430" cy="298817"/>
+            <a:off x="7158355" y="3594735"/>
+            <a:ext cx="1071245" cy="299085"/>
           </a:xfrm>
           <a:prstGeom prst="rect">
             <a:avLst/>
@@ -14229,8 +15669,8 @@
         </p:nvSpPr>
         <p:spPr>
           <a:xfrm>
-            <a:off x="3377777" y="4150861"/>
-            <a:ext cx="2021205" cy="641344"/>
+            <a:off x="3343910" y="4150995"/>
+            <a:ext cx="2087245" cy="641350"/>
           </a:xfrm>
           <a:prstGeom prst="rect">
             <a:avLst/>
@@ -14358,8 +15798,8 @@
         </p:nvSpPr>
         <p:spPr>
           <a:xfrm flipH="1" flipV="1">
-            <a:off x="4295431" y="3993218"/>
-            <a:ext cx="167018" cy="76200"/>
+            <a:off x="4295140" y="3993515"/>
+            <a:ext cx="167005" cy="76200"/>
           </a:xfrm>
           <a:prstGeom prst="triangle">
             <a:avLst>
@@ -14408,8 +15848,8 @@
         </p:nvSpPr>
         <p:spPr>
           <a:xfrm flipH="1" flipV="1">
-            <a:off x="7631642" y="3993218"/>
-            <a:ext cx="167018" cy="76200"/>
+            <a:off x="7631430" y="3993515"/>
+            <a:ext cx="167005" cy="76200"/>
           </a:xfrm>
           <a:prstGeom prst="triangle">
             <a:avLst>
@@ -14458,8 +15898,8 @@
         </p:nvSpPr>
         <p:spPr>
           <a:xfrm>
-            <a:off x="6688244" y="4160386"/>
-            <a:ext cx="2116457" cy="450844"/>
+            <a:off x="6688455" y="4160520"/>
+            <a:ext cx="2116455" cy="450850"/>
           </a:xfrm>
           <a:prstGeom prst="rect">
             <a:avLst/>
@@ -14564,17 +16004,24 @@
   </p:clrMapOvr>
   <mc:AlternateContent xmlns:mc="http://schemas.openxmlformats.org/markup-compatibility/2006">
     <mc:Choice xmlns:p14="http://schemas.microsoft.com/office/powerpoint/2010/main" Requires="p14">
-      <p:transition xmlns:mc="http://schemas.openxmlformats.org/markup-compatibility/2006" xmlns:p14="http://schemas.microsoft.com/office/powerpoint/2010/main" mc:Ignorable="p14" p14:dur="500"/>
+      <p:transition spd="slow" p14:dur="500"/>
     </mc:Choice>
     <mc:Fallback>
-      <p:transition/>
+      <p:transition spd="slow"/>
     </mc:Fallback>
   </mc:AlternateContent>
+  <p:timing>
+    <p:tnLst>
+      <p:par>
+        <p:cTn id="1" dur="indefinite" restart="never" nodeType="tmRoot"/>
+      </p:par>
+    </p:tnLst>
+  </p:timing>
 </p:sld>
 </file>
 
 <file path=ppt/slides/slide4.xml><?xml version="1.0" encoding="utf-8"?>
-<p:sld xmlns:r="http://schemas.openxmlformats.org/officeDocument/2006/relationships" xmlns:c="http://schemas.openxmlformats.org/drawingml/2006/chart" xmlns:a="http://schemas.openxmlformats.org/drawingml/2006/main" xmlns:dgm="http://schemas.openxmlformats.org/drawingml/2006/diagram" xmlns:dsp="http://schemas.microsoft.com/office/drawing/2008/diagram" xmlns:p="http://schemas.openxmlformats.org/presentationml/2006/main">
+<p:sld xmlns:r="http://schemas.openxmlformats.org/officeDocument/2006/relationships" xmlns:c="http://schemas.openxmlformats.org/drawingml/2006/chart" xmlns:a="http://schemas.openxmlformats.org/drawingml/2006/main" xmlns:dgm="http://schemas.openxmlformats.org/drawingml/2006/diagram" xmlns:dsp="http://schemas.microsoft.com/office/drawing/2008/diagram" xmlns:p="http://schemas.openxmlformats.org/presentationml/2006/main" xmlns:p14="http://schemas.microsoft.com/office/powerpoint/2010/main">
   <p:cSld>
     <p:spTree>
       <p:nvGrpSpPr>
@@ -14598,10 +16045,10 @@
         </p:nvGrpSpPr>
         <p:grpSpPr>
           <a:xfrm rot="0">
-            <a:off x="5885857" y="6177394"/>
-            <a:ext cx="420286" cy="150177"/>
-            <a:chOff x="5885857" y="4737577"/>
-            <a:chExt cx="420286" cy="150177"/>
+            <a:off x="5885815" y="6177280"/>
+            <a:ext cx="420370" cy="149860"/>
+            <a:chOff x="5885815" y="6177280"/>
+            <a:chExt cx="420370" cy="149860"/>
           </a:xfrm>
         </p:grpSpPr>
         <p:cxnSp>
@@ -14612,8 +16059,8 @@
           </p:nvCxnSpPr>
           <p:spPr>
             <a:xfrm>
-              <a:off x="5885857" y="4766042"/>
-              <a:ext cx="0" cy="93249"/>
+              <a:off x="5885815" y="6205855"/>
+              <a:ext cx="0" cy="93345"/>
             </a:xfrm>
             <a:prstGeom prst="line">
               <a:avLst/>
@@ -14647,8 +16094,8 @@
           </p:nvCxnSpPr>
           <p:spPr>
             <a:xfrm>
-              <a:off x="6096000" y="4737577"/>
-              <a:ext cx="0" cy="150177"/>
+              <a:off x="6096000" y="6177280"/>
+              <a:ext cx="0" cy="149860"/>
             </a:xfrm>
             <a:prstGeom prst="line">
               <a:avLst/>
@@ -14682,8 +16129,8 @@
           </p:nvCxnSpPr>
           <p:spPr>
             <a:xfrm>
-              <a:off x="6306143" y="4766040"/>
-              <a:ext cx="0" cy="93249"/>
+              <a:off x="6306185" y="6205855"/>
+              <a:ext cx="0" cy="93345"/>
             </a:xfrm>
             <a:prstGeom prst="line">
               <a:avLst/>
@@ -14718,8 +16165,8 @@
         </p:nvSpPr>
         <p:spPr>
           <a:xfrm>
-            <a:off x="5037602" y="947243"/>
-            <a:ext cx="2121388" cy="523220"/>
+            <a:off x="5037455" y="947420"/>
+            <a:ext cx="1960245" cy="523240"/>
           </a:xfrm>
           <a:prstGeom prst="rect">
             <a:avLst/>
@@ -14794,10 +16241,10 @@
         </p:nvGrpSpPr>
         <p:grpSpPr>
           <a:xfrm rot="0">
-            <a:off x="5621930" y="487835"/>
-            <a:ext cx="948139" cy="400110"/>
-            <a:chOff x="5621930" y="676811"/>
-            <a:chExt cx="948139" cy="400110"/>
+            <a:off x="5621655" y="487680"/>
+            <a:ext cx="948055" cy="400050"/>
+            <a:chOff x="5621655" y="487680"/>
+            <a:chExt cx="948055" cy="400050"/>
           </a:xfrm>
         </p:grpSpPr>
         <p:cxnSp>
@@ -14808,8 +16255,8 @@
           </p:nvCxnSpPr>
           <p:spPr>
             <a:xfrm>
-              <a:off x="5774330" y="791641"/>
-              <a:ext cx="0" cy="147590"/>
+              <a:off x="5774055" y="602615"/>
+              <a:ext cx="0" cy="147320"/>
             </a:xfrm>
             <a:prstGeom prst="line">
               <a:avLst/>
@@ -14843,8 +16290,8 @@
           </p:nvSpPr>
           <p:spPr>
             <a:xfrm>
-              <a:off x="5912836" y="726584"/>
-              <a:ext cx="366326" cy="277704"/>
+              <a:off x="5913120" y="537845"/>
+              <a:ext cx="366395" cy="277495"/>
             </a:xfrm>
             <a:prstGeom prst="rect">
               <a:avLst/>
@@ -14891,8 +16338,8 @@
           </p:nvSpPr>
           <p:spPr>
             <a:xfrm>
-              <a:off x="5862890" y="676811"/>
-              <a:ext cx="492443" cy="400110"/>
+              <a:off x="5862955" y="487680"/>
+              <a:ext cx="436245" cy="400050"/>
             </a:xfrm>
             <a:prstGeom prst="rect">
               <a:avLst/>
@@ -14952,8 +16399,8 @@
           </p:nvCxnSpPr>
           <p:spPr>
             <a:xfrm>
-              <a:off x="5621930" y="820216"/>
-              <a:ext cx="0" cy="90440"/>
+              <a:off x="5621655" y="631190"/>
+              <a:ext cx="0" cy="90170"/>
             </a:xfrm>
             <a:prstGeom prst="line">
               <a:avLst/>
@@ -14987,8 +16434,8 @@
           </p:nvCxnSpPr>
           <p:spPr>
             <a:xfrm>
-              <a:off x="6417669" y="791641"/>
-              <a:ext cx="0" cy="147590"/>
+              <a:off x="6417945" y="602615"/>
+              <a:ext cx="0" cy="147320"/>
             </a:xfrm>
             <a:prstGeom prst="line">
               <a:avLst/>
@@ -15022,8 +16469,8 @@
           </p:nvCxnSpPr>
           <p:spPr>
             <a:xfrm>
-              <a:off x="6570069" y="820216"/>
-              <a:ext cx="0" cy="90440"/>
+              <a:off x="6570345" y="631190"/>
+              <a:ext cx="0" cy="90170"/>
             </a:xfrm>
             <a:prstGeom prst="line">
               <a:avLst/>
@@ -15058,8 +16505,8 @@
         </p:nvSpPr>
         <p:spPr>
           <a:xfrm>
-            <a:off x="5880734" y="6440454"/>
-            <a:ext cx="459106" cy="291816"/>
+            <a:off x="5884545" y="6440170"/>
+            <a:ext cx="448945" cy="292100"/>
           </a:xfrm>
           <a:prstGeom prst="rect">
             <a:avLst/>
@@ -15134,8 +16581,8 @@
         </p:nvSpPr>
         <p:spPr>
           <a:xfrm>
-            <a:off x="5189007" y="5507692"/>
-            <a:ext cx="1813985" cy="394127"/>
+            <a:off x="5189220" y="5507990"/>
+            <a:ext cx="1814195" cy="394335"/>
           </a:xfrm>
           <a:prstGeom prst="roundRect">
             <a:avLst>
@@ -15188,8 +16635,8 @@
         </p:nvSpPr>
         <p:spPr>
           <a:xfrm>
-            <a:off x="5518785" y="5540777"/>
-            <a:ext cx="1154429" cy="296143"/>
+            <a:off x="5559425" y="5541010"/>
+            <a:ext cx="1071245" cy="295910"/>
           </a:xfrm>
           <a:prstGeom prst="rect">
             <a:avLst/>
@@ -15264,7 +16711,7 @@
         </p:nvSpPr>
         <p:spPr>
           <a:xfrm flipH="1">
-            <a:off x="9717697" y="5759657"/>
+            <a:off x="9717405" y="5759450"/>
             <a:ext cx="203200" cy="203200"/>
           </a:xfrm>
           <a:prstGeom prst="triangle">
@@ -15309,92 +16756,70 @@
       <p:sp>
         <p:nvSpPr>
           <p:cNvPr id="118" name="TextBox 162"/>
-          <p:cNvSpPr txBox="1"/>
+          <p:cNvSpPr txBox="1">
+            <a:spLocks/>
+          </p:cNvSpPr>
           <p:nvPr/>
         </p:nvSpPr>
         <p:spPr>
-          <a:xfrm>
-            <a:off x="7967608" y="6127530"/>
-            <a:ext cx="2067932" cy="276999"/>
+          <a:xfrm rot="0">
+            <a:off x="6418580" y="6127750"/>
+            <a:ext cx="3929380" cy="245745"/>
           </a:xfrm>
-          <a:prstGeom prst="rect">
-            <a:avLst/>
-          </a:prstGeom>
+          <a:prstGeom prst="rect"/>
           <a:noFill/>
         </p:spPr>
         <p:txBody>
-          <a:bodyPr wrap="none">
+          <a:bodyPr wrap="none" lIns="91440" tIns="45720" rIns="91440" bIns="45720" numCol="1" vert="horz" anchor="t">
             <a:spAutoFit/>
           </a:bodyPr>
           <a:lstStyle/>
           <a:p>
-            <a:pPr lvl="0">
-              <a:defRPr/>
+            <a:pPr marL="0" indent="0" algn="l" fontAlgn="auto" defTabSz="914400" eaLnBrk="0">
+              <a:lnSpc>
+                <a:spcPct val="100000"/>
+              </a:lnSpc>
+              <a:spcBef>
+                <a:spcPts val="0"/>
+              </a:spcBef>
+              <a:spcAft>
+                <a:spcPts val="0"/>
+              </a:spcAft>
+              <a:buFontTx/>
+              <a:buNone/>
             </a:pPr>
             <a:r>
-              <a:rPr lang="ko-KR" altLang="en-US" sz="1200">
-                <a:ln w="9525">
+              <a:rPr lang="en-US" altLang="ko-KR" sz="1000" cap="none" dirty="0" smtClean="0" b="0" strike="noStrike">
+                <a:ln w="9525" cap="flat" cmpd="sng">
                   <a:solidFill>
                     <a:schemeClr val="bg1">
                       <a:alpha val="0"/>
                     </a:schemeClr>
                   </a:solidFill>
+                  <a:prstDash val="solid"/>
                 </a:ln>
                 <a:solidFill>
                   <a:schemeClr val="bg1"/>
                 </a:solidFill>
-                <a:latin typeface="배달의민족 주아"/>
-                <a:ea typeface="배달의민족 주아"/>
+                <a:latin typeface="배달의민족 주아" charset="0"/>
+                <a:ea typeface="배달의민족 주아" charset="0"/>
               </a:rPr>
-              <a:t>출처 </a:t>
+              <a:t>출처 : www.kisa.kr/jsp/common/libraryDown.jsp?folder=011541</a:t>
             </a:r>
-            <a:r>
-              <a:rPr lang="en-US" altLang="ko-KR" sz="1200">
-                <a:ln w="9525">
-                  <a:solidFill>
-                    <a:schemeClr val="bg1">
-                      <a:alpha val="0"/>
-                    </a:schemeClr>
-                  </a:solidFill>
-                </a:ln>
-                <a:solidFill>
-                  <a:schemeClr val="bg1"/>
-                </a:solidFill>
-                <a:latin typeface="배달의민족 주아"/>
-                <a:ea typeface="배달의민족 주아"/>
-              </a:rPr>
-              <a:t>: </a:t>
-            </a:r>
-            <a:r>
-              <a:rPr lang="ko-KR" altLang="en-US" sz="1200">
-                <a:ln w="9525">
-                  <a:solidFill>
-                    <a:schemeClr val="bg1">
-                      <a:alpha val="0"/>
-                    </a:schemeClr>
-                  </a:solidFill>
-                </a:ln>
-                <a:solidFill>
-                  <a:schemeClr val="bg1"/>
-                </a:solidFill>
-                <a:latin typeface="배달의민족 주아"/>
-                <a:ea typeface="배달의민족 주아"/>
-              </a:rPr>
-              <a:t>적어주는거 잊지말고</a:t>
-            </a:r>
-            <a:endParaRPr lang="en-US" altLang="ko-KR" sz="1200">
-              <a:ln w="9525">
+            <a:endParaRPr lang="ko-KR" altLang="en-US" sz="1000" cap="none" dirty="0" smtClean="0" b="0" strike="noStrike">
+              <a:ln w="9525" cap="flat" cmpd="sng">
                 <a:solidFill>
                   <a:schemeClr val="bg1">
                     <a:alpha val="0"/>
                   </a:schemeClr>
                 </a:solidFill>
+                <a:prstDash val="solid"/>
               </a:ln>
               <a:solidFill>
                 <a:schemeClr val="bg1"/>
               </a:solidFill>
-              <a:latin typeface="배달의민족 주아"/>
-              <a:ea typeface="배달의민족 주아"/>
+              <a:latin typeface="배달의민족 주아" charset="0"/>
+              <a:ea typeface="배달의민족 주아" charset="0"/>
             </a:endParaRPr>
           </a:p>
         </p:txBody>
@@ -15407,8 +16832,8 @@
         </p:nvSpPr>
         <p:spPr>
           <a:xfrm>
-            <a:off x="2186352" y="1893459"/>
-            <a:ext cx="7819296" cy="4167887"/>
+            <a:off x="2186305" y="1893570"/>
+            <a:ext cx="7819390" cy="4168140"/>
           </a:xfrm>
           <a:prstGeom prst="rect">
             <a:avLst/>
@@ -15449,7 +16874,7 @@
       </p:sp>
       <p:pic>
         <p:nvPicPr>
-          <p:cNvPr id="120" name=""/>
+          <p:cNvPr id="120" name="그림 119"/>
           <p:cNvPicPr>
             <a:picLocks noChangeAspect="1"/>
           </p:cNvPicPr>
@@ -15463,8 +16888,8 @@
         </p:blipFill>
         <p:spPr>
           <a:xfrm>
-            <a:off x="3123211" y="2051940"/>
-            <a:ext cx="5945576" cy="3311751"/>
+            <a:off x="3122930" y="2051685"/>
+            <a:ext cx="5945505" cy="3311525"/>
           </a:xfrm>
           <a:prstGeom prst="rect">
             <a:avLst/>
@@ -15478,17 +16903,24 @@
   </p:clrMapOvr>
   <mc:AlternateContent xmlns:mc="http://schemas.openxmlformats.org/markup-compatibility/2006">
     <mc:Choice xmlns:p14="http://schemas.microsoft.com/office/powerpoint/2010/main" Requires="p14">
-      <p:transition xmlns:mc="http://schemas.openxmlformats.org/markup-compatibility/2006" xmlns:p14="http://schemas.microsoft.com/office/powerpoint/2010/main" mc:Ignorable="p14" p14:dur="500"/>
+      <p:transition spd="slow" p14:dur="500"/>
     </mc:Choice>
     <mc:Fallback>
-      <p:transition/>
+      <p:transition spd="slow"/>
     </mc:Fallback>
   </mc:AlternateContent>
+  <p:timing>
+    <p:tnLst>
+      <p:par>
+        <p:cTn id="1" dur="indefinite" restart="never" nodeType="tmRoot"/>
+      </p:par>
+    </p:tnLst>
+  </p:timing>
 </p:sld>
 </file>
 
 <file path=ppt/slides/slide5.xml><?xml version="1.0" encoding="utf-8"?>
-<p:sld xmlns:r="http://schemas.openxmlformats.org/officeDocument/2006/relationships" xmlns:c="http://schemas.openxmlformats.org/drawingml/2006/chart" xmlns:a="http://schemas.openxmlformats.org/drawingml/2006/main" xmlns:dgm="http://schemas.openxmlformats.org/drawingml/2006/diagram" xmlns:dsp="http://schemas.microsoft.com/office/drawing/2008/diagram" xmlns:p="http://schemas.openxmlformats.org/presentationml/2006/main">
+<p:sld xmlns:r="http://schemas.openxmlformats.org/officeDocument/2006/relationships" xmlns:c="http://schemas.openxmlformats.org/drawingml/2006/chart" xmlns:a="http://schemas.openxmlformats.org/drawingml/2006/main" xmlns:dgm="http://schemas.openxmlformats.org/drawingml/2006/diagram" xmlns:dsp="http://schemas.microsoft.com/office/drawing/2008/diagram" xmlns:p="http://schemas.openxmlformats.org/presentationml/2006/main" xmlns:p14="http://schemas.microsoft.com/office/powerpoint/2010/main">
   <p:cSld>
     <p:spTree>
       <p:nvGrpSpPr>
@@ -15512,10 +16944,10 @@
         </p:nvGrpSpPr>
         <p:grpSpPr>
           <a:xfrm rot="0">
-            <a:off x="5885857" y="6177394"/>
-            <a:ext cx="420286" cy="150177"/>
-            <a:chOff x="5885857" y="4737577"/>
-            <a:chExt cx="420286" cy="150177"/>
+            <a:off x="5885815" y="6177280"/>
+            <a:ext cx="420370" cy="149860"/>
+            <a:chOff x="5885815" y="6177280"/>
+            <a:chExt cx="420370" cy="149860"/>
           </a:xfrm>
         </p:grpSpPr>
         <p:cxnSp>
@@ -15526,8 +16958,8 @@
           </p:nvCxnSpPr>
           <p:spPr>
             <a:xfrm>
-              <a:off x="5885857" y="4766042"/>
-              <a:ext cx="0" cy="93249"/>
+              <a:off x="5885815" y="6205855"/>
+              <a:ext cx="0" cy="93345"/>
             </a:xfrm>
             <a:prstGeom prst="line">
               <a:avLst/>
@@ -15561,8 +16993,8 @@
           </p:nvCxnSpPr>
           <p:spPr>
             <a:xfrm>
-              <a:off x="6096000" y="4737577"/>
-              <a:ext cx="0" cy="150177"/>
+              <a:off x="6096000" y="6177280"/>
+              <a:ext cx="0" cy="149860"/>
             </a:xfrm>
             <a:prstGeom prst="line">
               <a:avLst/>
@@ -15596,8 +17028,8 @@
           </p:nvCxnSpPr>
           <p:spPr>
             <a:xfrm>
-              <a:off x="6306143" y="4766040"/>
-              <a:ext cx="0" cy="93249"/>
+              <a:off x="6306185" y="6205855"/>
+              <a:ext cx="0" cy="93345"/>
             </a:xfrm>
             <a:prstGeom prst="line">
               <a:avLst/>
@@ -15632,8 +17064,8 @@
         </p:nvSpPr>
         <p:spPr>
           <a:xfrm>
-            <a:off x="5034157" y="956768"/>
-            <a:ext cx="2124833" cy="523220"/>
+            <a:off x="5034280" y="956945"/>
+            <a:ext cx="1960245" cy="523240"/>
           </a:xfrm>
           <a:prstGeom prst="rect">
             <a:avLst/>
@@ -15708,10 +17140,10 @@
         </p:nvGrpSpPr>
         <p:grpSpPr>
           <a:xfrm rot="0">
-            <a:off x="5621930" y="487835"/>
-            <a:ext cx="948139" cy="400110"/>
-            <a:chOff x="5621930" y="676811"/>
-            <a:chExt cx="948139" cy="400110"/>
+            <a:off x="5621655" y="487680"/>
+            <a:ext cx="948055" cy="400050"/>
+            <a:chOff x="5621655" y="487680"/>
+            <a:chExt cx="948055" cy="400050"/>
           </a:xfrm>
         </p:grpSpPr>
         <p:cxnSp>
@@ -15722,8 +17154,8 @@
           </p:nvCxnSpPr>
           <p:spPr>
             <a:xfrm>
-              <a:off x="5774330" y="791641"/>
-              <a:ext cx="0" cy="147590"/>
+              <a:off x="5774055" y="602615"/>
+              <a:ext cx="0" cy="147320"/>
             </a:xfrm>
             <a:prstGeom prst="line">
               <a:avLst/>
@@ -15757,8 +17189,8 @@
           </p:nvSpPr>
           <p:spPr>
             <a:xfrm>
-              <a:off x="5912836" y="726584"/>
-              <a:ext cx="366326" cy="277704"/>
+              <a:off x="5913120" y="537845"/>
+              <a:ext cx="366395" cy="277495"/>
             </a:xfrm>
             <a:prstGeom prst="rect">
               <a:avLst/>
@@ -15805,8 +17237,8 @@
           </p:nvSpPr>
           <p:spPr>
             <a:xfrm>
-              <a:off x="5862890" y="676811"/>
-              <a:ext cx="492443" cy="400110"/>
+              <a:off x="5862955" y="487680"/>
+              <a:ext cx="436245" cy="400050"/>
             </a:xfrm>
             <a:prstGeom prst="rect">
               <a:avLst/>
@@ -15866,8 +17298,8 @@
           </p:nvCxnSpPr>
           <p:spPr>
             <a:xfrm>
-              <a:off x="5621930" y="820216"/>
-              <a:ext cx="0" cy="90440"/>
+              <a:off x="5621655" y="631190"/>
+              <a:ext cx="0" cy="90170"/>
             </a:xfrm>
             <a:prstGeom prst="line">
               <a:avLst/>
@@ -15901,8 +17333,8 @@
           </p:nvCxnSpPr>
           <p:spPr>
             <a:xfrm>
-              <a:off x="6417669" y="791641"/>
-              <a:ext cx="0" cy="147590"/>
+              <a:off x="6417945" y="602615"/>
+              <a:ext cx="0" cy="147320"/>
             </a:xfrm>
             <a:prstGeom prst="line">
               <a:avLst/>
@@ -15936,8 +17368,8 @@
           </p:nvCxnSpPr>
           <p:spPr>
             <a:xfrm>
-              <a:off x="6570069" y="820216"/>
-              <a:ext cx="0" cy="90440"/>
+              <a:off x="6570345" y="631190"/>
+              <a:ext cx="0" cy="90170"/>
             </a:xfrm>
             <a:prstGeom prst="line">
               <a:avLst/>
@@ -15972,8 +17404,8 @@
         </p:nvSpPr>
         <p:spPr>
           <a:xfrm>
-            <a:off x="4575810" y="1510711"/>
-            <a:ext cx="3021330" cy="369332"/>
+            <a:off x="4565650" y="1510665"/>
+            <a:ext cx="3039745" cy="369570"/>
           </a:xfrm>
           <a:prstGeom prst="rect">
             <a:avLst/>
@@ -16065,8 +17497,8 @@
         </p:nvSpPr>
         <p:spPr>
           <a:xfrm>
-            <a:off x="5880734" y="6440454"/>
-            <a:ext cx="468631" cy="291816"/>
+            <a:off x="5889625" y="6440170"/>
+            <a:ext cx="448945" cy="292100"/>
           </a:xfrm>
           <a:prstGeom prst="rect">
             <a:avLst/>
@@ -16141,8 +17573,8 @@
         </p:nvSpPr>
         <p:spPr>
           <a:xfrm>
-            <a:off x="3409887" y="2019362"/>
-            <a:ext cx="1569720" cy="385316"/>
+            <a:off x="3409950" y="2019300"/>
+            <a:ext cx="1569720" cy="385445"/>
           </a:xfrm>
           <a:prstGeom prst="rect">
             <a:avLst/>
@@ -16189,8 +17621,8 @@
         </p:nvSpPr>
         <p:spPr>
           <a:xfrm flipV="1">
-            <a:off x="5992607" y="4969995"/>
-            <a:ext cx="206785" cy="104657"/>
+            <a:off x="5992495" y="4970145"/>
+            <a:ext cx="207010" cy="104775"/>
           </a:xfrm>
           <a:prstGeom prst="triangle">
             <a:avLst>
@@ -16239,8 +17671,8 @@
         </p:nvSpPr>
         <p:spPr>
           <a:xfrm>
-            <a:off x="5189007" y="5441017"/>
-            <a:ext cx="1813985" cy="394127"/>
+            <a:off x="5189220" y="5441315"/>
+            <a:ext cx="1814195" cy="394335"/>
           </a:xfrm>
           <a:prstGeom prst="roundRect">
             <a:avLst>
@@ -16293,8 +17725,8 @@
         </p:nvSpPr>
         <p:spPr>
           <a:xfrm>
-            <a:off x="5609272" y="5483627"/>
-            <a:ext cx="973455" cy="296143"/>
+            <a:off x="5647690" y="5483860"/>
+            <a:ext cx="893445" cy="295910"/>
           </a:xfrm>
           <a:prstGeom prst="rect">
             <a:avLst/>
@@ -16369,8 +17801,8 @@
         </p:nvSpPr>
         <p:spPr>
           <a:xfrm>
-            <a:off x="2186352" y="1893459"/>
-            <a:ext cx="7819296" cy="4167887"/>
+            <a:off x="2186305" y="1893570"/>
+            <a:ext cx="7819390" cy="4168140"/>
           </a:xfrm>
           <a:prstGeom prst="rect">
             <a:avLst/>
@@ -16411,7 +17843,7 @@
       </p:sp>
       <p:pic>
         <p:nvPicPr>
-          <p:cNvPr id="114" name=""/>
+          <p:cNvPr id="114" name="그림 113"/>
           <p:cNvPicPr>
             <a:picLocks noChangeAspect="1"/>
           </p:cNvPicPr>
@@ -16425,8 +17857,8 @@
         </p:blipFill>
         <p:spPr>
           <a:xfrm>
-            <a:off x="3485694" y="2059749"/>
-            <a:ext cx="5220613" cy="3184042"/>
+            <a:off x="3485515" y="2059940"/>
+            <a:ext cx="5220335" cy="3183890"/>
           </a:xfrm>
           <a:prstGeom prst="rect">
             <a:avLst/>
@@ -16441,7 +17873,7 @@
         </p:nvSpPr>
         <p:spPr>
           <a:xfrm flipH="1">
-            <a:off x="9708172" y="5769182"/>
+            <a:off x="9707880" y="5768975"/>
             <a:ext cx="203200" cy="203200"/>
           </a:xfrm>
           <a:prstGeom prst="triangle">
@@ -16486,92 +17918,70 @@
       <p:sp>
         <p:nvSpPr>
           <p:cNvPr id="116" name="TextBox 162"/>
-          <p:cNvSpPr txBox="1"/>
+          <p:cNvSpPr txBox="1">
+            <a:spLocks/>
+          </p:cNvSpPr>
           <p:nvPr/>
         </p:nvSpPr>
         <p:spPr>
-          <a:xfrm>
-            <a:off x="7986658" y="6127530"/>
-            <a:ext cx="2067932" cy="276999"/>
+          <a:xfrm rot="0">
+            <a:off x="7398385" y="6174105"/>
+            <a:ext cx="2659380" cy="245745"/>
           </a:xfrm>
-          <a:prstGeom prst="rect">
-            <a:avLst/>
-          </a:prstGeom>
+          <a:prstGeom prst="rect"/>
           <a:noFill/>
         </p:spPr>
         <p:txBody>
-          <a:bodyPr wrap="none">
+          <a:bodyPr wrap="none" lIns="91440" tIns="45720" rIns="91440" bIns="45720" numCol="1" vert="horz" anchor="t">
             <a:spAutoFit/>
           </a:bodyPr>
           <a:lstStyle/>
           <a:p>
-            <a:pPr lvl="0">
-              <a:defRPr/>
+            <a:pPr marL="0" indent="0" algn="l" fontAlgn="auto" defTabSz="914400" eaLnBrk="0">
+              <a:lnSpc>
+                <a:spcPct val="100000"/>
+              </a:lnSpc>
+              <a:spcBef>
+                <a:spcPts val="0"/>
+              </a:spcBef>
+              <a:spcAft>
+                <a:spcPts val="0"/>
+              </a:spcAft>
+              <a:buFontTx/>
+              <a:buNone/>
             </a:pPr>
             <a:r>
-              <a:rPr lang="ko-KR" altLang="en-US" sz="1200">
-                <a:ln w="9525">
+              <a:rPr lang="en-US" altLang="ko-KR" sz="1000" cap="none" dirty="0" smtClean="0" b="0" strike="noStrike">
+                <a:ln w="9525" cap="flat" cmpd="sng">
                   <a:solidFill>
                     <a:schemeClr val="bg1">
                       <a:alpha val="0"/>
                     </a:schemeClr>
                   </a:solidFill>
+                  <a:prstDash val="solid"/>
                 </a:ln>
                 <a:solidFill>
                   <a:schemeClr val="bg1"/>
                 </a:solidFill>
-                <a:latin typeface="배달의민족 주아"/>
-                <a:ea typeface="배달의민족 주아"/>
+                <a:latin typeface="배달의민족 주아" charset="0"/>
+                <a:ea typeface="배달의민족 주아" charset="0"/>
               </a:rPr>
-              <a:t>출처 </a:t>
+              <a:t>출처 : http://toparadic.tistory.com/749</a:t>
             </a:r>
-            <a:r>
-              <a:rPr lang="en-US" altLang="ko-KR" sz="1200">
-                <a:ln w="9525">
-                  <a:solidFill>
-                    <a:schemeClr val="bg1">
-                      <a:alpha val="0"/>
-                    </a:schemeClr>
-                  </a:solidFill>
-                </a:ln>
-                <a:solidFill>
-                  <a:schemeClr val="bg1"/>
-                </a:solidFill>
-                <a:latin typeface="배달의민족 주아"/>
-                <a:ea typeface="배달의민족 주아"/>
-              </a:rPr>
-              <a:t>: </a:t>
-            </a:r>
-            <a:r>
-              <a:rPr lang="ko-KR" altLang="en-US" sz="1200">
-                <a:ln w="9525">
-                  <a:solidFill>
-                    <a:schemeClr val="bg1">
-                      <a:alpha val="0"/>
-                    </a:schemeClr>
-                  </a:solidFill>
-                </a:ln>
-                <a:solidFill>
-                  <a:schemeClr val="bg1"/>
-                </a:solidFill>
-                <a:latin typeface="배달의민족 주아"/>
-                <a:ea typeface="배달의민족 주아"/>
-              </a:rPr>
-              <a:t>적어주는거 잊지말고</a:t>
-            </a:r>
-            <a:endParaRPr lang="en-US" altLang="ko-KR" sz="1200">
-              <a:ln w="9525">
+            <a:endParaRPr lang="ko-KR" altLang="en-US" sz="1000" cap="none" dirty="0" smtClean="0" b="0" strike="noStrike">
+              <a:ln w="9525" cap="flat" cmpd="sng">
                 <a:solidFill>
                   <a:schemeClr val="bg1">
                     <a:alpha val="0"/>
                   </a:schemeClr>
                 </a:solidFill>
+                <a:prstDash val="solid"/>
               </a:ln>
               <a:solidFill>
                 <a:schemeClr val="bg1"/>
               </a:solidFill>
-              <a:latin typeface="배달의민족 주아"/>
-              <a:ea typeface="배달의민족 주아"/>
+              <a:latin typeface="배달의민족 주아" charset="0"/>
+              <a:ea typeface="배달의민족 주아" charset="0"/>
             </a:endParaRPr>
           </a:p>
         </p:txBody>
@@ -16583,17 +17993,24 @@
   </p:clrMapOvr>
   <mc:AlternateContent xmlns:mc="http://schemas.openxmlformats.org/markup-compatibility/2006">
     <mc:Choice xmlns:p14="http://schemas.microsoft.com/office/powerpoint/2010/main" Requires="p14">
-      <p:transition xmlns:mc="http://schemas.openxmlformats.org/markup-compatibility/2006" xmlns:p14="http://schemas.microsoft.com/office/powerpoint/2010/main" mc:Ignorable="p14" p14:dur="500"/>
+      <p:transition spd="slow" p14:dur="500"/>
     </mc:Choice>
     <mc:Fallback>
-      <p:transition/>
+      <p:transition spd="slow"/>
     </mc:Fallback>
   </mc:AlternateContent>
+  <p:timing>
+    <p:tnLst>
+      <p:par>
+        <p:cTn id="1" dur="indefinite" restart="never" nodeType="tmRoot"/>
+      </p:par>
+    </p:tnLst>
+  </p:timing>
 </p:sld>
 </file>
 
 <file path=ppt/slides/slide6.xml><?xml version="1.0" encoding="utf-8"?>
-<p:sld xmlns:r="http://schemas.openxmlformats.org/officeDocument/2006/relationships" xmlns:c="http://schemas.openxmlformats.org/drawingml/2006/chart" xmlns:a="http://schemas.openxmlformats.org/drawingml/2006/main" xmlns:dgm="http://schemas.openxmlformats.org/drawingml/2006/diagram" xmlns:dsp="http://schemas.microsoft.com/office/drawing/2008/diagram" xmlns:p="http://schemas.openxmlformats.org/presentationml/2006/main">
+<p:sld xmlns:r="http://schemas.openxmlformats.org/officeDocument/2006/relationships" xmlns:c="http://schemas.openxmlformats.org/drawingml/2006/chart" xmlns:a="http://schemas.openxmlformats.org/drawingml/2006/main" xmlns:dgm="http://schemas.openxmlformats.org/drawingml/2006/diagram" xmlns:dsp="http://schemas.microsoft.com/office/drawing/2008/diagram" xmlns:p="http://schemas.openxmlformats.org/presentationml/2006/main" xmlns:p14="http://schemas.microsoft.com/office/powerpoint/2010/main">
   <p:cSld>
     <p:spTree>
       <p:nvGrpSpPr>
@@ -16617,10 +18034,10 @@
         </p:nvGrpSpPr>
         <p:grpSpPr>
           <a:xfrm rot="0">
-            <a:off x="5885857" y="6177394"/>
-            <a:ext cx="420286" cy="150177"/>
-            <a:chOff x="5885857" y="4737577"/>
-            <a:chExt cx="420286" cy="150177"/>
+            <a:off x="5885815" y="6177280"/>
+            <a:ext cx="420370" cy="149860"/>
+            <a:chOff x="5885815" y="6177280"/>
+            <a:chExt cx="420370" cy="149860"/>
           </a:xfrm>
         </p:grpSpPr>
         <p:cxnSp>
@@ -16631,8 +18048,8 @@
           </p:nvCxnSpPr>
           <p:spPr>
             <a:xfrm>
-              <a:off x="5885857" y="4766042"/>
-              <a:ext cx="0" cy="93249"/>
+              <a:off x="5885815" y="6205855"/>
+              <a:ext cx="0" cy="93345"/>
             </a:xfrm>
             <a:prstGeom prst="line">
               <a:avLst/>
@@ -16666,8 +18083,8 @@
           </p:nvCxnSpPr>
           <p:spPr>
             <a:xfrm>
-              <a:off x="6096000" y="4737577"/>
-              <a:ext cx="0" cy="150177"/>
+              <a:off x="6096000" y="6177280"/>
+              <a:ext cx="0" cy="149860"/>
             </a:xfrm>
             <a:prstGeom prst="line">
               <a:avLst/>
@@ -16701,8 +18118,8 @@
           </p:nvCxnSpPr>
           <p:spPr>
             <a:xfrm>
-              <a:off x="6306143" y="4766040"/>
-              <a:ext cx="0" cy="93249"/>
+              <a:off x="6306185" y="6205855"/>
+              <a:ext cx="0" cy="93345"/>
             </a:xfrm>
             <a:prstGeom prst="line">
               <a:avLst/>
@@ -16737,8 +18154,8 @@
         </p:nvSpPr>
         <p:spPr>
           <a:xfrm>
-            <a:off x="4882374" y="994868"/>
-            <a:ext cx="2429016" cy="574852"/>
+            <a:off x="4882515" y="995045"/>
+            <a:ext cx="2417445" cy="574675"/>
           </a:xfrm>
           <a:prstGeom prst="rect">
             <a:avLst/>
@@ -16813,10 +18230,10 @@
         </p:nvGrpSpPr>
         <p:grpSpPr>
           <a:xfrm rot="0">
-            <a:off x="5621930" y="487835"/>
-            <a:ext cx="948139" cy="400110"/>
-            <a:chOff x="5621930" y="676811"/>
-            <a:chExt cx="948139" cy="400110"/>
+            <a:off x="5621655" y="487680"/>
+            <a:ext cx="948055" cy="400050"/>
+            <a:chOff x="5621655" y="487680"/>
+            <a:chExt cx="948055" cy="400050"/>
           </a:xfrm>
         </p:grpSpPr>
         <p:cxnSp>
@@ -16827,8 +18244,8 @@
           </p:nvCxnSpPr>
           <p:spPr>
             <a:xfrm>
-              <a:off x="5774330" y="791641"/>
-              <a:ext cx="0" cy="147590"/>
+              <a:off x="5774055" y="602615"/>
+              <a:ext cx="0" cy="147320"/>
             </a:xfrm>
             <a:prstGeom prst="line">
               <a:avLst/>
@@ -16862,8 +18279,8 @@
           </p:nvSpPr>
           <p:spPr>
             <a:xfrm>
-              <a:off x="5912836" y="726584"/>
-              <a:ext cx="366326" cy="277704"/>
+              <a:off x="5913120" y="537845"/>
+              <a:ext cx="366395" cy="277495"/>
             </a:xfrm>
             <a:prstGeom prst="rect">
               <a:avLst/>
@@ -16910,8 +18327,8 @@
           </p:nvSpPr>
           <p:spPr>
             <a:xfrm>
-              <a:off x="5872221" y="676811"/>
-              <a:ext cx="486669" cy="400110"/>
+              <a:off x="5872480" y="487680"/>
+              <a:ext cx="436245" cy="400050"/>
             </a:xfrm>
             <a:prstGeom prst="rect">
               <a:avLst/>
@@ -16971,8 +18388,8 @@
           </p:nvCxnSpPr>
           <p:spPr>
             <a:xfrm>
-              <a:off x="5621930" y="820216"/>
-              <a:ext cx="0" cy="90440"/>
+              <a:off x="5621655" y="631190"/>
+              <a:ext cx="0" cy="90170"/>
             </a:xfrm>
             <a:prstGeom prst="line">
               <a:avLst/>
@@ -17006,8 +18423,8 @@
           </p:nvCxnSpPr>
           <p:spPr>
             <a:xfrm>
-              <a:off x="6417669" y="791641"/>
-              <a:ext cx="0" cy="147590"/>
+              <a:off x="6417945" y="602615"/>
+              <a:ext cx="0" cy="147320"/>
             </a:xfrm>
             <a:prstGeom prst="line">
               <a:avLst/>
@@ -17041,8 +18458,8 @@
           </p:nvCxnSpPr>
           <p:spPr>
             <a:xfrm>
-              <a:off x="6570069" y="820216"/>
-              <a:ext cx="0" cy="90440"/>
+              <a:off x="6570345" y="631190"/>
+              <a:ext cx="0" cy="90170"/>
             </a:xfrm>
             <a:prstGeom prst="line">
               <a:avLst/>
@@ -17077,8 +18494,8 @@
         </p:nvSpPr>
         <p:spPr>
           <a:xfrm>
-            <a:off x="3723323" y="1510711"/>
-            <a:ext cx="4745354" cy="344759"/>
+            <a:off x="3629660" y="1510665"/>
+            <a:ext cx="4932045" cy="344805"/>
           </a:xfrm>
           <a:prstGeom prst="rect">
             <a:avLst/>
@@ -17136,8 +18553,8 @@
         </p:nvSpPr>
         <p:spPr>
           <a:xfrm rot="5400000" flipH="1">
-            <a:off x="3264788" y="5065541"/>
-            <a:ext cx="263578" cy="329369"/>
+            <a:off x="3264535" y="5065395"/>
+            <a:ext cx="263525" cy="329565"/>
           </a:xfrm>
           <a:prstGeom prst="triangle">
             <a:avLst>
@@ -17186,8 +18603,8 @@
         </p:nvSpPr>
         <p:spPr>
           <a:xfrm rot="5400000" flipH="1">
-            <a:off x="3248057" y="4515989"/>
-            <a:ext cx="301769" cy="947008"/>
+            <a:off x="3248025" y="4516120"/>
+            <a:ext cx="301625" cy="946785"/>
           </a:xfrm>
           <a:prstGeom prst="triangle">
             <a:avLst>
@@ -17236,8 +18653,8 @@
         </p:nvSpPr>
         <p:spPr>
           <a:xfrm rot="16200000">
-            <a:off x="3011211" y="4138420"/>
-            <a:ext cx="412434" cy="1310035"/>
+            <a:off x="3011170" y="4138295"/>
+            <a:ext cx="412750" cy="1310005"/>
           </a:xfrm>
           <a:prstGeom prst="triangle">
             <a:avLst>
@@ -17286,8 +18703,8 @@
         </p:nvSpPr>
         <p:spPr>
           <a:xfrm rot="16200000">
-            <a:off x="3146062" y="4815023"/>
-            <a:ext cx="194581" cy="635827"/>
+            <a:off x="3145790" y="4815205"/>
+            <a:ext cx="194310" cy="635635"/>
           </a:xfrm>
           <a:prstGeom prst="triangle">
             <a:avLst>
@@ -17336,8 +18753,8 @@
         </p:nvSpPr>
         <p:spPr>
           <a:xfrm>
-            <a:off x="2186651" y="2622078"/>
-            <a:ext cx="2061554" cy="2171359"/>
+            <a:off x="2186940" y="2621915"/>
+            <a:ext cx="2061845" cy="2171065"/>
           </a:xfrm>
           <a:prstGeom prst="rect">
             <a:avLst/>
@@ -17384,8 +18801,8 @@
         </p:nvSpPr>
         <p:spPr>
           <a:xfrm>
-            <a:off x="2299428" y="2723971"/>
-            <a:ext cx="1836000" cy="1933884"/>
+            <a:off x="2299335" y="2724150"/>
+            <a:ext cx="1835785" cy="1933575"/>
           </a:xfrm>
           <a:prstGeom prst="rect">
             <a:avLst/>
@@ -17432,8 +18849,8 @@
         </p:nvSpPr>
         <p:spPr>
           <a:xfrm rot="5400000" flipH="1">
-            <a:off x="6153303" y="5302202"/>
-            <a:ext cx="318930" cy="398536"/>
+            <a:off x="6153150" y="5302250"/>
+            <a:ext cx="318770" cy="398780"/>
           </a:xfrm>
           <a:prstGeom prst="triangle">
             <a:avLst>
@@ -17482,8 +18899,8 @@
         </p:nvSpPr>
         <p:spPr>
           <a:xfrm rot="5400000" flipH="1">
-            <a:off x="6133058" y="4637244"/>
-            <a:ext cx="365140" cy="1145879"/>
+            <a:off x="6132830" y="4637405"/>
+            <a:ext cx="365125" cy="1146175"/>
           </a:xfrm>
           <a:prstGeom prst="triangle">
             <a:avLst>
@@ -17532,8 +18949,8 @@
         </p:nvSpPr>
         <p:spPr>
           <a:xfrm rot="16200000">
-            <a:off x="5846474" y="4168091"/>
-            <a:ext cx="499045" cy="1585142"/>
+            <a:off x="5846445" y="4168140"/>
+            <a:ext cx="499110" cy="1584960"/>
           </a:xfrm>
           <a:prstGeom prst="triangle">
             <a:avLst>
@@ -17582,8 +18999,8 @@
         </p:nvSpPr>
         <p:spPr>
           <a:xfrm rot="16200000">
-            <a:off x="6009644" y="4999076"/>
-            <a:ext cx="235443" cy="769350"/>
+            <a:off x="6009640" y="4999355"/>
+            <a:ext cx="235585" cy="769620"/>
           </a:xfrm>
           <a:prstGeom prst="triangle">
             <a:avLst>
@@ -17632,8 +19049,8 @@
         </p:nvSpPr>
         <p:spPr>
           <a:xfrm>
-            <a:off x="4848758" y="2333317"/>
-            <a:ext cx="2494480" cy="2627345"/>
+            <a:off x="4848860" y="2333625"/>
+            <a:ext cx="2494280" cy="2627630"/>
           </a:xfrm>
           <a:prstGeom prst="rect">
             <a:avLst/>
@@ -17680,8 +19097,8 @@
         </p:nvSpPr>
         <p:spPr>
           <a:xfrm>
-            <a:off x="4999963" y="2456608"/>
-            <a:ext cx="2232000" cy="2340000"/>
+            <a:off x="4999990" y="2456815"/>
+            <a:ext cx="2232025" cy="2339975"/>
           </a:xfrm>
           <a:prstGeom prst="rect">
             <a:avLst/>
@@ -17728,8 +19145,8 @@
         </p:nvSpPr>
         <p:spPr>
           <a:xfrm rot="5400000" flipH="1">
-            <a:off x="9021928" y="5065541"/>
-            <a:ext cx="263578" cy="329369"/>
+            <a:off x="9022080" y="5065395"/>
+            <a:ext cx="263525" cy="329565"/>
           </a:xfrm>
           <a:prstGeom prst="triangle">
             <a:avLst>
@@ -17778,8 +19195,8 @@
         </p:nvSpPr>
         <p:spPr>
           <a:xfrm rot="5400000" flipH="1">
-            <a:off x="9005197" y="4515989"/>
-            <a:ext cx="301769" cy="947008"/>
+            <a:off x="9004935" y="4516120"/>
+            <a:ext cx="301625" cy="946785"/>
           </a:xfrm>
           <a:prstGeom prst="triangle">
             <a:avLst>
@@ -17828,8 +19245,8 @@
         </p:nvSpPr>
         <p:spPr>
           <a:xfrm rot="16200000">
-            <a:off x="8768351" y="4138420"/>
-            <a:ext cx="412434" cy="1310035"/>
+            <a:off x="8768080" y="4138295"/>
+            <a:ext cx="412750" cy="1310005"/>
           </a:xfrm>
           <a:prstGeom prst="triangle">
             <a:avLst>
@@ -17878,8 +19295,8 @@
         </p:nvSpPr>
         <p:spPr>
           <a:xfrm rot="16200000">
-            <a:off x="8903202" y="4815023"/>
-            <a:ext cx="194581" cy="635827"/>
+            <a:off x="8903335" y="4815205"/>
+            <a:ext cx="194310" cy="635635"/>
           </a:xfrm>
           <a:prstGeom prst="triangle">
             <a:avLst>
@@ -17928,8 +19345,8 @@
         </p:nvSpPr>
         <p:spPr>
           <a:xfrm>
-            <a:off x="7943791" y="2622078"/>
-            <a:ext cx="2061554" cy="2171359"/>
+            <a:off x="7943850" y="2621915"/>
+            <a:ext cx="2061845" cy="2171065"/>
           </a:xfrm>
           <a:prstGeom prst="rect">
             <a:avLst/>
@@ -17976,8 +19393,8 @@
         </p:nvSpPr>
         <p:spPr>
           <a:xfrm>
-            <a:off x="8056568" y="2723971"/>
-            <a:ext cx="1836000" cy="1933884"/>
+            <a:off x="8056880" y="2724150"/>
+            <a:ext cx="1835785" cy="1933575"/>
           </a:xfrm>
           <a:prstGeom prst="rect">
             <a:avLst/>
@@ -18024,8 +19441,8 @@
         </p:nvSpPr>
         <p:spPr>
           <a:xfrm>
-            <a:off x="5866447" y="6469028"/>
-            <a:ext cx="463867" cy="291817"/>
+            <a:off x="5873115" y="6468745"/>
+            <a:ext cx="448945" cy="292100"/>
           </a:xfrm>
           <a:prstGeom prst="rect">
             <a:avLst/>
@@ -18100,10 +19517,10 @@
         </p:nvGrpSpPr>
         <p:grpSpPr>
           <a:xfrm rot="0">
-            <a:off x="5881460" y="2732650"/>
-            <a:ext cx="429069" cy="432970"/>
-            <a:chOff x="5881460" y="2797967"/>
-            <a:chExt cx="429069" cy="432970"/>
+            <a:off x="5881370" y="2732405"/>
+            <a:ext cx="429260" cy="433070"/>
+            <a:chOff x="5881370" y="2732405"/>
+            <a:chExt cx="429260" cy="433070"/>
           </a:xfrm>
         </p:grpSpPr>
         <p:sp>
@@ -18114,8 +19531,8 @@
           </p:nvSpPr>
           <p:spPr>
             <a:xfrm>
-              <a:off x="5881460" y="2797967"/>
-              <a:ext cx="94074" cy="94074"/>
+              <a:off x="5881370" y="2732405"/>
+              <a:ext cx="93980" cy="93980"/>
             </a:xfrm>
             <a:custGeom>
               <a:avLst/>
@@ -18686,8 +20103,8 @@
           </p:nvSpPr>
           <p:spPr>
             <a:xfrm>
-              <a:off x="6048958" y="2797967"/>
-              <a:ext cx="94074" cy="94074"/>
+              <a:off x="6049010" y="2732405"/>
+              <a:ext cx="93980" cy="93980"/>
             </a:xfrm>
             <a:custGeom>
               <a:avLst/>
@@ -19259,8 +20676,8 @@
           </p:nvSpPr>
           <p:spPr>
             <a:xfrm>
-              <a:off x="6216684" y="2797967"/>
-              <a:ext cx="93845" cy="94074"/>
+              <a:off x="6216650" y="2732405"/>
+              <a:ext cx="93980" cy="93980"/>
             </a:xfrm>
             <a:custGeom>
               <a:avLst/>
@@ -19832,8 +21249,8 @@
           </p:nvSpPr>
           <p:spPr>
             <a:xfrm>
-              <a:off x="5881460" y="2967530"/>
-              <a:ext cx="94074" cy="93845"/>
+              <a:off x="5881370" y="2901950"/>
+              <a:ext cx="93980" cy="93980"/>
             </a:xfrm>
             <a:custGeom>
               <a:avLst/>
@@ -20400,8 +21817,8 @@
           </p:nvSpPr>
           <p:spPr>
             <a:xfrm>
-              <a:off x="6048958" y="2967530"/>
-              <a:ext cx="94074" cy="93845"/>
+              <a:off x="6049010" y="2901950"/>
+              <a:ext cx="93980" cy="93980"/>
             </a:xfrm>
             <a:custGeom>
               <a:avLst/>
@@ -20969,8 +22386,8 @@
           </p:nvSpPr>
           <p:spPr>
             <a:xfrm>
-              <a:off x="6216684" y="2967530"/>
-              <a:ext cx="93845" cy="93845"/>
+              <a:off x="6216650" y="2901950"/>
+              <a:ext cx="93980" cy="93980"/>
             </a:xfrm>
             <a:custGeom>
               <a:avLst/>
@@ -21539,8 +22956,8 @@
           </p:nvSpPr>
           <p:spPr>
             <a:xfrm>
-              <a:off x="5881460" y="3136863"/>
-              <a:ext cx="94074" cy="94074"/>
+              <a:off x="5881370" y="3071495"/>
+              <a:ext cx="93980" cy="93980"/>
             </a:xfrm>
             <a:custGeom>
               <a:avLst/>
@@ -22109,8 +23526,8 @@
           </p:nvSpPr>
           <p:spPr>
             <a:xfrm>
-              <a:off x="6048958" y="3136863"/>
-              <a:ext cx="94074" cy="94074"/>
+              <a:off x="6049010" y="3071495"/>
+              <a:ext cx="93980" cy="93980"/>
             </a:xfrm>
             <a:custGeom>
               <a:avLst/>
@@ -22679,8 +24096,8 @@
           </p:nvSpPr>
           <p:spPr>
             <a:xfrm>
-              <a:off x="6216684" y="3136863"/>
-              <a:ext cx="93845" cy="94074"/>
+              <a:off x="6216650" y="3071495"/>
+              <a:ext cx="93980" cy="93980"/>
             </a:xfrm>
             <a:custGeom>
               <a:avLst/>
@@ -23248,10 +24665,10 @@
         </p:nvGrpSpPr>
         <p:grpSpPr>
           <a:xfrm rot="0">
-            <a:off x="8850952" y="3004526"/>
-            <a:ext cx="247230" cy="383339"/>
-            <a:chOff x="8848665" y="3069843"/>
-            <a:chExt cx="247230" cy="383339"/>
+            <a:off x="8851265" y="3004820"/>
+            <a:ext cx="247015" cy="383540"/>
+            <a:chOff x="8851265" y="3004820"/>
+            <a:chExt cx="247015" cy="383540"/>
           </a:xfrm>
         </p:grpSpPr>
         <p:sp>
@@ -23264,8 +24681,8 @@
           </p:nvSpPr>
           <p:spPr>
             <a:xfrm>
-              <a:off x="8985383" y="3342873"/>
-              <a:ext cx="110512" cy="110309"/>
+              <a:off x="8987790" y="3277870"/>
+              <a:ext cx="110490" cy="110490"/>
             </a:xfrm>
             <a:custGeom>
               <a:avLst/>
@@ -23906,8 +25323,8 @@
           </p:nvSpPr>
           <p:spPr>
             <a:xfrm>
-              <a:off x="8941097" y="3069843"/>
-              <a:ext cx="154798" cy="142407"/>
+              <a:off x="8943340" y="3004820"/>
+              <a:ext cx="154940" cy="142240"/>
             </a:xfrm>
             <a:custGeom>
               <a:avLst/>
@@ -24625,8 +26042,8 @@
           </p:nvSpPr>
           <p:spPr>
             <a:xfrm>
-              <a:off x="8848665" y="3206358"/>
-              <a:ext cx="139562" cy="156221"/>
+              <a:off x="8851265" y="3141345"/>
+              <a:ext cx="139700" cy="156210"/>
             </a:xfrm>
             <a:custGeom>
               <a:avLst/>
@@ -25332,8 +26749,8 @@
         </p:nvSpPr>
         <p:spPr>
           <a:xfrm>
-            <a:off x="3048824" y="3051018"/>
-            <a:ext cx="337205" cy="336847"/>
+            <a:off x="3048635" y="3051175"/>
+            <a:ext cx="337185" cy="336550"/>
           </a:xfrm>
           <a:custGeom>
             <a:avLst/>
@@ -25798,8 +27215,8 @@
         </p:nvSpPr>
         <p:spPr>
           <a:xfrm>
-            <a:off x="3097736" y="3122243"/>
-            <a:ext cx="52660" cy="52660"/>
+            <a:off x="3097530" y="3122295"/>
+            <a:ext cx="52705" cy="52705"/>
           </a:xfrm>
           <a:custGeom>
             <a:avLst/>
@@ -26284,8 +27701,8 @@
         </p:nvSpPr>
         <p:spPr>
           <a:xfrm>
-            <a:off x="3164142" y="3141701"/>
-            <a:ext cx="173868" cy="13745"/>
+            <a:off x="3164205" y="3141980"/>
+            <a:ext cx="173990" cy="13970"/>
           </a:xfrm>
           <a:custGeom>
             <a:avLst/>
@@ -26556,8 +27973,8 @@
         </p:nvSpPr>
         <p:spPr>
           <a:xfrm>
-            <a:off x="3097736" y="3193111"/>
-            <a:ext cx="52660" cy="52660"/>
+            <a:off x="3097530" y="3193415"/>
+            <a:ext cx="52705" cy="52705"/>
           </a:xfrm>
           <a:custGeom>
             <a:avLst/>
@@ -27063,8 +28480,8 @@
         </p:nvSpPr>
         <p:spPr>
           <a:xfrm>
-            <a:off x="3164142" y="3212569"/>
-            <a:ext cx="173868" cy="13745"/>
+            <a:off x="3164205" y="3212465"/>
+            <a:ext cx="173990" cy="13970"/>
           </a:xfrm>
           <a:custGeom>
             <a:avLst/>
@@ -27337,8 +28754,8 @@
         </p:nvSpPr>
         <p:spPr>
           <a:xfrm>
-            <a:off x="3097736" y="3263979"/>
-            <a:ext cx="52660" cy="52660"/>
+            <a:off x="3097530" y="3263900"/>
+            <a:ext cx="52705" cy="52705"/>
           </a:xfrm>
           <a:custGeom>
             <a:avLst/>
@@ -27823,8 +29240,8 @@
         </p:nvSpPr>
         <p:spPr>
           <a:xfrm>
-            <a:off x="3164142" y="3283437"/>
-            <a:ext cx="173868" cy="13567"/>
+            <a:off x="3164205" y="3283585"/>
+            <a:ext cx="173990" cy="13335"/>
           </a:xfrm>
           <a:custGeom>
             <a:avLst/>
@@ -28095,8 +29512,8 @@
         </p:nvSpPr>
         <p:spPr>
           <a:xfrm>
-            <a:off x="2394585" y="3553868"/>
-            <a:ext cx="1697355" cy="292327"/>
+            <a:off x="2395855" y="3554095"/>
+            <a:ext cx="1693545" cy="292100"/>
           </a:xfrm>
           <a:prstGeom prst="rect">
             <a:avLst/>
@@ -28180,8 +29597,8 @@
         </p:nvSpPr>
         <p:spPr>
           <a:xfrm>
-            <a:off x="8332988" y="3429000"/>
-            <a:ext cx="1283452" cy="512445"/>
+            <a:off x="8349615" y="3429000"/>
+            <a:ext cx="1249045" cy="512445"/>
           </a:xfrm>
           <a:prstGeom prst="rect">
             <a:avLst/>
@@ -28315,8 +29732,8 @@
         </p:nvSpPr>
         <p:spPr>
           <a:xfrm>
-            <a:off x="5371147" y="3237269"/>
-            <a:ext cx="1449705" cy="570826"/>
+            <a:off x="5394325" y="3237230"/>
+            <a:ext cx="1401445" cy="570865"/>
           </a:xfrm>
           <a:prstGeom prst="rect">
             <a:avLst/>
@@ -28442,8 +29859,8 @@
         </p:nvSpPr>
         <p:spPr>
           <a:xfrm>
-            <a:off x="2194560" y="4109726"/>
-            <a:ext cx="2021205" cy="641344"/>
+            <a:off x="2158365" y="4109720"/>
+            <a:ext cx="2092325" cy="641350"/>
           </a:xfrm>
           <a:prstGeom prst="rect">
             <a:avLst/>
@@ -28571,8 +29988,8 @@
         </p:nvSpPr>
         <p:spPr>
           <a:xfrm flipH="1" flipV="1">
-            <a:off x="3131264" y="3952083"/>
-            <a:ext cx="167018" cy="76200"/>
+            <a:off x="3131185" y="3952240"/>
+            <a:ext cx="167005" cy="76200"/>
           </a:xfrm>
           <a:prstGeom prst="triangle">
             <a:avLst>
@@ -28621,8 +30038,8 @@
         </p:nvSpPr>
         <p:spPr>
           <a:xfrm flipH="1" flipV="1">
-            <a:off x="8891058" y="3952083"/>
-            <a:ext cx="167018" cy="76200"/>
+            <a:off x="8891270" y="3952240"/>
+            <a:ext cx="167005" cy="76200"/>
           </a:xfrm>
           <a:prstGeom prst="triangle">
             <a:avLst>
@@ -28671,8 +30088,8 @@
         </p:nvSpPr>
         <p:spPr>
           <a:xfrm>
-            <a:off x="7985759" y="4119251"/>
-            <a:ext cx="1916430" cy="450844"/>
+            <a:off x="7938135" y="4119245"/>
+            <a:ext cx="2011045" cy="450850"/>
           </a:xfrm>
           <a:prstGeom prst="rect">
             <a:avLst/>
@@ -28858,8 +30275,8 @@
         </p:nvSpPr>
         <p:spPr>
           <a:xfrm>
-            <a:off x="5509260" y="3967389"/>
-            <a:ext cx="1116330" cy="297906"/>
+            <a:off x="5575935" y="3967480"/>
+            <a:ext cx="982345" cy="297815"/>
           </a:xfrm>
           <a:prstGeom prst="rect">
             <a:avLst/>
@@ -28923,8 +30340,8 @@
         </p:nvSpPr>
         <p:spPr>
           <a:xfrm flipH="1" flipV="1">
-            <a:off x="6013848" y="3802180"/>
-            <a:ext cx="183720" cy="83820"/>
+            <a:off x="6014085" y="3802380"/>
+            <a:ext cx="183515" cy="83820"/>
           </a:xfrm>
           <a:prstGeom prst="triangle">
             <a:avLst>
@@ -28972,17 +30389,24 @@
   </p:clrMapOvr>
   <mc:AlternateContent xmlns:mc="http://schemas.openxmlformats.org/markup-compatibility/2006">
     <mc:Choice xmlns:p14="http://schemas.microsoft.com/office/powerpoint/2010/main" Requires="p14">
-      <p:transition xmlns:mc="http://schemas.openxmlformats.org/markup-compatibility/2006" xmlns:p14="http://schemas.microsoft.com/office/powerpoint/2010/main" mc:Ignorable="p14" p14:dur="500"/>
+      <p:transition spd="slow" p14:dur="500"/>
     </mc:Choice>
     <mc:Fallback>
-      <p:transition/>
+      <p:transition spd="slow"/>
     </mc:Fallback>
   </mc:AlternateContent>
+  <p:timing>
+    <p:tnLst>
+      <p:par>
+        <p:cTn id="1" dur="indefinite" restart="never" nodeType="tmRoot"/>
+      </p:par>
+    </p:tnLst>
+  </p:timing>
 </p:sld>
 </file>
 
 <file path=ppt/slides/slide7.xml><?xml version="1.0" encoding="utf-8"?>
-<p:sld xmlns:r="http://schemas.openxmlformats.org/officeDocument/2006/relationships" xmlns:c="http://schemas.openxmlformats.org/drawingml/2006/chart" xmlns:a="http://schemas.openxmlformats.org/drawingml/2006/main" xmlns:dgm="http://schemas.openxmlformats.org/drawingml/2006/diagram" xmlns:dsp="http://schemas.microsoft.com/office/drawing/2008/diagram" xmlns:p="http://schemas.openxmlformats.org/presentationml/2006/main">
+<p:sld xmlns:r="http://schemas.openxmlformats.org/officeDocument/2006/relationships" xmlns:c="http://schemas.openxmlformats.org/drawingml/2006/chart" xmlns:a="http://schemas.openxmlformats.org/drawingml/2006/main" xmlns:dgm="http://schemas.openxmlformats.org/drawingml/2006/diagram" xmlns:dsp="http://schemas.microsoft.com/office/drawing/2008/diagram" xmlns:p="http://schemas.openxmlformats.org/presentationml/2006/main" xmlns:p14="http://schemas.microsoft.com/office/powerpoint/2010/main">
   <p:cSld>
     <p:spTree>
       <p:nvGrpSpPr>
@@ -29006,10 +30430,10 @@
         </p:nvGrpSpPr>
         <p:grpSpPr>
           <a:xfrm rot="0">
-            <a:off x="5885857" y="6177394"/>
-            <a:ext cx="420286" cy="150177"/>
-            <a:chOff x="5885857" y="4737577"/>
-            <a:chExt cx="420286" cy="150177"/>
+            <a:off x="5885815" y="6177280"/>
+            <a:ext cx="420370" cy="149860"/>
+            <a:chOff x="5885815" y="6177280"/>
+            <a:chExt cx="420370" cy="149860"/>
           </a:xfrm>
         </p:grpSpPr>
         <p:cxnSp>
@@ -29020,8 +30444,8 @@
           </p:nvCxnSpPr>
           <p:spPr>
             <a:xfrm>
-              <a:off x="5885857" y="4766042"/>
-              <a:ext cx="0" cy="93249"/>
+              <a:off x="5885815" y="6205855"/>
+              <a:ext cx="0" cy="93345"/>
             </a:xfrm>
             <a:prstGeom prst="line">
               <a:avLst/>
@@ -29055,8 +30479,8 @@
           </p:nvCxnSpPr>
           <p:spPr>
             <a:xfrm>
-              <a:off x="6096000" y="4737577"/>
-              <a:ext cx="0" cy="150177"/>
+              <a:off x="6096000" y="6177280"/>
+              <a:ext cx="0" cy="149860"/>
             </a:xfrm>
             <a:prstGeom prst="line">
               <a:avLst/>
@@ -29090,8 +30514,8 @@
           </p:nvCxnSpPr>
           <p:spPr>
             <a:xfrm>
-              <a:off x="6306143" y="4766040"/>
-              <a:ext cx="0" cy="93249"/>
+              <a:off x="6306185" y="6205855"/>
+              <a:ext cx="0" cy="93345"/>
             </a:xfrm>
             <a:prstGeom prst="line">
               <a:avLst/>
@@ -29126,8 +30550,8 @@
         </p:nvSpPr>
         <p:spPr>
           <a:xfrm>
-            <a:off x="4431888" y="919533"/>
-            <a:ext cx="3328224" cy="523220"/>
+            <a:off x="4431665" y="919480"/>
+            <a:ext cx="3382645" cy="523240"/>
           </a:xfrm>
           <a:prstGeom prst="rect">
             <a:avLst/>
@@ -29202,10 +30626,10 @@
         </p:nvGrpSpPr>
         <p:grpSpPr>
           <a:xfrm rot="0">
-            <a:off x="5621930" y="487835"/>
-            <a:ext cx="948139" cy="400110"/>
-            <a:chOff x="5621930" y="676811"/>
-            <a:chExt cx="948139" cy="400110"/>
+            <a:off x="5621655" y="487680"/>
+            <a:ext cx="948055" cy="400050"/>
+            <a:chOff x="5621655" y="487680"/>
+            <a:chExt cx="948055" cy="400050"/>
           </a:xfrm>
         </p:grpSpPr>
         <p:cxnSp>
@@ -29216,8 +30640,8 @@
           </p:nvCxnSpPr>
           <p:spPr>
             <a:xfrm>
-              <a:off x="5774330" y="791641"/>
-              <a:ext cx="0" cy="147590"/>
+              <a:off x="5774055" y="602615"/>
+              <a:ext cx="0" cy="147320"/>
             </a:xfrm>
             <a:prstGeom prst="line">
               <a:avLst/>
@@ -29251,8 +30675,8 @@
           </p:nvSpPr>
           <p:spPr>
             <a:xfrm>
-              <a:off x="5912836" y="726584"/>
-              <a:ext cx="366326" cy="277704"/>
+              <a:off x="5913120" y="537845"/>
+              <a:ext cx="366395" cy="277495"/>
             </a:xfrm>
             <a:prstGeom prst="rect">
               <a:avLst/>
@@ -29299,8 +30723,8 @@
           </p:nvSpPr>
           <p:spPr>
             <a:xfrm>
-              <a:off x="5862890" y="676811"/>
-              <a:ext cx="486475" cy="400110"/>
+              <a:off x="5862955" y="487680"/>
+              <a:ext cx="436245" cy="400050"/>
             </a:xfrm>
             <a:prstGeom prst="rect">
               <a:avLst/>
@@ -29360,8 +30784,8 @@
           </p:nvCxnSpPr>
           <p:spPr>
             <a:xfrm>
-              <a:off x="5621930" y="820216"/>
-              <a:ext cx="0" cy="90440"/>
+              <a:off x="5621655" y="631190"/>
+              <a:ext cx="0" cy="90170"/>
             </a:xfrm>
             <a:prstGeom prst="line">
               <a:avLst/>
@@ -29395,8 +30819,8 @@
           </p:nvCxnSpPr>
           <p:spPr>
             <a:xfrm>
-              <a:off x="6417669" y="791641"/>
-              <a:ext cx="0" cy="147590"/>
+              <a:off x="6417945" y="602615"/>
+              <a:ext cx="0" cy="147320"/>
             </a:xfrm>
             <a:prstGeom prst="line">
               <a:avLst/>
@@ -29430,8 +30854,8 @@
           </p:nvCxnSpPr>
           <p:spPr>
             <a:xfrm>
-              <a:off x="6570069" y="820216"/>
-              <a:ext cx="0" cy="90440"/>
+              <a:off x="6570345" y="631190"/>
+              <a:ext cx="0" cy="90170"/>
             </a:xfrm>
             <a:prstGeom prst="line">
               <a:avLst/>
@@ -29466,8 +30890,8 @@
         </p:nvSpPr>
         <p:spPr>
           <a:xfrm>
-            <a:off x="5880734" y="6440454"/>
-            <a:ext cx="459105" cy="291816"/>
+            <a:off x="5884545" y="6440170"/>
+            <a:ext cx="448945" cy="292100"/>
           </a:xfrm>
           <a:prstGeom prst="rect">
             <a:avLst/>
@@ -29542,8 +30966,8 @@
         </p:nvSpPr>
         <p:spPr>
           <a:xfrm>
-            <a:off x="3409887" y="2019362"/>
-            <a:ext cx="1569720" cy="385316"/>
+            <a:off x="3409950" y="2019300"/>
+            <a:ext cx="1569720" cy="385445"/>
           </a:xfrm>
           <a:prstGeom prst="rect">
             <a:avLst/>
@@ -29590,8 +31014,8 @@
         </p:nvSpPr>
         <p:spPr>
           <a:xfrm flipV="1">
-            <a:off x="5992607" y="5047926"/>
-            <a:ext cx="206785" cy="104657"/>
+            <a:off x="5992495" y="5047615"/>
+            <a:ext cx="207010" cy="104775"/>
           </a:xfrm>
           <a:prstGeom prst="triangle">
             <a:avLst>
@@ -29640,8 +31064,8 @@
         </p:nvSpPr>
         <p:spPr>
           <a:xfrm>
-            <a:off x="5189007" y="5441017"/>
-            <a:ext cx="1813985" cy="394127"/>
+            <a:off x="5189220" y="5441315"/>
+            <a:ext cx="1814195" cy="394335"/>
           </a:xfrm>
           <a:prstGeom prst="roundRect">
             <a:avLst>
@@ -29694,8 +31118,8 @@
         </p:nvSpPr>
         <p:spPr>
           <a:xfrm>
-            <a:off x="5499735" y="5483627"/>
-            <a:ext cx="1163955" cy="296143"/>
+            <a:off x="5500370" y="5483860"/>
+            <a:ext cx="1160145" cy="295910"/>
           </a:xfrm>
           <a:prstGeom prst="rect">
             <a:avLst/>
@@ -29770,8 +31194,8 @@
         </p:nvSpPr>
         <p:spPr>
           <a:xfrm>
-            <a:off x="2186352" y="1893459"/>
-            <a:ext cx="7819296" cy="4167887"/>
+            <a:off x="2186305" y="1893570"/>
+            <a:ext cx="7819390" cy="4168140"/>
           </a:xfrm>
           <a:prstGeom prst="rect">
             <a:avLst/>
@@ -29818,7 +31242,7 @@
         </p:nvSpPr>
         <p:spPr>
           <a:xfrm flipH="1">
-            <a:off x="9708172" y="5769182"/>
+            <a:off x="9707880" y="5768975"/>
             <a:ext cx="203200" cy="203200"/>
           </a:xfrm>
           <a:prstGeom prst="triangle">
@@ -29863,99 +31287,77 @@
       <p:sp>
         <p:nvSpPr>
           <p:cNvPr id="116" name="TextBox 162"/>
-          <p:cNvSpPr txBox="1"/>
+          <p:cNvSpPr txBox="1">
+            <a:spLocks/>
+          </p:cNvSpPr>
           <p:nvPr/>
         </p:nvSpPr>
         <p:spPr>
-          <a:xfrm>
-            <a:off x="7986658" y="6127530"/>
-            <a:ext cx="2067932" cy="276999"/>
+          <a:xfrm rot="0">
+            <a:off x="6437630" y="6174105"/>
+            <a:ext cx="3611880" cy="245745"/>
           </a:xfrm>
-          <a:prstGeom prst="rect">
-            <a:avLst/>
-          </a:prstGeom>
+          <a:prstGeom prst="rect"/>
           <a:noFill/>
         </p:spPr>
         <p:txBody>
-          <a:bodyPr wrap="none">
+          <a:bodyPr wrap="none" lIns="91440" tIns="45720" rIns="91440" bIns="45720" numCol="1" vert="horz" anchor="t">
             <a:spAutoFit/>
           </a:bodyPr>
           <a:lstStyle/>
           <a:p>
-            <a:pPr lvl="0">
-              <a:defRPr/>
+            <a:pPr marL="0" indent="0" algn="l" fontAlgn="auto" defTabSz="914400" eaLnBrk="0">
+              <a:lnSpc>
+                <a:spcPct val="100000"/>
+              </a:lnSpc>
+              <a:spcBef>
+                <a:spcPts val="0"/>
+              </a:spcBef>
+              <a:spcAft>
+                <a:spcPts val="0"/>
+              </a:spcAft>
+              <a:buFontTx/>
+              <a:buNone/>
             </a:pPr>
             <a:r>
-              <a:rPr lang="ko-KR" altLang="en-US" sz="1200">
-                <a:ln w="9525">
+              <a:rPr lang="en-US" altLang="ko-KR" sz="1000" cap="none" dirty="0" smtClean="0" b="0" strike="noStrike">
+                <a:ln w="9525" cap="flat" cmpd="sng">
                   <a:solidFill>
                     <a:schemeClr val="bg1">
                       <a:alpha val="0"/>
                     </a:schemeClr>
                   </a:solidFill>
+                  <a:prstDash val="solid"/>
                 </a:ln>
                 <a:solidFill>
                   <a:schemeClr val="bg1"/>
                 </a:solidFill>
-                <a:latin typeface="배달의민족 주아"/>
-                <a:ea typeface="배달의민족 주아"/>
+                <a:latin typeface="배달의민족 주아" charset="0"/>
+                <a:ea typeface="배달의민족 주아" charset="0"/>
               </a:rPr>
-              <a:t>출처 </a:t>
+              <a:t>출처 : https://blog.naver.com/e_adventure/220021005776</a:t>
             </a:r>
-            <a:r>
-              <a:rPr lang="en-US" altLang="ko-KR" sz="1200">
-                <a:ln w="9525">
-                  <a:solidFill>
-                    <a:schemeClr val="bg1">
-                      <a:alpha val="0"/>
-                    </a:schemeClr>
-                  </a:solidFill>
-                </a:ln>
-                <a:solidFill>
-                  <a:schemeClr val="bg1"/>
-                </a:solidFill>
-                <a:latin typeface="배달의민족 주아"/>
-                <a:ea typeface="배달의민족 주아"/>
-              </a:rPr>
-              <a:t>: </a:t>
-            </a:r>
-            <a:r>
-              <a:rPr lang="ko-KR" altLang="en-US" sz="1200">
-                <a:ln w="9525">
-                  <a:solidFill>
-                    <a:schemeClr val="bg1">
-                      <a:alpha val="0"/>
-                    </a:schemeClr>
-                  </a:solidFill>
-                </a:ln>
-                <a:solidFill>
-                  <a:schemeClr val="bg1"/>
-                </a:solidFill>
-                <a:latin typeface="배달의민족 주아"/>
-                <a:ea typeface="배달의민족 주아"/>
-              </a:rPr>
-              <a:t>적어주는거 잊지말고</a:t>
-            </a:r>
-            <a:endParaRPr lang="en-US" altLang="ko-KR" sz="1200">
-              <a:ln w="9525">
+            <a:endParaRPr lang="ko-KR" altLang="en-US" sz="1000" cap="none" dirty="0" smtClean="0" b="0" strike="noStrike">
+              <a:ln w="9525" cap="flat" cmpd="sng">
                 <a:solidFill>
                   <a:schemeClr val="bg1">
                     <a:alpha val="0"/>
                   </a:schemeClr>
                 </a:solidFill>
+                <a:prstDash val="solid"/>
               </a:ln>
               <a:solidFill>
                 <a:schemeClr val="bg1"/>
               </a:solidFill>
-              <a:latin typeface="배달의민족 주아"/>
-              <a:ea typeface="배달의민족 주아"/>
+              <a:latin typeface="배달의민족 주아" charset="0"/>
+              <a:ea typeface="배달의민족 주아" charset="0"/>
             </a:endParaRPr>
           </a:p>
         </p:txBody>
       </p:sp>
       <p:pic>
         <p:nvPicPr>
-          <p:cNvPr id="117" name=""/>
+          <p:cNvPr id="117" name="그림 116"/>
           <p:cNvPicPr>
             <a:picLocks noChangeAspect="1"/>
           </p:cNvPicPr>
@@ -29969,7 +31371,7 @@
         </p:blipFill>
         <p:spPr>
           <a:xfrm>
-            <a:off x="3810000" y="2154728"/>
+            <a:off x="3810000" y="2154555"/>
             <a:ext cx="4572000" cy="2773680"/>
           </a:xfrm>
           <a:prstGeom prst="rect">
@@ -29984,17 +31386,24 @@
   </p:clrMapOvr>
   <mc:AlternateContent xmlns:mc="http://schemas.openxmlformats.org/markup-compatibility/2006">
     <mc:Choice xmlns:p14="http://schemas.microsoft.com/office/powerpoint/2010/main" Requires="p14">
-      <p:transition xmlns:mc="http://schemas.openxmlformats.org/markup-compatibility/2006" xmlns:p14="http://schemas.microsoft.com/office/powerpoint/2010/main" mc:Ignorable="p14" p14:dur="500"/>
+      <p:transition spd="slow" p14:dur="500"/>
     </mc:Choice>
     <mc:Fallback>
-      <p:transition/>
+      <p:transition spd="slow"/>
     </mc:Fallback>
   </mc:AlternateContent>
+  <p:timing>
+    <p:tnLst>
+      <p:par>
+        <p:cTn id="1" dur="indefinite" restart="never" nodeType="tmRoot"/>
+      </p:par>
+    </p:tnLst>
+  </p:timing>
 </p:sld>
 </file>
 
 <file path=ppt/slides/slide8.xml><?xml version="1.0" encoding="utf-8"?>
-<p:sld xmlns:r="http://schemas.openxmlformats.org/officeDocument/2006/relationships" xmlns:c="http://schemas.openxmlformats.org/drawingml/2006/chart" xmlns:a="http://schemas.openxmlformats.org/drawingml/2006/main" xmlns:dgm="http://schemas.openxmlformats.org/drawingml/2006/diagram" xmlns:dsp="http://schemas.microsoft.com/office/drawing/2008/diagram" xmlns:p="http://schemas.openxmlformats.org/presentationml/2006/main">
+<p:sld xmlns:r="http://schemas.openxmlformats.org/officeDocument/2006/relationships" xmlns:c="http://schemas.openxmlformats.org/drawingml/2006/chart" xmlns:a="http://schemas.openxmlformats.org/drawingml/2006/main" xmlns:dgm="http://schemas.openxmlformats.org/drawingml/2006/diagram" xmlns:dsp="http://schemas.microsoft.com/office/drawing/2008/diagram" xmlns:p="http://schemas.openxmlformats.org/presentationml/2006/main" xmlns:p14="http://schemas.microsoft.com/office/powerpoint/2010/main">
   <p:cSld>
     <p:spTree>
       <p:nvGrpSpPr>
@@ -30018,10 +31427,10 @@
         </p:nvGrpSpPr>
         <p:grpSpPr>
           <a:xfrm rot="0">
-            <a:off x="5885857" y="6177394"/>
-            <a:ext cx="420286" cy="150177"/>
-            <a:chOff x="5885857" y="4737577"/>
-            <a:chExt cx="420286" cy="150177"/>
+            <a:off x="5885815" y="6177280"/>
+            <a:ext cx="420370" cy="149860"/>
+            <a:chOff x="5885815" y="6177280"/>
+            <a:chExt cx="420370" cy="149860"/>
           </a:xfrm>
         </p:grpSpPr>
         <p:cxnSp>
@@ -30032,8 +31441,8 @@
           </p:nvCxnSpPr>
           <p:spPr>
             <a:xfrm>
-              <a:off x="5885857" y="4766042"/>
-              <a:ext cx="0" cy="93249"/>
+              <a:off x="5885815" y="6205855"/>
+              <a:ext cx="0" cy="93345"/>
             </a:xfrm>
             <a:prstGeom prst="line">
               <a:avLst/>
@@ -30067,8 +31476,8 @@
           </p:nvCxnSpPr>
           <p:spPr>
             <a:xfrm>
-              <a:off x="6096000" y="4737577"/>
-              <a:ext cx="0" cy="150177"/>
+              <a:off x="6096000" y="6177280"/>
+              <a:ext cx="0" cy="149860"/>
             </a:xfrm>
             <a:prstGeom prst="line">
               <a:avLst/>
@@ -30102,8 +31511,8 @@
           </p:nvCxnSpPr>
           <p:spPr>
             <a:xfrm>
-              <a:off x="6306143" y="4766040"/>
-              <a:ext cx="0" cy="93249"/>
+              <a:off x="6306185" y="6205855"/>
+              <a:ext cx="0" cy="93345"/>
             </a:xfrm>
             <a:prstGeom prst="line">
               <a:avLst/>
@@ -30138,10 +31547,10 @@
         </p:nvGrpSpPr>
         <p:grpSpPr>
           <a:xfrm rot="0">
-            <a:off x="5621930" y="487835"/>
-            <a:ext cx="948139" cy="400110"/>
-            <a:chOff x="5621930" y="676811"/>
-            <a:chExt cx="948139" cy="400110"/>
+            <a:off x="5621655" y="487680"/>
+            <a:ext cx="948055" cy="400050"/>
+            <a:chOff x="5621655" y="487680"/>
+            <a:chExt cx="948055" cy="400050"/>
           </a:xfrm>
         </p:grpSpPr>
         <p:cxnSp>
@@ -30152,8 +31561,8 @@
           </p:nvCxnSpPr>
           <p:spPr>
             <a:xfrm>
-              <a:off x="5774330" y="791641"/>
-              <a:ext cx="0" cy="147590"/>
+              <a:off x="5774055" y="602615"/>
+              <a:ext cx="0" cy="147320"/>
             </a:xfrm>
             <a:prstGeom prst="line">
               <a:avLst/>
@@ -30187,8 +31596,8 @@
           </p:nvSpPr>
           <p:spPr>
             <a:xfrm>
-              <a:off x="5912836" y="726584"/>
-              <a:ext cx="366326" cy="277704"/>
+              <a:off x="5913120" y="537845"/>
+              <a:ext cx="366395" cy="277495"/>
             </a:xfrm>
             <a:prstGeom prst="rect">
               <a:avLst/>
@@ -30235,8 +31644,8 @@
           </p:nvSpPr>
           <p:spPr>
             <a:xfrm>
-              <a:off x="5862890" y="676811"/>
-              <a:ext cx="486475" cy="400110"/>
+              <a:off x="5862955" y="487680"/>
+              <a:ext cx="436245" cy="400050"/>
             </a:xfrm>
             <a:prstGeom prst="rect">
               <a:avLst/>
@@ -30296,8 +31705,8 @@
           </p:nvCxnSpPr>
           <p:spPr>
             <a:xfrm>
-              <a:off x="5621930" y="820216"/>
-              <a:ext cx="0" cy="90440"/>
+              <a:off x="5621655" y="631190"/>
+              <a:ext cx="0" cy="90170"/>
             </a:xfrm>
             <a:prstGeom prst="line">
               <a:avLst/>
@@ -30331,8 +31740,8 @@
           </p:nvCxnSpPr>
           <p:spPr>
             <a:xfrm>
-              <a:off x="6417669" y="791641"/>
-              <a:ext cx="0" cy="147590"/>
+              <a:off x="6417945" y="602615"/>
+              <a:ext cx="0" cy="147320"/>
             </a:xfrm>
             <a:prstGeom prst="line">
               <a:avLst/>
@@ -30366,8 +31775,8 @@
           </p:nvCxnSpPr>
           <p:spPr>
             <a:xfrm>
-              <a:off x="6570069" y="820216"/>
-              <a:ext cx="0" cy="90440"/>
+              <a:off x="6570345" y="631190"/>
+              <a:ext cx="0" cy="90170"/>
             </a:xfrm>
             <a:prstGeom prst="line">
               <a:avLst/>
@@ -30402,8 +31811,8 @@
         </p:nvSpPr>
         <p:spPr>
           <a:xfrm>
-            <a:off x="5880734" y="6440454"/>
-            <a:ext cx="459106" cy="291816"/>
+            <a:off x="5884545" y="6440170"/>
+            <a:ext cx="448945" cy="292100"/>
           </a:xfrm>
           <a:prstGeom prst="rect">
             <a:avLst/>
@@ -30478,8 +31887,8 @@
         </p:nvSpPr>
         <p:spPr>
           <a:xfrm flipV="1">
-            <a:off x="2035021" y="4871187"/>
-            <a:ext cx="1079489" cy="109160"/>
+            <a:off x="2035175" y="4871085"/>
+            <a:ext cx="1079500" cy="109220"/>
           </a:xfrm>
           <a:prstGeom prst="rect">
             <a:avLst/>
@@ -30526,8 +31935,8 @@
         </p:nvSpPr>
         <p:spPr>
           <a:xfrm flipV="1">
-            <a:off x="2459877" y="4970255"/>
-            <a:ext cx="229776" cy="148823"/>
+            <a:off x="2459990" y="4970145"/>
+            <a:ext cx="229870" cy="148590"/>
           </a:xfrm>
           <a:prstGeom prst="triangle">
             <a:avLst>
@@ -30576,8 +31985,8 @@
         </p:nvSpPr>
         <p:spPr>
           <a:xfrm>
-            <a:off x="1760131" y="5216815"/>
-            <a:ext cx="1735455" cy="369332"/>
+            <a:off x="1735455" y="5216525"/>
+            <a:ext cx="1782445" cy="369570"/>
           </a:xfrm>
           <a:prstGeom prst="rect">
             <a:avLst/>
@@ -30635,8 +32044,8 @@
         </p:nvSpPr>
         <p:spPr>
           <a:xfrm>
-            <a:off x="5671144" y="4861856"/>
-            <a:ext cx="1079489" cy="109160"/>
+            <a:off x="5671185" y="4861560"/>
+            <a:ext cx="1079500" cy="109220"/>
           </a:xfrm>
           <a:prstGeom prst="rect">
             <a:avLst/>
@@ -30683,8 +32092,8 @@
         </p:nvSpPr>
         <p:spPr>
           <a:xfrm flipV="1">
-            <a:off x="6096000" y="4960919"/>
-            <a:ext cx="229776" cy="148823"/>
+            <a:off x="6096000" y="4960620"/>
+            <a:ext cx="229870" cy="148590"/>
           </a:xfrm>
           <a:prstGeom prst="triangle">
             <a:avLst>
@@ -30733,8 +32142,8 @@
         </p:nvSpPr>
         <p:spPr>
           <a:xfrm>
-            <a:off x="5372812" y="5181508"/>
-            <a:ext cx="1735455" cy="365332"/>
+            <a:off x="5347970" y="5181600"/>
+            <a:ext cx="1782445" cy="365125"/>
           </a:xfrm>
           <a:prstGeom prst="rect">
             <a:avLst/>
@@ -30792,7 +32201,7 @@
         </p:nvSpPr>
         <p:spPr>
           <a:xfrm flipH="1">
-            <a:off x="11541443" y="5703372"/>
+            <a:off x="11541760" y="5703570"/>
             <a:ext cx="203200" cy="203200"/>
           </a:xfrm>
           <a:prstGeom prst="triangle">
@@ -30842,7 +32251,7 @@
         </p:nvSpPr>
         <p:spPr>
           <a:xfrm flipV="1">
-            <a:off x="446300" y="1406343"/>
+            <a:off x="446405" y="1406525"/>
             <a:ext cx="203200" cy="203200"/>
           </a:xfrm>
           <a:prstGeom prst="triangle">
@@ -30892,8 +32301,8 @@
         </p:nvSpPr>
         <p:spPr>
           <a:xfrm>
-            <a:off x="4013311" y="936851"/>
-            <a:ext cx="4165377" cy="523220"/>
+            <a:off x="4013200" y="936625"/>
+            <a:ext cx="4271645" cy="523240"/>
           </a:xfrm>
           <a:prstGeom prst="rect">
             <a:avLst/>
@@ -30968,8 +32377,8 @@
         </p:nvSpPr>
         <p:spPr>
           <a:xfrm flipV="1">
-            <a:off x="9195511" y="4826353"/>
-            <a:ext cx="1079489" cy="109160"/>
+            <a:off x="9195435" y="4826635"/>
+            <a:ext cx="1079500" cy="109220"/>
           </a:xfrm>
           <a:prstGeom prst="rect">
             <a:avLst/>
@@ -31016,8 +32425,8 @@
         </p:nvSpPr>
         <p:spPr>
           <a:xfrm flipV="1">
-            <a:off x="9620367" y="4925421"/>
-            <a:ext cx="229776" cy="148823"/>
+            <a:off x="9620250" y="4925695"/>
+            <a:ext cx="229870" cy="148590"/>
           </a:xfrm>
           <a:prstGeom prst="triangle">
             <a:avLst>
@@ -31066,8 +32475,8 @@
         </p:nvSpPr>
         <p:spPr>
           <a:xfrm>
-            <a:off x="8915331" y="5180641"/>
-            <a:ext cx="1792605" cy="642424"/>
+            <a:off x="8832215" y="5180330"/>
+            <a:ext cx="1956435" cy="642620"/>
           </a:xfrm>
           <a:prstGeom prst="rect">
             <a:avLst/>
@@ -31155,7 +32564,7 @@
       </p:sp>
       <p:pic>
         <p:nvPicPr>
-          <p:cNvPr id="121" name=""/>
+          <p:cNvPr id="121" name="그림 120"/>
           <p:cNvPicPr>
             <a:picLocks noChangeAspect="1"/>
           </p:cNvPicPr>
@@ -31169,8 +32578,8 @@
         </p:blipFill>
         <p:spPr>
           <a:xfrm>
-            <a:off x="8221998" y="2407708"/>
-            <a:ext cx="2895002" cy="2042584"/>
+            <a:off x="8221980" y="2407920"/>
+            <a:ext cx="2894965" cy="2042795"/>
           </a:xfrm>
           <a:prstGeom prst="rect">
             <a:avLst/>
@@ -31179,7 +32588,7 @@
       </p:pic>
       <p:pic>
         <p:nvPicPr>
-          <p:cNvPr id="122" name=""/>
+          <p:cNvPr id="122" name="그림 121"/>
           <p:cNvPicPr>
             <a:picLocks noChangeAspect="1"/>
           </p:cNvPicPr>
@@ -31193,8 +32602,8 @@
         </p:blipFill>
         <p:spPr>
           <a:xfrm>
-            <a:off x="4655096" y="2422186"/>
-            <a:ext cx="3111585" cy="2013627"/>
+            <a:off x="4655185" y="2421890"/>
+            <a:ext cx="3111500" cy="2013585"/>
           </a:xfrm>
           <a:prstGeom prst="rect">
             <a:avLst/>
@@ -31203,7 +32612,7 @@
       </p:pic>
       <p:pic>
         <p:nvPicPr>
-          <p:cNvPr id="123" name=""/>
+          <p:cNvPr id="123" name="그림 122"/>
           <p:cNvPicPr>
             <a:picLocks noChangeAspect="1"/>
           </p:cNvPicPr>
@@ -31217,14 +32626,200 @@
         </p:blipFill>
         <p:spPr>
           <a:xfrm>
-            <a:off x="823684" y="2460625"/>
-            <a:ext cx="3430814" cy="1936750"/>
+            <a:off x="823595" y="2460625"/>
+            <a:ext cx="3430905" cy="1936750"/>
           </a:xfrm>
           <a:prstGeom prst="rect">
             <a:avLst/>
           </a:prstGeom>
         </p:spPr>
       </p:pic>
+      <p:sp>
+        <p:nvSpPr>
+          <p:cNvPr id="124" name="TextBox 123"/>
+          <p:cNvSpPr txBox="1">
+            <a:spLocks/>
+          </p:cNvSpPr>
+          <p:nvPr/>
+        </p:nvSpPr>
+        <p:spPr>
+          <a:xfrm rot="0">
+            <a:off x="6735445" y="5979160"/>
+            <a:ext cx="5008880" cy="553085"/>
+          </a:xfrm>
+          <a:prstGeom prst="rect"/>
+          <a:noFill/>
+        </p:spPr>
+        <p:txBody>
+          <a:bodyPr wrap="none" lIns="91440" tIns="45720" rIns="91440" bIns="45720" numCol="1" vert="horz" anchor="t">
+            <a:spAutoFit/>
+          </a:bodyPr>
+          <a:lstStyle/>
+          <a:p>
+            <a:pPr marL="0" indent="0" algn="l" fontAlgn="auto" defTabSz="914400" eaLnBrk="0">
+              <a:lnSpc>
+                <a:spcPct val="100000"/>
+              </a:lnSpc>
+              <a:spcBef>
+                <a:spcPts val="0"/>
+              </a:spcBef>
+              <a:spcAft>
+                <a:spcPts val="0"/>
+              </a:spcAft>
+              <a:buFontTx/>
+              <a:buNone/>
+            </a:pPr>
+            <a:r>
+              <a:rPr lang="en-US" altLang="ko-KR" sz="1000" cap="none" dirty="0" smtClean="0" b="0" strike="noStrike">
+                <a:ln w="9525" cap="flat" cmpd="sng">
+                  <a:solidFill>
+                    <a:schemeClr val="bg1">
+                      <a:alpha val="0"/>
+                    </a:schemeClr>
+                  </a:solidFill>
+                  <a:prstDash val="solid"/>
+                </a:ln>
+                <a:solidFill>
+                  <a:schemeClr val="bg1"/>
+                </a:solidFill>
+                <a:latin typeface="배달의민족 주아" charset="0"/>
+                <a:ea typeface="배달의민족 주아" charset="0"/>
+              </a:rPr>
+              <a:t>출처 : http://watchrabbit.tistory.com/409 </a:t>
+            </a:r>
+            <a:endParaRPr lang="ko-KR" altLang="en-US" sz="1000" cap="none" dirty="0" smtClean="0" b="0" strike="noStrike">
+              <a:ln w="9525" cap="flat" cmpd="sng">
+                <a:solidFill>
+                  <a:schemeClr val="bg1">
+                    <a:alpha val="0"/>
+                  </a:schemeClr>
+                </a:solidFill>
+                <a:prstDash val="solid"/>
+              </a:ln>
+              <a:solidFill>
+                <a:schemeClr val="bg1"/>
+              </a:solidFill>
+              <a:latin typeface="배달의민족 주아" charset="0"/>
+              <a:ea typeface="배달의민족 주아" charset="0"/>
+            </a:endParaRPr>
+          </a:p>
+          <a:p>
+            <a:pPr marL="0" indent="0" algn="l" fontAlgn="auto" defTabSz="914400" eaLnBrk="0">
+              <a:lnSpc>
+                <a:spcPct val="100000"/>
+              </a:lnSpc>
+              <a:spcBef>
+                <a:spcPts val="0"/>
+              </a:spcBef>
+              <a:spcAft>
+                <a:spcPts val="0"/>
+              </a:spcAft>
+              <a:buFontTx/>
+              <a:buNone/>
+            </a:pPr>
+            <a:r>
+              <a:rPr lang="en-US" altLang="ko-KR" sz="1000" cap="none" dirty="0" smtClean="0" b="0" strike="noStrike">
+                <a:ln w="9525" cap="flat" cmpd="sng">
+                  <a:solidFill>
+                    <a:schemeClr val="bg1">
+                      <a:alpha val="0"/>
+                    </a:schemeClr>
+                  </a:solidFill>
+                  <a:prstDash val="solid"/>
+                </a:ln>
+                <a:solidFill>
+                  <a:schemeClr val="bg1"/>
+                </a:solidFill>
+                <a:latin typeface="배달의민족 주아" charset="0"/>
+                <a:ea typeface="배달의민족 주아" charset="0"/>
+              </a:rPr>
+              <a:t>출처 : </a:t>
+            </a:r>
+            <a:r>
+              <a:rPr lang="en-US" altLang="ko-KR" sz="1000" cap="none" dirty="0" smtClean="0" b="0" strike="noStrike">
+                <a:ln w="9525" cap="flat" cmpd="sng">
+                  <a:solidFill>
+                    <a:schemeClr val="bg1">
+                      <a:alpha val="0"/>
+                    </a:schemeClr>
+                  </a:solidFill>
+                  <a:prstDash val="solid"/>
+                </a:ln>
+                <a:solidFill>
+                  <a:schemeClr val="bg1"/>
+                </a:solidFill>
+                <a:latin typeface="배달의민족 주아" charset="0"/>
+                <a:ea typeface="배달의민족 주아" charset="0"/>
+                <a:hlinkClick r:id="rId5"/>
+              </a:rPr>
+              <a:t>https://www.cisco.com/c/ko_kr/about/press/2015/may-aug-2015/0601.html</a:t>
+            </a:r>
+            <a:endParaRPr lang="ko-KR" altLang="en-US" sz="1000" cap="none" dirty="0" smtClean="0" b="0" strike="noStrike">
+              <a:ln w="9525" cap="flat" cmpd="sng">
+                <a:solidFill>
+                  <a:schemeClr val="bg1">
+                    <a:alpha val="0"/>
+                  </a:schemeClr>
+                </a:solidFill>
+                <a:prstDash val="solid"/>
+              </a:ln>
+              <a:solidFill>
+                <a:schemeClr val="bg1"/>
+              </a:solidFill>
+              <a:latin typeface="배달의민족 주아" charset="0"/>
+              <a:ea typeface="배달의민족 주아" charset="0"/>
+            </a:endParaRPr>
+          </a:p>
+          <a:p>
+            <a:pPr marL="0" indent="0" algn="l" fontAlgn="auto" defTabSz="914400" eaLnBrk="0">
+              <a:lnSpc>
+                <a:spcPct val="100000"/>
+              </a:lnSpc>
+              <a:spcBef>
+                <a:spcPts val="0"/>
+              </a:spcBef>
+              <a:spcAft>
+                <a:spcPts val="0"/>
+              </a:spcAft>
+              <a:buFontTx/>
+              <a:buNone/>
+            </a:pPr>
+            <a:r>
+              <a:rPr lang="en-US" altLang="ko-KR" sz="1000" cap="none" dirty="0" smtClean="0" b="0" strike="noStrike">
+                <a:ln w="9525" cap="flat" cmpd="sng">
+                  <a:solidFill>
+                    <a:schemeClr val="bg1">
+                      <a:alpha val="0"/>
+                    </a:schemeClr>
+                  </a:solidFill>
+                  <a:prstDash val="solid"/>
+                </a:ln>
+                <a:solidFill>
+                  <a:schemeClr val="bg1"/>
+                </a:solidFill>
+                <a:latin typeface="배달의민족 주아" charset="0"/>
+                <a:ea typeface="배달의민족 주아" charset="0"/>
+              </a:rPr>
+              <a:t>출처 : http://www.samsung.com/uk/tvs/4k-uhd-tv-mu6100/UE40MU6100KXXU/   </a:t>
+            </a:r>
+            <a:endParaRPr lang="ko-KR" altLang="en-US" sz="1000" cap="none" dirty="0" smtClean="0" b="0" strike="noStrike">
+              <a:ln w="9525" cap="flat" cmpd="sng">
+                <a:solidFill>
+                  <a:schemeClr val="bg1">
+                    <a:alpha val="0"/>
+                  </a:schemeClr>
+                </a:solidFill>
+                <a:prstDash val="solid"/>
+              </a:ln>
+              <a:solidFill>
+                <a:schemeClr val="bg1"/>
+              </a:solidFill>
+              <a:latin typeface="배달의민족 주아" charset="0"/>
+              <a:ea typeface="배달의민족 주아" charset="0"/>
+            </a:endParaRPr>
+          </a:p>
+        </p:txBody>
+      </p:sp>
     </p:spTree>
   </p:cSld>
   <p:clrMapOvr>
@@ -31232,17 +32827,24 @@
   </p:clrMapOvr>
   <mc:AlternateContent xmlns:mc="http://schemas.openxmlformats.org/markup-compatibility/2006">
     <mc:Choice xmlns:p14="http://schemas.microsoft.com/office/powerpoint/2010/main" Requires="p14">
-      <p:transition xmlns:mc="http://schemas.openxmlformats.org/markup-compatibility/2006" xmlns:p14="http://schemas.microsoft.com/office/powerpoint/2010/main" mc:Ignorable="p14" p14:dur="500"/>
+      <p:transition spd="slow" p14:dur="500"/>
     </mc:Choice>
     <mc:Fallback>
-      <p:transition/>
+      <p:transition spd="slow"/>
     </mc:Fallback>
   </mc:AlternateContent>
+  <p:timing>
+    <p:tnLst>
+      <p:par>
+        <p:cTn id="1" dur="indefinite" restart="never" nodeType="tmRoot"/>
+      </p:par>
+    </p:tnLst>
+  </p:timing>
 </p:sld>
 </file>
 
 <file path=ppt/slides/slide9.xml><?xml version="1.0" encoding="utf-8"?>
-<p:sld xmlns:r="http://schemas.openxmlformats.org/officeDocument/2006/relationships" xmlns:c="http://schemas.openxmlformats.org/drawingml/2006/chart" xmlns:a="http://schemas.openxmlformats.org/drawingml/2006/main" xmlns:dgm="http://schemas.openxmlformats.org/drawingml/2006/diagram" xmlns:dsp="http://schemas.microsoft.com/office/drawing/2008/diagram" xmlns:p="http://schemas.openxmlformats.org/presentationml/2006/main">
+<p:sld xmlns:r="http://schemas.openxmlformats.org/officeDocument/2006/relationships" xmlns:c="http://schemas.openxmlformats.org/drawingml/2006/chart" xmlns:a="http://schemas.openxmlformats.org/drawingml/2006/main" xmlns:dgm="http://schemas.openxmlformats.org/drawingml/2006/diagram" xmlns:dsp="http://schemas.microsoft.com/office/drawing/2008/diagram" xmlns:p="http://schemas.openxmlformats.org/presentationml/2006/main" xmlns:p14="http://schemas.microsoft.com/office/powerpoint/2010/main">
   <p:cSld>
     <p:spTree>
       <p:nvGrpSpPr>
@@ -31266,10 +32868,10 @@
         </p:nvGrpSpPr>
         <p:grpSpPr>
           <a:xfrm rot="0">
-            <a:off x="5885857" y="6177394"/>
-            <a:ext cx="420286" cy="150177"/>
-            <a:chOff x="5885857" y="4737577"/>
-            <a:chExt cx="420286" cy="150177"/>
+            <a:off x="5885815" y="6177280"/>
+            <a:ext cx="420370" cy="149860"/>
+            <a:chOff x="5885815" y="6177280"/>
+            <a:chExt cx="420370" cy="149860"/>
           </a:xfrm>
         </p:grpSpPr>
         <p:cxnSp>
@@ -31280,8 +32882,8 @@
           </p:nvCxnSpPr>
           <p:spPr>
             <a:xfrm>
-              <a:off x="5885857" y="4766042"/>
-              <a:ext cx="0" cy="93249"/>
+              <a:off x="5885815" y="6205855"/>
+              <a:ext cx="0" cy="93345"/>
             </a:xfrm>
             <a:prstGeom prst="line">
               <a:avLst/>
@@ -31315,8 +32917,8 @@
           </p:nvCxnSpPr>
           <p:spPr>
             <a:xfrm>
-              <a:off x="6096000" y="4737577"/>
-              <a:ext cx="0" cy="150177"/>
+              <a:off x="6096000" y="6177280"/>
+              <a:ext cx="0" cy="149860"/>
             </a:xfrm>
             <a:prstGeom prst="line">
               <a:avLst/>
@@ -31350,8 +32952,8 @@
           </p:nvCxnSpPr>
           <p:spPr>
             <a:xfrm>
-              <a:off x="6306143" y="4766040"/>
-              <a:ext cx="0" cy="93249"/>
+              <a:off x="6306185" y="6205855"/>
+              <a:ext cx="0" cy="93345"/>
             </a:xfrm>
             <a:prstGeom prst="line">
               <a:avLst/>
@@ -31386,8 +32988,8 @@
         </p:nvSpPr>
         <p:spPr>
           <a:xfrm>
-            <a:off x="4075224" y="919533"/>
-            <a:ext cx="4045790" cy="523220"/>
+            <a:off x="4075430" y="919480"/>
+            <a:ext cx="4093845" cy="523240"/>
           </a:xfrm>
           <a:prstGeom prst="rect">
             <a:avLst/>
@@ -31462,10 +33064,10 @@
         </p:nvGrpSpPr>
         <p:grpSpPr>
           <a:xfrm rot="0">
-            <a:off x="5621930" y="487835"/>
-            <a:ext cx="948139" cy="400110"/>
-            <a:chOff x="5621930" y="676811"/>
-            <a:chExt cx="948139" cy="400110"/>
+            <a:off x="5621655" y="487680"/>
+            <a:ext cx="948055" cy="400050"/>
+            <a:chOff x="5621655" y="487680"/>
+            <a:chExt cx="948055" cy="400050"/>
           </a:xfrm>
         </p:grpSpPr>
         <p:cxnSp>
@@ -31476,8 +33078,8 @@
           </p:nvCxnSpPr>
           <p:spPr>
             <a:xfrm>
-              <a:off x="5774330" y="791641"/>
-              <a:ext cx="0" cy="147590"/>
+              <a:off x="5774055" y="602615"/>
+              <a:ext cx="0" cy="147320"/>
             </a:xfrm>
             <a:prstGeom prst="line">
               <a:avLst/>
@@ -31511,8 +33113,8 @@
           </p:nvSpPr>
           <p:spPr>
             <a:xfrm>
-              <a:off x="5912836" y="726584"/>
-              <a:ext cx="366326" cy="277704"/>
+              <a:off x="5913120" y="537845"/>
+              <a:ext cx="366395" cy="277495"/>
             </a:xfrm>
             <a:prstGeom prst="rect">
               <a:avLst/>
@@ -31559,8 +33161,8 @@
           </p:nvSpPr>
           <p:spPr>
             <a:xfrm>
-              <a:off x="5862890" y="676811"/>
-              <a:ext cx="486475" cy="400110"/>
+              <a:off x="5862955" y="487680"/>
+              <a:ext cx="436245" cy="400050"/>
             </a:xfrm>
             <a:prstGeom prst="rect">
               <a:avLst/>
@@ -31620,8 +33222,8 @@
           </p:nvCxnSpPr>
           <p:spPr>
             <a:xfrm>
-              <a:off x="5621930" y="820216"/>
-              <a:ext cx="0" cy="90440"/>
+              <a:off x="5621655" y="631190"/>
+              <a:ext cx="0" cy="90170"/>
             </a:xfrm>
             <a:prstGeom prst="line">
               <a:avLst/>
@@ -31655,8 +33257,8 @@
           </p:nvCxnSpPr>
           <p:spPr>
             <a:xfrm>
-              <a:off x="6417669" y="791641"/>
-              <a:ext cx="0" cy="147590"/>
+              <a:off x="6417945" y="602615"/>
+              <a:ext cx="0" cy="147320"/>
             </a:xfrm>
             <a:prstGeom prst="line">
               <a:avLst/>
@@ -31690,8 +33292,8 @@
           </p:nvCxnSpPr>
           <p:spPr>
             <a:xfrm>
-              <a:off x="6570069" y="820216"/>
-              <a:ext cx="0" cy="90440"/>
+              <a:off x="6570345" y="631190"/>
+              <a:ext cx="0" cy="90170"/>
             </a:xfrm>
             <a:prstGeom prst="line">
               <a:avLst/>
@@ -31726,8 +33328,8 @@
         </p:nvSpPr>
         <p:spPr>
           <a:xfrm>
-            <a:off x="5880734" y="6440454"/>
-            <a:ext cx="459105" cy="291816"/>
+            <a:off x="5884545" y="6440170"/>
+            <a:ext cx="448945" cy="292100"/>
           </a:xfrm>
           <a:prstGeom prst="rect">
             <a:avLst/>
@@ -31802,8 +33404,8 @@
         </p:nvSpPr>
         <p:spPr>
           <a:xfrm>
-            <a:off x="3409887" y="2019362"/>
-            <a:ext cx="1569720" cy="385316"/>
+            <a:off x="3409950" y="2019300"/>
+            <a:ext cx="1569720" cy="385445"/>
           </a:xfrm>
           <a:prstGeom prst="rect">
             <a:avLst/>
@@ -31850,8 +33452,8 @@
         </p:nvSpPr>
         <p:spPr>
           <a:xfrm flipV="1">
-            <a:off x="5992607" y="5259593"/>
-            <a:ext cx="206785" cy="104657"/>
+            <a:off x="5992495" y="5259705"/>
+            <a:ext cx="207010" cy="104775"/>
           </a:xfrm>
           <a:prstGeom prst="triangle">
             <a:avLst>
@@ -31900,8 +33502,8 @@
         </p:nvSpPr>
         <p:spPr>
           <a:xfrm>
-            <a:off x="5189007" y="5441017"/>
-            <a:ext cx="1813985" cy="394127"/>
+            <a:off x="5189220" y="5441315"/>
+            <a:ext cx="1814195" cy="394335"/>
           </a:xfrm>
           <a:prstGeom prst="roundRect">
             <a:avLst>
@@ -31954,8 +33556,8 @@
         </p:nvSpPr>
         <p:spPr>
           <a:xfrm>
-            <a:off x="5766434" y="5483627"/>
-            <a:ext cx="621031" cy="296143"/>
+            <a:off x="5807075" y="5483860"/>
+            <a:ext cx="537845" cy="295910"/>
           </a:xfrm>
           <a:prstGeom prst="rect">
             <a:avLst/>
@@ -32013,8 +33615,8 @@
         </p:nvSpPr>
         <p:spPr>
           <a:xfrm>
-            <a:off x="2186352" y="1893459"/>
-            <a:ext cx="7819296" cy="4167887"/>
+            <a:off x="2186305" y="1893570"/>
+            <a:ext cx="7819390" cy="4168140"/>
           </a:xfrm>
           <a:prstGeom prst="rect">
             <a:avLst/>
@@ -32061,7 +33663,7 @@
         </p:nvSpPr>
         <p:spPr>
           <a:xfrm flipH="1">
-            <a:off x="9708172" y="5769182"/>
+            <a:off x="9707880" y="5768975"/>
             <a:ext cx="203200" cy="203200"/>
           </a:xfrm>
           <a:prstGeom prst="triangle">
@@ -32106,99 +33708,77 @@
       <p:sp>
         <p:nvSpPr>
           <p:cNvPr id="116" name="TextBox 162"/>
-          <p:cNvSpPr txBox="1"/>
+          <p:cNvSpPr txBox="1">
+            <a:spLocks/>
+          </p:cNvSpPr>
           <p:nvPr/>
         </p:nvSpPr>
         <p:spPr>
-          <a:xfrm>
-            <a:off x="7986658" y="6127530"/>
-            <a:ext cx="2067932" cy="276999"/>
+          <a:xfrm rot="0">
+            <a:off x="7034530" y="6127750"/>
+            <a:ext cx="2976880" cy="245745"/>
           </a:xfrm>
-          <a:prstGeom prst="rect">
-            <a:avLst/>
-          </a:prstGeom>
+          <a:prstGeom prst="rect"/>
           <a:noFill/>
         </p:spPr>
         <p:txBody>
-          <a:bodyPr wrap="none">
+          <a:bodyPr wrap="none" lIns="91440" tIns="45720" rIns="91440" bIns="45720" numCol="1" vert="horz" anchor="t">
             <a:spAutoFit/>
           </a:bodyPr>
           <a:lstStyle/>
           <a:p>
-            <a:pPr lvl="0">
-              <a:defRPr/>
+            <a:pPr marL="0" indent="0" algn="l" fontAlgn="auto" defTabSz="914400" eaLnBrk="0">
+              <a:lnSpc>
+                <a:spcPct val="100000"/>
+              </a:lnSpc>
+              <a:spcBef>
+                <a:spcPts val="0"/>
+              </a:spcBef>
+              <a:spcAft>
+                <a:spcPts val="0"/>
+              </a:spcAft>
+              <a:buFontTx/>
+              <a:buNone/>
             </a:pPr>
             <a:r>
-              <a:rPr lang="ko-KR" altLang="en-US" sz="1200">
-                <a:ln w="9525">
+              <a:rPr lang="en-US" altLang="ko-KR" sz="1000" cap="none" dirty="0" smtClean="0" b="0" strike="noStrike">
+                <a:ln w="9525" cap="flat" cmpd="sng">
                   <a:solidFill>
                     <a:schemeClr val="bg1">
                       <a:alpha val="0"/>
                     </a:schemeClr>
                   </a:solidFill>
+                  <a:prstDash val="solid"/>
                 </a:ln>
                 <a:solidFill>
                   <a:schemeClr val="bg1"/>
                 </a:solidFill>
-                <a:latin typeface="배달의민족 주아"/>
-                <a:ea typeface="배달의민족 주아"/>
+                <a:latin typeface="배달의민족 주아" charset="0"/>
+                <a:ea typeface="배달의민족 주아" charset="0"/>
               </a:rPr>
-              <a:t>출처 </a:t>
+              <a:t>출처 : http://tip.daum.net/openknow/47244947</a:t>
             </a:r>
-            <a:r>
-              <a:rPr lang="en-US" altLang="ko-KR" sz="1200">
-                <a:ln w="9525">
-                  <a:solidFill>
-                    <a:schemeClr val="bg1">
-                      <a:alpha val="0"/>
-                    </a:schemeClr>
-                  </a:solidFill>
-                </a:ln>
-                <a:solidFill>
-                  <a:schemeClr val="bg1"/>
-                </a:solidFill>
-                <a:latin typeface="배달의민족 주아"/>
-                <a:ea typeface="배달의민족 주아"/>
-              </a:rPr>
-              <a:t>: </a:t>
-            </a:r>
-            <a:r>
-              <a:rPr lang="ko-KR" altLang="en-US" sz="1200">
-                <a:ln w="9525">
-                  <a:solidFill>
-                    <a:schemeClr val="bg1">
-                      <a:alpha val="0"/>
-                    </a:schemeClr>
-                  </a:solidFill>
-                </a:ln>
-                <a:solidFill>
-                  <a:schemeClr val="bg1"/>
-                </a:solidFill>
-                <a:latin typeface="배달의민족 주아"/>
-                <a:ea typeface="배달의민족 주아"/>
-              </a:rPr>
-              <a:t>적어주는거 잊지말고</a:t>
-            </a:r>
-            <a:endParaRPr lang="en-US" altLang="ko-KR" sz="1200">
-              <a:ln w="9525">
+            <a:endParaRPr lang="ko-KR" altLang="en-US" sz="1000" cap="none" dirty="0" smtClean="0" b="0" strike="noStrike">
+              <a:ln w="9525" cap="flat" cmpd="sng">
                 <a:solidFill>
                   <a:schemeClr val="bg1">
                     <a:alpha val="0"/>
                   </a:schemeClr>
                 </a:solidFill>
+                <a:prstDash val="solid"/>
               </a:ln>
               <a:solidFill>
                 <a:schemeClr val="bg1"/>
               </a:solidFill>
-              <a:latin typeface="배달의민족 주아"/>
-              <a:ea typeface="배달의민족 주아"/>
+              <a:latin typeface="배달의민족 주아" charset="0"/>
+              <a:ea typeface="배달의민족 주아" charset="0"/>
             </a:endParaRPr>
           </a:p>
         </p:txBody>
       </p:sp>
       <p:pic>
         <p:nvPicPr>
-          <p:cNvPr id="118" name=""/>
+          <p:cNvPr id="118" name="그림 117"/>
           <p:cNvPicPr>
             <a:picLocks noChangeAspect="1"/>
           </p:cNvPicPr>
@@ -32212,8 +33792,8 @@
         </p:blipFill>
         <p:spPr>
           <a:xfrm>
-            <a:off x="2700660" y="2031153"/>
-            <a:ext cx="6790679" cy="3144943"/>
+            <a:off x="2700655" y="2031365"/>
+            <a:ext cx="6790690" cy="3145155"/>
           </a:xfrm>
           <a:prstGeom prst="rect">
             <a:avLst/>
@@ -32227,12 +33807,19 @@
   </p:clrMapOvr>
   <mc:AlternateContent xmlns:mc="http://schemas.openxmlformats.org/markup-compatibility/2006">
     <mc:Choice xmlns:p14="http://schemas.microsoft.com/office/powerpoint/2010/main" Requires="p14">
-      <p:transition xmlns:mc="http://schemas.openxmlformats.org/markup-compatibility/2006" xmlns:p14="http://schemas.microsoft.com/office/powerpoint/2010/main" mc:Ignorable="p14" p14:dur="500"/>
+      <p:transition spd="slow" p14:dur="500"/>
     </mc:Choice>
     <mc:Fallback>
-      <p:transition/>
+      <p:transition spd="slow"/>
     </mc:Fallback>
   </mc:AlternateContent>
+  <p:timing>
+    <p:tnLst>
+      <p:par>
+        <p:cTn id="1" dur="indefinite" restart="never" nodeType="tmRoot"/>
+      </p:par>
+    </p:tnLst>
+  </p:timing>
 </p:sld>
 </file>
 

--- a/발표자료/BCN, Giga인터넷/네트워크기초(BCN, 기가인터넷).pptx
+++ b/발표자료/BCN, Giga인터넷/네트워크기초(BCN, 기가인터넷).pptx
@@ -2,7 +2,7 @@
 <file path=ppt/presentation.xml><?xml version="1.0" encoding="utf-8"?>
 <p:presentation xmlns:r="http://schemas.openxmlformats.org/officeDocument/2006/relationships" xmlns:c="http://schemas.openxmlformats.org/drawingml/2006/chart" xmlns:a="http://schemas.openxmlformats.org/drawingml/2006/main" xmlns:dgm="http://schemas.openxmlformats.org/drawingml/2006/diagram" xmlns:dsp="http://schemas.microsoft.com/office/drawing/2008/diagram" xmlns:p="http://schemas.openxmlformats.org/presentationml/2006/main" xmlns:p14="http://schemas.microsoft.com/office/powerpoint/2010/main" saveSubsetFonts="1">
   <p:sldMasterIdLst>
-    <p:sldMasterId id="2147483674" r:id="rId13"/>
+    <p:sldMasterId id="2147483675" r:id="rId13"/>
   </p:sldMasterIdLst>
   <p:notesMasterIdLst>
     <p:notesMasterId r:id="rId15"/>
@@ -13,14 +13,14 @@
     <p:sldId id="258" r:id="rId19"/>
     <p:sldId id="259" r:id="rId20"/>
     <p:sldId id="260" r:id="rId21"/>
-    <p:sldId id="261" r:id="rId22"/>
-    <p:sldId id="262" r:id="rId23"/>
-    <p:sldId id="263" r:id="rId24"/>
-    <p:sldId id="264" r:id="rId25"/>
-    <p:sldId id="265" r:id="rId26"/>
-    <p:sldId id="266" r:id="rId27"/>
-    <p:sldId id="268" r:id="rId28"/>
-    <p:sldId id="267" r:id="rId29"/>
+    <p:sldId id="261" r:id="rId23"/>
+    <p:sldId id="262" r:id="rId24"/>
+    <p:sldId id="263" r:id="rId26"/>
+    <p:sldId id="264" r:id="rId27"/>
+    <p:sldId id="265" r:id="rId29"/>
+    <p:sldId id="266" r:id="rId31"/>
+    <p:sldId id="268" r:id="rId32"/>
+    <p:sldId id="267" r:id="rId33"/>
   </p:sldIdLst>
   <p:sldSz cx="12192000" cy="6858000"/>
   <p:notesSz cx="6858000" cy="9144000"/>
@@ -122,17 +122,17 @@
   <p:extLst>
     <p:ext uri="{EFAFB233-063F-42B5-8137-9DF3F51BA10A}">
       <p15:sldGuideLst xmlns:p15="http://schemas.microsoft.com/office/powerpoint/2012/main">
-        <p15:guide id="0" orient="horz" pos="2153" userDrawn="1">
+        <p15:guide id="0" orient="horz" pos="2152" userDrawn="1">
           <p15:clr>
             <a:srgbClr val="A4A3A4"/>
           </p15:clr>
         </p15:guide>
-        <p15:guide id="1" orient="horz" pos="1219" userDrawn="1">
+        <p15:guide id="1" orient="horz" pos="1218" userDrawn="1">
           <p15:clr>
             <a:srgbClr val="A4A3A4"/>
           </p15:clr>
         </p15:guide>
-        <p15:guide id="2" pos="3838" userDrawn="1">
+        <p15:guide id="2" pos="3837" userDrawn="1">
           <p15:clr>
             <a:srgbClr val="A4A3A4"/>
           </p15:clr>
@@ -3969,7 +3969,7 @@
         </p:nvSpPr>
         <p:spPr>
           <a:xfrm>
-            <a:off x="5848985" y="2446655"/>
+            <a:off x="5848350" y="2446655"/>
             <a:ext cx="493395" cy="294640"/>
           </a:xfrm>
           <a:prstGeom prst="rect">
@@ -4007,96 +4007,72 @@
       <p:sp>
         <p:nvSpPr>
           <p:cNvPr id="51" name="TextBox 50"/>
-          <p:cNvSpPr txBox="1"/>
+          <p:cNvSpPr txBox="1">
+            <a:spLocks/>
+          </p:cNvSpPr>
           <p:nvPr/>
         </p:nvSpPr>
         <p:spPr>
-          <a:xfrm>
-            <a:off x="5604510" y="3429000"/>
-            <a:ext cx="1122045" cy="338455"/>
+          <a:xfrm rot="0">
+            <a:off x="5532755" y="3429000"/>
+            <a:ext cx="1122680" cy="338455"/>
           </a:xfrm>
-          <a:prstGeom prst="rect">
-            <a:avLst/>
-          </a:prstGeom>
+          <a:prstGeom prst="rect"/>
           <a:noFill/>
         </p:spPr>
         <p:txBody>
-          <a:bodyPr wrap="none">
+          <a:bodyPr wrap="none" lIns="91440" tIns="45720" rIns="91440" bIns="45720" numCol="1" vert="horz" anchor="t">
             <a:spAutoFit/>
           </a:bodyPr>
           <a:lstStyle/>
           <a:p>
-            <a:pPr lvl="0">
-              <a:defRPr/>
+            <a:pPr marL="0" indent="0" algn="l" fontAlgn="auto" defTabSz="914400" eaLnBrk="0">
+              <a:lnSpc>
+                <a:spcPct val="100000"/>
+              </a:lnSpc>
+              <a:spcBef>
+                <a:spcPts val="0"/>
+              </a:spcBef>
+              <a:spcAft>
+                <a:spcPts val="0"/>
+              </a:spcAft>
+              <a:buFontTx/>
+              <a:buNone/>
             </a:pPr>
             <a:r>
-              <a:rPr lang="en-US" altLang="ko-KR" sz="1600" b="0" spc="300">
-                <a:ln w="9525">
+              <a:rPr lang="en-US" altLang="ko-KR" sz="1600" cap="none" spc="300" dirty="0" smtClean="0" b="0" strike="noStrike">
+                <a:ln w="9525" cap="flat" cmpd="sng">
                   <a:solidFill>
                     <a:schemeClr val="accent1">
                       <a:shade val="50000"/>
                       <a:alpha val="0"/>
                     </a:schemeClr>
                   </a:solidFill>
+                  <a:prstDash val="solid"/>
                 </a:ln>
                 <a:solidFill>
                   <a:schemeClr val="bg1"/>
                 </a:solidFill>
-                <a:latin typeface="배달의민족 주아"/>
-                <a:ea typeface="배달의민족 주아"/>
+                <a:latin typeface="배달의민족 주아" charset="0"/>
+                <a:ea typeface="배달의민족 주아" charset="0"/>
               </a:rPr>
-              <a:t>I 3</a:t>
+              <a:t>I 3조 I</a:t>
             </a:r>
-            <a:r>
-              <a:rPr lang="ko-KR" altLang="en-US" sz="1600" b="0" spc="300">
-                <a:ln w="9525">
-                  <a:solidFill>
-                    <a:schemeClr val="accent1">
-                      <a:shade val="50000"/>
-                      <a:alpha val="0"/>
-                    </a:schemeClr>
-                  </a:solidFill>
-                </a:ln>
-                <a:solidFill>
-                  <a:schemeClr val="bg1"/>
-                </a:solidFill>
-                <a:latin typeface="배달의민족 주아"/>
-                <a:ea typeface="배달의민족 주아"/>
-              </a:rPr>
-              <a:t>조 </a:t>
-            </a:r>
-            <a:r>
-              <a:rPr lang="en-US" altLang="ko-KR" sz="1600" b="0" spc="300">
-                <a:ln w="9525">
-                  <a:solidFill>
-                    <a:schemeClr val="accent1">
-                      <a:shade val="50000"/>
-                      <a:alpha val="0"/>
-                    </a:schemeClr>
-                  </a:solidFill>
-                </a:ln>
-                <a:solidFill>
-                  <a:schemeClr val="bg1"/>
-                </a:solidFill>
-                <a:latin typeface="배달의민족 주아"/>
-                <a:ea typeface="배달의민족 주아"/>
-              </a:rPr>
-              <a:t>I</a:t>
-            </a:r>
-            <a:endParaRPr lang="en-US" altLang="ko-KR" sz="1600" b="0" spc="300">
-              <a:ln w="9525">
+            <a:endParaRPr lang="ko-KR" altLang="en-US" sz="1600" cap="none" dirty="0" smtClean="0" b="0" strike="noStrike">
+              <a:ln w="9525" cap="flat" cmpd="sng">
                 <a:solidFill>
                   <a:schemeClr val="accent1">
                     <a:shade val="50000"/>
                     <a:alpha val="0"/>
                   </a:schemeClr>
                 </a:solidFill>
+                <a:prstDash val="solid"/>
               </a:ln>
               <a:solidFill>
                 <a:schemeClr val="bg1"/>
               </a:solidFill>
-              <a:latin typeface="배달의민족 주아"/>
-              <a:ea typeface="배달의민족 주아"/>
+              <a:latin typeface="배달의민족 주아" charset="0"/>
+              <a:ea typeface="배달의민족 주아" charset="0"/>
             </a:endParaRPr>
           </a:p>
         </p:txBody>
@@ -4109,8 +4085,8 @@
         </p:nvSpPr>
         <p:spPr>
           <a:xfrm>
-            <a:off x="5199380" y="4048760"/>
-            <a:ext cx="1792605" cy="940435"/>
+            <a:off x="5248275" y="4048760"/>
+            <a:ext cx="1693545" cy="940435"/>
           </a:xfrm>
           <a:prstGeom prst="rect">
             <a:avLst/>
